--- a/Pitch (Venta) [Template] PHOBIA.pptx
+++ b/Pitch (Venta) [Template] PHOBIA.pptx
@@ -11794,13 +11794,13 @@
       </p:sp>
       <p:sp>
         <p:nvSpPr>
-          <p:cNvPr id="82" name="Google Shape;82;p17"/>
+          <p:cNvPr id="83" name="Google Shape;83;p17"/>
           <p:cNvSpPr/>
           <p:nvPr/>
         </p:nvSpPr>
         <p:spPr>
           <a:xfrm>
-            <a:off x="1094525" y="2003875"/>
+            <a:off x="3796000" y="2003875"/>
             <a:ext cx="1590300" cy="1733400"/>
           </a:xfrm>
           <a:prstGeom prst="rect">
@@ -11846,13 +11846,13 @@
       </p:sp>
       <p:sp>
         <p:nvSpPr>
-          <p:cNvPr id="83" name="Google Shape;83;p17"/>
+          <p:cNvPr id="84" name="Google Shape;84;p17"/>
           <p:cNvSpPr/>
           <p:nvPr/>
         </p:nvSpPr>
         <p:spPr>
           <a:xfrm>
-            <a:off x="3796000" y="2003875"/>
+            <a:off x="6497475" y="2003875"/>
             <a:ext cx="1590300" cy="1733400"/>
           </a:xfrm>
           <a:prstGeom prst="rect">
@@ -11898,31 +11898,55 @@
       </p:sp>
       <p:sp>
         <p:nvSpPr>
-          <p:cNvPr id="84" name="Google Shape;84;p17"/>
-          <p:cNvSpPr/>
+          <p:cNvPr id="85" name="Google Shape;85;p17"/>
+          <p:cNvSpPr txBox="1"/>
           <p:nvPr/>
         </p:nvSpPr>
         <p:spPr>
           <a:xfrm>
-            <a:off x="6497475" y="2003875"/>
-            <a:ext cx="1590300" cy="1733400"/>
+            <a:off x="776739" y="3809460"/>
+            <a:ext cx="2162122" cy="1046410"/>
           </a:xfrm>
           <a:prstGeom prst="rect">
             <a:avLst/>
           </a:prstGeom>
-          <a:solidFill>
-            <a:schemeClr val="lt2"/>
-          </a:solidFill>
+          <a:noFill/>
           <a:ln>
             <a:noFill/>
           </a:ln>
         </p:spPr>
         <p:txBody>
-          <a:bodyPr spcFirstLastPara="1" wrap="square" lIns="91425" tIns="91425" rIns="91425" bIns="91425" anchor="ctr" anchorCtr="0">
-            <a:noAutofit/>
+          <a:bodyPr spcFirstLastPara="1" wrap="square" lIns="91425" tIns="91425" rIns="91425" bIns="91425" anchor="t" anchorCtr="0">
+            <a:spAutoFit/>
           </a:bodyPr>
           <a:lstStyle/>
           <a:p>
+            <a:pPr marL="0" lvl="0" indent="0" algn="just" rtl="0">
+              <a:spcBef>
+                <a:spcPts val="0"/>
+              </a:spcBef>
+              <a:spcAft>
+                <a:spcPts val="0"/>
+              </a:spcAft>
+              <a:buNone/>
+            </a:pPr>
+            <a:r>
+              <a:rPr lang="es" i="1" dirty="0">
+                <a:solidFill>
+                  <a:srgbClr val="666666"/>
+                </a:solidFill>
+                <a:latin typeface="Bahnschrift SemiBold Condensed" panose="020B0502040204020203" pitchFamily="34" charset="0"/>
+              </a:rPr>
+              <a:t>La oscuridad personifica un gran adversario ademas de ser un apartado tipo Ingrediente </a:t>
+            </a:r>
+            <a:endParaRPr i="1" dirty="0">
+              <a:solidFill>
+                <a:srgbClr val="666666"/>
+              </a:solidFill>
+              <a:latin typeface="Bahnschrift SemiBold Condensed" panose="020B0502040204020203" pitchFamily="34" charset="0"/>
+            </a:endParaRPr>
+          </a:p>
+          <a:p>
             <a:pPr marL="0" lvl="0" indent="0" algn="ctr" rtl="0">
               <a:spcBef>
                 <a:spcPts val="0"/>
@@ -11932,15 +11956,7 @@
               </a:spcAft>
               <a:buNone/>
             </a:pPr>
-            <a:r>
-              <a:rPr lang="es" sz="2200" b="1">
-                <a:solidFill>
-                  <a:srgbClr val="666666"/>
-                </a:solidFill>
-              </a:rPr>
-              <a:t>Personaje</a:t>
-            </a:r>
-            <a:endParaRPr sz="2200" b="1">
+            <a:endParaRPr i="1" dirty="0">
               <a:solidFill>
                 <a:srgbClr val="666666"/>
               </a:solidFill>
@@ -11950,13 +11966,13 @@
       </p:sp>
       <p:sp>
         <p:nvSpPr>
-          <p:cNvPr id="85" name="Google Shape;85;p17"/>
+          <p:cNvPr id="86" name="Google Shape;86;p17"/>
           <p:cNvSpPr txBox="1"/>
           <p:nvPr/>
         </p:nvSpPr>
         <p:spPr>
           <a:xfrm>
-            <a:off x="1030850" y="3720125"/>
+            <a:off x="3774050" y="3720125"/>
             <a:ext cx="1653900" cy="1046700"/>
           </a:xfrm>
           <a:prstGeom prst="rect">
@@ -12016,13 +12032,13 @@
       </p:sp>
       <p:sp>
         <p:nvSpPr>
-          <p:cNvPr id="86" name="Google Shape;86;p17"/>
+          <p:cNvPr id="87" name="Google Shape;87;p17"/>
           <p:cNvSpPr txBox="1"/>
           <p:nvPr/>
         </p:nvSpPr>
         <p:spPr>
           <a:xfrm>
-            <a:off x="3774050" y="3720125"/>
+            <a:off x="6462275" y="3720125"/>
             <a:ext cx="1653900" cy="1046700"/>
           </a:xfrm>
           <a:prstGeom prst="rect">
@@ -12080,72 +12096,36 @@
           </a:p>
         </p:txBody>
       </p:sp>
-      <p:sp>
-        <p:nvSpPr>
-          <p:cNvPr id="87" name="Google Shape;87;p17"/>
-          <p:cNvSpPr txBox="1"/>
+      <p:pic>
+        <p:nvPicPr>
+          <p:cNvPr id="3" name="Imagen 2">
+            <a:extLst>
+              <a:ext uri="{FF2B5EF4-FFF2-40B4-BE49-F238E27FC236}">
+                <a16:creationId xmlns:a16="http://schemas.microsoft.com/office/drawing/2014/main" id="{0E2B2AC9-94FD-5FCF-5F9E-47B52D23EAD6}"/>
+              </a:ext>
+            </a:extLst>
+          </p:cNvPr>
+          <p:cNvPicPr>
+            <a:picLocks noChangeAspect="1"/>
+          </p:cNvPicPr>
           <p:nvPr/>
-        </p:nvSpPr>
-        <p:spPr>
-          <a:xfrm>
-            <a:off x="6462275" y="3720125"/>
-            <a:ext cx="1653900" cy="1046700"/>
+        </p:nvPicPr>
+        <p:blipFill>
+          <a:blip r:embed="rId3"/>
+          <a:stretch>
+            <a:fillRect/>
+          </a:stretch>
+        </p:blipFill>
+        <p:spPr>
+          <a:xfrm>
+            <a:off x="557828" y="1817035"/>
+            <a:ext cx="2599944" cy="1920240"/>
           </a:xfrm>
           <a:prstGeom prst="rect">
             <a:avLst/>
           </a:prstGeom>
-          <a:noFill/>
-          <a:ln>
-            <a:noFill/>
-          </a:ln>
-        </p:spPr>
-        <p:txBody>
-          <a:bodyPr spcFirstLastPara="1" wrap="square" lIns="91425" tIns="91425" rIns="91425" bIns="91425" anchor="t" anchorCtr="0">
-            <a:spAutoFit/>
-          </a:bodyPr>
-          <a:lstStyle/>
-          <a:p>
-            <a:pPr marL="0" lvl="0" indent="0" algn="ctr" rtl="0">
-              <a:spcBef>
-                <a:spcPts val="0"/>
-              </a:spcBef>
-              <a:spcAft>
-                <a:spcPts val="0"/>
-              </a:spcAft>
-              <a:buNone/>
-            </a:pPr>
-            <a:r>
-              <a:rPr lang="es" i="1">
-                <a:solidFill>
-                  <a:srgbClr val="666666"/>
-                </a:solidFill>
-              </a:rPr>
-              <a:t>Detalles de este personaje y su rol dentro del juego.</a:t>
-            </a:r>
-            <a:endParaRPr i="1">
-              <a:solidFill>
-                <a:srgbClr val="666666"/>
-              </a:solidFill>
-            </a:endParaRPr>
-          </a:p>
-          <a:p>
-            <a:pPr marL="0" lvl="0" indent="0" algn="ctr" rtl="0">
-              <a:spcBef>
-                <a:spcPts val="0"/>
-              </a:spcBef>
-              <a:spcAft>
-                <a:spcPts val="0"/>
-              </a:spcAft>
-              <a:buNone/>
-            </a:pPr>
-            <a:endParaRPr i="1">
-              <a:solidFill>
-                <a:srgbClr val="666666"/>
-              </a:solidFill>
-            </a:endParaRPr>
-          </a:p>
-        </p:txBody>
-      </p:sp>
+        </p:spPr>
+      </p:pic>
     </p:spTree>
   </p:cSld>
   <p:clrMapOvr>

--- a/Pitch (Venta) [Template] PHOBIA.pptx
+++ b/Pitch (Venta) [Template] PHOBIA.pptx
@@ -5,7 +5,7 @@
     <p:sldMasterId id="2147483659" r:id="rId1"/>
   </p:sldMasterIdLst>
   <p:notesMasterIdLst>
-    <p:notesMasterId r:id="rId20"/>
+    <p:notesMasterId r:id="rId21"/>
   </p:notesMasterIdLst>
   <p:sldIdLst>
     <p:sldId id="256" r:id="rId2"/>
@@ -16,16 +16,17 @@
     <p:sldId id="261" r:id="rId7"/>
     <p:sldId id="262" r:id="rId8"/>
     <p:sldId id="263" r:id="rId9"/>
-    <p:sldId id="264" r:id="rId10"/>
-    <p:sldId id="265" r:id="rId11"/>
-    <p:sldId id="266" r:id="rId12"/>
-    <p:sldId id="267" r:id="rId13"/>
-    <p:sldId id="268" r:id="rId14"/>
-    <p:sldId id="269" r:id="rId15"/>
-    <p:sldId id="270" r:id="rId16"/>
-    <p:sldId id="271" r:id="rId17"/>
-    <p:sldId id="272" r:id="rId18"/>
-    <p:sldId id="274" r:id="rId19"/>
+    <p:sldId id="275" r:id="rId10"/>
+    <p:sldId id="264" r:id="rId11"/>
+    <p:sldId id="265" r:id="rId12"/>
+    <p:sldId id="266" r:id="rId13"/>
+    <p:sldId id="267" r:id="rId14"/>
+    <p:sldId id="268" r:id="rId15"/>
+    <p:sldId id="269" r:id="rId16"/>
+    <p:sldId id="270" r:id="rId17"/>
+    <p:sldId id="271" r:id="rId18"/>
+    <p:sldId id="272" r:id="rId19"/>
+    <p:sldId id="274" r:id="rId20"/>
   </p:sldIdLst>
   <p:sldSz cx="9144000" cy="5143500" type="screen16x9"/>
   <p:notesSz cx="6858000" cy="9144000"/>
@@ -827,6 +828,110 @@
   <p:cSld>
     <p:spTree>
       <p:nvGrpSpPr>
+        <p:cNvPr id="1" name="Shape 112"/>
+        <p:cNvGrpSpPr/>
+        <p:nvPr/>
+      </p:nvGrpSpPr>
+      <p:grpSpPr>
+        <a:xfrm>
+          <a:off x="0" y="0"/>
+          <a:ext cx="0" cy="0"/>
+          <a:chOff x="0" y="0"/>
+          <a:chExt cx="0" cy="0"/>
+        </a:xfrm>
+      </p:grpSpPr>
+      <p:sp>
+        <p:nvSpPr>
+          <p:cNvPr id="113" name="Google Shape;113;g22f937e0c82_0_54:notes"/>
+          <p:cNvSpPr>
+            <a:spLocks noGrp="1" noRot="1" noChangeAspect="1"/>
+          </p:cNvSpPr>
+          <p:nvPr>
+            <p:ph type="sldImg" idx="2"/>
+          </p:nvPr>
+        </p:nvSpPr>
+        <p:spPr>
+          <a:xfrm>
+            <a:off x="381000" y="685800"/>
+            <a:ext cx="6096000" cy="3429000"/>
+          </a:xfrm>
+          <a:custGeom>
+            <a:avLst/>
+            <a:gdLst/>
+            <a:ahLst/>
+            <a:cxnLst/>
+            <a:rect l="l" t="t" r="r" b="b"/>
+            <a:pathLst>
+              <a:path w="120000" h="120000" extrusionOk="0">
+                <a:moveTo>
+                  <a:pt x="0" y="0"/>
+                </a:moveTo>
+                <a:lnTo>
+                  <a:pt x="120000" y="0"/>
+                </a:lnTo>
+                <a:lnTo>
+                  <a:pt x="120000" y="120000"/>
+                </a:lnTo>
+                <a:lnTo>
+                  <a:pt x="0" y="120000"/>
+                </a:lnTo>
+                <a:close/>
+              </a:path>
+            </a:pathLst>
+          </a:custGeom>
+        </p:spPr>
+      </p:sp>
+      <p:sp>
+        <p:nvSpPr>
+          <p:cNvPr id="114" name="Google Shape;114;g22f937e0c82_0_54:notes"/>
+          <p:cNvSpPr txBox="1">
+            <a:spLocks noGrp="1"/>
+          </p:cNvSpPr>
+          <p:nvPr>
+            <p:ph type="body" idx="1"/>
+          </p:nvPr>
+        </p:nvSpPr>
+        <p:spPr>
+          <a:xfrm>
+            <a:off x="685800" y="4343400"/>
+            <a:ext cx="5486400" cy="4114800"/>
+          </a:xfrm>
+          <a:prstGeom prst="rect">
+            <a:avLst/>
+          </a:prstGeom>
+        </p:spPr>
+        <p:txBody>
+          <a:bodyPr spcFirstLastPara="1" wrap="square" lIns="91425" tIns="91425" rIns="91425" bIns="91425" anchor="t" anchorCtr="0">
+            <a:noAutofit/>
+          </a:bodyPr>
+          <a:lstStyle/>
+          <a:p>
+            <a:pPr marL="0" lvl="0" indent="0" algn="l" rtl="0">
+              <a:spcBef>
+                <a:spcPts val="0"/>
+              </a:spcBef>
+              <a:spcAft>
+                <a:spcPts val="0"/>
+              </a:spcAft>
+              <a:buNone/>
+            </a:pPr>
+            <a:endParaRPr/>
+          </a:p>
+        </p:txBody>
+      </p:sp>
+    </p:spTree>
+  </p:cSld>
+  <p:clrMapOvr>
+    <a:masterClrMapping/>
+  </p:clrMapOvr>
+</p:notes>
+</file>
+
+<file path=ppt/notesSlides/notesSlide11.xml><?xml version="1.0" encoding="utf-8"?>
+<p:notes xmlns:a="http://schemas.openxmlformats.org/drawingml/2006/main" xmlns:r="http://schemas.openxmlformats.org/officeDocument/2006/relationships" xmlns:p="http://schemas.openxmlformats.org/presentationml/2006/main" showMasterSp="0" showMasterPhAnim="0">
+  <p:cSld>
+    <p:spTree>
+      <p:nvGrpSpPr>
         <p:cNvPr id="1" name="Shape 118"/>
         <p:cNvGrpSpPr/>
         <p:nvPr/>
@@ -926,7 +1031,7 @@
 </p:notes>
 </file>
 
-<file path=ppt/notesSlides/notesSlide11.xml><?xml version="1.0" encoding="utf-8"?>
+<file path=ppt/notesSlides/notesSlide12.xml><?xml version="1.0" encoding="utf-8"?>
 <p:notes xmlns:a="http://schemas.openxmlformats.org/drawingml/2006/main" xmlns:r="http://schemas.openxmlformats.org/officeDocument/2006/relationships" xmlns:p="http://schemas.openxmlformats.org/presentationml/2006/main" showMasterSp="0" showMasterPhAnim="0">
   <p:cSld>
     <p:spTree>
@@ -1030,7 +1135,7 @@
 </p:notes>
 </file>
 
-<file path=ppt/notesSlides/notesSlide12.xml><?xml version="1.0" encoding="utf-8"?>
+<file path=ppt/notesSlides/notesSlide13.xml><?xml version="1.0" encoding="utf-8"?>
 <p:notes xmlns:a="http://schemas.openxmlformats.org/drawingml/2006/main" xmlns:r="http://schemas.openxmlformats.org/officeDocument/2006/relationships" xmlns:p="http://schemas.openxmlformats.org/presentationml/2006/main" showMasterSp="0" showMasterPhAnim="0">
   <p:cSld>
     <p:spTree>
@@ -1134,7 +1239,7 @@
 </p:notes>
 </file>
 
-<file path=ppt/notesSlides/notesSlide13.xml><?xml version="1.0" encoding="utf-8"?>
+<file path=ppt/notesSlides/notesSlide14.xml><?xml version="1.0" encoding="utf-8"?>
 <p:notes xmlns:a="http://schemas.openxmlformats.org/drawingml/2006/main" xmlns:r="http://schemas.openxmlformats.org/officeDocument/2006/relationships" xmlns:p="http://schemas.openxmlformats.org/presentationml/2006/main" showMasterSp="0" showMasterPhAnim="0">
   <p:cSld>
     <p:spTree>
@@ -1238,7 +1343,7 @@
 </p:notes>
 </file>
 
-<file path=ppt/notesSlides/notesSlide14.xml><?xml version="1.0" encoding="utf-8"?>
+<file path=ppt/notesSlides/notesSlide15.xml><?xml version="1.0" encoding="utf-8"?>
 <p:notes xmlns:a="http://schemas.openxmlformats.org/drawingml/2006/main" xmlns:r="http://schemas.openxmlformats.org/officeDocument/2006/relationships" xmlns:p="http://schemas.openxmlformats.org/presentationml/2006/main" showMasterSp="0" showMasterPhAnim="0">
   <p:cSld>
     <p:spTree>
@@ -1267,7 +1372,7 @@
         </p:nvSpPr>
         <p:spPr>
           <a:xfrm>
-            <a:off x="381300" y="685800"/>
+            <a:off x="381000" y="685800"/>
             <a:ext cx="6096000" cy="3429000"/>
           </a:xfrm>
           <a:custGeom>
@@ -1342,7 +1447,7 @@
 </p:notes>
 </file>
 
-<file path=ppt/notesSlides/notesSlide15.xml><?xml version="1.0" encoding="utf-8"?>
+<file path=ppt/notesSlides/notesSlide16.xml><?xml version="1.0" encoding="utf-8"?>
 <p:notes xmlns:a="http://schemas.openxmlformats.org/drawingml/2006/main" xmlns:r="http://schemas.openxmlformats.org/officeDocument/2006/relationships" xmlns:p="http://schemas.openxmlformats.org/presentationml/2006/main" showMasterSp="0" showMasterPhAnim="0">
   <p:cSld>
     <p:spTree>
@@ -1446,7 +1551,7 @@
 </p:notes>
 </file>
 
-<file path=ppt/notesSlides/notesSlide16.xml><?xml version="1.0" encoding="utf-8"?>
+<file path=ppt/notesSlides/notesSlide17.xml><?xml version="1.0" encoding="utf-8"?>
 <p:notes xmlns:a="http://schemas.openxmlformats.org/drawingml/2006/main" xmlns:r="http://schemas.openxmlformats.org/officeDocument/2006/relationships" xmlns:p="http://schemas.openxmlformats.org/presentationml/2006/main" showMasterSp="0" showMasterPhAnim="0">
   <p:cSld>
     <p:spTree>
@@ -1550,7 +1655,7 @@
 </p:notes>
 </file>
 
-<file path=ppt/notesSlides/notesSlide17.xml><?xml version="1.0" encoding="utf-8"?>
+<file path=ppt/notesSlides/notesSlide18.xml><?xml version="1.0" encoding="utf-8"?>
 <p:notes xmlns:a="http://schemas.openxmlformats.org/drawingml/2006/main" xmlns:r="http://schemas.openxmlformats.org/officeDocument/2006/relationships" xmlns:p="http://schemas.openxmlformats.org/presentationml/2006/main" showMasterSp="0" showMasterPhAnim="0">
   <p:cSld>
     <p:spTree>
@@ -1654,7 +1759,7 @@
 </p:notes>
 </file>
 
-<file path=ppt/notesSlides/notesSlide18.xml><?xml version="1.0" encoding="utf-8"?>
+<file path=ppt/notesSlides/notesSlide19.xml><?xml version="1.0" encoding="utf-8"?>
 <p:notes xmlns:a="http://schemas.openxmlformats.org/drawingml/2006/main" xmlns:r="http://schemas.openxmlformats.org/officeDocument/2006/relationships" xmlns:p="http://schemas.openxmlformats.org/presentationml/2006/main" showMasterSp="0" showMasterPhAnim="0">
   <p:cSld>
     <p:spTree>
@@ -2491,7 +2596,7 @@
   <p:cSld>
     <p:spTree>
       <p:nvGrpSpPr>
-        <p:cNvPr id="1" name="Shape 112"/>
+        <p:cNvPr id="1" name="Shape 106"/>
         <p:cNvGrpSpPr/>
         <p:nvPr/>
       </p:nvGrpSpPr>
@@ -2505,7 +2610,7 @@
       </p:grpSpPr>
       <p:sp>
         <p:nvSpPr>
-          <p:cNvPr id="113" name="Google Shape;113;g22f937e0c82_0_54:notes"/>
+          <p:cNvPr id="107" name="Google Shape;107;g22f937e0c82_0_49:notes"/>
           <p:cNvSpPr>
             <a:spLocks noGrp="1" noRot="1" noChangeAspect="1"/>
           </p:cNvSpPr>
@@ -2546,7 +2651,7 @@
       </p:sp>
       <p:sp>
         <p:nvSpPr>
-          <p:cNvPr id="114" name="Google Shape;114;g22f937e0c82_0_54:notes"/>
+          <p:cNvPr id="108" name="Google Shape;108;g22f937e0c82_0_49:notes"/>
           <p:cNvSpPr txBox="1">
             <a:spLocks noGrp="1"/>
           </p:cNvSpPr>
@@ -2583,6 +2688,11 @@
         </p:txBody>
       </p:sp>
     </p:spTree>
+    <p:extLst>
+      <p:ext uri="{BB962C8B-B14F-4D97-AF65-F5344CB8AC3E}">
+        <p14:creationId xmlns:p14="http://schemas.microsoft.com/office/powerpoint/2010/main" val="3038767588"/>
+      </p:ext>
+    </p:extLst>
   </p:cSld>
   <p:clrMapOvr>
     <a:masterClrMapping/>
@@ -7773,7 +7883,7 @@
   <p:cSld>
     <p:spTree>
       <p:nvGrpSpPr>
-        <p:cNvPr id="1" name="Shape 121"/>
+        <p:cNvPr id="1" name="Shape 115"/>
         <p:cNvGrpSpPr/>
         <p:nvPr/>
       </p:nvGrpSpPr>
@@ -7787,7 +7897,7 @@
       </p:grpSpPr>
       <p:sp>
         <p:nvSpPr>
-          <p:cNvPr id="122" name="Google Shape;122;p22"/>
+          <p:cNvPr id="116" name="Google Shape;116;p21"/>
           <p:cNvSpPr txBox="1"/>
           <p:nvPr/>
         </p:nvSpPr>
@@ -7925,7 +8035,7 @@
       </p:sp>
       <p:sp>
         <p:nvSpPr>
-          <p:cNvPr id="123" name="Google Shape;123;p22"/>
+          <p:cNvPr id="117" name="Google Shape;117;p21"/>
           <p:cNvSpPr/>
           <p:nvPr/>
         </p:nvSpPr>
@@ -7993,6 +8103,230 @@
 </file>
 
 <file path=ppt/slides/slide11.xml><?xml version="1.0" encoding="utf-8"?>
+<p:sld xmlns:a="http://schemas.openxmlformats.org/drawingml/2006/main" xmlns:r="http://schemas.openxmlformats.org/officeDocument/2006/relationships" xmlns:p="http://schemas.openxmlformats.org/presentationml/2006/main">
+  <p:cSld>
+    <p:spTree>
+      <p:nvGrpSpPr>
+        <p:cNvPr id="1" name="Shape 121"/>
+        <p:cNvGrpSpPr/>
+        <p:nvPr/>
+      </p:nvGrpSpPr>
+      <p:grpSpPr>
+        <a:xfrm>
+          <a:off x="0" y="0"/>
+          <a:ext cx="0" cy="0"/>
+          <a:chOff x="0" y="0"/>
+          <a:chExt cx="0" cy="0"/>
+        </a:xfrm>
+      </p:grpSpPr>
+      <p:sp>
+        <p:nvSpPr>
+          <p:cNvPr id="122" name="Google Shape;122;p22"/>
+          <p:cNvSpPr txBox="1"/>
+          <p:nvPr/>
+        </p:nvSpPr>
+        <p:spPr>
+          <a:xfrm>
+            <a:off x="268850" y="672125"/>
+            <a:ext cx="8730600" cy="1262100"/>
+          </a:xfrm>
+          <a:prstGeom prst="rect">
+            <a:avLst/>
+          </a:prstGeom>
+          <a:noFill/>
+          <a:ln>
+            <a:noFill/>
+          </a:ln>
+        </p:spPr>
+        <p:txBody>
+          <a:bodyPr spcFirstLastPara="1" wrap="square" lIns="91425" tIns="91425" rIns="91425" bIns="91425" anchor="t" anchorCtr="0">
+            <a:spAutoFit/>
+          </a:bodyPr>
+          <a:lstStyle/>
+          <a:p>
+            <a:pPr marL="0" lvl="0" indent="0" algn="l" rtl="0">
+              <a:spcBef>
+                <a:spcPts val="0"/>
+              </a:spcBef>
+              <a:spcAft>
+                <a:spcPts val="0"/>
+              </a:spcAft>
+              <a:buNone/>
+            </a:pPr>
+            <a:r>
+              <a:rPr lang="es" i="1">
+                <a:solidFill>
+                  <a:srgbClr val="666666"/>
+                </a:solidFill>
+              </a:rPr>
+              <a:t>Espacio dedicado a explicar en detalle features y/o mecánicas que hacen ÚNICO a su juego.</a:t>
+            </a:r>
+            <a:endParaRPr i="1">
+              <a:solidFill>
+                <a:srgbClr val="666666"/>
+              </a:solidFill>
+            </a:endParaRPr>
+          </a:p>
+          <a:p>
+            <a:pPr marL="0" lvl="0" indent="0" algn="l" rtl="0">
+              <a:spcBef>
+                <a:spcPts val="0"/>
+              </a:spcBef>
+              <a:spcAft>
+                <a:spcPts val="0"/>
+              </a:spcAft>
+              <a:buNone/>
+            </a:pPr>
+            <a:r>
+              <a:rPr lang="es" i="1">
+                <a:solidFill>
+                  <a:srgbClr val="666666"/>
+                </a:solidFill>
+              </a:rPr>
+              <a:t>Dediquen un slide a cada una de ellas. Solo las importantes! Esas que lo destacan de otros juegos.</a:t>
+            </a:r>
+            <a:endParaRPr i="1">
+              <a:solidFill>
+                <a:srgbClr val="666666"/>
+              </a:solidFill>
+            </a:endParaRPr>
+          </a:p>
+          <a:p>
+            <a:pPr marL="0" lvl="0" indent="0" algn="l" rtl="0">
+              <a:spcBef>
+                <a:spcPts val="0"/>
+              </a:spcBef>
+              <a:spcAft>
+                <a:spcPts val="0"/>
+              </a:spcAft>
+              <a:buNone/>
+            </a:pPr>
+            <a:endParaRPr i="1">
+              <a:solidFill>
+                <a:srgbClr val="666666"/>
+              </a:solidFill>
+            </a:endParaRPr>
+          </a:p>
+          <a:p>
+            <a:pPr marL="0" lvl="0" indent="0" algn="l" rtl="0">
+              <a:spcBef>
+                <a:spcPts val="0"/>
+              </a:spcBef>
+              <a:spcAft>
+                <a:spcPts val="0"/>
+              </a:spcAft>
+              <a:buNone/>
+            </a:pPr>
+            <a:r>
+              <a:rPr lang="es" i="1">
+                <a:solidFill>
+                  <a:srgbClr val="666666"/>
+                </a:solidFill>
+              </a:rPr>
+              <a:t>Recuerde que no solo debe detallar de forma concisa, sino ser claro en el proceso. </a:t>
+            </a:r>
+            <a:endParaRPr i="1">
+              <a:solidFill>
+                <a:srgbClr val="666666"/>
+              </a:solidFill>
+            </a:endParaRPr>
+          </a:p>
+          <a:p>
+            <a:pPr marL="0" lvl="0" indent="0" algn="l" rtl="0">
+              <a:spcBef>
+                <a:spcPts val="0"/>
+              </a:spcBef>
+              <a:spcAft>
+                <a:spcPts val="0"/>
+              </a:spcAft>
+              <a:buNone/>
+            </a:pPr>
+            <a:r>
+              <a:rPr lang="es" i="1">
+                <a:solidFill>
+                  <a:srgbClr val="666666"/>
+                </a:solidFill>
+              </a:rPr>
+              <a:t>Acompañar con imágenes de concepto es “casi” indispensable</a:t>
+            </a:r>
+            <a:endParaRPr i="1">
+              <a:solidFill>
+                <a:srgbClr val="666666"/>
+              </a:solidFill>
+            </a:endParaRPr>
+          </a:p>
+        </p:txBody>
+      </p:sp>
+      <p:sp>
+        <p:nvSpPr>
+          <p:cNvPr id="123" name="Google Shape;123;p22"/>
+          <p:cNvSpPr/>
+          <p:nvPr/>
+        </p:nvSpPr>
+        <p:spPr>
+          <a:xfrm>
+            <a:off x="0" y="0"/>
+            <a:ext cx="9144000" cy="5143500"/>
+          </a:xfrm>
+          <a:prstGeom prst="rect">
+            <a:avLst/>
+          </a:prstGeom>
+          <a:ln/>
+        </p:spPr>
+        <p:style>
+          <a:lnRef idx="1">
+            <a:schemeClr val="accent1"/>
+          </a:lnRef>
+          <a:fillRef idx="2">
+            <a:schemeClr val="accent1"/>
+          </a:fillRef>
+          <a:effectRef idx="1">
+            <a:schemeClr val="accent1"/>
+          </a:effectRef>
+          <a:fontRef idx="minor">
+            <a:schemeClr val="dk1"/>
+          </a:fontRef>
+        </p:style>
+        <p:txBody>
+          <a:bodyPr spcFirstLastPara="1" wrap="square" lIns="91425" tIns="91425" rIns="91425" bIns="91425" anchor="t" anchorCtr="0">
+            <a:noAutofit/>
+          </a:bodyPr>
+          <a:lstStyle/>
+          <a:p>
+            <a:pPr marL="0" lvl="0" indent="0" algn="l" rtl="0">
+              <a:spcBef>
+                <a:spcPts val="0"/>
+              </a:spcBef>
+              <a:spcAft>
+                <a:spcPts val="0"/>
+              </a:spcAft>
+              <a:buNone/>
+            </a:pPr>
+            <a:r>
+              <a:rPr lang="es" sz="2200" b="1">
+                <a:solidFill>
+                  <a:srgbClr val="666666"/>
+                </a:solidFill>
+              </a:rPr>
+              <a:t>[IDENTIFICADOR DE FEATURE / MECÁNICA]</a:t>
+            </a:r>
+            <a:endParaRPr sz="2200" b="1">
+              <a:solidFill>
+                <a:srgbClr val="666666"/>
+              </a:solidFill>
+            </a:endParaRPr>
+          </a:p>
+        </p:txBody>
+      </p:sp>
+    </p:spTree>
+  </p:cSld>
+  <p:clrMapOvr>
+    <a:masterClrMapping/>
+  </p:clrMapOvr>
+</p:sld>
+</file>
+
+<file path=ppt/slides/slide12.xml><?xml version="1.0" encoding="utf-8"?>
 <p:sld xmlns:a="http://schemas.openxmlformats.org/drawingml/2006/main" xmlns:r="http://schemas.openxmlformats.org/officeDocument/2006/relationships" xmlns:p="http://schemas.openxmlformats.org/presentationml/2006/main">
   <p:cSld>
     <p:spTree>
@@ -8070,7 +8404,7 @@
         </p:nvSpPr>
         <p:spPr>
           <a:xfrm>
-            <a:off x="4577500" y="0"/>
+            <a:off x="4285855" y="235974"/>
             <a:ext cx="4572000" cy="5143500"/>
           </a:xfrm>
           <a:prstGeom prst="rect">
@@ -8082,32 +8416,255 @@
           </a:ln>
         </p:spPr>
         <p:txBody>
-          <a:bodyPr spcFirstLastPara="1" wrap="square" lIns="91425" tIns="91425" rIns="91425" bIns="91425" anchor="ctr" anchorCtr="0">
+          <a:bodyPr spcFirstLastPara="1" wrap="square" lIns="91425" tIns="91425" rIns="91425" bIns="91425" anchor="t" anchorCtr="0">
             <a:noAutofit/>
           </a:bodyPr>
           <a:lstStyle/>
           <a:p>
-            <a:pPr marL="0" lvl="0" indent="0" algn="ctr" rtl="0">
-              <a:spcBef>
-                <a:spcPts val="0"/>
-              </a:spcBef>
-              <a:spcAft>
-                <a:spcPts val="0"/>
-              </a:spcAft>
-              <a:buNone/>
-            </a:pPr>
-            <a:r>
-              <a:rPr lang="es" sz="5000" dirty="0">
-                <a:solidFill>
-                  <a:schemeClr val="dk2"/>
-                </a:solidFill>
-              </a:rPr>
-              <a:t>Mercado, Producción y Presupuesto</a:t>
-            </a:r>
-            <a:endParaRPr sz="5000" dirty="0">
+            <a:pPr marL="0" lvl="0" indent="0" algn="just" rtl="0">
+              <a:spcBef>
+                <a:spcPts val="0"/>
+              </a:spcBef>
+              <a:spcAft>
+                <a:spcPts val="0"/>
+              </a:spcAft>
+              <a:buNone/>
+            </a:pPr>
+            <a:r>
+              <a:rPr lang="es" dirty="0">
+                <a:solidFill>
+                  <a:schemeClr val="tx1">
+                    <a:lumMod val="95000"/>
+                    <a:lumOff val="5000"/>
+                  </a:schemeClr>
+                </a:solidFill>
+                <a:latin typeface="Arial Rounded MT Bold" panose="020F0704030504030204" pitchFamily="34" charset="0"/>
+              </a:rPr>
+              <a:t>PHOBIA apunta a un mercado desde los 17 años ya que implicara temas como los miedos y reflejara situacion crudas de las enfermedades mentales</a:t>
+            </a:r>
+          </a:p>
+          <a:p>
+            <a:pPr marL="0" lvl="0" indent="0" algn="just" rtl="0">
+              <a:spcBef>
+                <a:spcPts val="0"/>
+              </a:spcBef>
+              <a:spcAft>
+                <a:spcPts val="0"/>
+              </a:spcAft>
+              <a:buNone/>
+            </a:pPr>
+            <a:endParaRPr lang="es" dirty="0">
               <a:solidFill>
-                <a:schemeClr val="dk2"/>
+                <a:schemeClr val="tx1">
+                  <a:lumMod val="95000"/>
+                  <a:lumOff val="5000"/>
+                </a:schemeClr>
               </a:solidFill>
+              <a:latin typeface="Arial Rounded MT Bold" panose="020F0704030504030204" pitchFamily="34" charset="0"/>
+            </a:endParaRPr>
+          </a:p>
+          <a:p>
+            <a:pPr marL="0" lvl="0" indent="0" algn="just" rtl="0">
+              <a:spcBef>
+                <a:spcPts val="0"/>
+              </a:spcBef>
+              <a:spcAft>
+                <a:spcPts val="0"/>
+              </a:spcAft>
+              <a:buNone/>
+            </a:pPr>
+            <a:r>
+              <a:rPr lang="es" dirty="0">
+                <a:solidFill>
+                  <a:schemeClr val="tx1">
+                    <a:lumMod val="95000"/>
+                    <a:lumOff val="5000"/>
+                  </a:schemeClr>
+                </a:solidFill>
+                <a:latin typeface="Arial Rounded MT Bold" panose="020F0704030504030204" pitchFamily="34" charset="0"/>
+              </a:rPr>
+              <a:t>Un publico adulto que pueda identificar la intencion de mostrar como funciona el cerebro cuando los bloqueos mentales actuan.</a:t>
+            </a:r>
+          </a:p>
+          <a:p>
+            <a:pPr marL="0" lvl="0" indent="0" algn="just" rtl="0">
+              <a:spcBef>
+                <a:spcPts val="0"/>
+              </a:spcBef>
+              <a:spcAft>
+                <a:spcPts val="0"/>
+              </a:spcAft>
+              <a:buNone/>
+            </a:pPr>
+            <a:endParaRPr lang="es" dirty="0">
+              <a:solidFill>
+                <a:schemeClr val="tx1">
+                  <a:lumMod val="95000"/>
+                  <a:lumOff val="5000"/>
+                </a:schemeClr>
+              </a:solidFill>
+              <a:latin typeface="Arial Rounded MT Bold" panose="020F0704030504030204" pitchFamily="34" charset="0"/>
+            </a:endParaRPr>
+          </a:p>
+          <a:p>
+            <a:pPr marL="0" lvl="0" indent="0" algn="just" rtl="0">
+              <a:spcBef>
+                <a:spcPts val="0"/>
+              </a:spcBef>
+              <a:spcAft>
+                <a:spcPts val="0"/>
+              </a:spcAft>
+              <a:buNone/>
+            </a:pPr>
+            <a:r>
+              <a:rPr lang="es" dirty="0">
+                <a:solidFill>
+                  <a:schemeClr val="tx1">
+                    <a:lumMod val="95000"/>
+                    <a:lumOff val="5000"/>
+                  </a:schemeClr>
+                </a:solidFill>
+                <a:latin typeface="Arial Rounded MT Bold" panose="020F0704030504030204" pitchFamily="34" charset="0"/>
+              </a:rPr>
+              <a:t>PHOBIA maneja actualmente una proyeccion de aproximadamente 6 .4 millones de pesos en moneda local, que podrian cubrir la primer etapa</a:t>
+            </a:r>
+          </a:p>
+          <a:p>
+            <a:pPr marL="0" lvl="0" indent="0" algn="just" rtl="0">
+              <a:spcBef>
+                <a:spcPts val="0"/>
+              </a:spcBef>
+              <a:spcAft>
+                <a:spcPts val="0"/>
+              </a:spcAft>
+              <a:buNone/>
+            </a:pPr>
+            <a:endParaRPr lang="es" dirty="0">
+              <a:solidFill>
+                <a:schemeClr val="tx1">
+                  <a:lumMod val="95000"/>
+                  <a:lumOff val="5000"/>
+                </a:schemeClr>
+              </a:solidFill>
+              <a:latin typeface="Arial Rounded MT Bold" panose="020F0704030504030204" pitchFamily="34" charset="0"/>
+            </a:endParaRPr>
+          </a:p>
+          <a:p>
+            <a:pPr marL="0" lvl="0" indent="0" algn="just" rtl="0">
+              <a:spcBef>
+                <a:spcPts val="0"/>
+              </a:spcBef>
+              <a:spcAft>
+                <a:spcPts val="0"/>
+              </a:spcAft>
+              <a:buNone/>
+            </a:pPr>
+            <a:r>
+              <a:rPr lang="es" dirty="0">
+                <a:solidFill>
+                  <a:schemeClr val="tx1">
+                    <a:lumMod val="95000"/>
+                    <a:lumOff val="5000"/>
+                  </a:schemeClr>
+                </a:solidFill>
+                <a:latin typeface="Arial Rounded MT Bold" panose="020F0704030504030204" pitchFamily="34" charset="0"/>
+              </a:rPr>
+              <a:t>Posteriormente en una segunda etapa y enfrentando temas de testeo y colocacion final del producto 3,4 millones en moneda local.</a:t>
+            </a:r>
+          </a:p>
+          <a:p>
+            <a:pPr marL="0" lvl="0" indent="0" algn="just" rtl="0">
+              <a:spcBef>
+                <a:spcPts val="0"/>
+              </a:spcBef>
+              <a:spcAft>
+                <a:spcPts val="0"/>
+              </a:spcAft>
+              <a:buNone/>
+            </a:pPr>
+            <a:endParaRPr lang="es" dirty="0">
+              <a:solidFill>
+                <a:schemeClr val="tx1">
+                  <a:lumMod val="95000"/>
+                  <a:lumOff val="5000"/>
+                </a:schemeClr>
+              </a:solidFill>
+              <a:latin typeface="Arial Rounded MT Bold" panose="020F0704030504030204" pitchFamily="34" charset="0"/>
+            </a:endParaRPr>
+          </a:p>
+          <a:p>
+            <a:pPr marL="0" lvl="0" indent="0" algn="just" rtl="0">
+              <a:spcBef>
+                <a:spcPts val="0"/>
+              </a:spcBef>
+              <a:spcAft>
+                <a:spcPts val="0"/>
+              </a:spcAft>
+              <a:buNone/>
+            </a:pPr>
+            <a:r>
+              <a:rPr lang="es" dirty="0">
+                <a:solidFill>
+                  <a:schemeClr val="tx1">
+                    <a:lumMod val="95000"/>
+                    <a:lumOff val="5000"/>
+                  </a:schemeClr>
+                </a:solidFill>
+                <a:latin typeface="Arial Rounded MT Bold" panose="020F0704030504030204" pitchFamily="34" charset="0"/>
+              </a:rPr>
+              <a:t>Con este ultimo empuje se podran posiionar en el mercado mediante plataformas como steeam, itchio y google play,</a:t>
+            </a:r>
+          </a:p>
+          <a:p>
+            <a:pPr marL="0" lvl="0" indent="0" algn="just" rtl="0">
+              <a:spcBef>
+                <a:spcPts val="0"/>
+              </a:spcBef>
+              <a:spcAft>
+                <a:spcPts val="0"/>
+              </a:spcAft>
+              <a:buNone/>
+            </a:pPr>
+            <a:endParaRPr lang="es" dirty="0">
+              <a:solidFill>
+                <a:schemeClr val="tx1">
+                  <a:lumMod val="95000"/>
+                  <a:lumOff val="5000"/>
+                </a:schemeClr>
+              </a:solidFill>
+              <a:latin typeface="Arial Rounded MT Bold" panose="020F0704030504030204" pitchFamily="34" charset="0"/>
+            </a:endParaRPr>
+          </a:p>
+          <a:p>
+            <a:pPr marL="0" lvl="0" indent="0" algn="just" rtl="0">
+              <a:spcBef>
+                <a:spcPts val="0"/>
+              </a:spcBef>
+              <a:spcAft>
+                <a:spcPts val="0"/>
+              </a:spcAft>
+              <a:buNone/>
+            </a:pPr>
+            <a:r>
+              <a:rPr lang="es" dirty="0">
+                <a:solidFill>
+                  <a:schemeClr val="tx1">
+                    <a:lumMod val="95000"/>
+                    <a:lumOff val="5000"/>
+                  </a:schemeClr>
+                </a:solidFill>
+                <a:latin typeface="Arial Rounded MT Bold" panose="020F0704030504030204" pitchFamily="34" charset="0"/>
+              </a:rPr>
+              <a:t>Tercer etapa consolas.</a:t>
+            </a:r>
+            <a:endParaRPr dirty="0">
+              <a:solidFill>
+                <a:schemeClr val="tx1">
+                  <a:lumMod val="95000"/>
+                  <a:lumOff val="5000"/>
+                </a:schemeClr>
+              </a:solidFill>
+              <a:latin typeface="Arial Rounded MT Bold" panose="020F0704030504030204" pitchFamily="34" charset="0"/>
             </a:endParaRPr>
           </a:p>
         </p:txBody>
@@ -8149,7 +8706,7 @@
 </p:sld>
 </file>
 
-<file path=ppt/slides/slide12.xml><?xml version="1.0" encoding="utf-8"?>
+<file path=ppt/slides/slide13.xml><?xml version="1.0" encoding="utf-8"?>
 <p:sld xmlns:a="http://schemas.openxmlformats.org/drawingml/2006/main" xmlns:r="http://schemas.openxmlformats.org/officeDocument/2006/relationships" xmlns:p="http://schemas.openxmlformats.org/presentationml/2006/main">
   <p:cSld>
     <p:spTree>
@@ -9097,7 +9654,7 @@
 </p:sld>
 </file>
 
-<file path=ppt/slides/slide13.xml><?xml version="1.0" encoding="utf-8"?>
+<file path=ppt/slides/slide14.xml><?xml version="1.0" encoding="utf-8"?>
 <p:sld xmlns:a="http://schemas.openxmlformats.org/drawingml/2006/main" xmlns:r="http://schemas.openxmlformats.org/officeDocument/2006/relationships" xmlns:p="http://schemas.openxmlformats.org/presentationml/2006/main">
   <p:cSld>
     <p:spTree>
@@ -9941,7 +10498,7 @@
 </p:sld>
 </file>
 
-<file path=ppt/slides/slide14.xml><?xml version="1.0" encoding="utf-8"?>
+<file path=ppt/slides/slide15.xml><?xml version="1.0" encoding="utf-8"?>
 <p:sld xmlns:a="http://schemas.openxmlformats.org/drawingml/2006/main" xmlns:r="http://schemas.openxmlformats.org/officeDocument/2006/relationships" xmlns:p="http://schemas.openxmlformats.org/presentationml/2006/main" show="0">
   <p:cSld>
     <p:spTree>
@@ -9985,20 +10542,506 @@
           </a:bodyPr>
           <a:lstStyle/>
           <a:p>
-            <a:pPr marL="0" lvl="0" indent="0" algn="l" rtl="0">
-              <a:spcBef>
-                <a:spcPts val="0"/>
-              </a:spcBef>
-              <a:spcAft>
-                <a:spcPts val="0"/>
-              </a:spcAft>
-              <a:buNone/>
-            </a:pPr>
-            <a:endParaRPr sz="2200" b="1">
+            <a:pPr marL="0" lvl="0" indent="0" algn="just" rtl="0">
+              <a:spcBef>
+                <a:spcPts val="0"/>
+              </a:spcBef>
+              <a:spcAft>
+                <a:spcPts val="0"/>
+              </a:spcAft>
+              <a:buNone/>
+            </a:pPr>
+            <a:r>
+              <a:rPr lang="es-AR" dirty="0">
+                <a:solidFill>
+                  <a:schemeClr val="tx1">
+                    <a:lumMod val="95000"/>
+                    <a:lumOff val="5000"/>
+                  </a:schemeClr>
+                </a:solidFill>
+                <a:latin typeface="Arial Rounded MT Bold" panose="020F0704030504030204" pitchFamily="34" charset="0"/>
+              </a:rPr>
+              <a:t>PHOBIA apunta a un mercado desde los 17 años ya que implicara temas como los miedos y reflejara </a:t>
+            </a:r>
+            <a:r>
+              <a:rPr lang="es-AR" dirty="0" err="1">
+                <a:solidFill>
+                  <a:schemeClr val="tx1">
+                    <a:lumMod val="95000"/>
+                    <a:lumOff val="5000"/>
+                  </a:schemeClr>
+                </a:solidFill>
+                <a:latin typeface="Arial Rounded MT Bold" panose="020F0704030504030204" pitchFamily="34" charset="0"/>
+              </a:rPr>
+              <a:t>situacion</a:t>
+            </a:r>
+            <a:r>
+              <a:rPr lang="es-AR" dirty="0">
+                <a:solidFill>
+                  <a:schemeClr val="tx1">
+                    <a:lumMod val="95000"/>
+                    <a:lumOff val="5000"/>
+                  </a:schemeClr>
+                </a:solidFill>
+                <a:latin typeface="Arial Rounded MT Bold" panose="020F0704030504030204" pitchFamily="34" charset="0"/>
+              </a:rPr>
+              <a:t> crudas de las enfermedades mentales</a:t>
+            </a:r>
+          </a:p>
+          <a:p>
+            <a:pPr marL="0" lvl="0" indent="0" algn="just" rtl="0">
+              <a:spcBef>
+                <a:spcPts val="0"/>
+              </a:spcBef>
+              <a:spcAft>
+                <a:spcPts val="0"/>
+              </a:spcAft>
+              <a:buNone/>
+            </a:pPr>
+            <a:endParaRPr lang="es-AR" dirty="0">
               <a:solidFill>
-                <a:srgbClr val="666666"/>
+                <a:schemeClr val="tx1">
+                  <a:lumMod val="95000"/>
+                  <a:lumOff val="5000"/>
+                </a:schemeClr>
               </a:solidFill>
+              <a:latin typeface="Arial Rounded MT Bold" panose="020F0704030504030204" pitchFamily="34" charset="0"/>
             </a:endParaRPr>
+          </a:p>
+          <a:p>
+            <a:pPr marL="0" lvl="0" indent="0" algn="just" rtl="0">
+              <a:spcBef>
+                <a:spcPts val="0"/>
+              </a:spcBef>
+              <a:spcAft>
+                <a:spcPts val="0"/>
+              </a:spcAft>
+              <a:buNone/>
+            </a:pPr>
+            <a:r>
+              <a:rPr lang="es-AR" dirty="0">
+                <a:solidFill>
+                  <a:schemeClr val="tx1">
+                    <a:lumMod val="95000"/>
+                    <a:lumOff val="5000"/>
+                  </a:schemeClr>
+                </a:solidFill>
+                <a:latin typeface="Arial Rounded MT Bold" panose="020F0704030504030204" pitchFamily="34" charset="0"/>
+              </a:rPr>
+              <a:t>Un publico adulto que pueda identificar la </a:t>
+            </a:r>
+            <a:r>
+              <a:rPr lang="es-AR" dirty="0" err="1">
+                <a:solidFill>
+                  <a:schemeClr val="tx1">
+                    <a:lumMod val="95000"/>
+                    <a:lumOff val="5000"/>
+                  </a:schemeClr>
+                </a:solidFill>
+                <a:latin typeface="Arial Rounded MT Bold" panose="020F0704030504030204" pitchFamily="34" charset="0"/>
+              </a:rPr>
+              <a:t>intencion</a:t>
+            </a:r>
+            <a:r>
+              <a:rPr lang="es-AR" dirty="0">
+                <a:solidFill>
+                  <a:schemeClr val="tx1">
+                    <a:lumMod val="95000"/>
+                    <a:lumOff val="5000"/>
+                  </a:schemeClr>
+                </a:solidFill>
+                <a:latin typeface="Arial Rounded MT Bold" panose="020F0704030504030204" pitchFamily="34" charset="0"/>
+              </a:rPr>
+              <a:t> de mostrar como funciona el cerebro cuando los bloqueos mentales </a:t>
+            </a:r>
+            <a:r>
+              <a:rPr lang="es-AR" dirty="0" err="1">
+                <a:solidFill>
+                  <a:schemeClr val="tx1">
+                    <a:lumMod val="95000"/>
+                    <a:lumOff val="5000"/>
+                  </a:schemeClr>
+                </a:solidFill>
+                <a:latin typeface="Arial Rounded MT Bold" panose="020F0704030504030204" pitchFamily="34" charset="0"/>
+              </a:rPr>
+              <a:t>actuan</a:t>
+            </a:r>
+            <a:r>
+              <a:rPr lang="es-AR" dirty="0">
+                <a:solidFill>
+                  <a:schemeClr val="tx1">
+                    <a:lumMod val="95000"/>
+                    <a:lumOff val="5000"/>
+                  </a:schemeClr>
+                </a:solidFill>
+                <a:latin typeface="Arial Rounded MT Bold" panose="020F0704030504030204" pitchFamily="34" charset="0"/>
+              </a:rPr>
+              <a:t>.</a:t>
+            </a:r>
+          </a:p>
+          <a:p>
+            <a:pPr marL="0" lvl="0" indent="0" algn="just" rtl="0">
+              <a:spcBef>
+                <a:spcPts val="0"/>
+              </a:spcBef>
+              <a:spcAft>
+                <a:spcPts val="0"/>
+              </a:spcAft>
+              <a:buNone/>
+            </a:pPr>
+            <a:endParaRPr lang="es-AR" dirty="0">
+              <a:solidFill>
+                <a:schemeClr val="tx1">
+                  <a:lumMod val="95000"/>
+                  <a:lumOff val="5000"/>
+                </a:schemeClr>
+              </a:solidFill>
+              <a:latin typeface="Arial Rounded MT Bold" panose="020F0704030504030204" pitchFamily="34" charset="0"/>
+            </a:endParaRPr>
+          </a:p>
+          <a:p>
+            <a:pPr marL="0" lvl="0" indent="0" algn="just" rtl="0">
+              <a:spcBef>
+                <a:spcPts val="0"/>
+              </a:spcBef>
+              <a:spcAft>
+                <a:spcPts val="0"/>
+              </a:spcAft>
+              <a:buNone/>
+            </a:pPr>
+            <a:r>
+              <a:rPr lang="es-AR" dirty="0">
+                <a:solidFill>
+                  <a:schemeClr val="tx1">
+                    <a:lumMod val="95000"/>
+                    <a:lumOff val="5000"/>
+                  </a:schemeClr>
+                </a:solidFill>
+                <a:latin typeface="Arial Rounded MT Bold" panose="020F0704030504030204" pitchFamily="34" charset="0"/>
+              </a:rPr>
+              <a:t>PHOBIA maneja actualmente una </a:t>
+            </a:r>
+            <a:r>
+              <a:rPr lang="es-AR" dirty="0" err="1">
+                <a:solidFill>
+                  <a:schemeClr val="tx1">
+                    <a:lumMod val="95000"/>
+                    <a:lumOff val="5000"/>
+                  </a:schemeClr>
+                </a:solidFill>
+                <a:latin typeface="Arial Rounded MT Bold" panose="020F0704030504030204" pitchFamily="34" charset="0"/>
+              </a:rPr>
+              <a:t>proyeccion</a:t>
+            </a:r>
+            <a:r>
+              <a:rPr lang="es-AR" dirty="0">
+                <a:solidFill>
+                  <a:schemeClr val="tx1">
+                    <a:lumMod val="95000"/>
+                    <a:lumOff val="5000"/>
+                  </a:schemeClr>
+                </a:solidFill>
+                <a:latin typeface="Arial Rounded MT Bold" panose="020F0704030504030204" pitchFamily="34" charset="0"/>
+              </a:rPr>
+              <a:t> de aproximadamente 6 .4 millones de pesos en moneda local, que </a:t>
+            </a:r>
+            <a:r>
+              <a:rPr lang="es-AR" dirty="0" err="1">
+                <a:solidFill>
+                  <a:schemeClr val="tx1">
+                    <a:lumMod val="95000"/>
+                    <a:lumOff val="5000"/>
+                  </a:schemeClr>
+                </a:solidFill>
+                <a:latin typeface="Arial Rounded MT Bold" panose="020F0704030504030204" pitchFamily="34" charset="0"/>
+              </a:rPr>
+              <a:t>podrian</a:t>
+            </a:r>
+            <a:r>
+              <a:rPr lang="es-AR" dirty="0">
+                <a:solidFill>
+                  <a:schemeClr val="tx1">
+                    <a:lumMod val="95000"/>
+                    <a:lumOff val="5000"/>
+                  </a:schemeClr>
+                </a:solidFill>
+                <a:latin typeface="Arial Rounded MT Bold" panose="020F0704030504030204" pitchFamily="34" charset="0"/>
+              </a:rPr>
+              <a:t> cubrir la primer etapa</a:t>
+            </a:r>
+          </a:p>
+          <a:p>
+            <a:pPr marL="0" lvl="0" indent="0" algn="just" rtl="0">
+              <a:spcBef>
+                <a:spcPts val="0"/>
+              </a:spcBef>
+              <a:spcAft>
+                <a:spcPts val="0"/>
+              </a:spcAft>
+              <a:buNone/>
+            </a:pPr>
+            <a:endParaRPr lang="es-AR" dirty="0">
+              <a:solidFill>
+                <a:schemeClr val="tx1">
+                  <a:lumMod val="95000"/>
+                  <a:lumOff val="5000"/>
+                </a:schemeClr>
+              </a:solidFill>
+              <a:latin typeface="Arial Rounded MT Bold" panose="020F0704030504030204" pitchFamily="34" charset="0"/>
+            </a:endParaRPr>
+          </a:p>
+          <a:p>
+            <a:pPr marL="0" lvl="0" indent="0" algn="just" rtl="0">
+              <a:spcBef>
+                <a:spcPts val="0"/>
+              </a:spcBef>
+              <a:spcAft>
+                <a:spcPts val="0"/>
+              </a:spcAft>
+              <a:buNone/>
+            </a:pPr>
+            <a:r>
+              <a:rPr lang="es-AR" dirty="0">
+                <a:solidFill>
+                  <a:schemeClr val="tx1">
+                    <a:lumMod val="95000"/>
+                    <a:lumOff val="5000"/>
+                  </a:schemeClr>
+                </a:solidFill>
+                <a:latin typeface="Arial Rounded MT Bold" panose="020F0704030504030204" pitchFamily="34" charset="0"/>
+              </a:rPr>
+              <a:t>Posteriormente en una segunda etapa y enfrentando temas de testeo y colocacion final del producto 3,4 millones en moneda local.</a:t>
+            </a:r>
+          </a:p>
+          <a:p>
+            <a:pPr marL="0" lvl="0" indent="0" algn="just" rtl="0">
+              <a:spcBef>
+                <a:spcPts val="0"/>
+              </a:spcBef>
+              <a:spcAft>
+                <a:spcPts val="0"/>
+              </a:spcAft>
+              <a:buNone/>
+            </a:pPr>
+            <a:endParaRPr lang="es-AR" dirty="0">
+              <a:solidFill>
+                <a:schemeClr val="tx1">
+                  <a:lumMod val="95000"/>
+                  <a:lumOff val="5000"/>
+                </a:schemeClr>
+              </a:solidFill>
+              <a:latin typeface="Arial Rounded MT Bold" panose="020F0704030504030204" pitchFamily="34" charset="0"/>
+            </a:endParaRPr>
+          </a:p>
+          <a:p>
+            <a:pPr marL="0" lvl="0" indent="0" algn="just" rtl="0">
+              <a:spcBef>
+                <a:spcPts val="0"/>
+              </a:spcBef>
+              <a:spcAft>
+                <a:spcPts val="0"/>
+              </a:spcAft>
+              <a:buNone/>
+            </a:pPr>
+            <a:r>
+              <a:rPr lang="es-AR" dirty="0">
+                <a:solidFill>
+                  <a:schemeClr val="tx1">
+                    <a:lumMod val="95000"/>
+                    <a:lumOff val="5000"/>
+                  </a:schemeClr>
+                </a:solidFill>
+                <a:latin typeface="Arial Rounded MT Bold" panose="020F0704030504030204" pitchFamily="34" charset="0"/>
+              </a:rPr>
+              <a:t>Con este ultimo empuje se </a:t>
+            </a:r>
+            <a:r>
+              <a:rPr lang="es-AR" dirty="0" err="1">
+                <a:solidFill>
+                  <a:schemeClr val="tx1">
+                    <a:lumMod val="95000"/>
+                    <a:lumOff val="5000"/>
+                  </a:schemeClr>
+                </a:solidFill>
+                <a:latin typeface="Arial Rounded MT Bold" panose="020F0704030504030204" pitchFamily="34" charset="0"/>
+              </a:rPr>
+              <a:t>podran</a:t>
+            </a:r>
+            <a:r>
+              <a:rPr lang="es-AR" dirty="0">
+                <a:solidFill>
+                  <a:schemeClr val="tx1">
+                    <a:lumMod val="95000"/>
+                    <a:lumOff val="5000"/>
+                  </a:schemeClr>
+                </a:solidFill>
+                <a:latin typeface="Arial Rounded MT Bold" panose="020F0704030504030204" pitchFamily="34" charset="0"/>
+              </a:rPr>
+              <a:t> </a:t>
+            </a:r>
+            <a:r>
+              <a:rPr lang="es-AR" dirty="0" err="1">
+                <a:solidFill>
+                  <a:schemeClr val="tx1">
+                    <a:lumMod val="95000"/>
+                    <a:lumOff val="5000"/>
+                  </a:schemeClr>
+                </a:solidFill>
+                <a:latin typeface="Arial Rounded MT Bold" panose="020F0704030504030204" pitchFamily="34" charset="0"/>
+              </a:rPr>
+              <a:t>posiionar</a:t>
+            </a:r>
+            <a:r>
+              <a:rPr lang="es-AR" dirty="0">
+                <a:solidFill>
+                  <a:schemeClr val="tx1">
+                    <a:lumMod val="95000"/>
+                    <a:lumOff val="5000"/>
+                  </a:schemeClr>
+                </a:solidFill>
+                <a:latin typeface="Arial Rounded MT Bold" panose="020F0704030504030204" pitchFamily="34" charset="0"/>
+              </a:rPr>
+              <a:t> en el mercado mediante plataformas como </a:t>
+            </a:r>
+            <a:r>
+              <a:rPr lang="es-AR" dirty="0" err="1">
+                <a:solidFill>
+                  <a:schemeClr val="tx1">
+                    <a:lumMod val="95000"/>
+                    <a:lumOff val="5000"/>
+                  </a:schemeClr>
+                </a:solidFill>
+                <a:latin typeface="Arial Rounded MT Bold" panose="020F0704030504030204" pitchFamily="34" charset="0"/>
+              </a:rPr>
+              <a:t>steeam</a:t>
+            </a:r>
+            <a:r>
+              <a:rPr lang="es-AR" dirty="0">
+                <a:solidFill>
+                  <a:schemeClr val="tx1">
+                    <a:lumMod val="95000"/>
+                    <a:lumOff val="5000"/>
+                  </a:schemeClr>
+                </a:solidFill>
+                <a:latin typeface="Arial Rounded MT Bold" panose="020F0704030504030204" pitchFamily="34" charset="0"/>
+              </a:rPr>
+              <a:t>, </a:t>
+            </a:r>
+            <a:r>
+              <a:rPr lang="es-AR" dirty="0" err="1">
+                <a:solidFill>
+                  <a:schemeClr val="tx1">
+                    <a:lumMod val="95000"/>
+                    <a:lumOff val="5000"/>
+                  </a:schemeClr>
+                </a:solidFill>
+                <a:latin typeface="Arial Rounded MT Bold" panose="020F0704030504030204" pitchFamily="34" charset="0"/>
+              </a:rPr>
+              <a:t>itchio</a:t>
+            </a:r>
+            <a:r>
+              <a:rPr lang="es-AR" dirty="0">
+                <a:solidFill>
+                  <a:schemeClr val="tx1">
+                    <a:lumMod val="95000"/>
+                    <a:lumOff val="5000"/>
+                  </a:schemeClr>
+                </a:solidFill>
+                <a:latin typeface="Arial Rounded MT Bold" panose="020F0704030504030204" pitchFamily="34" charset="0"/>
+              </a:rPr>
+              <a:t> y </a:t>
+            </a:r>
+            <a:r>
+              <a:rPr lang="es-AR" dirty="0" err="1">
+                <a:solidFill>
+                  <a:schemeClr val="tx1">
+                    <a:lumMod val="95000"/>
+                    <a:lumOff val="5000"/>
+                  </a:schemeClr>
+                </a:solidFill>
+                <a:latin typeface="Arial Rounded MT Bold" panose="020F0704030504030204" pitchFamily="34" charset="0"/>
+              </a:rPr>
+              <a:t>google</a:t>
+            </a:r>
+            <a:r>
+              <a:rPr lang="es-AR" dirty="0">
+                <a:solidFill>
+                  <a:schemeClr val="tx1">
+                    <a:lumMod val="95000"/>
+                    <a:lumOff val="5000"/>
+                  </a:schemeClr>
+                </a:solidFill>
+                <a:latin typeface="Arial Rounded MT Bold" panose="020F0704030504030204" pitchFamily="34" charset="0"/>
+              </a:rPr>
+              <a:t> </a:t>
+            </a:r>
+            <a:r>
+              <a:rPr lang="es-AR" dirty="0" err="1">
+                <a:solidFill>
+                  <a:schemeClr val="tx1">
+                    <a:lumMod val="95000"/>
+                    <a:lumOff val="5000"/>
+                  </a:schemeClr>
+                </a:solidFill>
+                <a:latin typeface="Arial Rounded MT Bold" panose="020F0704030504030204" pitchFamily="34" charset="0"/>
+              </a:rPr>
+              <a:t>play</a:t>
+            </a:r>
+            <a:r>
+              <a:rPr lang="es-AR" dirty="0">
+                <a:solidFill>
+                  <a:schemeClr val="tx1">
+                    <a:lumMod val="95000"/>
+                    <a:lumOff val="5000"/>
+                  </a:schemeClr>
+                </a:solidFill>
+                <a:latin typeface="Arial Rounded MT Bold" panose="020F0704030504030204" pitchFamily="34" charset="0"/>
+              </a:rPr>
+              <a:t>,</a:t>
+            </a:r>
+          </a:p>
+          <a:p>
+            <a:pPr marL="0" lvl="0" indent="0" algn="just" rtl="0">
+              <a:spcBef>
+                <a:spcPts val="0"/>
+              </a:spcBef>
+              <a:spcAft>
+                <a:spcPts val="0"/>
+              </a:spcAft>
+              <a:buNone/>
+            </a:pPr>
+            <a:endParaRPr lang="es-AR" dirty="0">
+              <a:solidFill>
+                <a:schemeClr val="tx1">
+                  <a:lumMod val="95000"/>
+                  <a:lumOff val="5000"/>
+                </a:schemeClr>
+              </a:solidFill>
+              <a:latin typeface="Arial Rounded MT Bold" panose="020F0704030504030204" pitchFamily="34" charset="0"/>
+            </a:endParaRPr>
+          </a:p>
+          <a:p>
+            <a:pPr marL="0" lvl="0" indent="0" algn="just" rtl="0">
+              <a:spcBef>
+                <a:spcPts val="0"/>
+              </a:spcBef>
+              <a:spcAft>
+                <a:spcPts val="0"/>
+              </a:spcAft>
+              <a:buNone/>
+            </a:pPr>
+            <a:r>
+              <a:rPr lang="es-AR" dirty="0">
+                <a:solidFill>
+                  <a:schemeClr val="tx1">
+                    <a:lumMod val="95000"/>
+                    <a:lumOff val="5000"/>
+                  </a:schemeClr>
+                </a:solidFill>
+                <a:latin typeface="Arial Rounded MT Bold" panose="020F0704030504030204" pitchFamily="34" charset="0"/>
+              </a:rPr>
+              <a:t>Tercer etapa consolas.</a:t>
+            </a:r>
           </a:p>
         </p:txBody>
       </p:sp>
@@ -10136,7 +11179,7 @@
 </p:sld>
 </file>
 
-<file path=ppt/slides/slide15.xml><?xml version="1.0" encoding="utf-8"?>
+<file path=ppt/slides/slide16.xml><?xml version="1.0" encoding="utf-8"?>
 <p:sld xmlns:a="http://schemas.openxmlformats.org/drawingml/2006/main" xmlns:r="http://schemas.openxmlformats.org/officeDocument/2006/relationships" xmlns:p="http://schemas.openxmlformats.org/presentationml/2006/main">
   <p:cSld>
     <p:spTree>
@@ -10293,7 +11336,7 @@
 </p:sld>
 </file>
 
-<file path=ppt/slides/slide16.xml><?xml version="1.0" encoding="utf-8"?>
+<file path=ppt/slides/slide17.xml><?xml version="1.0" encoding="utf-8"?>
 <p:sld xmlns:a="http://schemas.openxmlformats.org/drawingml/2006/main" xmlns:r="http://schemas.openxmlformats.org/officeDocument/2006/relationships" xmlns:p="http://schemas.openxmlformats.org/presentationml/2006/main">
   <p:cSld>
     <p:spTree>
@@ -10453,7 +11496,7 @@
 </p:sld>
 </file>
 
-<file path=ppt/slides/slide17.xml><?xml version="1.0" encoding="utf-8"?>
+<file path=ppt/slides/slide18.xml><?xml version="1.0" encoding="utf-8"?>
 <p:sld xmlns:a="http://schemas.openxmlformats.org/drawingml/2006/main" xmlns:r="http://schemas.openxmlformats.org/officeDocument/2006/relationships" xmlns:p="http://schemas.openxmlformats.org/presentationml/2006/main">
   <p:cSld>
     <p:spTree>
@@ -10589,7 +11632,7 @@
 </p:sld>
 </file>
 
-<file path=ppt/slides/slide18.xml><?xml version="1.0" encoding="utf-8"?>
+<file path=ppt/slides/slide19.xml><?xml version="1.0" encoding="utf-8"?>
 <p:sld xmlns:a="http://schemas.openxmlformats.org/drawingml/2006/main" xmlns:r="http://schemas.openxmlformats.org/officeDocument/2006/relationships" xmlns:p="http://schemas.openxmlformats.org/presentationml/2006/main">
   <p:cSld>
     <p:spTree>
@@ -11146,17 +12189,23 @@
             <a:r>
               <a:rPr lang="es" b="1" i="1" dirty="0">
                 <a:solidFill>
-                  <a:srgbClr val="666666"/>
-                </a:solidFill>
-                <a:latin typeface="Bahnschrift SemiBold" panose="020B0502040204020203" pitchFamily="34" charset="0"/>
+                  <a:schemeClr val="tx1">
+                    <a:lumMod val="95000"/>
+                    <a:lumOff val="5000"/>
+                  </a:schemeClr>
+                </a:solidFill>
+                <a:latin typeface="Arial Rounded MT Bold" panose="020F0704030504030204" pitchFamily="34" charset="0"/>
               </a:rPr>
               <a:t>Todo lo que siempre has sabido esta del otro lado de tus miedos.</a:t>
             </a:r>
             <a:endParaRPr b="1" i="1" dirty="0">
               <a:solidFill>
-                <a:srgbClr val="666666"/>
+                <a:schemeClr val="tx1">
+                  <a:lumMod val="95000"/>
+                  <a:lumOff val="5000"/>
+                </a:schemeClr>
               </a:solidFill>
-              <a:latin typeface="Bahnschrift SemiBold" panose="020B0502040204020203" pitchFamily="34" charset="0"/>
+              <a:latin typeface="Arial Rounded MT Bold" panose="020F0704030504030204" pitchFamily="34" charset="0"/>
             </a:endParaRPr>
           </a:p>
           <a:p>
@@ -11171,8 +12220,12 @@
             </a:pPr>
             <a:endParaRPr i="1" dirty="0">
               <a:solidFill>
-                <a:srgbClr val="666666"/>
+                <a:schemeClr val="tx1">
+                  <a:lumMod val="95000"/>
+                  <a:lumOff val="5000"/>
+                </a:schemeClr>
               </a:solidFill>
+              <a:latin typeface="Arial Rounded MT Bold" panose="020F0704030504030204" pitchFamily="34" charset="0"/>
             </a:endParaRPr>
           </a:p>
           <a:p>
@@ -11192,8 +12245,12 @@
             </a:pPr>
             <a:endParaRPr lang="es" i="1" dirty="0">
               <a:solidFill>
-                <a:srgbClr val="666666"/>
+                <a:schemeClr val="tx1">
+                  <a:lumMod val="95000"/>
+                  <a:lumOff val="5000"/>
+                </a:schemeClr>
               </a:solidFill>
+              <a:latin typeface="Arial Rounded MT Bold" panose="020F0704030504030204" pitchFamily="34" charset="0"/>
             </a:endParaRPr>
           </a:p>
           <a:p>
@@ -11214,24 +12271,36 @@
             <a:r>
               <a:rPr lang="es" i="1" dirty="0">
                 <a:solidFill>
-                  <a:srgbClr val="666666"/>
-                </a:solidFill>
+                  <a:schemeClr val="tx1">
+                    <a:lumMod val="95000"/>
+                    <a:lumOff val="5000"/>
+                  </a:schemeClr>
+                </a:solidFill>
+                <a:latin typeface="Arial Rounded MT Bold" panose="020F0704030504030204" pitchFamily="34" charset="0"/>
               </a:rPr>
               <a:t>La oscuridad no es tu amiga …. </a:t>
             </a:r>
             <a:r>
               <a:rPr lang="es-AR" i="1" dirty="0">
                 <a:solidFill>
-                  <a:srgbClr val="666666"/>
-                </a:solidFill>
+                  <a:schemeClr val="tx1">
+                    <a:lumMod val="95000"/>
+                    <a:lumOff val="5000"/>
+                  </a:schemeClr>
+                </a:solidFill>
+                <a:latin typeface="Arial Rounded MT Bold" panose="020F0704030504030204" pitchFamily="34" charset="0"/>
               </a:rPr>
               <a:t>H</a:t>
             </a:r>
             <a:r>
               <a:rPr lang="es" i="1" dirty="0">
                 <a:solidFill>
-                  <a:srgbClr val="666666"/>
-                </a:solidFill>
+                  <a:schemeClr val="tx1">
+                    <a:lumMod val="95000"/>
+                    <a:lumOff val="5000"/>
+                  </a:schemeClr>
+                </a:solidFill>
+                <a:latin typeface="Arial Rounded MT Bold" panose="020F0704030504030204" pitchFamily="34" charset="0"/>
               </a:rPr>
               <a:t>uye!</a:t>
             </a:r>
@@ -11254,8 +12323,12 @@
             <a:r>
               <a:rPr lang="es" i="1" dirty="0">
                 <a:solidFill>
-                  <a:srgbClr val="666666"/>
-                </a:solidFill>
+                  <a:schemeClr val="tx1">
+                    <a:lumMod val="95000"/>
+                    <a:lumOff val="5000"/>
+                  </a:schemeClr>
+                </a:solidFill>
+                <a:latin typeface="Arial Rounded MT Bold" panose="020F0704030504030204" pitchFamily="34" charset="0"/>
               </a:rPr>
               <a:t>Dscubre tu mayo miedo</a:t>
             </a:r>
@@ -11278,16 +12351,24 @@
             <a:r>
               <a:rPr lang="es-AR" i="1" dirty="0">
                 <a:solidFill>
-                  <a:srgbClr val="666666"/>
-                </a:solidFill>
+                  <a:schemeClr val="tx1">
+                    <a:lumMod val="95000"/>
+                    <a:lumOff val="5000"/>
+                  </a:schemeClr>
+                </a:solidFill>
+                <a:latin typeface="Arial Rounded MT Bold" panose="020F0704030504030204" pitchFamily="34" charset="0"/>
               </a:rPr>
               <a:t>E</a:t>
             </a:r>
             <a:r>
               <a:rPr lang="es" i="1" dirty="0">
                 <a:solidFill>
-                  <a:srgbClr val="666666"/>
-                </a:solidFill>
+                  <a:schemeClr val="tx1">
+                    <a:lumMod val="95000"/>
+                    <a:lumOff val="5000"/>
+                  </a:schemeClr>
+                </a:solidFill>
+                <a:latin typeface="Arial Rounded MT Bold" panose="020F0704030504030204" pitchFamily="34" charset="0"/>
               </a:rPr>
               <a:t>xplora los rincones de tu mente</a:t>
             </a:r>
@@ -11310,8 +12391,12 @@
             <a:r>
               <a:rPr lang="es" i="1" dirty="0">
                 <a:solidFill>
-                  <a:srgbClr val="666666"/>
-                </a:solidFill>
+                  <a:schemeClr val="tx1">
+                    <a:lumMod val="95000"/>
+                    <a:lumOff val="5000"/>
+                  </a:schemeClr>
+                </a:solidFill>
+                <a:latin typeface="Arial Rounded MT Bold" panose="020F0704030504030204" pitchFamily="34" charset="0"/>
               </a:rPr>
               <a:t>Una forma difrente de terror</a:t>
             </a:r>
@@ -11777,7 +12862,10 @@
             <a:r>
               <a:rPr lang="es" i="1" dirty="0">
                 <a:solidFill>
-                  <a:srgbClr val="666666"/>
+                  <a:schemeClr val="tx1">
+                    <a:lumMod val="95000"/>
+                    <a:lumOff val="5000"/>
+                  </a:schemeClr>
                 </a:solidFill>
                 <a:latin typeface="Arial Rounded MT Bold" panose="020F0704030504030204" pitchFamily="34" charset="0"/>
               </a:rPr>
@@ -11785,7 +12873,10 @@
             </a:r>
             <a:endParaRPr i="1" dirty="0">
               <a:solidFill>
-                <a:srgbClr val="666666"/>
+                <a:schemeClr val="tx1">
+                  <a:lumMod val="95000"/>
+                  <a:lumOff val="5000"/>
+                </a:schemeClr>
               </a:solidFill>
               <a:latin typeface="Arial Rounded MT Bold" panose="020F0704030504030204" pitchFamily="34" charset="0"/>
             </a:endParaRPr>
@@ -11933,7 +13024,10 @@
             <a:r>
               <a:rPr lang="es" i="1" dirty="0">
                 <a:solidFill>
-                  <a:srgbClr val="666666"/>
+                  <a:schemeClr val="tx1">
+                    <a:lumMod val="95000"/>
+                    <a:lumOff val="5000"/>
+                  </a:schemeClr>
                 </a:solidFill>
                 <a:latin typeface="Bahnschrift SemiBold Condensed" panose="020B0502040204020203" pitchFamily="34" charset="0"/>
               </a:rPr>
@@ -11941,7 +13035,10 @@
             </a:r>
             <a:endParaRPr i="1" dirty="0">
               <a:solidFill>
-                <a:srgbClr val="666666"/>
+                <a:schemeClr val="tx1">
+                  <a:lumMod val="95000"/>
+                  <a:lumOff val="5000"/>
+                </a:schemeClr>
               </a:solidFill>
               <a:latin typeface="Bahnschrift SemiBold Condensed" panose="020B0502040204020203" pitchFamily="34" charset="0"/>
             </a:endParaRPr>
@@ -12220,8 +13317,8 @@
         </p:nvSpPr>
         <p:spPr>
           <a:xfrm>
-            <a:off x="268850" y="672125"/>
-            <a:ext cx="8730600" cy="831300"/>
+            <a:off x="304476" y="672125"/>
+            <a:ext cx="8730600" cy="830966"/>
           </a:xfrm>
           <a:prstGeom prst="rect">
             <a:avLst/>
@@ -12237,6 +13334,182 @@
           </a:bodyPr>
           <a:lstStyle/>
           <a:p>
+            <a:r>
+              <a:rPr lang="es" i="1" dirty="0">
+                <a:solidFill>
+                  <a:schemeClr val="tx1">
+                    <a:lumMod val="95000"/>
+                    <a:lumOff val="5000"/>
+                  </a:schemeClr>
+                </a:solidFill>
+                <a:latin typeface="Arial Rounded MT Bold" panose="020F0704030504030204" pitchFamily="34" charset="0"/>
+              </a:rPr>
+              <a:t>PHOBIA es un jueo que tiee bases solidas simentadas en experiencias como reside evil,</a:t>
+            </a:r>
+            <a:r>
+              <a:rPr lang="en-US" b="1" i="1" dirty="0">
+                <a:solidFill>
+                  <a:schemeClr val="tx1">
+                    <a:lumMod val="95000"/>
+                    <a:lumOff val="5000"/>
+                  </a:schemeClr>
+                </a:solidFill>
+                <a:effectLst/>
+                <a:latin typeface="Arial Rounded MT Bold" panose="020F0704030504030204" pitchFamily="34" charset="0"/>
+                <a:ea typeface="Arial" panose="020B0604020202020204" pitchFamily="34" charset="0"/>
+                <a:cs typeface="Times New Roman" panose="02020603050405020304" pitchFamily="18" charset="0"/>
+              </a:rPr>
+              <a:t> : </a:t>
+            </a:r>
+            <a:r>
+              <a:rPr lang="en-US" i="1" dirty="0">
+                <a:solidFill>
+                  <a:schemeClr val="tx1">
+                    <a:lumMod val="95000"/>
+                    <a:lumOff val="5000"/>
+                  </a:schemeClr>
+                </a:solidFill>
+                <a:effectLst/>
+                <a:latin typeface="Arial Rounded MT Bold" panose="020F0704030504030204" pitchFamily="34" charset="0"/>
+                <a:ea typeface="Arial" panose="020B0604020202020204" pitchFamily="34" charset="0"/>
+                <a:cs typeface="Times New Roman" panose="02020603050405020304" pitchFamily="18" charset="0"/>
+              </a:rPr>
+              <a:t>Silent </a:t>
+            </a:r>
+            <a:r>
+              <a:rPr lang="en-US" i="1" dirty="0" err="1">
+                <a:solidFill>
+                  <a:schemeClr val="tx1">
+                    <a:lumMod val="95000"/>
+                    <a:lumOff val="5000"/>
+                  </a:schemeClr>
+                </a:solidFill>
+                <a:effectLst/>
+                <a:latin typeface="Arial Rounded MT Bold" panose="020F0704030504030204" pitchFamily="34" charset="0"/>
+                <a:ea typeface="Arial" panose="020B0604020202020204" pitchFamily="34" charset="0"/>
+                <a:cs typeface="Times New Roman" panose="02020603050405020304" pitchFamily="18" charset="0"/>
+              </a:rPr>
+              <a:t>Hil</a:t>
+            </a:r>
+            <a:r>
+              <a:rPr lang="en-US" i="1" dirty="0">
+                <a:solidFill>
+                  <a:schemeClr val="tx1">
+                    <a:lumMod val="95000"/>
+                    <a:lumOff val="5000"/>
+                  </a:schemeClr>
+                </a:solidFill>
+                <a:effectLst/>
+                <a:latin typeface="Arial Rounded MT Bold" panose="020F0704030504030204" pitchFamily="34" charset="0"/>
+                <a:ea typeface="Arial" panose="020B0604020202020204" pitchFamily="34" charset="0"/>
+                <a:cs typeface="Times New Roman" panose="02020603050405020304" pitchFamily="18" charset="0"/>
+              </a:rPr>
+              <a:t> 1 y Origins, </a:t>
+            </a:r>
+            <a:r>
+              <a:rPr lang="en-US" i="1" dirty="0" err="1">
+                <a:solidFill>
+                  <a:schemeClr val="tx1">
+                    <a:lumMod val="95000"/>
+                    <a:lumOff val="5000"/>
+                  </a:schemeClr>
+                </a:solidFill>
+                <a:effectLst/>
+                <a:latin typeface="Arial Rounded MT Bold" panose="020F0704030504030204" pitchFamily="34" charset="0"/>
+                <a:ea typeface="Arial" panose="020B0604020202020204" pitchFamily="34" charset="0"/>
+                <a:cs typeface="Times New Roman" panose="02020603050405020304" pitchFamily="18" charset="0"/>
+              </a:rPr>
+              <a:t>Superliminal</a:t>
+            </a:r>
+            <a:r>
+              <a:rPr lang="en-US" i="1" dirty="0">
+                <a:solidFill>
+                  <a:schemeClr val="tx1">
+                    <a:lumMod val="95000"/>
+                    <a:lumOff val="5000"/>
+                  </a:schemeClr>
+                </a:solidFill>
+                <a:effectLst/>
+                <a:latin typeface="Arial Rounded MT Bold" panose="020F0704030504030204" pitchFamily="34" charset="0"/>
+                <a:ea typeface="Arial" panose="020B0604020202020204" pitchFamily="34" charset="0"/>
+                <a:cs typeface="Times New Roman" panose="02020603050405020304" pitchFamily="18" charset="0"/>
+              </a:rPr>
+              <a:t>, Pacify, </a:t>
+            </a:r>
+            <a:r>
+              <a:rPr lang="en-US" i="1" dirty="0" err="1">
+                <a:solidFill>
+                  <a:schemeClr val="tx1">
+                    <a:lumMod val="95000"/>
+                    <a:lumOff val="5000"/>
+                  </a:schemeClr>
+                </a:solidFill>
+                <a:effectLst/>
+                <a:latin typeface="Arial Rounded MT Bold" panose="020F0704030504030204" pitchFamily="34" charset="0"/>
+                <a:ea typeface="Arial" panose="020B0604020202020204" pitchFamily="34" charset="0"/>
+                <a:cs typeface="Times New Roman" panose="02020603050405020304" pitchFamily="18" charset="0"/>
+              </a:rPr>
+              <a:t>Labyrimthine</a:t>
+            </a:r>
+            <a:r>
+              <a:rPr lang="en-US" i="1" dirty="0">
+                <a:solidFill>
+                  <a:schemeClr val="tx1">
+                    <a:lumMod val="95000"/>
+                    <a:lumOff val="5000"/>
+                  </a:schemeClr>
+                </a:solidFill>
+                <a:effectLst/>
+                <a:latin typeface="Arial Rounded MT Bold" panose="020F0704030504030204" pitchFamily="34" charset="0"/>
+                <a:ea typeface="Arial" panose="020B0604020202020204" pitchFamily="34" charset="0"/>
+                <a:cs typeface="Times New Roman" panose="02020603050405020304" pitchFamily="18" charset="0"/>
+              </a:rPr>
+              <a:t>, Madison, </a:t>
+            </a:r>
+            <a:r>
+              <a:rPr lang="en-US" i="1" dirty="0" err="1">
+                <a:solidFill>
+                  <a:schemeClr val="tx1">
+                    <a:lumMod val="95000"/>
+                    <a:lumOff val="5000"/>
+                  </a:schemeClr>
+                </a:solidFill>
+                <a:effectLst/>
+                <a:latin typeface="Arial Rounded MT Bold" panose="020F0704030504030204" pitchFamily="34" charset="0"/>
+                <a:ea typeface="Arial" panose="020B0604020202020204" pitchFamily="34" charset="0"/>
+                <a:cs typeface="Times New Roman" panose="02020603050405020304" pitchFamily="18" charset="0"/>
+              </a:rPr>
+              <a:t>Residen</a:t>
+            </a:r>
+            <a:r>
+              <a:rPr lang="en-US" i="1" dirty="0">
+                <a:solidFill>
+                  <a:schemeClr val="tx1">
+                    <a:lumMod val="95000"/>
+                    <a:lumOff val="5000"/>
+                  </a:schemeClr>
+                </a:solidFill>
+                <a:effectLst/>
+                <a:latin typeface="Arial Rounded MT Bold" panose="020F0704030504030204" pitchFamily="34" charset="0"/>
+                <a:ea typeface="Arial" panose="020B0604020202020204" pitchFamily="34" charset="0"/>
+                <a:cs typeface="Times New Roman" panose="02020603050405020304" pitchFamily="18" charset="0"/>
+              </a:rPr>
+              <a:t> Evil 7, Outlast</a:t>
+            </a:r>
+            <a:endParaRPr lang="es-AR" i="1" dirty="0">
+              <a:solidFill>
+                <a:schemeClr val="tx1">
+                  <a:lumMod val="95000"/>
+                  <a:lumOff val="5000"/>
+                </a:schemeClr>
+              </a:solidFill>
+              <a:effectLst/>
+              <a:latin typeface="Arial Rounded MT Bold" panose="020F0704030504030204" pitchFamily="34" charset="0"/>
+              <a:ea typeface="Times New Roman" panose="02020603050405020304" pitchFamily="18" charset="0"/>
+              <a:cs typeface="Times New Roman" panose="02020603050405020304" pitchFamily="18" charset="0"/>
+            </a:endParaRPr>
+          </a:p>
+          <a:p>
             <a:pPr marL="0" lvl="0" indent="0" algn="l" rtl="0">
               <a:spcBef>
                 <a:spcPts val="0"/>
@@ -12247,14 +13520,14 @@
               <a:buNone/>
             </a:pPr>
             <a:r>
-              <a:rPr lang="es" i="1">
+              <a:rPr lang="es" i="1" dirty="0">
                 <a:solidFill>
                   <a:srgbClr val="666666"/>
                 </a:solidFill>
               </a:rPr>
-              <a:t>Juegos similares, referencias e inspiraciones en otros productos comerciales que ayuden a dar a entender mecánicas de sus juegos, tipo de humor, criterio artístico, etc. En cada uno de ellos identificar qué es lo que se está tomando de cada uno.</a:t>
-            </a:r>
-            <a:endParaRPr i="1">
+              <a:t> </a:t>
+            </a:r>
+            <a:endParaRPr i="1" dirty="0">
               <a:solidFill>
                 <a:srgbClr val="666666"/>
               </a:solidFill>
@@ -12299,14 +13572,14 @@
               <a:buNone/>
             </a:pPr>
             <a:r>
-              <a:rPr lang="es" sz="2200" b="1">
+              <a:rPr lang="es" sz="2200" b="1" dirty="0">
                 <a:solidFill>
                   <a:srgbClr val="666666"/>
                 </a:solidFill>
               </a:rPr>
               <a:t>Img representativa del Juego o Referencia</a:t>
             </a:r>
-            <a:endParaRPr sz="2200" b="1">
+            <a:endParaRPr sz="2200" b="1" dirty="0">
               <a:solidFill>
                 <a:srgbClr val="666666"/>
               </a:solidFill>
@@ -12322,8 +13595,8 @@
         </p:nvSpPr>
         <p:spPr>
           <a:xfrm>
-            <a:off x="1030850" y="3720125"/>
-            <a:ext cx="1653900" cy="1046700"/>
+            <a:off x="117638" y="3720125"/>
+            <a:ext cx="3193013" cy="1107965"/>
           </a:xfrm>
           <a:prstGeom prst="rect">
             <a:avLst/>
@@ -12339,27 +13612,58 @@
           </a:bodyPr>
           <a:lstStyle/>
           <a:p>
-            <a:pPr marL="0" lvl="0" indent="0" algn="ctr" rtl="0">
-              <a:spcBef>
-                <a:spcPts val="0"/>
-              </a:spcBef>
-              <a:spcAft>
-                <a:spcPts val="0"/>
-              </a:spcAft>
-              <a:buNone/>
-            </a:pPr>
-            <a:r>
-              <a:rPr lang="es" i="1">
-                <a:solidFill>
-                  <a:srgbClr val="666666"/>
-                </a:solidFill>
-              </a:rPr>
-              <a:t>identificar qué es lo que se está tomando de esta referencia</a:t>
-            </a:r>
-            <a:endParaRPr i="1">
+            <a:pPr marL="0" lvl="0" indent="0" algn="just" rtl="0">
+              <a:spcBef>
+                <a:spcPts val="0"/>
+              </a:spcBef>
+              <a:spcAft>
+                <a:spcPts val="0"/>
+              </a:spcAft>
+              <a:buNone/>
+            </a:pPr>
+            <a:r>
+              <a:rPr lang="es" sz="1000" i="1" dirty="0">
+                <a:solidFill>
+                  <a:schemeClr val="tx1">
+                    <a:lumMod val="95000"/>
+                    <a:lumOff val="5000"/>
+                  </a:schemeClr>
+                </a:solidFill>
+                <a:latin typeface="Arial Rounded MT Bold" panose="020F0704030504030204" pitchFamily="34" charset="0"/>
+              </a:rPr>
+              <a:t>Residen eveil 1</a:t>
+            </a:r>
+          </a:p>
+          <a:p>
+            <a:pPr marL="0" lvl="0" indent="0" algn="just" rtl="0">
+              <a:spcBef>
+                <a:spcPts val="0"/>
+              </a:spcBef>
+              <a:spcAft>
+                <a:spcPts val="0"/>
+              </a:spcAft>
+              <a:buNone/>
+            </a:pPr>
+            <a:r>
+              <a:rPr lang="es" sz="1000" i="1" dirty="0">
+                <a:solidFill>
+                  <a:schemeClr val="tx1">
+                    <a:lumMod val="95000"/>
+                    <a:lumOff val="5000"/>
+                  </a:schemeClr>
+                </a:solidFill>
+                <a:latin typeface="Arial Rounded MT Bold" panose="020F0704030504030204" pitchFamily="34" charset="0"/>
+              </a:rPr>
+              <a:t>Una de las particularidades de este juego es eltipo de decorados, cargados , con empapelados repetitivos, basados en colores y tonos agotadores a la persepcion visula que generan hambientes lugubres</a:t>
+            </a:r>
+            <a:endParaRPr sz="1000" i="1" dirty="0">
               <a:solidFill>
-                <a:srgbClr val="666666"/>
+                <a:schemeClr val="tx1">
+                  <a:lumMod val="95000"/>
+                  <a:lumOff val="5000"/>
+                </a:schemeClr>
               </a:solidFill>
+              <a:latin typeface="Arial Rounded MT Bold" panose="020F0704030504030204" pitchFamily="34" charset="0"/>
             </a:endParaRPr>
           </a:p>
         </p:txBody>
@@ -12372,8 +13676,8 @@
         </p:nvSpPr>
         <p:spPr>
           <a:xfrm>
-            <a:off x="3774050" y="3720125"/>
-            <a:ext cx="1653900" cy="1046700"/>
+            <a:off x="3442249" y="3720125"/>
+            <a:ext cx="2766975" cy="1200298"/>
           </a:xfrm>
           <a:prstGeom prst="rect">
             <a:avLst/>
@@ -12389,27 +13693,58 @@
           </a:bodyPr>
           <a:lstStyle/>
           <a:p>
-            <a:pPr marL="0" lvl="0" indent="0" algn="ctr" rtl="0">
-              <a:spcBef>
-                <a:spcPts val="0"/>
-              </a:spcBef>
-              <a:spcAft>
-                <a:spcPts val="0"/>
-              </a:spcAft>
-              <a:buNone/>
-            </a:pPr>
-            <a:r>
-              <a:rPr lang="es" i="1">
-                <a:solidFill>
-                  <a:srgbClr val="666666"/>
-                </a:solidFill>
-              </a:rPr>
-              <a:t>identificar qué es lo que se está tomando de esta referencia</a:t>
-            </a:r>
-            <a:endParaRPr i="1">
+            <a:pPr marL="0" lvl="0" indent="0" algn="just" rtl="0">
+              <a:spcBef>
+                <a:spcPts val="0"/>
+              </a:spcBef>
+              <a:spcAft>
+                <a:spcPts val="0"/>
+              </a:spcAft>
+              <a:buNone/>
+            </a:pPr>
+            <a:r>
+              <a:rPr lang="es" sz="1100" i="1" dirty="0">
+                <a:solidFill>
+                  <a:schemeClr val="tx1">
+                    <a:lumMod val="95000"/>
+                    <a:lumOff val="5000"/>
+                  </a:schemeClr>
+                </a:solidFill>
+                <a:latin typeface="Arial Rounded MT Bold" panose="020F0704030504030204" pitchFamily="34" charset="0"/>
+              </a:rPr>
+              <a:t>MADISON</a:t>
+            </a:r>
+          </a:p>
+          <a:p>
+            <a:pPr marL="0" lvl="0" indent="0" algn="just" rtl="0">
+              <a:spcBef>
+                <a:spcPts val="0"/>
+              </a:spcBef>
+              <a:spcAft>
+                <a:spcPts val="0"/>
+              </a:spcAft>
+              <a:buNone/>
+            </a:pPr>
+            <a:r>
+              <a:rPr lang="es" sz="1100" i="1" dirty="0">
+                <a:solidFill>
+                  <a:schemeClr val="tx1">
+                    <a:lumMod val="95000"/>
+                    <a:lumOff val="5000"/>
+                  </a:schemeClr>
+                </a:solidFill>
+                <a:latin typeface="Arial Rounded MT Bold" panose="020F0704030504030204" pitchFamily="34" charset="0"/>
+              </a:rPr>
+              <a:t>Otro ejemplo que nos propone emular sus espacion oscuros y eluso de referencias visuales como lo son los cuadros en las paredes y lo que generan a las mecanicas del juegos</a:t>
+            </a:r>
+            <a:endParaRPr sz="1100" i="1" dirty="0">
               <a:solidFill>
-                <a:srgbClr val="666666"/>
+                <a:schemeClr val="tx1">
+                  <a:lumMod val="95000"/>
+                  <a:lumOff val="5000"/>
+                </a:schemeClr>
               </a:solidFill>
+              <a:latin typeface="Arial Rounded MT Bold" panose="020F0704030504030204" pitchFamily="34" charset="0"/>
             </a:endParaRPr>
           </a:p>
         </p:txBody>
@@ -12423,7 +13758,7 @@
         <p:spPr>
           <a:xfrm>
             <a:off x="6462275" y="3720125"/>
-            <a:ext cx="1653900" cy="1046700"/>
+            <a:ext cx="2610420" cy="1200298"/>
           </a:xfrm>
           <a:prstGeom prst="rect">
             <a:avLst/>
@@ -12439,135 +13774,203 @@
           </a:bodyPr>
           <a:lstStyle/>
           <a:p>
-            <a:pPr marL="0" lvl="0" indent="0" algn="ctr" rtl="0">
-              <a:spcBef>
-                <a:spcPts val="0"/>
-              </a:spcBef>
-              <a:spcAft>
-                <a:spcPts val="0"/>
-              </a:spcAft>
-              <a:buNone/>
-            </a:pPr>
-            <a:r>
-              <a:rPr lang="es" i="1">
-                <a:solidFill>
-                  <a:srgbClr val="666666"/>
-                </a:solidFill>
-              </a:rPr>
-              <a:t>identificar qué es lo que se está tomando de esta referencia</a:t>
-            </a:r>
-            <a:endParaRPr i="1">
+            <a:pPr marL="0" lvl="0" indent="0" algn="just" rtl="0">
+              <a:spcBef>
+                <a:spcPts val="0"/>
+              </a:spcBef>
+              <a:spcAft>
+                <a:spcPts val="0"/>
+              </a:spcAft>
+              <a:buNone/>
+            </a:pPr>
+            <a:r>
+              <a:rPr lang="es" sz="1100" i="1" dirty="0">
+                <a:solidFill>
+                  <a:schemeClr val="tx1">
+                    <a:lumMod val="95000"/>
+                    <a:lumOff val="5000"/>
+                  </a:schemeClr>
+                </a:solidFill>
+                <a:latin typeface="Arial Rounded MT Bold" panose="020F0704030504030204" pitchFamily="34" charset="0"/>
+              </a:rPr>
+              <a:t>Resident evil 7</a:t>
+            </a:r>
+          </a:p>
+          <a:p>
+            <a:pPr marL="0" lvl="0" indent="0" algn="just" rtl="0">
+              <a:spcBef>
+                <a:spcPts val="0"/>
+              </a:spcBef>
+              <a:spcAft>
+                <a:spcPts val="0"/>
+              </a:spcAft>
+              <a:buNone/>
+            </a:pPr>
+            <a:r>
+              <a:rPr lang="es" sz="1100" i="1" dirty="0">
+                <a:solidFill>
+                  <a:schemeClr val="tx1">
+                    <a:lumMod val="95000"/>
+                    <a:lumOff val="5000"/>
+                  </a:schemeClr>
+                </a:solidFill>
+                <a:latin typeface="Arial Rounded MT Bold" panose="020F0704030504030204" pitchFamily="34" charset="0"/>
+              </a:rPr>
+              <a:t>Otra joya donde referenciamos el uso de Puzzles como elemento para alcanzar los objetivos de la narrativa y entender las tramas del juegos</a:t>
+            </a:r>
+            <a:endParaRPr sz="1100" i="1" dirty="0">
               <a:solidFill>
-                <a:srgbClr val="666666"/>
+                <a:schemeClr val="tx1">
+                  <a:lumMod val="95000"/>
+                  <a:lumOff val="5000"/>
+                </a:schemeClr>
               </a:solidFill>
+              <a:latin typeface="Arial Rounded MT Bold" panose="020F0704030504030204" pitchFamily="34" charset="0"/>
             </a:endParaRPr>
           </a:p>
         </p:txBody>
       </p:sp>
-      <p:sp>
-        <p:nvSpPr>
-          <p:cNvPr id="98" name="Google Shape;98;p18"/>
-          <p:cNvSpPr/>
+      <p:pic>
+        <p:nvPicPr>
+          <p:cNvPr id="1026" name="Picture 2" descr="Birdcage corridor | Resident Evil Wiki | Fandom">
+            <a:extLst>
+              <a:ext uri="{FF2B5EF4-FFF2-40B4-BE49-F238E27FC236}">
+                <a16:creationId xmlns:a16="http://schemas.microsoft.com/office/drawing/2014/main" id="{30D38FE8-AA4C-41B9-706B-B22A5810F183}"/>
+              </a:ext>
+            </a:extLst>
+          </p:cNvPr>
+          <p:cNvPicPr>
+            <a:picLocks noChangeAspect="1" noChangeArrowheads="1"/>
+          </p:cNvPicPr>
           <p:nvPr/>
-        </p:nvSpPr>
-        <p:spPr>
-          <a:xfrm>
-            <a:off x="3554150" y="1986725"/>
-            <a:ext cx="2160000" cy="1733400"/>
+        </p:nvPicPr>
+        <p:blipFill>
+          <a:blip r:embed="rId3">
+            <a:extLst>
+              <a:ext uri="{28A0092B-C50C-407E-A947-70E740481C1C}">
+                <a14:useLocalDpi xmlns:a14="http://schemas.microsoft.com/office/drawing/2010/main" val="0"/>
+              </a:ext>
+            </a:extLst>
+          </a:blip>
+          <a:srcRect/>
+          <a:stretch>
+            <a:fillRect/>
+          </a:stretch>
+        </p:blipFill>
+        <p:spPr bwMode="auto">
+          <a:xfrm>
+            <a:off x="570012" y="1872275"/>
+            <a:ext cx="2466975" cy="1847850"/>
           </a:xfrm>
           <a:prstGeom prst="rect">
             <a:avLst/>
           </a:prstGeom>
-          <a:solidFill>
-            <a:schemeClr val="lt2"/>
-          </a:solidFill>
-          <a:ln>
-            <a:noFill/>
-          </a:ln>
-        </p:spPr>
-        <p:txBody>
-          <a:bodyPr spcFirstLastPara="1" wrap="square" lIns="91425" tIns="91425" rIns="91425" bIns="91425" anchor="ctr" anchorCtr="0">
-            <a:noAutofit/>
-          </a:bodyPr>
-          <a:lstStyle/>
-          <a:p>
-            <a:pPr marL="0" lvl="0" indent="0" algn="ctr" rtl="0">
-              <a:spcBef>
-                <a:spcPts val="0"/>
-              </a:spcBef>
-              <a:spcAft>
-                <a:spcPts val="0"/>
-              </a:spcAft>
-              <a:buNone/>
-            </a:pPr>
-            <a:r>
-              <a:rPr lang="es" sz="2200" b="1">
-                <a:solidFill>
-                  <a:srgbClr val="666666"/>
-                </a:solidFill>
-              </a:rPr>
-              <a:t>Img representativa del Juego o Referencia</a:t>
-            </a:r>
-            <a:endParaRPr sz="2200" b="1">
-              <a:solidFill>
-                <a:srgbClr val="666666"/>
-              </a:solidFill>
-            </a:endParaRPr>
-          </a:p>
-        </p:txBody>
-      </p:sp>
-      <p:sp>
-        <p:nvSpPr>
-          <p:cNvPr id="99" name="Google Shape;99;p18"/>
-          <p:cNvSpPr/>
+          <a:noFill/>
+          <a:extLst>
+            <a:ext uri="{909E8E84-426E-40DD-AFC4-6F175D3DCCD1}">
+              <a14:hiddenFill xmlns:a14="http://schemas.microsoft.com/office/drawing/2010/main">
+                <a:solidFill>
+                  <a:srgbClr val="FFFFFF"/>
+                </a:solidFill>
+              </a14:hiddenFill>
+            </a:ext>
+          </a:extLst>
+        </p:spPr>
+      </p:pic>
+      <p:pic>
+        <p:nvPicPr>
+          <p:cNvPr id="3" name="Picture 4" descr="Análisis de Madison, la aventura de miedo tipo P.T. que es el juego más  terrorífico de 2022, por ahora | Hobby Consolas">
+            <a:extLst>
+              <a:ext uri="{FF2B5EF4-FFF2-40B4-BE49-F238E27FC236}">
+                <a16:creationId xmlns:a16="http://schemas.microsoft.com/office/drawing/2014/main" id="{C8D29A57-C2E9-29D1-65E5-A060A35F65AE}"/>
+              </a:ext>
+            </a:extLst>
+          </p:cNvPr>
+          <p:cNvPicPr>
+            <a:picLocks noChangeAspect="1" noChangeArrowheads="1"/>
+          </p:cNvPicPr>
           <p:nvPr/>
-        </p:nvSpPr>
-        <p:spPr>
-          <a:xfrm>
-            <a:off x="6209225" y="1986725"/>
-            <a:ext cx="2160000" cy="1733400"/>
+        </p:nvPicPr>
+        <p:blipFill>
+          <a:blip r:embed="rId4">
+            <a:extLst>
+              <a:ext uri="{28A0092B-C50C-407E-A947-70E740481C1C}">
+                <a14:useLocalDpi xmlns:a14="http://schemas.microsoft.com/office/drawing/2010/main" val="0"/>
+              </a:ext>
+            </a:extLst>
+          </a:blip>
+          <a:srcRect/>
+          <a:stretch>
+            <a:fillRect/>
+          </a:stretch>
+        </p:blipFill>
+        <p:spPr bwMode="auto">
+          <a:xfrm>
+            <a:off x="3354517" y="1878235"/>
+            <a:ext cx="2702496" cy="1847850"/>
           </a:xfrm>
           <a:prstGeom prst="rect">
             <a:avLst/>
           </a:prstGeom>
-          <a:solidFill>
-            <a:schemeClr val="lt2"/>
-          </a:solidFill>
-          <a:ln>
-            <a:noFill/>
-          </a:ln>
-        </p:spPr>
-        <p:txBody>
-          <a:bodyPr spcFirstLastPara="1" wrap="square" lIns="91425" tIns="91425" rIns="91425" bIns="91425" anchor="ctr" anchorCtr="0">
-            <a:noAutofit/>
-          </a:bodyPr>
-          <a:lstStyle/>
-          <a:p>
-            <a:pPr marL="0" lvl="0" indent="0" algn="ctr" rtl="0">
-              <a:spcBef>
-                <a:spcPts val="0"/>
-              </a:spcBef>
-              <a:spcAft>
-                <a:spcPts val="0"/>
-              </a:spcAft>
-              <a:buNone/>
-            </a:pPr>
-            <a:r>
-              <a:rPr lang="es" sz="2200" b="1">
-                <a:solidFill>
-                  <a:srgbClr val="666666"/>
-                </a:solidFill>
-              </a:rPr>
-              <a:t>Img representativa del Juego o Referencia</a:t>
-            </a:r>
-            <a:endParaRPr sz="2200" b="1">
-              <a:solidFill>
-                <a:srgbClr val="666666"/>
-              </a:solidFill>
-            </a:endParaRPr>
-          </a:p>
-        </p:txBody>
-      </p:sp>
+          <a:noFill/>
+          <a:extLst>
+            <a:ext uri="{909E8E84-426E-40DD-AFC4-6F175D3DCCD1}">
+              <a14:hiddenFill xmlns:a14="http://schemas.microsoft.com/office/drawing/2010/main">
+                <a:solidFill>
+                  <a:srgbClr val="FFFFFF"/>
+                </a:solidFill>
+              </a14:hiddenFill>
+            </a:ext>
+          </a:extLst>
+        </p:spPr>
+      </p:pic>
+      <p:pic>
+        <p:nvPicPr>
+          <p:cNvPr id="1030" name="Picture 6" descr="Solución: El dormitorio - DLC de Resident Evil 7">
+            <a:extLst>
+              <a:ext uri="{FF2B5EF4-FFF2-40B4-BE49-F238E27FC236}">
+                <a16:creationId xmlns:a16="http://schemas.microsoft.com/office/drawing/2014/main" id="{BE035328-92AA-1602-4D83-ADE9A79A1826}"/>
+              </a:ext>
+            </a:extLst>
+          </p:cNvPr>
+          <p:cNvPicPr>
+            <a:picLocks noChangeAspect="1" noChangeArrowheads="1"/>
+          </p:cNvPicPr>
+          <p:nvPr/>
+        </p:nvPicPr>
+        <p:blipFill>
+          <a:blip r:embed="rId5">
+            <a:extLst>
+              <a:ext uri="{28A0092B-C50C-407E-A947-70E740481C1C}">
+                <a14:useLocalDpi xmlns:a14="http://schemas.microsoft.com/office/drawing/2010/main" val="0"/>
+              </a:ext>
+            </a:extLst>
+          </a:blip>
+          <a:srcRect/>
+          <a:stretch>
+            <a:fillRect/>
+          </a:stretch>
+        </p:blipFill>
+        <p:spPr bwMode="auto">
+          <a:xfrm>
+            <a:off x="6215195" y="1872275"/>
+            <a:ext cx="2857500" cy="1847850"/>
+          </a:xfrm>
+          <a:prstGeom prst="rect">
+            <a:avLst/>
+          </a:prstGeom>
+          <a:noFill/>
+          <a:extLst>
+            <a:ext uri="{909E8E84-426E-40DD-AFC4-6F175D3DCCD1}">
+              <a14:hiddenFill xmlns:a14="http://schemas.microsoft.com/office/drawing/2010/main">
+                <a:solidFill>
+                  <a:srgbClr val="FFFFFF"/>
+                </a:solidFill>
+              </a14:hiddenFill>
+            </a:ext>
+          </a:extLst>
+        </p:spPr>
+      </p:pic>
     </p:spTree>
   </p:cSld>
   <p:clrMapOvr>
@@ -12934,18 +14337,451 @@
               <a:buNone/>
             </a:pPr>
             <a:r>
-              <a:rPr lang="es" sz="2200" b="1">
+              <a:rPr lang="es" sz="2200" b="1" dirty="0">
                 <a:solidFill>
                   <a:srgbClr val="666666"/>
                 </a:solidFill>
               </a:rPr>
               <a:t>[IDENTIFICADOR DE FEATURE / MECÁNICA]</a:t>
             </a:r>
-            <a:endParaRPr sz="2200" b="1">
+          </a:p>
+          <a:p>
+            <a:pPr marL="0" lvl="0" indent="0" algn="l" rtl="0">
+              <a:spcBef>
+                <a:spcPts val="0"/>
+              </a:spcBef>
+              <a:spcAft>
+                <a:spcPts val="0"/>
+              </a:spcAft>
+              <a:buNone/>
+            </a:pPr>
+            <a:endParaRPr lang="es" sz="2200" b="1" dirty="0">
               <a:solidFill>
                 <a:srgbClr val="666666"/>
               </a:solidFill>
             </a:endParaRPr>
+          </a:p>
+          <a:p>
+            <a:pPr marL="0" lvl="0" indent="0" algn="l" rtl="0">
+              <a:spcBef>
+                <a:spcPts val="0"/>
+              </a:spcBef>
+              <a:spcAft>
+                <a:spcPts val="0"/>
+              </a:spcAft>
+              <a:buNone/>
+            </a:pPr>
+            <a:endParaRPr lang="es" sz="2200" b="1" dirty="0">
+              <a:solidFill>
+                <a:srgbClr val="666666"/>
+              </a:solidFill>
+            </a:endParaRPr>
+          </a:p>
+          <a:p>
+            <a:pPr marL="0" lvl="0" indent="0" algn="just" rtl="0">
+              <a:spcBef>
+                <a:spcPts val="0"/>
+              </a:spcBef>
+              <a:spcAft>
+                <a:spcPts val="0"/>
+              </a:spcAft>
+              <a:buNone/>
+            </a:pPr>
+            <a:r>
+              <a:rPr lang="es" sz="1600" b="1" i="1" dirty="0">
+                <a:solidFill>
+                  <a:schemeClr val="tx1">
+                    <a:lumMod val="95000"/>
+                    <a:lumOff val="5000"/>
+                  </a:schemeClr>
+                </a:solidFill>
+                <a:latin typeface="Arial Rounded MT Bold" panose="020F0704030504030204" pitchFamily="34" charset="0"/>
+              </a:rPr>
+              <a:t>PHOBIA  hace gala de los principios del game disaing, desde un inicio y en la base de los scape room , aisla al jugador para que pueda entender las mecanicas basicas, pero elemetales de la experiancia, un loop que se repetira a lo largo del juego pero que incremetara con la presencia de diferentes ingredientes donde sus   apartados atomicos incremetaran la dificultad de los mismos.</a:t>
+            </a:r>
+          </a:p>
+          <a:p>
+            <a:pPr marL="0" lvl="0" indent="0" algn="just" rtl="0">
+              <a:spcBef>
+                <a:spcPts val="0"/>
+              </a:spcBef>
+              <a:spcAft>
+                <a:spcPts val="0"/>
+              </a:spcAft>
+              <a:buNone/>
+            </a:pPr>
+            <a:r>
+              <a:rPr lang="es" sz="1600" b="1" i="1" dirty="0">
+                <a:solidFill>
+                  <a:schemeClr val="tx1">
+                    <a:lumMod val="95000"/>
+                    <a:lumOff val="5000"/>
+                  </a:schemeClr>
+                </a:solidFill>
+                <a:latin typeface="Arial Rounded MT Bold" panose="020F0704030504030204" pitchFamily="34" charset="0"/>
+              </a:rPr>
+              <a:t>Capitulo 1 (Habitacion inicial)</a:t>
+            </a:r>
+          </a:p>
+          <a:p>
+            <a:pPr marL="0" lvl="0" indent="0" algn="just" rtl="0">
+              <a:spcBef>
+                <a:spcPts val="0"/>
+              </a:spcBef>
+              <a:spcAft>
+                <a:spcPts val="0"/>
+              </a:spcAft>
+              <a:buNone/>
+            </a:pPr>
+            <a:endParaRPr lang="es" sz="1600" b="1" i="1" dirty="0">
+              <a:solidFill>
+                <a:schemeClr val="tx1">
+                  <a:lumMod val="95000"/>
+                  <a:lumOff val="5000"/>
+                </a:schemeClr>
+              </a:solidFill>
+              <a:latin typeface="Arial Rounded MT Bold" panose="020F0704030504030204" pitchFamily="34" charset="0"/>
+            </a:endParaRPr>
+          </a:p>
+          <a:p>
+            <a:pPr marL="0" lvl="0" indent="0" algn="just" rtl="0">
+              <a:spcBef>
+                <a:spcPts val="0"/>
+              </a:spcBef>
+              <a:spcAft>
+                <a:spcPts val="0"/>
+              </a:spcAft>
+              <a:buNone/>
+            </a:pPr>
+            <a:r>
+              <a:rPr lang="es" sz="1600" b="1" i="1" dirty="0">
+                <a:solidFill>
+                  <a:schemeClr val="tx1">
+                    <a:lumMod val="95000"/>
+                    <a:lumOff val="5000"/>
+                  </a:schemeClr>
+                </a:solidFill>
+                <a:latin typeface="Arial Rounded MT Bold" panose="020F0704030504030204" pitchFamily="34" charset="0"/>
+              </a:rPr>
+              <a:t>Mecanicas identificadas</a:t>
+            </a:r>
+          </a:p>
+          <a:p>
+            <a:pPr marL="0" lvl="0" indent="0" algn="just" rtl="0">
+              <a:spcBef>
+                <a:spcPts val="0"/>
+              </a:spcBef>
+              <a:spcAft>
+                <a:spcPts val="0"/>
+              </a:spcAft>
+              <a:buNone/>
+            </a:pPr>
+            <a:endParaRPr lang="es" sz="1600" b="1" i="1" dirty="0">
+              <a:solidFill>
+                <a:schemeClr val="tx1">
+                  <a:lumMod val="95000"/>
+                  <a:lumOff val="5000"/>
+                </a:schemeClr>
+              </a:solidFill>
+              <a:latin typeface="Arial Rounded MT Bold" panose="020F0704030504030204" pitchFamily="34" charset="0"/>
+            </a:endParaRPr>
+          </a:p>
+          <a:p>
+            <a:pPr marL="0" lvl="0" indent="0" algn="just" rtl="0">
+              <a:spcBef>
+                <a:spcPts val="0"/>
+              </a:spcBef>
+              <a:spcAft>
+                <a:spcPts val="0"/>
+              </a:spcAft>
+              <a:buNone/>
+            </a:pPr>
+            <a:r>
+              <a:rPr lang="es" sz="1600" b="1" i="1" dirty="0">
+                <a:solidFill>
+                  <a:schemeClr val="tx1">
+                    <a:lumMod val="95000"/>
+                    <a:lumOff val="5000"/>
+                  </a:schemeClr>
+                </a:solidFill>
+                <a:latin typeface="Arial Rounded MT Bold" panose="020F0704030504030204" pitchFamily="34" charset="0"/>
+              </a:rPr>
+              <a:t>Mirar                                                                </a:t>
+            </a:r>
+          </a:p>
+          <a:p>
+            <a:pPr marL="0" lvl="0" indent="0" algn="just" rtl="0">
+              <a:spcBef>
+                <a:spcPts val="0"/>
+              </a:spcBef>
+              <a:spcAft>
+                <a:spcPts val="0"/>
+              </a:spcAft>
+              <a:buNone/>
+            </a:pPr>
+            <a:r>
+              <a:rPr lang="es-AR" sz="1600" b="1" i="1" dirty="0">
+                <a:solidFill>
+                  <a:schemeClr val="tx1">
+                    <a:lumMod val="95000"/>
+                    <a:lumOff val="5000"/>
+                  </a:schemeClr>
+                </a:solidFill>
+                <a:latin typeface="Arial Rounded MT Bold" panose="020F0704030504030204" pitchFamily="34" charset="0"/>
+              </a:rPr>
+              <a:t>C</a:t>
+            </a:r>
+            <a:r>
+              <a:rPr lang="es" sz="1600" b="1" i="1" dirty="0">
+                <a:solidFill>
+                  <a:schemeClr val="tx1">
+                    <a:lumMod val="95000"/>
+                    <a:lumOff val="5000"/>
+                  </a:schemeClr>
+                </a:solidFill>
+                <a:latin typeface="Arial Rounded MT Bold" panose="020F0704030504030204" pitchFamily="34" charset="0"/>
+              </a:rPr>
+              <a:t>aminar</a:t>
+            </a:r>
+          </a:p>
+          <a:p>
+            <a:pPr marL="0" lvl="0" indent="0" algn="just" rtl="0">
+              <a:spcBef>
+                <a:spcPts val="0"/>
+              </a:spcBef>
+              <a:spcAft>
+                <a:spcPts val="0"/>
+              </a:spcAft>
+              <a:buNone/>
+            </a:pPr>
+            <a:r>
+              <a:rPr lang="es-AR" sz="1600" b="1" i="1" dirty="0">
+                <a:solidFill>
+                  <a:schemeClr val="tx1">
+                    <a:lumMod val="95000"/>
+                    <a:lumOff val="5000"/>
+                  </a:schemeClr>
+                </a:solidFill>
+                <a:latin typeface="Arial Rounded MT Bold" panose="020F0704030504030204" pitchFamily="34" charset="0"/>
+              </a:rPr>
+              <a:t>M</a:t>
+            </a:r>
+            <a:r>
+              <a:rPr lang="es" sz="1600" b="1" i="1" dirty="0">
+                <a:solidFill>
+                  <a:schemeClr val="tx1">
+                    <a:lumMod val="95000"/>
+                    <a:lumOff val="5000"/>
+                  </a:schemeClr>
+                </a:solidFill>
+                <a:latin typeface="Arial Rounded MT Bold" panose="020F0704030504030204" pitchFamily="34" charset="0"/>
+              </a:rPr>
+              <a:t>overnos</a:t>
+            </a:r>
+          </a:p>
+          <a:p>
+            <a:pPr marL="0" lvl="0" indent="0" algn="just" rtl="0">
+              <a:spcBef>
+                <a:spcPts val="0"/>
+              </a:spcBef>
+              <a:spcAft>
+                <a:spcPts val="0"/>
+              </a:spcAft>
+              <a:buNone/>
+            </a:pPr>
+            <a:r>
+              <a:rPr lang="es-AR" sz="1600" b="1" i="1" dirty="0">
+                <a:solidFill>
+                  <a:schemeClr val="tx1">
+                    <a:lumMod val="95000"/>
+                    <a:lumOff val="5000"/>
+                  </a:schemeClr>
+                </a:solidFill>
+                <a:latin typeface="Arial Rounded MT Bold" panose="020F0704030504030204" pitchFamily="34" charset="0"/>
+              </a:rPr>
+              <a:t>I</a:t>
+            </a:r>
+            <a:r>
+              <a:rPr lang="es" sz="1600" b="1" i="1" dirty="0">
+                <a:solidFill>
+                  <a:schemeClr val="tx1">
+                    <a:lumMod val="95000"/>
+                    <a:lumOff val="5000"/>
+                  </a:schemeClr>
+                </a:solidFill>
+                <a:latin typeface="Arial Rounded MT Bold" panose="020F0704030504030204" pitchFamily="34" charset="0"/>
+              </a:rPr>
+              <a:t>nteractuar</a:t>
+            </a:r>
+          </a:p>
+          <a:p>
+            <a:pPr marL="0" lvl="0" indent="0" algn="just" rtl="0">
+              <a:spcBef>
+                <a:spcPts val="0"/>
+              </a:spcBef>
+              <a:spcAft>
+                <a:spcPts val="0"/>
+              </a:spcAft>
+              <a:buNone/>
+            </a:pPr>
+            <a:r>
+              <a:rPr lang="es" sz="1600" b="1" i="1" dirty="0">
+                <a:solidFill>
+                  <a:schemeClr val="tx1">
+                    <a:lumMod val="95000"/>
+                    <a:lumOff val="5000"/>
+                  </a:schemeClr>
+                </a:solidFill>
+                <a:latin typeface="Arial Rounded MT Bold" panose="020F0704030504030204" pitchFamily="34" charset="0"/>
+              </a:rPr>
+              <a:t>Agarrar</a:t>
+            </a:r>
+          </a:p>
+          <a:p>
+            <a:pPr marL="0" lvl="0" indent="0" algn="just" rtl="0">
+              <a:spcBef>
+                <a:spcPts val="0"/>
+              </a:spcBef>
+              <a:spcAft>
+                <a:spcPts val="0"/>
+              </a:spcAft>
+              <a:buNone/>
+            </a:pPr>
+            <a:r>
+              <a:rPr lang="es" sz="1600" b="1" i="1" dirty="0">
+                <a:solidFill>
+                  <a:schemeClr val="tx1">
+                    <a:lumMod val="95000"/>
+                    <a:lumOff val="5000"/>
+                  </a:schemeClr>
+                </a:solidFill>
+                <a:latin typeface="Arial Rounded MT Bold" panose="020F0704030504030204" pitchFamily="34" charset="0"/>
+              </a:rPr>
+              <a:t>Uso de la linterna/Iluminar</a:t>
+            </a:r>
+          </a:p>
+          <a:p>
+            <a:pPr marL="0" lvl="0" indent="0" algn="just" rtl="0">
+              <a:spcBef>
+                <a:spcPts val="0"/>
+              </a:spcBef>
+              <a:spcAft>
+                <a:spcPts val="0"/>
+              </a:spcAft>
+              <a:buNone/>
+            </a:pPr>
+            <a:r>
+              <a:rPr lang="es" sz="1600" b="1" i="1" dirty="0">
+                <a:solidFill>
+                  <a:schemeClr val="tx1">
+                    <a:lumMod val="95000"/>
+                    <a:lumOff val="5000"/>
+                  </a:schemeClr>
+                </a:solidFill>
+                <a:latin typeface="Arial Rounded MT Bold" panose="020F0704030504030204" pitchFamily="34" charset="0"/>
+              </a:rPr>
+              <a:t>Uso de la linterna como arma</a:t>
+            </a:r>
+            <a:endParaRPr sz="1600" b="1" i="1" dirty="0">
+              <a:solidFill>
+                <a:schemeClr val="tx1">
+                  <a:lumMod val="95000"/>
+                  <a:lumOff val="5000"/>
+                </a:schemeClr>
+              </a:solidFill>
+              <a:latin typeface="Arial Rounded MT Bold" panose="020F0704030504030204" pitchFamily="34" charset="0"/>
+            </a:endParaRPr>
+          </a:p>
+        </p:txBody>
+      </p:sp>
+      <p:sp>
+        <p:nvSpPr>
+          <p:cNvPr id="3" name="Rectángulo: esquinas redondeadas 2">
+            <a:extLst>
+              <a:ext uri="{FF2B5EF4-FFF2-40B4-BE49-F238E27FC236}">
+                <a16:creationId xmlns:a16="http://schemas.microsoft.com/office/drawing/2014/main" id="{727F0DD7-8C40-CBF1-BF9D-9F71C017534C}"/>
+              </a:ext>
+            </a:extLst>
+          </p:cNvPr>
+          <p:cNvSpPr/>
+          <p:nvPr/>
+        </p:nvSpPr>
+        <p:spPr>
+          <a:xfrm>
+            <a:off x="2974769" y="3354269"/>
+            <a:ext cx="3681350" cy="911462"/>
+          </a:xfrm>
+          <a:prstGeom prst="roundRect">
+            <a:avLst/>
+          </a:prstGeom>
+          <a:solidFill>
+            <a:schemeClr val="accent4">
+              <a:lumMod val="40000"/>
+              <a:lumOff val="60000"/>
+            </a:schemeClr>
+          </a:solidFill>
+        </p:spPr>
+        <p:style>
+          <a:lnRef idx="2">
+            <a:schemeClr val="accent1">
+              <a:shade val="50000"/>
+            </a:schemeClr>
+          </a:lnRef>
+          <a:fillRef idx="1">
+            <a:schemeClr val="accent1"/>
+          </a:fillRef>
+          <a:effectRef idx="0">
+            <a:schemeClr val="accent1"/>
+          </a:effectRef>
+          <a:fontRef idx="minor">
+            <a:schemeClr val="lt1"/>
+          </a:fontRef>
+        </p:style>
+        <p:txBody>
+          <a:bodyPr rtlCol="0" anchor="ctr"/>
+          <a:lstStyle/>
+          <a:p>
+            <a:pPr algn="ctr"/>
+            <a:endParaRPr lang="es-AR" dirty="0"/>
+          </a:p>
+        </p:txBody>
+      </p:sp>
+      <p:sp>
+        <p:nvSpPr>
+          <p:cNvPr id="2" name="CuadroTexto 1">
+            <a:extLst>
+              <a:ext uri="{FF2B5EF4-FFF2-40B4-BE49-F238E27FC236}">
+                <a16:creationId xmlns:a16="http://schemas.microsoft.com/office/drawing/2014/main" id="{08D1E43F-779D-A54F-1C3E-86CF74F71788}"/>
+              </a:ext>
+            </a:extLst>
+          </p:cNvPr>
+          <p:cNvSpPr txBox="1"/>
+          <p:nvPr/>
+        </p:nvSpPr>
+        <p:spPr>
+          <a:xfrm>
+            <a:off x="3048990" y="3548390"/>
+            <a:ext cx="3598223" cy="523220"/>
+          </a:xfrm>
+          <a:prstGeom prst="rect">
+            <a:avLst/>
+          </a:prstGeom>
+          <a:noFill/>
+        </p:spPr>
+        <p:txBody>
+          <a:bodyPr wrap="square" rtlCol="0">
+            <a:spAutoFit/>
+          </a:bodyPr>
+          <a:lstStyle/>
+          <a:p>
+            <a:r>
+              <a:rPr lang="es-AR" b="1" dirty="0">
+                <a:solidFill>
+                  <a:srgbClr val="FF0000"/>
+                </a:solidFill>
+              </a:rPr>
+              <a:t>Estas mecánicas serán de uso básico a lo largo de la experiencia</a:t>
+            </a:r>
           </a:p>
         </p:txBody>
       </p:sp>
@@ -12962,7 +14798,7 @@
   <p:cSld>
     <p:spTree>
       <p:nvGrpSpPr>
-        <p:cNvPr id="1" name="Shape 115"/>
+        <p:cNvPr id="1" name="Shape 109"/>
         <p:cNvGrpSpPr/>
         <p:nvPr/>
       </p:nvGrpSpPr>
@@ -12976,7 +14812,7 @@
       </p:grpSpPr>
       <p:sp>
         <p:nvSpPr>
-          <p:cNvPr id="116" name="Google Shape;116;p21"/>
+          <p:cNvPr id="110" name="Google Shape;110;p20"/>
           <p:cNvSpPr txBox="1"/>
           <p:nvPr/>
         </p:nvSpPr>
@@ -13114,14 +14950,14 @@
       </p:sp>
       <p:sp>
         <p:nvSpPr>
-          <p:cNvPr id="117" name="Google Shape;117;p21"/>
+          <p:cNvPr id="111" name="Google Shape;111;p20"/>
           <p:cNvSpPr/>
           <p:nvPr/>
         </p:nvSpPr>
         <p:spPr>
           <a:xfrm>
             <a:off x="0" y="0"/>
-            <a:ext cx="9144000" cy="5143500"/>
+            <a:ext cx="9144000" cy="5332164"/>
           </a:xfrm>
           <a:prstGeom prst="rect">
             <a:avLst/>
@@ -13158,22 +14994,601 @@
               <a:buNone/>
             </a:pPr>
             <a:r>
-              <a:rPr lang="es" sz="2200" b="1">
+              <a:rPr lang="es" sz="2200" b="1" dirty="0">
                 <a:solidFill>
                   <a:srgbClr val="666666"/>
                 </a:solidFill>
               </a:rPr>
               <a:t>[IDENTIFICADOR DE FEATURE / MECÁNICA]</a:t>
             </a:r>
-            <a:endParaRPr sz="2200" b="1">
+          </a:p>
+          <a:p>
+            <a:pPr marL="0" lvl="0" indent="0" algn="l" rtl="0">
+              <a:spcBef>
+                <a:spcPts val="0"/>
+              </a:spcBef>
+              <a:spcAft>
+                <a:spcPts val="0"/>
+              </a:spcAft>
+              <a:buNone/>
+            </a:pPr>
+            <a:endParaRPr lang="es" sz="2200" b="1" dirty="0">
               <a:solidFill>
                 <a:srgbClr val="666666"/>
               </a:solidFill>
             </a:endParaRPr>
           </a:p>
+          <a:p>
+            <a:pPr marL="0" lvl="0" indent="0" algn="l" rtl="0">
+              <a:spcBef>
+                <a:spcPts val="0"/>
+              </a:spcBef>
+              <a:spcAft>
+                <a:spcPts val="0"/>
+              </a:spcAft>
+              <a:buNone/>
+            </a:pPr>
+            <a:endParaRPr lang="es" sz="2200" b="1" dirty="0">
+              <a:solidFill>
+                <a:srgbClr val="666666"/>
+              </a:solidFill>
+            </a:endParaRPr>
+          </a:p>
+          <a:p>
+            <a:pPr marL="0" lvl="0" indent="0" algn="ctr" rtl="0">
+              <a:spcBef>
+                <a:spcPts val="0"/>
+              </a:spcBef>
+              <a:spcAft>
+                <a:spcPts val="0"/>
+              </a:spcAft>
+              <a:buNone/>
+            </a:pPr>
+            <a:r>
+              <a:rPr lang="es-AR" sz="2800" b="1" i="1" dirty="0">
+                <a:solidFill>
+                  <a:schemeClr val="tx1">
+                    <a:lumMod val="95000"/>
+                    <a:lumOff val="5000"/>
+                  </a:schemeClr>
+                </a:solidFill>
+                <a:latin typeface="Arial Rounded MT Bold" panose="020F0704030504030204" pitchFamily="34" charset="0"/>
+              </a:rPr>
+              <a:t>C</a:t>
+            </a:r>
+            <a:r>
+              <a:rPr lang="es" sz="2800" b="1" i="1" dirty="0">
+                <a:solidFill>
+                  <a:schemeClr val="tx1">
+                    <a:lumMod val="95000"/>
+                    <a:lumOff val="5000"/>
+                  </a:schemeClr>
+                </a:solidFill>
+                <a:latin typeface="Arial Rounded MT Bold" panose="020F0704030504030204" pitchFamily="34" charset="0"/>
+              </a:rPr>
+              <a:t>ore loop</a:t>
+            </a:r>
+          </a:p>
+        </p:txBody>
+      </p:sp>
+      <p:sp>
+        <p:nvSpPr>
+          <p:cNvPr id="3" name="Rectángulo: esquinas redondeadas 2">
+            <a:extLst>
+              <a:ext uri="{FF2B5EF4-FFF2-40B4-BE49-F238E27FC236}">
+                <a16:creationId xmlns:a16="http://schemas.microsoft.com/office/drawing/2014/main" id="{727F0DD7-8C40-CBF1-BF9D-9F71C017534C}"/>
+              </a:ext>
+            </a:extLst>
+          </p:cNvPr>
+          <p:cNvSpPr/>
+          <p:nvPr/>
+        </p:nvSpPr>
+        <p:spPr>
+          <a:xfrm>
+            <a:off x="2915393" y="4232038"/>
+            <a:ext cx="3681350" cy="911462"/>
+          </a:xfrm>
+          <a:prstGeom prst="roundRect">
+            <a:avLst/>
+          </a:prstGeom>
+          <a:solidFill>
+            <a:schemeClr val="accent4">
+              <a:lumMod val="40000"/>
+              <a:lumOff val="60000"/>
+            </a:schemeClr>
+          </a:solidFill>
+        </p:spPr>
+        <p:style>
+          <a:lnRef idx="2">
+            <a:schemeClr val="accent1">
+              <a:shade val="50000"/>
+            </a:schemeClr>
+          </a:lnRef>
+          <a:fillRef idx="1">
+            <a:schemeClr val="accent1"/>
+          </a:fillRef>
+          <a:effectRef idx="0">
+            <a:schemeClr val="accent1"/>
+          </a:effectRef>
+          <a:fontRef idx="minor">
+            <a:schemeClr val="lt1"/>
+          </a:fontRef>
+        </p:style>
+        <p:txBody>
+          <a:bodyPr rtlCol="0" anchor="ctr"/>
+          <a:lstStyle/>
+          <a:p>
+            <a:pPr algn="ctr"/>
+            <a:endParaRPr lang="es-AR" dirty="0"/>
+          </a:p>
+        </p:txBody>
+      </p:sp>
+      <p:sp>
+        <p:nvSpPr>
+          <p:cNvPr id="2" name="CuadroTexto 1">
+            <a:extLst>
+              <a:ext uri="{FF2B5EF4-FFF2-40B4-BE49-F238E27FC236}">
+                <a16:creationId xmlns:a16="http://schemas.microsoft.com/office/drawing/2014/main" id="{08D1E43F-779D-A54F-1C3E-86CF74F71788}"/>
+              </a:ext>
+            </a:extLst>
+          </p:cNvPr>
+          <p:cNvSpPr txBox="1"/>
+          <p:nvPr/>
+        </p:nvSpPr>
+        <p:spPr>
+          <a:xfrm>
+            <a:off x="2989614" y="4426159"/>
+            <a:ext cx="3598223" cy="523220"/>
+          </a:xfrm>
+          <a:prstGeom prst="rect">
+            <a:avLst/>
+          </a:prstGeom>
+          <a:noFill/>
+        </p:spPr>
+        <p:txBody>
+          <a:bodyPr wrap="square" rtlCol="0">
+            <a:spAutoFit/>
+          </a:bodyPr>
+          <a:lstStyle/>
+          <a:p>
+            <a:r>
+              <a:rPr lang="es-AR" b="1" dirty="0">
+                <a:solidFill>
+                  <a:srgbClr val="FF0000"/>
+                </a:solidFill>
+              </a:rPr>
+              <a:t>Core </a:t>
+            </a:r>
+            <a:r>
+              <a:rPr lang="es-AR" b="1" dirty="0" err="1">
+                <a:solidFill>
+                  <a:srgbClr val="FF0000"/>
+                </a:solidFill>
+              </a:rPr>
+              <a:t>loop</a:t>
+            </a:r>
+            <a:r>
+              <a:rPr lang="es-AR" b="1" dirty="0">
+                <a:solidFill>
+                  <a:srgbClr val="FF0000"/>
+                </a:solidFill>
+              </a:rPr>
+              <a:t> que s repetirá a lo largo del juego</a:t>
+            </a:r>
+          </a:p>
+        </p:txBody>
+      </p:sp>
+      <p:sp>
+        <p:nvSpPr>
+          <p:cNvPr id="7" name="Arco 6">
+            <a:extLst>
+              <a:ext uri="{FF2B5EF4-FFF2-40B4-BE49-F238E27FC236}">
+                <a16:creationId xmlns:a16="http://schemas.microsoft.com/office/drawing/2014/main" id="{7401F6A6-9BE4-0B44-6A2F-5298C2ED5D19}"/>
+              </a:ext>
+            </a:extLst>
+          </p:cNvPr>
+          <p:cNvSpPr/>
+          <p:nvPr/>
+        </p:nvSpPr>
+        <p:spPr>
+          <a:xfrm>
+            <a:off x="3180032" y="1567613"/>
+            <a:ext cx="2995136" cy="1489480"/>
+          </a:xfrm>
+          <a:prstGeom prst="arc">
+            <a:avLst>
+              <a:gd name="adj1" fmla="val 11254864"/>
+              <a:gd name="adj2" fmla="val 21463850"/>
+            </a:avLst>
+          </a:prstGeom>
+        </p:spPr>
+        <p:style>
+          <a:lnRef idx="2">
+            <a:schemeClr val="accent2"/>
+          </a:lnRef>
+          <a:fillRef idx="0">
+            <a:schemeClr val="accent2"/>
+          </a:fillRef>
+          <a:effectRef idx="1">
+            <a:schemeClr val="accent2"/>
+          </a:effectRef>
+          <a:fontRef idx="minor">
+            <a:schemeClr val="tx1"/>
+          </a:fontRef>
+        </p:style>
+        <p:txBody>
+          <a:bodyPr rtlCol="0" anchor="ctr"/>
+          <a:lstStyle/>
+          <a:p>
+            <a:pPr algn="ctr"/>
+            <a:endParaRPr lang="es-AR"/>
+          </a:p>
+        </p:txBody>
+      </p:sp>
+      <p:sp>
+        <p:nvSpPr>
+          <p:cNvPr id="8" name="Arco 7">
+            <a:extLst>
+              <a:ext uri="{FF2B5EF4-FFF2-40B4-BE49-F238E27FC236}">
+                <a16:creationId xmlns:a16="http://schemas.microsoft.com/office/drawing/2014/main" id="{681796A1-5F99-8ADA-E791-4E52BC83696F}"/>
+              </a:ext>
+            </a:extLst>
+          </p:cNvPr>
+          <p:cNvSpPr/>
+          <p:nvPr/>
+        </p:nvSpPr>
+        <p:spPr>
+          <a:xfrm rot="13678782">
+            <a:off x="2838228" y="2283164"/>
+            <a:ext cx="1968609" cy="1803259"/>
+          </a:xfrm>
+          <a:prstGeom prst="arc">
+            <a:avLst>
+              <a:gd name="adj1" fmla="val 11254864"/>
+              <a:gd name="adj2" fmla="val 21567982"/>
+            </a:avLst>
+          </a:prstGeom>
+        </p:spPr>
+        <p:style>
+          <a:lnRef idx="2">
+            <a:schemeClr val="accent2"/>
+          </a:lnRef>
+          <a:fillRef idx="0">
+            <a:schemeClr val="accent2"/>
+          </a:fillRef>
+          <a:effectRef idx="1">
+            <a:schemeClr val="accent2"/>
+          </a:effectRef>
+          <a:fontRef idx="minor">
+            <a:schemeClr val="tx1"/>
+          </a:fontRef>
+        </p:style>
+        <p:txBody>
+          <a:bodyPr rtlCol="0" anchor="ctr"/>
+          <a:lstStyle/>
+          <a:p>
+            <a:pPr algn="ctr"/>
+            <a:endParaRPr lang="es-AR"/>
+          </a:p>
+        </p:txBody>
+      </p:sp>
+      <p:sp>
+        <p:nvSpPr>
+          <p:cNvPr id="9" name="Arco 8">
+            <a:extLst>
+              <a:ext uri="{FF2B5EF4-FFF2-40B4-BE49-F238E27FC236}">
+                <a16:creationId xmlns:a16="http://schemas.microsoft.com/office/drawing/2014/main" id="{D581D9A0-1D17-68BE-E04E-56726AE6CC44}"/>
+              </a:ext>
+            </a:extLst>
+          </p:cNvPr>
+          <p:cNvSpPr/>
+          <p:nvPr/>
+        </p:nvSpPr>
+        <p:spPr>
+          <a:xfrm rot="7711551">
+            <a:off x="4749580" y="2590145"/>
+            <a:ext cx="1961664" cy="1238189"/>
+          </a:xfrm>
+          <a:prstGeom prst="arc">
+            <a:avLst>
+              <a:gd name="adj1" fmla="val 11254864"/>
+              <a:gd name="adj2" fmla="val 21567982"/>
+            </a:avLst>
+          </a:prstGeom>
+        </p:spPr>
+        <p:style>
+          <a:lnRef idx="2">
+            <a:schemeClr val="accent2"/>
+          </a:lnRef>
+          <a:fillRef idx="0">
+            <a:schemeClr val="accent2"/>
+          </a:fillRef>
+          <a:effectRef idx="1">
+            <a:schemeClr val="accent2"/>
+          </a:effectRef>
+          <a:fontRef idx="minor">
+            <a:schemeClr val="tx1"/>
+          </a:fontRef>
+        </p:style>
+        <p:txBody>
+          <a:bodyPr rtlCol="0" anchor="ctr"/>
+          <a:lstStyle/>
+          <a:p>
+            <a:pPr algn="ctr"/>
+            <a:endParaRPr lang="es-AR"/>
+          </a:p>
+        </p:txBody>
+      </p:sp>
+      <p:sp>
+        <p:nvSpPr>
+          <p:cNvPr id="6" name="Elipse 5">
+            <a:extLst>
+              <a:ext uri="{FF2B5EF4-FFF2-40B4-BE49-F238E27FC236}">
+                <a16:creationId xmlns:a16="http://schemas.microsoft.com/office/drawing/2014/main" id="{792FA9D8-7BA0-F4CF-0780-98DC30979A65}"/>
+              </a:ext>
+            </a:extLst>
+          </p:cNvPr>
+          <p:cNvSpPr/>
+          <p:nvPr/>
+        </p:nvSpPr>
+        <p:spPr>
+          <a:xfrm>
+            <a:off x="4159332" y="3251214"/>
+            <a:ext cx="1128156" cy="911462"/>
+          </a:xfrm>
+          <a:prstGeom prst="ellipse">
+            <a:avLst/>
+          </a:prstGeom>
+          <a:solidFill>
+            <a:schemeClr val="accent6">
+              <a:lumMod val="50000"/>
+            </a:schemeClr>
+          </a:solidFill>
+        </p:spPr>
+        <p:style>
+          <a:lnRef idx="2">
+            <a:schemeClr val="accent1">
+              <a:shade val="50000"/>
+            </a:schemeClr>
+          </a:lnRef>
+          <a:fillRef idx="1">
+            <a:schemeClr val="accent1"/>
+          </a:fillRef>
+          <a:effectRef idx="0">
+            <a:schemeClr val="accent1"/>
+          </a:effectRef>
+          <a:fontRef idx="minor">
+            <a:schemeClr val="lt1"/>
+          </a:fontRef>
+        </p:style>
+        <p:txBody>
+          <a:bodyPr rtlCol="0" anchor="ctr"/>
+          <a:lstStyle/>
+          <a:p>
+            <a:pPr algn="ctr"/>
+            <a:endParaRPr lang="es-AR" dirty="0"/>
+          </a:p>
+        </p:txBody>
+      </p:sp>
+      <p:sp>
+        <p:nvSpPr>
+          <p:cNvPr id="5" name="Elipse 4">
+            <a:extLst>
+              <a:ext uri="{FF2B5EF4-FFF2-40B4-BE49-F238E27FC236}">
+                <a16:creationId xmlns:a16="http://schemas.microsoft.com/office/drawing/2014/main" id="{AE2BCA18-7CB0-21C3-9B9F-5AFE91018EFB}"/>
+              </a:ext>
+            </a:extLst>
+          </p:cNvPr>
+          <p:cNvSpPr/>
+          <p:nvPr/>
+        </p:nvSpPr>
+        <p:spPr>
+          <a:xfrm>
+            <a:off x="5504213" y="2052975"/>
+            <a:ext cx="1128156" cy="911462"/>
+          </a:xfrm>
+          <a:prstGeom prst="ellipse">
+            <a:avLst/>
+          </a:prstGeom>
+          <a:solidFill>
+            <a:schemeClr val="accent6">
+              <a:lumMod val="50000"/>
+            </a:schemeClr>
+          </a:solidFill>
+        </p:spPr>
+        <p:style>
+          <a:lnRef idx="2">
+            <a:schemeClr val="accent1">
+              <a:shade val="50000"/>
+            </a:schemeClr>
+          </a:lnRef>
+          <a:fillRef idx="1">
+            <a:schemeClr val="accent1"/>
+          </a:fillRef>
+          <a:effectRef idx="0">
+            <a:schemeClr val="accent1"/>
+          </a:effectRef>
+          <a:fontRef idx="minor">
+            <a:schemeClr val="lt1"/>
+          </a:fontRef>
+        </p:style>
+        <p:txBody>
+          <a:bodyPr rtlCol="0" anchor="ctr"/>
+          <a:lstStyle/>
+          <a:p>
+            <a:pPr algn="ctr"/>
+            <a:endParaRPr lang="es-AR"/>
+          </a:p>
+        </p:txBody>
+      </p:sp>
+      <p:sp>
+        <p:nvSpPr>
+          <p:cNvPr id="4" name="Elipse 3">
+            <a:extLst>
+              <a:ext uri="{FF2B5EF4-FFF2-40B4-BE49-F238E27FC236}">
+                <a16:creationId xmlns:a16="http://schemas.microsoft.com/office/drawing/2014/main" id="{DC5A2BDA-3EEE-07BC-BFF0-765351DBDB8C}"/>
+              </a:ext>
+            </a:extLst>
+          </p:cNvPr>
+          <p:cNvSpPr/>
+          <p:nvPr/>
+        </p:nvSpPr>
+        <p:spPr>
+          <a:xfrm>
+            <a:off x="2719449" y="2052975"/>
+            <a:ext cx="1128156" cy="911462"/>
+          </a:xfrm>
+          <a:prstGeom prst="ellipse">
+            <a:avLst/>
+          </a:prstGeom>
+          <a:solidFill>
+            <a:schemeClr val="accent6">
+              <a:lumMod val="50000"/>
+            </a:schemeClr>
+          </a:solidFill>
+        </p:spPr>
+        <p:style>
+          <a:lnRef idx="2">
+            <a:schemeClr val="accent1">
+              <a:shade val="50000"/>
+            </a:schemeClr>
+          </a:lnRef>
+          <a:fillRef idx="1">
+            <a:schemeClr val="accent1"/>
+          </a:fillRef>
+          <a:effectRef idx="0">
+            <a:schemeClr val="accent1"/>
+          </a:effectRef>
+          <a:fontRef idx="minor">
+            <a:schemeClr val="lt1"/>
+          </a:fontRef>
+        </p:style>
+        <p:txBody>
+          <a:bodyPr rtlCol="0" anchor="ctr"/>
+          <a:lstStyle/>
+          <a:p>
+            <a:pPr algn="ctr"/>
+            <a:endParaRPr lang="es-AR"/>
+          </a:p>
+        </p:txBody>
+      </p:sp>
+      <p:sp>
+        <p:nvSpPr>
+          <p:cNvPr id="10" name="CuadroTexto 9">
+            <a:extLst>
+              <a:ext uri="{FF2B5EF4-FFF2-40B4-BE49-F238E27FC236}">
+                <a16:creationId xmlns:a16="http://schemas.microsoft.com/office/drawing/2014/main" id="{912F2812-67FD-8BE1-916D-92417490E24E}"/>
+              </a:ext>
+            </a:extLst>
+          </p:cNvPr>
+          <p:cNvSpPr txBox="1"/>
+          <p:nvPr/>
+        </p:nvSpPr>
+        <p:spPr>
+          <a:xfrm>
+            <a:off x="2789387" y="2333239"/>
+            <a:ext cx="1421632" cy="307777"/>
+          </a:xfrm>
+          <a:prstGeom prst="rect">
+            <a:avLst/>
+          </a:prstGeom>
+          <a:noFill/>
+        </p:spPr>
+        <p:txBody>
+          <a:bodyPr wrap="square" rtlCol="0">
+            <a:spAutoFit/>
+          </a:bodyPr>
+          <a:lstStyle/>
+          <a:p>
+            <a:r>
+              <a:rPr lang="es-AR" b="1" dirty="0"/>
+              <a:t>Investigar</a:t>
+            </a:r>
+          </a:p>
+        </p:txBody>
+      </p:sp>
+      <p:sp>
+        <p:nvSpPr>
+          <p:cNvPr id="11" name="CuadroTexto 10">
+            <a:extLst>
+              <a:ext uri="{FF2B5EF4-FFF2-40B4-BE49-F238E27FC236}">
+                <a16:creationId xmlns:a16="http://schemas.microsoft.com/office/drawing/2014/main" id="{C93D0A67-3F08-43AA-AE39-CAE62C31D3FC}"/>
+              </a:ext>
+            </a:extLst>
+          </p:cNvPr>
+          <p:cNvSpPr txBox="1"/>
+          <p:nvPr/>
+        </p:nvSpPr>
+        <p:spPr>
+          <a:xfrm>
+            <a:off x="5601597" y="2319033"/>
+            <a:ext cx="1648208" cy="307777"/>
+          </a:xfrm>
+          <a:prstGeom prst="rect">
+            <a:avLst/>
+          </a:prstGeom>
+          <a:noFill/>
+        </p:spPr>
+        <p:txBody>
+          <a:bodyPr wrap="none" rtlCol="0">
+            <a:spAutoFit/>
+          </a:bodyPr>
+          <a:lstStyle/>
+          <a:p>
+            <a:r>
+              <a:rPr lang="es-AR" b="1" dirty="0"/>
+              <a:t>Resolver </a:t>
+            </a:r>
+            <a:r>
+              <a:rPr lang="es-AR" b="1" dirty="0" err="1"/>
+              <a:t>Puzzles</a:t>
+            </a:r>
+            <a:endParaRPr lang="es-AR" b="1" dirty="0"/>
+          </a:p>
+        </p:txBody>
+      </p:sp>
+      <p:sp>
+        <p:nvSpPr>
+          <p:cNvPr id="12" name="CuadroTexto 11">
+            <a:extLst>
+              <a:ext uri="{FF2B5EF4-FFF2-40B4-BE49-F238E27FC236}">
+                <a16:creationId xmlns:a16="http://schemas.microsoft.com/office/drawing/2014/main" id="{A8228883-D8BC-95C9-DCD7-15A84B266B99}"/>
+              </a:ext>
+            </a:extLst>
+          </p:cNvPr>
+          <p:cNvSpPr txBox="1"/>
+          <p:nvPr/>
+        </p:nvSpPr>
+        <p:spPr>
+          <a:xfrm>
+            <a:off x="4211019" y="3553056"/>
+            <a:ext cx="891591" cy="307777"/>
+          </a:xfrm>
+          <a:prstGeom prst="rect">
+            <a:avLst/>
+          </a:prstGeom>
+          <a:noFill/>
+        </p:spPr>
+        <p:txBody>
+          <a:bodyPr wrap="none" rtlCol="0">
+            <a:spAutoFit/>
+          </a:bodyPr>
+          <a:lstStyle/>
+          <a:p>
+            <a:r>
+              <a:rPr lang="es-AR" b="1" dirty="0" err="1"/>
+              <a:t>Abanzar</a:t>
+            </a:r>
+            <a:endParaRPr lang="es-AR" b="1" dirty="0"/>
+          </a:p>
         </p:txBody>
       </p:sp>
     </p:spTree>
+    <p:extLst>
+      <p:ext uri="{BB962C8B-B14F-4D97-AF65-F5344CB8AC3E}">
+        <p14:creationId xmlns:p14="http://schemas.microsoft.com/office/powerpoint/2010/main" val="2215285420"/>
+      </p:ext>
+    </p:extLst>
   </p:cSld>
   <p:clrMapOvr>
     <a:masterClrMapping/>

--- a/Pitch (Venta) [Template] PHOBIA.pptx
+++ b/Pitch (Venta) [Template] PHOBIA.pptx
@@ -5,7 +5,7 @@
     <p:sldMasterId id="2147483659" r:id="rId1"/>
   </p:sldMasterIdLst>
   <p:notesMasterIdLst>
-    <p:notesMasterId r:id="rId21"/>
+    <p:notesMasterId r:id="rId20"/>
   </p:notesMasterIdLst>
   <p:sldIdLst>
     <p:sldId id="256" r:id="rId2"/>
@@ -22,11 +22,10 @@
     <p:sldId id="266" r:id="rId13"/>
     <p:sldId id="267" r:id="rId14"/>
     <p:sldId id="268" r:id="rId15"/>
-    <p:sldId id="269" r:id="rId16"/>
-    <p:sldId id="270" r:id="rId17"/>
-    <p:sldId id="271" r:id="rId18"/>
-    <p:sldId id="272" r:id="rId19"/>
-    <p:sldId id="274" r:id="rId20"/>
+    <p:sldId id="270" r:id="rId16"/>
+    <p:sldId id="271" r:id="rId17"/>
+    <p:sldId id="272" r:id="rId18"/>
+    <p:sldId id="274" r:id="rId19"/>
   </p:sldIdLst>
   <p:sldSz cx="9144000" cy="5143500" type="screen16x9"/>
   <p:notesSz cx="6858000" cy="9144000"/>
@@ -1348,7 +1347,7 @@
   <p:cSld>
     <p:spTree>
       <p:nvGrpSpPr>
-        <p:cNvPr id="1" name="Shape 162"/>
+        <p:cNvPr id="1" name="Shape 169"/>
         <p:cNvGrpSpPr/>
         <p:nvPr/>
       </p:nvGrpSpPr>
@@ -1362,7 +1361,7 @@
       </p:grpSpPr>
       <p:sp>
         <p:nvSpPr>
-          <p:cNvPr id="163" name="Google Shape;163;g22f937e0c82_0_99:notes"/>
+          <p:cNvPr id="170" name="Google Shape;170;g22f937e0c82_0_105:notes"/>
           <p:cNvSpPr>
             <a:spLocks noGrp="1" noRot="1" noChangeAspect="1"/>
           </p:cNvSpPr>
@@ -1403,7 +1402,7 @@
       </p:sp>
       <p:sp>
         <p:nvSpPr>
-          <p:cNvPr id="164" name="Google Shape;164;g22f937e0c82_0_99:notes"/>
+          <p:cNvPr id="171" name="Google Shape;171;g22f937e0c82_0_105:notes"/>
           <p:cNvSpPr txBox="1">
             <a:spLocks noGrp="1"/>
           </p:cNvSpPr>
@@ -1448,110 +1447,6 @@
 </file>
 
 <file path=ppt/notesSlides/notesSlide16.xml><?xml version="1.0" encoding="utf-8"?>
-<p:notes xmlns:a="http://schemas.openxmlformats.org/drawingml/2006/main" xmlns:r="http://schemas.openxmlformats.org/officeDocument/2006/relationships" xmlns:p="http://schemas.openxmlformats.org/presentationml/2006/main" showMasterSp="0" showMasterPhAnim="0">
-  <p:cSld>
-    <p:spTree>
-      <p:nvGrpSpPr>
-        <p:cNvPr id="1" name="Shape 169"/>
-        <p:cNvGrpSpPr/>
-        <p:nvPr/>
-      </p:nvGrpSpPr>
-      <p:grpSpPr>
-        <a:xfrm>
-          <a:off x="0" y="0"/>
-          <a:ext cx="0" cy="0"/>
-          <a:chOff x="0" y="0"/>
-          <a:chExt cx="0" cy="0"/>
-        </a:xfrm>
-      </p:grpSpPr>
-      <p:sp>
-        <p:nvSpPr>
-          <p:cNvPr id="170" name="Google Shape;170;g22f937e0c82_0_105:notes"/>
-          <p:cNvSpPr>
-            <a:spLocks noGrp="1" noRot="1" noChangeAspect="1"/>
-          </p:cNvSpPr>
-          <p:nvPr>
-            <p:ph type="sldImg" idx="2"/>
-          </p:nvPr>
-        </p:nvSpPr>
-        <p:spPr>
-          <a:xfrm>
-            <a:off x="381000" y="685800"/>
-            <a:ext cx="6096000" cy="3429000"/>
-          </a:xfrm>
-          <a:custGeom>
-            <a:avLst/>
-            <a:gdLst/>
-            <a:ahLst/>
-            <a:cxnLst/>
-            <a:rect l="l" t="t" r="r" b="b"/>
-            <a:pathLst>
-              <a:path w="120000" h="120000" extrusionOk="0">
-                <a:moveTo>
-                  <a:pt x="0" y="0"/>
-                </a:moveTo>
-                <a:lnTo>
-                  <a:pt x="120000" y="0"/>
-                </a:lnTo>
-                <a:lnTo>
-                  <a:pt x="120000" y="120000"/>
-                </a:lnTo>
-                <a:lnTo>
-                  <a:pt x="0" y="120000"/>
-                </a:lnTo>
-                <a:close/>
-              </a:path>
-            </a:pathLst>
-          </a:custGeom>
-        </p:spPr>
-      </p:sp>
-      <p:sp>
-        <p:nvSpPr>
-          <p:cNvPr id="171" name="Google Shape;171;g22f937e0c82_0_105:notes"/>
-          <p:cNvSpPr txBox="1">
-            <a:spLocks noGrp="1"/>
-          </p:cNvSpPr>
-          <p:nvPr>
-            <p:ph type="body" idx="1"/>
-          </p:nvPr>
-        </p:nvSpPr>
-        <p:spPr>
-          <a:xfrm>
-            <a:off x="685800" y="4343400"/>
-            <a:ext cx="5486400" cy="4114800"/>
-          </a:xfrm>
-          <a:prstGeom prst="rect">
-            <a:avLst/>
-          </a:prstGeom>
-        </p:spPr>
-        <p:txBody>
-          <a:bodyPr spcFirstLastPara="1" wrap="square" lIns="91425" tIns="91425" rIns="91425" bIns="91425" anchor="t" anchorCtr="0">
-            <a:noAutofit/>
-          </a:bodyPr>
-          <a:lstStyle/>
-          <a:p>
-            <a:pPr marL="0" lvl="0" indent="0" algn="l" rtl="0">
-              <a:spcBef>
-                <a:spcPts val="0"/>
-              </a:spcBef>
-              <a:spcAft>
-                <a:spcPts val="0"/>
-              </a:spcAft>
-              <a:buNone/>
-            </a:pPr>
-            <a:endParaRPr/>
-          </a:p>
-        </p:txBody>
-      </p:sp>
-    </p:spTree>
-  </p:cSld>
-  <p:clrMapOvr>
-    <a:masterClrMapping/>
-  </p:clrMapOvr>
-</p:notes>
-</file>
-
-<file path=ppt/notesSlides/notesSlide17.xml><?xml version="1.0" encoding="utf-8"?>
 <p:notes xmlns:a="http://schemas.openxmlformats.org/drawingml/2006/main" xmlns:r="http://schemas.openxmlformats.org/officeDocument/2006/relationships" xmlns:p="http://schemas.openxmlformats.org/presentationml/2006/main" showMasterSp="0" showMasterPhAnim="0">
   <p:cSld>
     <p:spTree>
@@ -1655,7 +1550,7 @@
 </p:notes>
 </file>
 
-<file path=ppt/notesSlides/notesSlide18.xml><?xml version="1.0" encoding="utf-8"?>
+<file path=ppt/notesSlides/notesSlide17.xml><?xml version="1.0" encoding="utf-8"?>
 <p:notes xmlns:a="http://schemas.openxmlformats.org/drawingml/2006/main" xmlns:r="http://schemas.openxmlformats.org/officeDocument/2006/relationships" xmlns:p="http://schemas.openxmlformats.org/presentationml/2006/main" showMasterSp="0" showMasterPhAnim="0">
   <p:cSld>
     <p:spTree>
@@ -1759,7 +1654,7 @@
 </p:notes>
 </file>
 
-<file path=ppt/notesSlides/notesSlide19.xml><?xml version="1.0" encoding="utf-8"?>
+<file path=ppt/notesSlides/notesSlide18.xml><?xml version="1.0" encoding="utf-8"?>
 <p:notes xmlns:a="http://schemas.openxmlformats.org/drawingml/2006/main" xmlns:r="http://schemas.openxmlformats.org/officeDocument/2006/relationships" xmlns:p="http://schemas.openxmlformats.org/presentationml/2006/main" showMasterSp="0" showMasterPhAnim="0">
   <p:cSld>
     <p:spTree>
@@ -10499,687 +10394,6 @@
 </file>
 
 <file path=ppt/slides/slide15.xml><?xml version="1.0" encoding="utf-8"?>
-<p:sld xmlns:a="http://schemas.openxmlformats.org/drawingml/2006/main" xmlns:r="http://schemas.openxmlformats.org/officeDocument/2006/relationships" xmlns:p="http://schemas.openxmlformats.org/presentationml/2006/main" show="0">
-  <p:cSld>
-    <p:spTree>
-      <p:nvGrpSpPr>
-        <p:cNvPr id="1" name="Shape 165"/>
-        <p:cNvGrpSpPr/>
-        <p:nvPr/>
-      </p:nvGrpSpPr>
-      <p:grpSpPr>
-        <a:xfrm>
-          <a:off x="0" y="0"/>
-          <a:ext cx="0" cy="0"/>
-          <a:chOff x="0" y="0"/>
-          <a:chExt cx="0" cy="0"/>
-        </a:xfrm>
-      </p:grpSpPr>
-      <p:sp>
-        <p:nvSpPr>
-          <p:cNvPr id="166" name="Google Shape;166;p26"/>
-          <p:cNvSpPr/>
-          <p:nvPr/>
-        </p:nvSpPr>
-        <p:spPr>
-          <a:xfrm>
-            <a:off x="0" y="0"/>
-            <a:ext cx="9144000" cy="5143500"/>
-          </a:xfrm>
-          <a:prstGeom prst="rect">
-            <a:avLst/>
-          </a:prstGeom>
-          <a:solidFill>
-            <a:srgbClr val="F4CCCC"/>
-          </a:solidFill>
-          <a:ln>
-            <a:noFill/>
-          </a:ln>
-        </p:spPr>
-        <p:txBody>
-          <a:bodyPr spcFirstLastPara="1" wrap="square" lIns="91425" tIns="91425" rIns="91425" bIns="91425" anchor="ctr" anchorCtr="0">
-            <a:noAutofit/>
-          </a:bodyPr>
-          <a:lstStyle/>
-          <a:p>
-            <a:pPr marL="0" lvl="0" indent="0" algn="just" rtl="0">
-              <a:spcBef>
-                <a:spcPts val="0"/>
-              </a:spcBef>
-              <a:spcAft>
-                <a:spcPts val="0"/>
-              </a:spcAft>
-              <a:buNone/>
-            </a:pPr>
-            <a:r>
-              <a:rPr lang="es-AR" dirty="0">
-                <a:solidFill>
-                  <a:schemeClr val="tx1">
-                    <a:lumMod val="95000"/>
-                    <a:lumOff val="5000"/>
-                  </a:schemeClr>
-                </a:solidFill>
-                <a:latin typeface="Arial Rounded MT Bold" panose="020F0704030504030204" pitchFamily="34" charset="0"/>
-              </a:rPr>
-              <a:t>PHOBIA apunta a un mercado desde los 17 años ya que implicara temas como los miedos y reflejara </a:t>
-            </a:r>
-            <a:r>
-              <a:rPr lang="es-AR" dirty="0" err="1">
-                <a:solidFill>
-                  <a:schemeClr val="tx1">
-                    <a:lumMod val="95000"/>
-                    <a:lumOff val="5000"/>
-                  </a:schemeClr>
-                </a:solidFill>
-                <a:latin typeface="Arial Rounded MT Bold" panose="020F0704030504030204" pitchFamily="34" charset="0"/>
-              </a:rPr>
-              <a:t>situacion</a:t>
-            </a:r>
-            <a:r>
-              <a:rPr lang="es-AR" dirty="0">
-                <a:solidFill>
-                  <a:schemeClr val="tx1">
-                    <a:lumMod val="95000"/>
-                    <a:lumOff val="5000"/>
-                  </a:schemeClr>
-                </a:solidFill>
-                <a:latin typeface="Arial Rounded MT Bold" panose="020F0704030504030204" pitchFamily="34" charset="0"/>
-              </a:rPr>
-              <a:t> crudas de las enfermedades mentales</a:t>
-            </a:r>
-          </a:p>
-          <a:p>
-            <a:pPr marL="0" lvl="0" indent="0" algn="just" rtl="0">
-              <a:spcBef>
-                <a:spcPts val="0"/>
-              </a:spcBef>
-              <a:spcAft>
-                <a:spcPts val="0"/>
-              </a:spcAft>
-              <a:buNone/>
-            </a:pPr>
-            <a:endParaRPr lang="es-AR" dirty="0">
-              <a:solidFill>
-                <a:schemeClr val="tx1">
-                  <a:lumMod val="95000"/>
-                  <a:lumOff val="5000"/>
-                </a:schemeClr>
-              </a:solidFill>
-              <a:latin typeface="Arial Rounded MT Bold" panose="020F0704030504030204" pitchFamily="34" charset="0"/>
-            </a:endParaRPr>
-          </a:p>
-          <a:p>
-            <a:pPr marL="0" lvl="0" indent="0" algn="just" rtl="0">
-              <a:spcBef>
-                <a:spcPts val="0"/>
-              </a:spcBef>
-              <a:spcAft>
-                <a:spcPts val="0"/>
-              </a:spcAft>
-              <a:buNone/>
-            </a:pPr>
-            <a:r>
-              <a:rPr lang="es-AR" dirty="0">
-                <a:solidFill>
-                  <a:schemeClr val="tx1">
-                    <a:lumMod val="95000"/>
-                    <a:lumOff val="5000"/>
-                  </a:schemeClr>
-                </a:solidFill>
-                <a:latin typeface="Arial Rounded MT Bold" panose="020F0704030504030204" pitchFamily="34" charset="0"/>
-              </a:rPr>
-              <a:t>Un publico adulto que pueda identificar la </a:t>
-            </a:r>
-            <a:r>
-              <a:rPr lang="es-AR" dirty="0" err="1">
-                <a:solidFill>
-                  <a:schemeClr val="tx1">
-                    <a:lumMod val="95000"/>
-                    <a:lumOff val="5000"/>
-                  </a:schemeClr>
-                </a:solidFill>
-                <a:latin typeface="Arial Rounded MT Bold" panose="020F0704030504030204" pitchFamily="34" charset="0"/>
-              </a:rPr>
-              <a:t>intencion</a:t>
-            </a:r>
-            <a:r>
-              <a:rPr lang="es-AR" dirty="0">
-                <a:solidFill>
-                  <a:schemeClr val="tx1">
-                    <a:lumMod val="95000"/>
-                    <a:lumOff val="5000"/>
-                  </a:schemeClr>
-                </a:solidFill>
-                <a:latin typeface="Arial Rounded MT Bold" panose="020F0704030504030204" pitchFamily="34" charset="0"/>
-              </a:rPr>
-              <a:t> de mostrar como funciona el cerebro cuando los bloqueos mentales </a:t>
-            </a:r>
-            <a:r>
-              <a:rPr lang="es-AR" dirty="0" err="1">
-                <a:solidFill>
-                  <a:schemeClr val="tx1">
-                    <a:lumMod val="95000"/>
-                    <a:lumOff val="5000"/>
-                  </a:schemeClr>
-                </a:solidFill>
-                <a:latin typeface="Arial Rounded MT Bold" panose="020F0704030504030204" pitchFamily="34" charset="0"/>
-              </a:rPr>
-              <a:t>actuan</a:t>
-            </a:r>
-            <a:r>
-              <a:rPr lang="es-AR" dirty="0">
-                <a:solidFill>
-                  <a:schemeClr val="tx1">
-                    <a:lumMod val="95000"/>
-                    <a:lumOff val="5000"/>
-                  </a:schemeClr>
-                </a:solidFill>
-                <a:latin typeface="Arial Rounded MT Bold" panose="020F0704030504030204" pitchFamily="34" charset="0"/>
-              </a:rPr>
-              <a:t>.</a:t>
-            </a:r>
-          </a:p>
-          <a:p>
-            <a:pPr marL="0" lvl="0" indent="0" algn="just" rtl="0">
-              <a:spcBef>
-                <a:spcPts val="0"/>
-              </a:spcBef>
-              <a:spcAft>
-                <a:spcPts val="0"/>
-              </a:spcAft>
-              <a:buNone/>
-            </a:pPr>
-            <a:endParaRPr lang="es-AR" dirty="0">
-              <a:solidFill>
-                <a:schemeClr val="tx1">
-                  <a:lumMod val="95000"/>
-                  <a:lumOff val="5000"/>
-                </a:schemeClr>
-              </a:solidFill>
-              <a:latin typeface="Arial Rounded MT Bold" panose="020F0704030504030204" pitchFamily="34" charset="0"/>
-            </a:endParaRPr>
-          </a:p>
-          <a:p>
-            <a:pPr marL="0" lvl="0" indent="0" algn="just" rtl="0">
-              <a:spcBef>
-                <a:spcPts val="0"/>
-              </a:spcBef>
-              <a:spcAft>
-                <a:spcPts val="0"/>
-              </a:spcAft>
-              <a:buNone/>
-            </a:pPr>
-            <a:r>
-              <a:rPr lang="es-AR" dirty="0">
-                <a:solidFill>
-                  <a:schemeClr val="tx1">
-                    <a:lumMod val="95000"/>
-                    <a:lumOff val="5000"/>
-                  </a:schemeClr>
-                </a:solidFill>
-                <a:latin typeface="Arial Rounded MT Bold" panose="020F0704030504030204" pitchFamily="34" charset="0"/>
-              </a:rPr>
-              <a:t>PHOBIA maneja actualmente una </a:t>
-            </a:r>
-            <a:r>
-              <a:rPr lang="es-AR" dirty="0" err="1">
-                <a:solidFill>
-                  <a:schemeClr val="tx1">
-                    <a:lumMod val="95000"/>
-                    <a:lumOff val="5000"/>
-                  </a:schemeClr>
-                </a:solidFill>
-                <a:latin typeface="Arial Rounded MT Bold" panose="020F0704030504030204" pitchFamily="34" charset="0"/>
-              </a:rPr>
-              <a:t>proyeccion</a:t>
-            </a:r>
-            <a:r>
-              <a:rPr lang="es-AR" dirty="0">
-                <a:solidFill>
-                  <a:schemeClr val="tx1">
-                    <a:lumMod val="95000"/>
-                    <a:lumOff val="5000"/>
-                  </a:schemeClr>
-                </a:solidFill>
-                <a:latin typeface="Arial Rounded MT Bold" panose="020F0704030504030204" pitchFamily="34" charset="0"/>
-              </a:rPr>
-              <a:t> de aproximadamente 6 .4 millones de pesos en moneda local, que </a:t>
-            </a:r>
-            <a:r>
-              <a:rPr lang="es-AR" dirty="0" err="1">
-                <a:solidFill>
-                  <a:schemeClr val="tx1">
-                    <a:lumMod val="95000"/>
-                    <a:lumOff val="5000"/>
-                  </a:schemeClr>
-                </a:solidFill>
-                <a:latin typeface="Arial Rounded MT Bold" panose="020F0704030504030204" pitchFamily="34" charset="0"/>
-              </a:rPr>
-              <a:t>podrian</a:t>
-            </a:r>
-            <a:r>
-              <a:rPr lang="es-AR" dirty="0">
-                <a:solidFill>
-                  <a:schemeClr val="tx1">
-                    <a:lumMod val="95000"/>
-                    <a:lumOff val="5000"/>
-                  </a:schemeClr>
-                </a:solidFill>
-                <a:latin typeface="Arial Rounded MT Bold" panose="020F0704030504030204" pitchFamily="34" charset="0"/>
-              </a:rPr>
-              <a:t> cubrir la primer etapa</a:t>
-            </a:r>
-          </a:p>
-          <a:p>
-            <a:pPr marL="0" lvl="0" indent="0" algn="just" rtl="0">
-              <a:spcBef>
-                <a:spcPts val="0"/>
-              </a:spcBef>
-              <a:spcAft>
-                <a:spcPts val="0"/>
-              </a:spcAft>
-              <a:buNone/>
-            </a:pPr>
-            <a:endParaRPr lang="es-AR" dirty="0">
-              <a:solidFill>
-                <a:schemeClr val="tx1">
-                  <a:lumMod val="95000"/>
-                  <a:lumOff val="5000"/>
-                </a:schemeClr>
-              </a:solidFill>
-              <a:latin typeface="Arial Rounded MT Bold" panose="020F0704030504030204" pitchFamily="34" charset="0"/>
-            </a:endParaRPr>
-          </a:p>
-          <a:p>
-            <a:pPr marL="0" lvl="0" indent="0" algn="just" rtl="0">
-              <a:spcBef>
-                <a:spcPts val="0"/>
-              </a:spcBef>
-              <a:spcAft>
-                <a:spcPts val="0"/>
-              </a:spcAft>
-              <a:buNone/>
-            </a:pPr>
-            <a:r>
-              <a:rPr lang="es-AR" dirty="0">
-                <a:solidFill>
-                  <a:schemeClr val="tx1">
-                    <a:lumMod val="95000"/>
-                    <a:lumOff val="5000"/>
-                  </a:schemeClr>
-                </a:solidFill>
-                <a:latin typeface="Arial Rounded MT Bold" panose="020F0704030504030204" pitchFamily="34" charset="0"/>
-              </a:rPr>
-              <a:t>Posteriormente en una segunda etapa y enfrentando temas de testeo y colocacion final del producto 3,4 millones en moneda local.</a:t>
-            </a:r>
-          </a:p>
-          <a:p>
-            <a:pPr marL="0" lvl="0" indent="0" algn="just" rtl="0">
-              <a:spcBef>
-                <a:spcPts val="0"/>
-              </a:spcBef>
-              <a:spcAft>
-                <a:spcPts val="0"/>
-              </a:spcAft>
-              <a:buNone/>
-            </a:pPr>
-            <a:endParaRPr lang="es-AR" dirty="0">
-              <a:solidFill>
-                <a:schemeClr val="tx1">
-                  <a:lumMod val="95000"/>
-                  <a:lumOff val="5000"/>
-                </a:schemeClr>
-              </a:solidFill>
-              <a:latin typeface="Arial Rounded MT Bold" panose="020F0704030504030204" pitchFamily="34" charset="0"/>
-            </a:endParaRPr>
-          </a:p>
-          <a:p>
-            <a:pPr marL="0" lvl="0" indent="0" algn="just" rtl="0">
-              <a:spcBef>
-                <a:spcPts val="0"/>
-              </a:spcBef>
-              <a:spcAft>
-                <a:spcPts val="0"/>
-              </a:spcAft>
-              <a:buNone/>
-            </a:pPr>
-            <a:r>
-              <a:rPr lang="es-AR" dirty="0">
-                <a:solidFill>
-                  <a:schemeClr val="tx1">
-                    <a:lumMod val="95000"/>
-                    <a:lumOff val="5000"/>
-                  </a:schemeClr>
-                </a:solidFill>
-                <a:latin typeface="Arial Rounded MT Bold" panose="020F0704030504030204" pitchFamily="34" charset="0"/>
-              </a:rPr>
-              <a:t>Con este ultimo empuje se </a:t>
-            </a:r>
-            <a:r>
-              <a:rPr lang="es-AR" dirty="0" err="1">
-                <a:solidFill>
-                  <a:schemeClr val="tx1">
-                    <a:lumMod val="95000"/>
-                    <a:lumOff val="5000"/>
-                  </a:schemeClr>
-                </a:solidFill>
-                <a:latin typeface="Arial Rounded MT Bold" panose="020F0704030504030204" pitchFamily="34" charset="0"/>
-              </a:rPr>
-              <a:t>podran</a:t>
-            </a:r>
-            <a:r>
-              <a:rPr lang="es-AR" dirty="0">
-                <a:solidFill>
-                  <a:schemeClr val="tx1">
-                    <a:lumMod val="95000"/>
-                    <a:lumOff val="5000"/>
-                  </a:schemeClr>
-                </a:solidFill>
-                <a:latin typeface="Arial Rounded MT Bold" panose="020F0704030504030204" pitchFamily="34" charset="0"/>
-              </a:rPr>
-              <a:t> </a:t>
-            </a:r>
-            <a:r>
-              <a:rPr lang="es-AR" dirty="0" err="1">
-                <a:solidFill>
-                  <a:schemeClr val="tx1">
-                    <a:lumMod val="95000"/>
-                    <a:lumOff val="5000"/>
-                  </a:schemeClr>
-                </a:solidFill>
-                <a:latin typeface="Arial Rounded MT Bold" panose="020F0704030504030204" pitchFamily="34" charset="0"/>
-              </a:rPr>
-              <a:t>posiionar</a:t>
-            </a:r>
-            <a:r>
-              <a:rPr lang="es-AR" dirty="0">
-                <a:solidFill>
-                  <a:schemeClr val="tx1">
-                    <a:lumMod val="95000"/>
-                    <a:lumOff val="5000"/>
-                  </a:schemeClr>
-                </a:solidFill>
-                <a:latin typeface="Arial Rounded MT Bold" panose="020F0704030504030204" pitchFamily="34" charset="0"/>
-              </a:rPr>
-              <a:t> en el mercado mediante plataformas como </a:t>
-            </a:r>
-            <a:r>
-              <a:rPr lang="es-AR" dirty="0" err="1">
-                <a:solidFill>
-                  <a:schemeClr val="tx1">
-                    <a:lumMod val="95000"/>
-                    <a:lumOff val="5000"/>
-                  </a:schemeClr>
-                </a:solidFill>
-                <a:latin typeface="Arial Rounded MT Bold" panose="020F0704030504030204" pitchFamily="34" charset="0"/>
-              </a:rPr>
-              <a:t>steeam</a:t>
-            </a:r>
-            <a:r>
-              <a:rPr lang="es-AR" dirty="0">
-                <a:solidFill>
-                  <a:schemeClr val="tx1">
-                    <a:lumMod val="95000"/>
-                    <a:lumOff val="5000"/>
-                  </a:schemeClr>
-                </a:solidFill>
-                <a:latin typeface="Arial Rounded MT Bold" panose="020F0704030504030204" pitchFamily="34" charset="0"/>
-              </a:rPr>
-              <a:t>, </a:t>
-            </a:r>
-            <a:r>
-              <a:rPr lang="es-AR" dirty="0" err="1">
-                <a:solidFill>
-                  <a:schemeClr val="tx1">
-                    <a:lumMod val="95000"/>
-                    <a:lumOff val="5000"/>
-                  </a:schemeClr>
-                </a:solidFill>
-                <a:latin typeface="Arial Rounded MT Bold" panose="020F0704030504030204" pitchFamily="34" charset="0"/>
-              </a:rPr>
-              <a:t>itchio</a:t>
-            </a:r>
-            <a:r>
-              <a:rPr lang="es-AR" dirty="0">
-                <a:solidFill>
-                  <a:schemeClr val="tx1">
-                    <a:lumMod val="95000"/>
-                    <a:lumOff val="5000"/>
-                  </a:schemeClr>
-                </a:solidFill>
-                <a:latin typeface="Arial Rounded MT Bold" panose="020F0704030504030204" pitchFamily="34" charset="0"/>
-              </a:rPr>
-              <a:t> y </a:t>
-            </a:r>
-            <a:r>
-              <a:rPr lang="es-AR" dirty="0" err="1">
-                <a:solidFill>
-                  <a:schemeClr val="tx1">
-                    <a:lumMod val="95000"/>
-                    <a:lumOff val="5000"/>
-                  </a:schemeClr>
-                </a:solidFill>
-                <a:latin typeface="Arial Rounded MT Bold" panose="020F0704030504030204" pitchFamily="34" charset="0"/>
-              </a:rPr>
-              <a:t>google</a:t>
-            </a:r>
-            <a:r>
-              <a:rPr lang="es-AR" dirty="0">
-                <a:solidFill>
-                  <a:schemeClr val="tx1">
-                    <a:lumMod val="95000"/>
-                    <a:lumOff val="5000"/>
-                  </a:schemeClr>
-                </a:solidFill>
-                <a:latin typeface="Arial Rounded MT Bold" panose="020F0704030504030204" pitchFamily="34" charset="0"/>
-              </a:rPr>
-              <a:t> </a:t>
-            </a:r>
-            <a:r>
-              <a:rPr lang="es-AR" dirty="0" err="1">
-                <a:solidFill>
-                  <a:schemeClr val="tx1">
-                    <a:lumMod val="95000"/>
-                    <a:lumOff val="5000"/>
-                  </a:schemeClr>
-                </a:solidFill>
-                <a:latin typeface="Arial Rounded MT Bold" panose="020F0704030504030204" pitchFamily="34" charset="0"/>
-              </a:rPr>
-              <a:t>play</a:t>
-            </a:r>
-            <a:r>
-              <a:rPr lang="es-AR" dirty="0">
-                <a:solidFill>
-                  <a:schemeClr val="tx1">
-                    <a:lumMod val="95000"/>
-                    <a:lumOff val="5000"/>
-                  </a:schemeClr>
-                </a:solidFill>
-                <a:latin typeface="Arial Rounded MT Bold" panose="020F0704030504030204" pitchFamily="34" charset="0"/>
-              </a:rPr>
-              <a:t>,</a:t>
-            </a:r>
-          </a:p>
-          <a:p>
-            <a:pPr marL="0" lvl="0" indent="0" algn="just" rtl="0">
-              <a:spcBef>
-                <a:spcPts val="0"/>
-              </a:spcBef>
-              <a:spcAft>
-                <a:spcPts val="0"/>
-              </a:spcAft>
-              <a:buNone/>
-            </a:pPr>
-            <a:endParaRPr lang="es-AR" dirty="0">
-              <a:solidFill>
-                <a:schemeClr val="tx1">
-                  <a:lumMod val="95000"/>
-                  <a:lumOff val="5000"/>
-                </a:schemeClr>
-              </a:solidFill>
-              <a:latin typeface="Arial Rounded MT Bold" panose="020F0704030504030204" pitchFamily="34" charset="0"/>
-            </a:endParaRPr>
-          </a:p>
-          <a:p>
-            <a:pPr marL="0" lvl="0" indent="0" algn="just" rtl="0">
-              <a:spcBef>
-                <a:spcPts val="0"/>
-              </a:spcBef>
-              <a:spcAft>
-                <a:spcPts val="0"/>
-              </a:spcAft>
-              <a:buNone/>
-            </a:pPr>
-            <a:r>
-              <a:rPr lang="es-AR" dirty="0">
-                <a:solidFill>
-                  <a:schemeClr val="tx1">
-                    <a:lumMod val="95000"/>
-                    <a:lumOff val="5000"/>
-                  </a:schemeClr>
-                </a:solidFill>
-                <a:latin typeface="Arial Rounded MT Bold" panose="020F0704030504030204" pitchFamily="34" charset="0"/>
-              </a:rPr>
-              <a:t>Tercer etapa consolas.</a:t>
-            </a:r>
-          </a:p>
-        </p:txBody>
-      </p:sp>
-      <p:sp>
-        <p:nvSpPr>
-          <p:cNvPr id="167" name="Google Shape;167;p26"/>
-          <p:cNvSpPr txBox="1"/>
-          <p:nvPr/>
-        </p:nvSpPr>
-        <p:spPr>
-          <a:xfrm>
-            <a:off x="268850" y="672125"/>
-            <a:ext cx="8730600" cy="615600"/>
-          </a:xfrm>
-          <a:prstGeom prst="rect">
-            <a:avLst/>
-          </a:prstGeom>
-          <a:noFill/>
-          <a:ln>
-            <a:noFill/>
-          </a:ln>
-        </p:spPr>
-        <p:txBody>
-          <a:bodyPr spcFirstLastPara="1" wrap="square" lIns="91425" tIns="91425" rIns="91425" bIns="91425" anchor="t" anchorCtr="0">
-            <a:spAutoFit/>
-          </a:bodyPr>
-          <a:lstStyle/>
-          <a:p>
-            <a:pPr marL="0" lvl="0" indent="0" algn="l" rtl="0">
-              <a:spcBef>
-                <a:spcPts val="0"/>
-              </a:spcBef>
-              <a:spcAft>
-                <a:spcPts val="0"/>
-              </a:spcAft>
-              <a:buNone/>
-            </a:pPr>
-            <a:r>
-              <a:rPr lang="es" i="1">
-                <a:solidFill>
-                  <a:srgbClr val="E06666"/>
-                </a:solidFill>
-              </a:rPr>
-              <a:t>Detalle de los costos de producción para cada instancia del desarrollo.</a:t>
-            </a:r>
-            <a:endParaRPr i="1">
-              <a:solidFill>
-                <a:srgbClr val="E06666"/>
-              </a:solidFill>
-            </a:endParaRPr>
-          </a:p>
-          <a:p>
-            <a:pPr marL="0" lvl="0" indent="0" algn="l" rtl="0">
-              <a:spcBef>
-                <a:spcPts val="0"/>
-              </a:spcBef>
-              <a:spcAft>
-                <a:spcPts val="0"/>
-              </a:spcAft>
-              <a:buNone/>
-            </a:pPr>
-            <a:r>
-              <a:rPr lang="es" i="1">
-                <a:solidFill>
-                  <a:srgbClr val="E06666"/>
-                </a:solidFill>
-              </a:rPr>
-              <a:t>No vamos a ver esto y no hace falta completar este Slide.</a:t>
-            </a:r>
-            <a:endParaRPr i="1">
-              <a:solidFill>
-                <a:srgbClr val="E06666"/>
-              </a:solidFill>
-            </a:endParaRPr>
-          </a:p>
-        </p:txBody>
-      </p:sp>
-      <p:sp>
-        <p:nvSpPr>
-          <p:cNvPr id="168" name="Google Shape;168;p26"/>
-          <p:cNvSpPr/>
-          <p:nvPr/>
-        </p:nvSpPr>
-        <p:spPr>
-          <a:xfrm>
-            <a:off x="0" y="0"/>
-            <a:ext cx="9144000" cy="495300"/>
-          </a:xfrm>
-          <a:prstGeom prst="rect">
-            <a:avLst/>
-          </a:prstGeom>
-          <a:solidFill>
-            <a:srgbClr val="EA9999"/>
-          </a:solidFill>
-          <a:ln>
-            <a:noFill/>
-          </a:ln>
-        </p:spPr>
-        <p:txBody>
-          <a:bodyPr spcFirstLastPara="1" wrap="square" lIns="91425" tIns="91425" rIns="91425" bIns="91425" anchor="ctr" anchorCtr="0">
-            <a:noAutofit/>
-          </a:bodyPr>
-          <a:lstStyle/>
-          <a:p>
-            <a:pPr marL="0" lvl="0" indent="0" algn="l" rtl="0">
-              <a:spcBef>
-                <a:spcPts val="0"/>
-              </a:spcBef>
-              <a:spcAft>
-                <a:spcPts val="0"/>
-              </a:spcAft>
-              <a:buNone/>
-            </a:pPr>
-            <a:r>
-              <a:rPr lang="es" sz="2200" b="1">
-                <a:solidFill>
-                  <a:srgbClr val="E06666"/>
-                </a:solidFill>
-              </a:rPr>
-              <a:t>COSTOS DE PRODUCCIÓN</a:t>
-            </a:r>
-            <a:endParaRPr sz="2200" b="1">
-              <a:solidFill>
-                <a:srgbClr val="E06666"/>
-              </a:solidFill>
-            </a:endParaRPr>
-          </a:p>
-        </p:txBody>
-      </p:sp>
-    </p:spTree>
-  </p:cSld>
-  <p:clrMapOvr>
-    <a:masterClrMapping/>
-  </p:clrMapOvr>
-</p:sld>
-</file>
-
-<file path=ppt/slides/slide16.xml><?xml version="1.0" encoding="utf-8"?>
 <p:sld xmlns:a="http://schemas.openxmlformats.org/drawingml/2006/main" xmlns:r="http://schemas.openxmlformats.org/officeDocument/2006/relationships" xmlns:p="http://schemas.openxmlformats.org/presentationml/2006/main">
   <p:cSld>
     <p:spTree>
@@ -11336,7 +10550,7 @@
 </p:sld>
 </file>
 
-<file path=ppt/slides/slide17.xml><?xml version="1.0" encoding="utf-8"?>
+<file path=ppt/slides/slide16.xml><?xml version="1.0" encoding="utf-8"?>
 <p:sld xmlns:a="http://schemas.openxmlformats.org/drawingml/2006/main" xmlns:r="http://schemas.openxmlformats.org/officeDocument/2006/relationships" xmlns:p="http://schemas.openxmlformats.org/presentationml/2006/main">
   <p:cSld>
     <p:spTree>
@@ -11496,7 +10710,7 @@
 </p:sld>
 </file>
 
-<file path=ppt/slides/slide18.xml><?xml version="1.0" encoding="utf-8"?>
+<file path=ppt/slides/slide17.xml><?xml version="1.0" encoding="utf-8"?>
 <p:sld xmlns:a="http://schemas.openxmlformats.org/drawingml/2006/main" xmlns:r="http://schemas.openxmlformats.org/officeDocument/2006/relationships" xmlns:p="http://schemas.openxmlformats.org/presentationml/2006/main">
   <p:cSld>
     <p:spTree>
@@ -11632,7 +10846,7 @@
 </p:sld>
 </file>
 
-<file path=ppt/slides/slide19.xml><?xml version="1.0" encoding="utf-8"?>
+<file path=ppt/slides/slide18.xml><?xml version="1.0" encoding="utf-8"?>
 <p:sld xmlns:a="http://schemas.openxmlformats.org/drawingml/2006/main" xmlns:r="http://schemas.openxmlformats.org/officeDocument/2006/relationships" xmlns:p="http://schemas.openxmlformats.org/presentationml/2006/main">
   <p:cSld>
     <p:spTree>

--- a/Pitch (Venta) [Template] PHOBIA.pptx
+++ b/Pitch (Venta) [Template] PHOBIA.pptx
@@ -5,7 +5,7 @@
     <p:sldMasterId id="2147483659" r:id="rId1"/>
   </p:sldMasterIdLst>
   <p:notesMasterIdLst>
-    <p:notesMasterId r:id="rId20"/>
+    <p:notesMasterId r:id="rId18"/>
   </p:notesMasterIdLst>
   <p:sldIdLst>
     <p:sldId id="256" r:id="rId2"/>
@@ -18,14 +18,12 @@
     <p:sldId id="263" r:id="rId9"/>
     <p:sldId id="275" r:id="rId10"/>
     <p:sldId id="264" r:id="rId11"/>
-    <p:sldId id="265" r:id="rId12"/>
-    <p:sldId id="266" r:id="rId13"/>
-    <p:sldId id="267" r:id="rId14"/>
-    <p:sldId id="268" r:id="rId15"/>
-    <p:sldId id="270" r:id="rId16"/>
-    <p:sldId id="271" r:id="rId17"/>
-    <p:sldId id="272" r:id="rId18"/>
-    <p:sldId id="274" r:id="rId19"/>
+    <p:sldId id="266" r:id="rId12"/>
+    <p:sldId id="267" r:id="rId13"/>
+    <p:sldId id="268" r:id="rId14"/>
+    <p:sldId id="270" r:id="rId15"/>
+    <p:sldId id="272" r:id="rId16"/>
+    <p:sldId id="274" r:id="rId17"/>
   </p:sldIdLst>
   <p:sldSz cx="9144000" cy="5143500" type="screen16x9"/>
   <p:notesSz cx="6858000" cy="9144000"/>
@@ -931,7 +929,7 @@
   <p:cSld>
     <p:spTree>
       <p:nvGrpSpPr>
-        <p:cNvPr id="1" name="Shape 118"/>
+        <p:cNvPr id="1" name="Shape 124"/>
         <p:cNvGrpSpPr/>
         <p:nvPr/>
       </p:nvGrpSpPr>
@@ -945,7 +943,7 @@
       </p:grpSpPr>
       <p:sp>
         <p:nvSpPr>
-          <p:cNvPr id="119" name="Google Shape;119;g22f937e0c82_0_59:notes"/>
+          <p:cNvPr id="125" name="Google Shape;125;g22f937e0c82_0_64:notes"/>
           <p:cNvSpPr>
             <a:spLocks noGrp="1" noRot="1" noChangeAspect="1"/>
           </p:cNvSpPr>
@@ -986,7 +984,7 @@
       </p:sp>
       <p:sp>
         <p:nvSpPr>
-          <p:cNvPr id="120" name="Google Shape;120;g22f937e0c82_0_59:notes"/>
+          <p:cNvPr id="126" name="Google Shape;126;g22f937e0c82_0_64:notes"/>
           <p:cNvSpPr txBox="1">
             <a:spLocks noGrp="1"/>
           </p:cNvSpPr>
@@ -1031,110 +1029,6 @@
 </file>
 
 <file path=ppt/notesSlides/notesSlide12.xml><?xml version="1.0" encoding="utf-8"?>
-<p:notes xmlns:a="http://schemas.openxmlformats.org/drawingml/2006/main" xmlns:r="http://schemas.openxmlformats.org/officeDocument/2006/relationships" xmlns:p="http://schemas.openxmlformats.org/presentationml/2006/main" showMasterSp="0" showMasterPhAnim="0">
-  <p:cSld>
-    <p:spTree>
-      <p:nvGrpSpPr>
-        <p:cNvPr id="1" name="Shape 124"/>
-        <p:cNvGrpSpPr/>
-        <p:nvPr/>
-      </p:nvGrpSpPr>
-      <p:grpSpPr>
-        <a:xfrm>
-          <a:off x="0" y="0"/>
-          <a:ext cx="0" cy="0"/>
-          <a:chOff x="0" y="0"/>
-          <a:chExt cx="0" cy="0"/>
-        </a:xfrm>
-      </p:grpSpPr>
-      <p:sp>
-        <p:nvSpPr>
-          <p:cNvPr id="125" name="Google Shape;125;g22f937e0c82_0_64:notes"/>
-          <p:cNvSpPr>
-            <a:spLocks noGrp="1" noRot="1" noChangeAspect="1"/>
-          </p:cNvSpPr>
-          <p:nvPr>
-            <p:ph type="sldImg" idx="2"/>
-          </p:nvPr>
-        </p:nvSpPr>
-        <p:spPr>
-          <a:xfrm>
-            <a:off x="381000" y="685800"/>
-            <a:ext cx="6096000" cy="3429000"/>
-          </a:xfrm>
-          <a:custGeom>
-            <a:avLst/>
-            <a:gdLst/>
-            <a:ahLst/>
-            <a:cxnLst/>
-            <a:rect l="l" t="t" r="r" b="b"/>
-            <a:pathLst>
-              <a:path w="120000" h="120000" extrusionOk="0">
-                <a:moveTo>
-                  <a:pt x="0" y="0"/>
-                </a:moveTo>
-                <a:lnTo>
-                  <a:pt x="120000" y="0"/>
-                </a:lnTo>
-                <a:lnTo>
-                  <a:pt x="120000" y="120000"/>
-                </a:lnTo>
-                <a:lnTo>
-                  <a:pt x="0" y="120000"/>
-                </a:lnTo>
-                <a:close/>
-              </a:path>
-            </a:pathLst>
-          </a:custGeom>
-        </p:spPr>
-      </p:sp>
-      <p:sp>
-        <p:nvSpPr>
-          <p:cNvPr id="126" name="Google Shape;126;g22f937e0c82_0_64:notes"/>
-          <p:cNvSpPr txBox="1">
-            <a:spLocks noGrp="1"/>
-          </p:cNvSpPr>
-          <p:nvPr>
-            <p:ph type="body" idx="1"/>
-          </p:nvPr>
-        </p:nvSpPr>
-        <p:spPr>
-          <a:xfrm>
-            <a:off x="685800" y="4343400"/>
-            <a:ext cx="5486400" cy="4114800"/>
-          </a:xfrm>
-          <a:prstGeom prst="rect">
-            <a:avLst/>
-          </a:prstGeom>
-        </p:spPr>
-        <p:txBody>
-          <a:bodyPr spcFirstLastPara="1" wrap="square" lIns="91425" tIns="91425" rIns="91425" bIns="91425" anchor="t" anchorCtr="0">
-            <a:noAutofit/>
-          </a:bodyPr>
-          <a:lstStyle/>
-          <a:p>
-            <a:pPr marL="0" lvl="0" indent="0" algn="l" rtl="0">
-              <a:spcBef>
-                <a:spcPts val="0"/>
-              </a:spcBef>
-              <a:spcAft>
-                <a:spcPts val="0"/>
-              </a:spcAft>
-              <a:buNone/>
-            </a:pPr>
-            <a:endParaRPr/>
-          </a:p>
-        </p:txBody>
-      </p:sp>
-    </p:spTree>
-  </p:cSld>
-  <p:clrMapOvr>
-    <a:masterClrMapping/>
-  </p:clrMapOvr>
-</p:notes>
-</file>
-
-<file path=ppt/notesSlides/notesSlide13.xml><?xml version="1.0" encoding="utf-8"?>
 <p:notes xmlns:a="http://schemas.openxmlformats.org/drawingml/2006/main" xmlns:r="http://schemas.openxmlformats.org/officeDocument/2006/relationships" xmlns:p="http://schemas.openxmlformats.org/presentationml/2006/main" showMasterSp="0" showMasterPhAnim="0">
   <p:cSld>
     <p:spTree>
@@ -1238,7 +1132,7 @@
 </p:notes>
 </file>
 
-<file path=ppt/notesSlides/notesSlide14.xml><?xml version="1.0" encoding="utf-8"?>
+<file path=ppt/notesSlides/notesSlide13.xml><?xml version="1.0" encoding="utf-8"?>
 <p:notes xmlns:a="http://schemas.openxmlformats.org/drawingml/2006/main" xmlns:r="http://schemas.openxmlformats.org/officeDocument/2006/relationships" xmlns:p="http://schemas.openxmlformats.org/presentationml/2006/main" showMasterSp="0" showMasterPhAnim="0">
   <p:cSld>
     <p:spTree>
@@ -1342,7 +1236,7 @@
 </p:notes>
 </file>
 
-<file path=ppt/notesSlides/notesSlide15.xml><?xml version="1.0" encoding="utf-8"?>
+<file path=ppt/notesSlides/notesSlide14.xml><?xml version="1.0" encoding="utf-8"?>
 <p:notes xmlns:a="http://schemas.openxmlformats.org/drawingml/2006/main" xmlns:r="http://schemas.openxmlformats.org/officeDocument/2006/relationships" xmlns:p="http://schemas.openxmlformats.org/presentationml/2006/main" showMasterSp="0" showMasterPhAnim="0">
   <p:cSld>
     <p:spTree>
@@ -1446,111 +1340,7 @@
 </p:notes>
 </file>
 
-<file path=ppt/notesSlides/notesSlide16.xml><?xml version="1.0" encoding="utf-8"?>
-<p:notes xmlns:a="http://schemas.openxmlformats.org/drawingml/2006/main" xmlns:r="http://schemas.openxmlformats.org/officeDocument/2006/relationships" xmlns:p="http://schemas.openxmlformats.org/presentationml/2006/main" showMasterSp="0" showMasterPhAnim="0">
-  <p:cSld>
-    <p:spTree>
-      <p:nvGrpSpPr>
-        <p:cNvPr id="1" name="Shape 175"/>
-        <p:cNvGrpSpPr/>
-        <p:nvPr/>
-      </p:nvGrpSpPr>
-      <p:grpSpPr>
-        <a:xfrm>
-          <a:off x="0" y="0"/>
-          <a:ext cx="0" cy="0"/>
-          <a:chOff x="0" y="0"/>
-          <a:chExt cx="0" cy="0"/>
-        </a:xfrm>
-      </p:grpSpPr>
-      <p:sp>
-        <p:nvSpPr>
-          <p:cNvPr id="176" name="Google Shape;176;g22f937e0c82_0_110:notes"/>
-          <p:cNvSpPr>
-            <a:spLocks noGrp="1" noRot="1" noChangeAspect="1"/>
-          </p:cNvSpPr>
-          <p:nvPr>
-            <p:ph type="sldImg" idx="2"/>
-          </p:nvPr>
-        </p:nvSpPr>
-        <p:spPr>
-          <a:xfrm>
-            <a:off x="381000" y="685800"/>
-            <a:ext cx="6096000" cy="3429000"/>
-          </a:xfrm>
-          <a:custGeom>
-            <a:avLst/>
-            <a:gdLst/>
-            <a:ahLst/>
-            <a:cxnLst/>
-            <a:rect l="l" t="t" r="r" b="b"/>
-            <a:pathLst>
-              <a:path w="120000" h="120000" extrusionOk="0">
-                <a:moveTo>
-                  <a:pt x="0" y="0"/>
-                </a:moveTo>
-                <a:lnTo>
-                  <a:pt x="120000" y="0"/>
-                </a:lnTo>
-                <a:lnTo>
-                  <a:pt x="120000" y="120000"/>
-                </a:lnTo>
-                <a:lnTo>
-                  <a:pt x="0" y="120000"/>
-                </a:lnTo>
-                <a:close/>
-              </a:path>
-            </a:pathLst>
-          </a:custGeom>
-        </p:spPr>
-      </p:sp>
-      <p:sp>
-        <p:nvSpPr>
-          <p:cNvPr id="177" name="Google Shape;177;g22f937e0c82_0_110:notes"/>
-          <p:cNvSpPr txBox="1">
-            <a:spLocks noGrp="1"/>
-          </p:cNvSpPr>
-          <p:nvPr>
-            <p:ph type="body" idx="1"/>
-          </p:nvPr>
-        </p:nvSpPr>
-        <p:spPr>
-          <a:xfrm>
-            <a:off x="685800" y="4343400"/>
-            <a:ext cx="5486400" cy="4114800"/>
-          </a:xfrm>
-          <a:prstGeom prst="rect">
-            <a:avLst/>
-          </a:prstGeom>
-        </p:spPr>
-        <p:txBody>
-          <a:bodyPr spcFirstLastPara="1" wrap="square" lIns="91425" tIns="91425" rIns="91425" bIns="91425" anchor="t" anchorCtr="0">
-            <a:noAutofit/>
-          </a:bodyPr>
-          <a:lstStyle/>
-          <a:p>
-            <a:pPr marL="0" lvl="0" indent="0" algn="l" rtl="0">
-              <a:spcBef>
-                <a:spcPts val="0"/>
-              </a:spcBef>
-              <a:spcAft>
-                <a:spcPts val="0"/>
-              </a:spcAft>
-              <a:buNone/>
-            </a:pPr>
-            <a:endParaRPr/>
-          </a:p>
-        </p:txBody>
-      </p:sp>
-    </p:spTree>
-  </p:cSld>
-  <p:clrMapOvr>
-    <a:masterClrMapping/>
-  </p:clrMapOvr>
-</p:notes>
-</file>
-
-<file path=ppt/notesSlides/notesSlide17.xml><?xml version="1.0" encoding="utf-8"?>
+<file path=ppt/notesSlides/notesSlide15.xml><?xml version="1.0" encoding="utf-8"?>
 <p:notes xmlns:a="http://schemas.openxmlformats.org/drawingml/2006/main" xmlns:r="http://schemas.openxmlformats.org/officeDocument/2006/relationships" xmlns:p="http://schemas.openxmlformats.org/presentationml/2006/main" showMasterSp="0" showMasterPhAnim="0">
   <p:cSld>
     <p:spTree>
@@ -1654,7 +1444,7 @@
 </p:notes>
 </file>
 
-<file path=ppt/notesSlides/notesSlide18.xml><?xml version="1.0" encoding="utf-8"?>
+<file path=ppt/notesSlides/notesSlide16.xml><?xml version="1.0" encoding="utf-8"?>
 <p:notes xmlns:a="http://schemas.openxmlformats.org/drawingml/2006/main" xmlns:r="http://schemas.openxmlformats.org/officeDocument/2006/relationships" xmlns:p="http://schemas.openxmlformats.org/presentationml/2006/main" showMasterSp="0" showMasterPhAnim="0">
   <p:cSld>
     <p:spTree>
@@ -8002,230 +7792,6 @@
   <p:cSld>
     <p:spTree>
       <p:nvGrpSpPr>
-        <p:cNvPr id="1" name="Shape 121"/>
-        <p:cNvGrpSpPr/>
-        <p:nvPr/>
-      </p:nvGrpSpPr>
-      <p:grpSpPr>
-        <a:xfrm>
-          <a:off x="0" y="0"/>
-          <a:ext cx="0" cy="0"/>
-          <a:chOff x="0" y="0"/>
-          <a:chExt cx="0" cy="0"/>
-        </a:xfrm>
-      </p:grpSpPr>
-      <p:sp>
-        <p:nvSpPr>
-          <p:cNvPr id="122" name="Google Shape;122;p22"/>
-          <p:cNvSpPr txBox="1"/>
-          <p:nvPr/>
-        </p:nvSpPr>
-        <p:spPr>
-          <a:xfrm>
-            <a:off x="268850" y="672125"/>
-            <a:ext cx="8730600" cy="1262100"/>
-          </a:xfrm>
-          <a:prstGeom prst="rect">
-            <a:avLst/>
-          </a:prstGeom>
-          <a:noFill/>
-          <a:ln>
-            <a:noFill/>
-          </a:ln>
-        </p:spPr>
-        <p:txBody>
-          <a:bodyPr spcFirstLastPara="1" wrap="square" lIns="91425" tIns="91425" rIns="91425" bIns="91425" anchor="t" anchorCtr="0">
-            <a:spAutoFit/>
-          </a:bodyPr>
-          <a:lstStyle/>
-          <a:p>
-            <a:pPr marL="0" lvl="0" indent="0" algn="l" rtl="0">
-              <a:spcBef>
-                <a:spcPts val="0"/>
-              </a:spcBef>
-              <a:spcAft>
-                <a:spcPts val="0"/>
-              </a:spcAft>
-              <a:buNone/>
-            </a:pPr>
-            <a:r>
-              <a:rPr lang="es" i="1">
-                <a:solidFill>
-                  <a:srgbClr val="666666"/>
-                </a:solidFill>
-              </a:rPr>
-              <a:t>Espacio dedicado a explicar en detalle features y/o mecánicas que hacen ÚNICO a su juego.</a:t>
-            </a:r>
-            <a:endParaRPr i="1">
-              <a:solidFill>
-                <a:srgbClr val="666666"/>
-              </a:solidFill>
-            </a:endParaRPr>
-          </a:p>
-          <a:p>
-            <a:pPr marL="0" lvl="0" indent="0" algn="l" rtl="0">
-              <a:spcBef>
-                <a:spcPts val="0"/>
-              </a:spcBef>
-              <a:spcAft>
-                <a:spcPts val="0"/>
-              </a:spcAft>
-              <a:buNone/>
-            </a:pPr>
-            <a:r>
-              <a:rPr lang="es" i="1">
-                <a:solidFill>
-                  <a:srgbClr val="666666"/>
-                </a:solidFill>
-              </a:rPr>
-              <a:t>Dediquen un slide a cada una de ellas. Solo las importantes! Esas que lo destacan de otros juegos.</a:t>
-            </a:r>
-            <a:endParaRPr i="1">
-              <a:solidFill>
-                <a:srgbClr val="666666"/>
-              </a:solidFill>
-            </a:endParaRPr>
-          </a:p>
-          <a:p>
-            <a:pPr marL="0" lvl="0" indent="0" algn="l" rtl="0">
-              <a:spcBef>
-                <a:spcPts val="0"/>
-              </a:spcBef>
-              <a:spcAft>
-                <a:spcPts val="0"/>
-              </a:spcAft>
-              <a:buNone/>
-            </a:pPr>
-            <a:endParaRPr i="1">
-              <a:solidFill>
-                <a:srgbClr val="666666"/>
-              </a:solidFill>
-            </a:endParaRPr>
-          </a:p>
-          <a:p>
-            <a:pPr marL="0" lvl="0" indent="0" algn="l" rtl="0">
-              <a:spcBef>
-                <a:spcPts val="0"/>
-              </a:spcBef>
-              <a:spcAft>
-                <a:spcPts val="0"/>
-              </a:spcAft>
-              <a:buNone/>
-            </a:pPr>
-            <a:r>
-              <a:rPr lang="es" i="1">
-                <a:solidFill>
-                  <a:srgbClr val="666666"/>
-                </a:solidFill>
-              </a:rPr>
-              <a:t>Recuerde que no solo debe detallar de forma concisa, sino ser claro en el proceso. </a:t>
-            </a:r>
-            <a:endParaRPr i="1">
-              <a:solidFill>
-                <a:srgbClr val="666666"/>
-              </a:solidFill>
-            </a:endParaRPr>
-          </a:p>
-          <a:p>
-            <a:pPr marL="0" lvl="0" indent="0" algn="l" rtl="0">
-              <a:spcBef>
-                <a:spcPts val="0"/>
-              </a:spcBef>
-              <a:spcAft>
-                <a:spcPts val="0"/>
-              </a:spcAft>
-              <a:buNone/>
-            </a:pPr>
-            <a:r>
-              <a:rPr lang="es" i="1">
-                <a:solidFill>
-                  <a:srgbClr val="666666"/>
-                </a:solidFill>
-              </a:rPr>
-              <a:t>Acompañar con imágenes de concepto es “casi” indispensable</a:t>
-            </a:r>
-            <a:endParaRPr i="1">
-              <a:solidFill>
-                <a:srgbClr val="666666"/>
-              </a:solidFill>
-            </a:endParaRPr>
-          </a:p>
-        </p:txBody>
-      </p:sp>
-      <p:sp>
-        <p:nvSpPr>
-          <p:cNvPr id="123" name="Google Shape;123;p22"/>
-          <p:cNvSpPr/>
-          <p:nvPr/>
-        </p:nvSpPr>
-        <p:spPr>
-          <a:xfrm>
-            <a:off x="0" y="0"/>
-            <a:ext cx="9144000" cy="5143500"/>
-          </a:xfrm>
-          <a:prstGeom prst="rect">
-            <a:avLst/>
-          </a:prstGeom>
-          <a:ln/>
-        </p:spPr>
-        <p:style>
-          <a:lnRef idx="1">
-            <a:schemeClr val="accent1"/>
-          </a:lnRef>
-          <a:fillRef idx="2">
-            <a:schemeClr val="accent1"/>
-          </a:fillRef>
-          <a:effectRef idx="1">
-            <a:schemeClr val="accent1"/>
-          </a:effectRef>
-          <a:fontRef idx="minor">
-            <a:schemeClr val="dk1"/>
-          </a:fontRef>
-        </p:style>
-        <p:txBody>
-          <a:bodyPr spcFirstLastPara="1" wrap="square" lIns="91425" tIns="91425" rIns="91425" bIns="91425" anchor="t" anchorCtr="0">
-            <a:noAutofit/>
-          </a:bodyPr>
-          <a:lstStyle/>
-          <a:p>
-            <a:pPr marL="0" lvl="0" indent="0" algn="l" rtl="0">
-              <a:spcBef>
-                <a:spcPts val="0"/>
-              </a:spcBef>
-              <a:spcAft>
-                <a:spcPts val="0"/>
-              </a:spcAft>
-              <a:buNone/>
-            </a:pPr>
-            <a:r>
-              <a:rPr lang="es" sz="2200" b="1">
-                <a:solidFill>
-                  <a:srgbClr val="666666"/>
-                </a:solidFill>
-              </a:rPr>
-              <a:t>[IDENTIFICADOR DE FEATURE / MECÁNICA]</a:t>
-            </a:r>
-            <a:endParaRPr sz="2200" b="1">
-              <a:solidFill>
-                <a:srgbClr val="666666"/>
-              </a:solidFill>
-            </a:endParaRPr>
-          </a:p>
-        </p:txBody>
-      </p:sp>
-    </p:spTree>
-  </p:cSld>
-  <p:clrMapOvr>
-    <a:masterClrMapping/>
-  </p:clrMapOvr>
-</p:sld>
-</file>
-
-<file path=ppt/slides/slide12.xml><?xml version="1.0" encoding="utf-8"?>
-<p:sld xmlns:a="http://schemas.openxmlformats.org/drawingml/2006/main" xmlns:r="http://schemas.openxmlformats.org/officeDocument/2006/relationships" xmlns:p="http://schemas.openxmlformats.org/presentationml/2006/main">
-  <p:cSld>
-    <p:spTree>
-      <p:nvGrpSpPr>
         <p:cNvPr id="1" name="Shape 127"/>
         <p:cNvGrpSpPr/>
         <p:nvPr/>
@@ -8601,7 +8167,7 @@
 </p:sld>
 </file>
 
-<file path=ppt/slides/slide13.xml><?xml version="1.0" encoding="utf-8"?>
+<file path=ppt/slides/slide12.xml><?xml version="1.0" encoding="utf-8"?>
 <p:sld xmlns:a="http://schemas.openxmlformats.org/drawingml/2006/main" xmlns:r="http://schemas.openxmlformats.org/officeDocument/2006/relationships" xmlns:p="http://schemas.openxmlformats.org/presentationml/2006/main">
   <p:cSld>
     <p:spTree>
@@ -8781,58 +8347,6 @@
       </p:sp>
       <p:sp>
         <p:nvSpPr>
-          <p:cNvPr id="136" name="Google Shape;136;p24"/>
-          <p:cNvSpPr/>
-          <p:nvPr/>
-        </p:nvSpPr>
-        <p:spPr>
-          <a:xfrm>
-            <a:off x="176875" y="1553950"/>
-            <a:ext cx="2847300" cy="1782600"/>
-          </a:xfrm>
-          <a:prstGeom prst="rect">
-            <a:avLst/>
-          </a:prstGeom>
-          <a:solidFill>
-            <a:schemeClr val="lt2"/>
-          </a:solidFill>
-          <a:ln>
-            <a:noFill/>
-          </a:ln>
-        </p:spPr>
-        <p:txBody>
-          <a:bodyPr spcFirstLastPara="1" wrap="square" lIns="91425" tIns="91425" rIns="91425" bIns="91425" anchor="ctr" anchorCtr="0">
-            <a:noAutofit/>
-          </a:bodyPr>
-          <a:lstStyle/>
-          <a:p>
-            <a:pPr marL="0" lvl="0" indent="0" algn="ctr" rtl="0">
-              <a:spcBef>
-                <a:spcPts val="0"/>
-              </a:spcBef>
-              <a:spcAft>
-                <a:spcPts val="0"/>
-              </a:spcAft>
-              <a:buNone/>
-            </a:pPr>
-            <a:r>
-              <a:rPr lang="es" sz="2200" b="1">
-                <a:solidFill>
-                  <a:srgbClr val="666666"/>
-                </a:solidFill>
-              </a:rPr>
-              <a:t>Referencia visual del Juego</a:t>
-            </a:r>
-            <a:endParaRPr sz="2200" b="1">
-              <a:solidFill>
-                <a:srgbClr val="666666"/>
-              </a:solidFill>
-            </a:endParaRPr>
-          </a:p>
-        </p:txBody>
-      </p:sp>
-      <p:sp>
-        <p:nvSpPr>
           <p:cNvPr id="137" name="Google Shape;137;p24"/>
           <p:cNvSpPr txBox="1"/>
           <p:nvPr/>
@@ -8840,7 +8354,7 @@
         <p:spPr>
           <a:xfrm>
             <a:off x="176875" y="3387075"/>
-            <a:ext cx="2847300" cy="1293000"/>
+            <a:ext cx="2847300" cy="1292631"/>
           </a:xfrm>
           <a:prstGeom prst="rect">
             <a:avLst/>
@@ -8866,7 +8380,7 @@
               <a:buNone/>
             </a:pPr>
             <a:r>
-              <a:rPr lang="es" sz="1200" b="1" i="1">
+              <a:rPr lang="es" sz="1200" b="1" i="1" dirty="0">
                 <a:solidFill>
                   <a:srgbClr val="666666"/>
                 </a:solidFill>
@@ -8874,14 +8388,14 @@
               <a:t>Fecha de Lanzamiento: </a:t>
             </a:r>
             <a:r>
-              <a:rPr lang="es" sz="1200" i="1">
+              <a:rPr lang="es-AR" sz="1200" b="1" i="1" dirty="0">
                 <a:solidFill>
                   <a:srgbClr val="666666"/>
                 </a:solidFill>
               </a:rPr>
-              <a:t>01/01/1970</a:t>
-            </a:r>
-            <a:endParaRPr sz="1200" i="1">
+              <a:t>30 OCT 2020</a:t>
+            </a:r>
+            <a:endParaRPr lang="es" sz="1200" b="1" i="1" dirty="0">
               <a:solidFill>
                 <a:srgbClr val="666666"/>
               </a:solidFill>
@@ -8898,7 +8412,7 @@
               <a:buNone/>
             </a:pPr>
             <a:r>
-              <a:rPr lang="es" sz="1200" b="1" i="1">
+              <a:rPr lang="es" sz="1200" b="1" i="1" dirty="0">
                 <a:solidFill>
                   <a:srgbClr val="666666"/>
                 </a:solidFill>
@@ -8906,14 +8420,14 @@
               <a:t>Precio de Lanzamiento: </a:t>
             </a:r>
             <a:r>
-              <a:rPr lang="es" sz="1200" i="1">
+              <a:rPr lang="es-AR" sz="1200" i="1" dirty="0">
                 <a:solidFill>
                   <a:srgbClr val="666666"/>
                 </a:solidFill>
               </a:rPr>
-              <a:t>USD $ 99.99</a:t>
-            </a:r>
-            <a:endParaRPr sz="1200" i="1">
+              <a:t>ARS$ 194,99</a:t>
+            </a:r>
+            <a:endParaRPr sz="1200" i="1" dirty="0">
               <a:solidFill>
                 <a:srgbClr val="666666"/>
               </a:solidFill>
@@ -8930,7 +8444,7 @@
               <a:buNone/>
             </a:pPr>
             <a:r>
-              <a:rPr lang="es" sz="1200" b="1" i="1">
+              <a:rPr lang="es" sz="1200" b="1" i="1" dirty="0">
                 <a:solidFill>
                   <a:srgbClr val="666666"/>
                 </a:solidFill>
@@ -8938,14 +8452,14 @@
               <a:t>Ventas:</a:t>
             </a:r>
             <a:r>
-              <a:rPr lang="es" sz="1200" i="1">
+              <a:rPr lang="es" sz="1200" i="1" dirty="0">
                 <a:solidFill>
                   <a:srgbClr val="666666"/>
                 </a:solidFill>
               </a:rPr>
-              <a:t> Mas de 10.000 en Steam</a:t>
-            </a:r>
-            <a:endParaRPr sz="1200" i="1">
+              <a:t> 6245</a:t>
+            </a:r>
+            <a:endParaRPr sz="1200" i="1" dirty="0">
               <a:solidFill>
                 <a:srgbClr val="666666"/>
               </a:solidFill>
@@ -8961,7 +8475,7 @@
               </a:spcAft>
               <a:buNone/>
             </a:pPr>
-            <a:endParaRPr sz="1200" i="1">
+            <a:endParaRPr sz="1200" i="1" dirty="0">
               <a:solidFill>
                 <a:srgbClr val="666666"/>
               </a:solidFill>
@@ -8978,7 +8492,7 @@
               <a:buNone/>
             </a:pPr>
             <a:r>
-              <a:rPr lang="es" sz="1200" b="1" i="1">
+              <a:rPr lang="es" sz="1200" b="1" i="1" dirty="0">
                 <a:solidFill>
                   <a:srgbClr val="666666"/>
                 </a:solidFill>
@@ -8986,14 +8500,14 @@
               <a:t>Reseñas Steam:</a:t>
             </a:r>
             <a:r>
-              <a:rPr lang="es" sz="1200" i="1">
+              <a:rPr lang="es" sz="1200" i="1" dirty="0">
                 <a:solidFill>
                   <a:srgbClr val="666666"/>
                 </a:solidFill>
               </a:rPr>
-              <a:t> 96% (135k reseñas)</a:t>
-            </a:r>
-            <a:endParaRPr sz="1200" i="1">
+              <a:t> 7689</a:t>
+            </a:r>
+            <a:endParaRPr sz="1200" i="1" dirty="0">
               <a:solidFill>
                 <a:srgbClr val="666666"/>
               </a:solidFill>
@@ -9010,74 +8524,14 @@
               <a:buNone/>
             </a:pPr>
             <a:r>
-              <a:rPr lang="es" sz="1200" b="1" i="1">
+              <a:rPr lang="es" sz="1200" b="1" i="1" dirty="0">
                 <a:solidFill>
                   <a:srgbClr val="666666"/>
                 </a:solidFill>
               </a:rPr>
-              <a:t>Puntaje en Metacritic: </a:t>
-            </a:r>
-            <a:r>
-              <a:rPr lang="es" sz="1200" i="1">
-                <a:solidFill>
-                  <a:srgbClr val="666666"/>
-                </a:solidFill>
-              </a:rPr>
-              <a:t>85% </a:t>
-            </a:r>
-            <a:endParaRPr sz="1200" i="1">
-              <a:solidFill>
-                <a:srgbClr val="666666"/>
-              </a:solidFill>
-            </a:endParaRPr>
-          </a:p>
-        </p:txBody>
-      </p:sp>
-      <p:sp>
-        <p:nvSpPr>
-          <p:cNvPr id="138" name="Google Shape;138;p24"/>
-          <p:cNvSpPr/>
-          <p:nvPr/>
-        </p:nvSpPr>
-        <p:spPr>
-          <a:xfrm>
-            <a:off x="3163265" y="1553950"/>
-            <a:ext cx="2847300" cy="1782600"/>
-          </a:xfrm>
-          <a:prstGeom prst="rect">
-            <a:avLst/>
-          </a:prstGeom>
-          <a:solidFill>
-            <a:schemeClr val="lt2"/>
-          </a:solidFill>
-          <a:ln>
-            <a:noFill/>
-          </a:ln>
-        </p:spPr>
-        <p:txBody>
-          <a:bodyPr spcFirstLastPara="1" wrap="square" lIns="91425" tIns="91425" rIns="91425" bIns="91425" anchor="ctr" anchorCtr="0">
-            <a:noAutofit/>
-          </a:bodyPr>
-          <a:lstStyle/>
-          <a:p>
-            <a:pPr marL="0" lvl="0" indent="0" algn="ctr" rtl="0">
-              <a:spcBef>
-                <a:spcPts val="0"/>
-              </a:spcBef>
-              <a:spcAft>
-                <a:spcPts val="0"/>
-              </a:spcAft>
-              <a:buNone/>
-            </a:pPr>
-            <a:r>
-              <a:rPr lang="es" sz="2200" b="1">
-                <a:solidFill>
-                  <a:srgbClr val="666666"/>
-                </a:solidFill>
-              </a:rPr>
-              <a:t>Referencia visual del Juego</a:t>
-            </a:r>
-            <a:endParaRPr sz="2200" b="1">
+              <a:t>Puntaje en Metacritic: 4,3 </a:t>
+            </a:r>
+            <a:endParaRPr sz="1200" i="1" dirty="0">
               <a:solidFill>
                 <a:srgbClr val="666666"/>
               </a:solidFill>
@@ -9094,7 +8548,7 @@
         <p:spPr>
           <a:xfrm>
             <a:off x="3163265" y="3387075"/>
-            <a:ext cx="2847300" cy="1293000"/>
+            <a:ext cx="2847300" cy="1292631"/>
           </a:xfrm>
           <a:prstGeom prst="rect">
             <a:avLst/>
@@ -9120,7 +8574,7 @@
               <a:buNone/>
             </a:pPr>
             <a:r>
-              <a:rPr lang="es" sz="1200" b="1" i="1">
+              <a:rPr lang="es" sz="1200" b="1" i="1" dirty="0">
                 <a:solidFill>
                   <a:srgbClr val="666666"/>
                 </a:solidFill>
@@ -9128,14 +8582,16 @@
               <a:t>Fecha de Lanzamiento: </a:t>
             </a:r>
             <a:r>
-              <a:rPr lang="es" sz="1200" i="1">
-                <a:solidFill>
-                  <a:srgbClr val="666666"/>
-                </a:solidFill>
-              </a:rPr>
-              <a:t>01/01/1970</a:t>
-            </a:r>
-            <a:endParaRPr sz="1200" i="1">
+              <a:rPr lang="es-AR" sz="1200" b="0" i="0" dirty="0">
+                <a:solidFill>
+                  <a:srgbClr val="8F98A0"/>
+                </a:solidFill>
+                <a:effectLst/>
+                <a:latin typeface="Arial" panose="020B0604020202020204" pitchFamily="34" charset="0"/>
+              </a:rPr>
+              <a:t>24 ENE 2017</a:t>
+            </a:r>
+            <a:endParaRPr sz="1200" i="1" dirty="0">
               <a:solidFill>
                 <a:srgbClr val="666666"/>
               </a:solidFill>
@@ -9152,7 +8608,7 @@
               <a:buNone/>
             </a:pPr>
             <a:r>
-              <a:rPr lang="es" sz="1200" b="1" i="1">
+              <a:rPr lang="es" sz="1200" b="1" i="1" dirty="0">
                 <a:solidFill>
                   <a:srgbClr val="666666"/>
                 </a:solidFill>
@@ -9160,14 +8616,54 @@
               <a:t>Precio de Lanzamiento: </a:t>
             </a:r>
             <a:r>
-              <a:rPr lang="es" sz="1200" i="1">
+              <a:rPr lang="es-AR" sz="1200" b="0" i="0" dirty="0">
+                <a:solidFill>
+                  <a:schemeClr val="tx1">
+                    <a:lumMod val="95000"/>
+                    <a:lumOff val="5000"/>
+                  </a:schemeClr>
+                </a:solidFill>
+                <a:effectLst/>
+                <a:latin typeface="Motiva Sans"/>
+              </a:rPr>
+              <a:t>ARS$ 648,00</a:t>
+            </a:r>
+            <a:endParaRPr sz="1200" i="1" dirty="0">
+              <a:solidFill>
+                <a:schemeClr val="tx1">
+                  <a:lumMod val="95000"/>
+                  <a:lumOff val="5000"/>
+                </a:schemeClr>
+              </a:solidFill>
+            </a:endParaRPr>
+          </a:p>
+          <a:p>
+            <a:pPr marL="0" lvl="0" indent="0" algn="l" rtl="0">
+              <a:spcBef>
+                <a:spcPts val="0"/>
+              </a:spcBef>
+              <a:spcAft>
+                <a:spcPts val="0"/>
+              </a:spcAft>
+              <a:buNone/>
+            </a:pPr>
+            <a:r>
+              <a:rPr lang="es" sz="1200" b="1" i="1" dirty="0">
                 <a:solidFill>
                   <a:srgbClr val="666666"/>
                 </a:solidFill>
               </a:rPr>
-              <a:t>USD $ 99.99</a:t>
-            </a:r>
-            <a:endParaRPr sz="1200" i="1">
+              <a:t>Ventas:</a:t>
+            </a:r>
+            <a:r>
+              <a:rPr lang="es" sz="1200" i="1" dirty="0">
+                <a:solidFill>
+                  <a:srgbClr val="666666"/>
+                </a:solidFill>
+              </a:rPr>
+              <a:t> 48957</a:t>
+            </a:r>
+            <a:endParaRPr sz="1200" i="1" dirty="0">
               <a:solidFill>
                 <a:srgbClr val="666666"/>
               </a:solidFill>
@@ -9183,23 +8679,7 @@
               </a:spcAft>
               <a:buNone/>
             </a:pPr>
-            <a:r>
-              <a:rPr lang="es" sz="1200" b="1" i="1">
-                <a:solidFill>
-                  <a:srgbClr val="666666"/>
-                </a:solidFill>
-              </a:rPr>
-              <a:t>Ventas:</a:t>
-            </a:r>
-            <a:r>
-              <a:rPr lang="es" sz="1200" i="1">
-                <a:solidFill>
-                  <a:srgbClr val="666666"/>
-                </a:solidFill>
-              </a:rPr>
-              <a:t> Mas de 10.000 en Steam</a:t>
-            </a:r>
-            <a:endParaRPr sz="1200" i="1">
+            <a:endParaRPr sz="1200" i="1" dirty="0">
               <a:solidFill>
                 <a:srgbClr val="666666"/>
               </a:solidFill>
@@ -9215,7 +8695,23 @@
               </a:spcAft>
               <a:buNone/>
             </a:pPr>
-            <a:endParaRPr sz="1200" i="1">
+            <a:r>
+              <a:rPr lang="es" sz="1200" b="1" i="1" dirty="0">
+                <a:solidFill>
+                  <a:srgbClr val="666666"/>
+                </a:solidFill>
+              </a:rPr>
+              <a:t>Reseñas Steam:</a:t>
+            </a:r>
+            <a:r>
+              <a:rPr lang="es" sz="1200" i="1" dirty="0">
+                <a:solidFill>
+                  <a:srgbClr val="666666"/>
+                </a:solidFill>
+              </a:rPr>
+              <a:t> 70,000 res positivas</a:t>
+            </a:r>
+            <a:endParaRPr sz="1200" i="1" dirty="0">
               <a:solidFill>
                 <a:srgbClr val="666666"/>
               </a:solidFill>
@@ -9232,106 +8728,14 @@
               <a:buNone/>
             </a:pPr>
             <a:r>
-              <a:rPr lang="es" sz="1200" b="1" i="1">
+              <a:rPr lang="es" sz="1200" b="1" i="1" dirty="0">
                 <a:solidFill>
                   <a:srgbClr val="666666"/>
                 </a:solidFill>
               </a:rPr>
-              <a:t>Reseñas Steam:</a:t>
-            </a:r>
-            <a:r>
-              <a:rPr lang="es" sz="1200" i="1">
-                <a:solidFill>
-                  <a:srgbClr val="666666"/>
-                </a:solidFill>
-              </a:rPr>
-              <a:t> 96% (135k reseñas)</a:t>
-            </a:r>
-            <a:endParaRPr sz="1200" i="1">
-              <a:solidFill>
-                <a:srgbClr val="666666"/>
-              </a:solidFill>
-            </a:endParaRPr>
-          </a:p>
-          <a:p>
-            <a:pPr marL="0" lvl="0" indent="0" algn="l" rtl="0">
-              <a:spcBef>
-                <a:spcPts val="0"/>
-              </a:spcBef>
-              <a:spcAft>
-                <a:spcPts val="0"/>
-              </a:spcAft>
-              <a:buNone/>
-            </a:pPr>
-            <a:r>
-              <a:rPr lang="es" sz="1200" b="1" i="1">
-                <a:solidFill>
-                  <a:srgbClr val="666666"/>
-                </a:solidFill>
-              </a:rPr>
-              <a:t>Puntaje en Metacritic: </a:t>
-            </a:r>
-            <a:r>
-              <a:rPr lang="es" sz="1200" i="1">
-                <a:solidFill>
-                  <a:srgbClr val="666666"/>
-                </a:solidFill>
-              </a:rPr>
-              <a:t>85% </a:t>
-            </a:r>
-            <a:endParaRPr sz="1200" i="1">
-              <a:solidFill>
-                <a:srgbClr val="666666"/>
-              </a:solidFill>
-            </a:endParaRPr>
-          </a:p>
-        </p:txBody>
-      </p:sp>
-      <p:sp>
-        <p:nvSpPr>
-          <p:cNvPr id="140" name="Google Shape;140;p24"/>
-          <p:cNvSpPr/>
-          <p:nvPr/>
-        </p:nvSpPr>
-        <p:spPr>
-          <a:xfrm>
-            <a:off x="6137955" y="1553950"/>
-            <a:ext cx="2847300" cy="1782600"/>
-          </a:xfrm>
-          <a:prstGeom prst="rect">
-            <a:avLst/>
-          </a:prstGeom>
-          <a:solidFill>
-            <a:schemeClr val="lt2"/>
-          </a:solidFill>
-          <a:ln>
-            <a:noFill/>
-          </a:ln>
-        </p:spPr>
-        <p:txBody>
-          <a:bodyPr spcFirstLastPara="1" wrap="square" lIns="91425" tIns="91425" rIns="91425" bIns="91425" anchor="ctr" anchorCtr="0">
-            <a:noAutofit/>
-          </a:bodyPr>
-          <a:lstStyle/>
-          <a:p>
-            <a:pPr marL="0" lvl="0" indent="0" algn="ctr" rtl="0">
-              <a:spcBef>
-                <a:spcPts val="0"/>
-              </a:spcBef>
-              <a:spcAft>
-                <a:spcPts val="0"/>
-              </a:spcAft>
-              <a:buNone/>
-            </a:pPr>
-            <a:r>
-              <a:rPr lang="es" sz="2200" b="1">
-                <a:solidFill>
-                  <a:srgbClr val="666666"/>
-                </a:solidFill>
-              </a:rPr>
-              <a:t>Referencia visual del Juego</a:t>
-            </a:r>
-            <a:endParaRPr sz="2200" b="1">
+              <a:t>Puntaje en Metacritic: 8,1</a:t>
+            </a:r>
+            <a:endParaRPr sz="1200" i="1" dirty="0">
               <a:solidFill>
                 <a:srgbClr val="666666"/>
               </a:solidFill>
@@ -9348,7 +8752,7 @@
         <p:spPr>
           <a:xfrm>
             <a:off x="6137955" y="3387075"/>
-            <a:ext cx="2847300" cy="1293000"/>
+            <a:ext cx="2847300" cy="1292631"/>
           </a:xfrm>
           <a:prstGeom prst="rect">
             <a:avLst/>
@@ -9374,7 +8778,7 @@
               <a:buNone/>
             </a:pPr>
             <a:r>
-              <a:rPr lang="es" sz="1200" b="1" i="1">
+              <a:rPr lang="es" sz="1200" b="1" i="1" dirty="0">
                 <a:solidFill>
                   <a:srgbClr val="666666"/>
                 </a:solidFill>
@@ -9382,14 +8786,14 @@
               <a:t>Fecha de Lanzamiento: </a:t>
             </a:r>
             <a:r>
-              <a:rPr lang="es" sz="1200" i="1">
+              <a:rPr lang="es" sz="1200" i="1" dirty="0">
                 <a:solidFill>
                   <a:srgbClr val="666666"/>
                 </a:solidFill>
               </a:rPr>
-              <a:t>01/01/1970</a:t>
-            </a:r>
-            <a:endParaRPr sz="1200" i="1">
+              <a:t>07/07/2022</a:t>
+            </a:r>
+            <a:endParaRPr sz="1200" i="1" dirty="0">
               <a:solidFill>
                 <a:srgbClr val="666666"/>
               </a:solidFill>
@@ -9406,7 +8810,7 @@
               <a:buNone/>
             </a:pPr>
             <a:r>
-              <a:rPr lang="es" sz="1200" b="1" i="1">
+              <a:rPr lang="es" sz="1200" b="1" i="1" dirty="0">
                 <a:solidFill>
                   <a:srgbClr val="666666"/>
                 </a:solidFill>
@@ -9414,14 +8818,54 @@
               <a:t>Precio de Lanzamiento: </a:t>
             </a:r>
             <a:r>
-              <a:rPr lang="es" sz="1200" i="1">
+              <a:rPr lang="es-AR" sz="1100" b="0" i="0" dirty="0">
+                <a:solidFill>
+                  <a:schemeClr val="tx1">
+                    <a:lumMod val="95000"/>
+                    <a:lumOff val="5000"/>
+                  </a:schemeClr>
+                </a:solidFill>
+                <a:effectLst/>
+                <a:latin typeface="Motiva Sans"/>
+              </a:rPr>
+              <a:t>ARS$ 899,99</a:t>
+            </a:r>
+            <a:endParaRPr sz="1100" i="1" dirty="0">
+              <a:solidFill>
+                <a:schemeClr val="tx1">
+                  <a:lumMod val="95000"/>
+                  <a:lumOff val="5000"/>
+                </a:schemeClr>
+              </a:solidFill>
+            </a:endParaRPr>
+          </a:p>
+          <a:p>
+            <a:pPr marL="0" lvl="0" indent="0" algn="l" rtl="0">
+              <a:spcBef>
+                <a:spcPts val="0"/>
+              </a:spcBef>
+              <a:spcAft>
+                <a:spcPts val="0"/>
+              </a:spcAft>
+              <a:buNone/>
+            </a:pPr>
+            <a:r>
+              <a:rPr lang="es" sz="1200" b="1" i="1" dirty="0">
                 <a:solidFill>
                   <a:srgbClr val="666666"/>
                 </a:solidFill>
               </a:rPr>
-              <a:t>USD $ 99.99</a:t>
-            </a:r>
-            <a:endParaRPr sz="1200" i="1">
+              <a:t>Ventas:</a:t>
+            </a:r>
+            <a:r>
+              <a:rPr lang="es" sz="1200" i="1" dirty="0">
+                <a:solidFill>
+                  <a:srgbClr val="666666"/>
+                </a:solidFill>
+              </a:rPr>
+              <a:t> 1692</a:t>
+            </a:r>
+            <a:endParaRPr sz="1200" i="1" dirty="0">
               <a:solidFill>
                 <a:srgbClr val="666666"/>
               </a:solidFill>
@@ -9437,23 +8881,7 @@
               </a:spcAft>
               <a:buNone/>
             </a:pPr>
-            <a:r>
-              <a:rPr lang="es" sz="1200" b="1" i="1">
-                <a:solidFill>
-                  <a:srgbClr val="666666"/>
-                </a:solidFill>
-              </a:rPr>
-              <a:t>Ventas:</a:t>
-            </a:r>
-            <a:r>
-              <a:rPr lang="es" sz="1200" i="1">
-                <a:solidFill>
-                  <a:srgbClr val="666666"/>
-                </a:solidFill>
-              </a:rPr>
-              <a:t> Mas de 10.000 en Steam</a:t>
-            </a:r>
-            <a:endParaRPr sz="1200" i="1">
+            <a:endParaRPr sz="1200" i="1" dirty="0">
               <a:solidFill>
                 <a:srgbClr val="666666"/>
               </a:solidFill>
@@ -9469,7 +8897,23 @@
               </a:spcAft>
               <a:buNone/>
             </a:pPr>
-            <a:endParaRPr sz="1200" i="1">
+            <a:r>
+              <a:rPr lang="es" sz="1200" b="1" i="1" dirty="0">
+                <a:solidFill>
+                  <a:srgbClr val="666666"/>
+                </a:solidFill>
+              </a:rPr>
+              <a:t>Reseñas Steam:</a:t>
+            </a:r>
+            <a:r>
+              <a:rPr lang="es" sz="1200" i="1" dirty="0">
+                <a:solidFill>
+                  <a:srgbClr val="666666"/>
+                </a:solidFill>
+              </a:rPr>
+              <a:t> 1708 res+</a:t>
+            </a:r>
+            <a:endParaRPr sz="1200" i="1" dirty="0">
               <a:solidFill>
                 <a:srgbClr val="666666"/>
               </a:solidFill>
@@ -9486,61 +8930,162 @@
               <a:buNone/>
             </a:pPr>
             <a:r>
-              <a:rPr lang="es" sz="1200" b="1" i="1">
+              <a:rPr lang="es" sz="1200" b="1" i="1" dirty="0">
                 <a:solidFill>
                   <a:srgbClr val="666666"/>
                 </a:solidFill>
               </a:rPr>
-              <a:t>Reseñas Steam:</a:t>
-            </a:r>
-            <a:r>
-              <a:rPr lang="es" sz="1200" i="1">
-                <a:solidFill>
-                  <a:srgbClr val="666666"/>
-                </a:solidFill>
-              </a:rPr>
-              <a:t> 96% (135k reseñas)</a:t>
-            </a:r>
-            <a:endParaRPr sz="1200" i="1">
+              <a:t>Puntaje en Metacritic: </a:t>
+            </a:r>
+            <a:endParaRPr sz="1200" i="1" dirty="0">
               <a:solidFill>
                 <a:srgbClr val="666666"/>
               </a:solidFill>
             </a:endParaRPr>
           </a:p>
-          <a:p>
-            <a:pPr marL="0" lvl="0" indent="0" algn="l" rtl="0">
-              <a:spcBef>
-                <a:spcPts val="0"/>
-              </a:spcBef>
-              <a:spcAft>
-                <a:spcPts val="0"/>
-              </a:spcAft>
-              <a:buNone/>
-            </a:pPr>
-            <a:r>
-              <a:rPr lang="es" sz="1200" b="1" i="1">
-                <a:solidFill>
-                  <a:srgbClr val="666666"/>
-                </a:solidFill>
-              </a:rPr>
-              <a:t>Puntaje en Metacritic: </a:t>
-            </a:r>
-            <a:r>
-              <a:rPr lang="es" sz="1200" i="1">
-                <a:solidFill>
-                  <a:srgbClr val="666666"/>
-                </a:solidFill>
-              </a:rPr>
-              <a:t>85% </a:t>
-            </a:r>
-            <a:endParaRPr sz="1200" i="1">
-              <a:solidFill>
-                <a:srgbClr val="666666"/>
-              </a:solidFill>
-            </a:endParaRPr>
-          </a:p>
         </p:txBody>
       </p:sp>
+      <p:pic>
+        <p:nvPicPr>
+          <p:cNvPr id="1026" name="Picture 2" descr="Visage (video game) - Wikipedia">
+            <a:extLst>
+              <a:ext uri="{FF2B5EF4-FFF2-40B4-BE49-F238E27FC236}">
+                <a16:creationId xmlns:a16="http://schemas.microsoft.com/office/drawing/2014/main" id="{0C160815-9DE0-CB10-C263-85DAC96423BA}"/>
+              </a:ext>
+            </a:extLst>
+          </p:cNvPr>
+          <p:cNvPicPr>
+            <a:picLocks noChangeAspect="1" noChangeArrowheads="1"/>
+          </p:cNvPicPr>
+          <p:nvPr/>
+        </p:nvPicPr>
+        <p:blipFill>
+          <a:blip r:embed="rId5">
+            <a:extLst>
+              <a:ext uri="{28A0092B-C50C-407E-A947-70E740481C1C}">
+                <a14:useLocalDpi xmlns:a14="http://schemas.microsoft.com/office/drawing/2010/main" val="0"/>
+              </a:ext>
+            </a:extLst>
+          </a:blip>
+          <a:srcRect/>
+          <a:stretch>
+            <a:fillRect/>
+          </a:stretch>
+        </p:blipFill>
+        <p:spPr bwMode="auto">
+          <a:xfrm>
+            <a:off x="170740" y="1553950"/>
+            <a:ext cx="2847975" cy="1600200"/>
+          </a:xfrm>
+          <a:prstGeom prst="rect">
+            <a:avLst/>
+          </a:prstGeom>
+          <a:noFill/>
+          <a:extLst>
+            <a:ext uri="{909E8E84-426E-40DD-AFC4-6F175D3DCCD1}">
+              <a14:hiddenFill xmlns:a14="http://schemas.microsoft.com/office/drawing/2010/main">
+                <a:solidFill>
+                  <a:srgbClr val="FFFFFF"/>
+                </a:solidFill>
+              </a14:hiddenFill>
+            </a:ext>
+          </a:extLst>
+        </p:spPr>
+      </p:pic>
+      <p:pic>
+        <p:nvPicPr>
+          <p:cNvPr id="1028" name="Picture 4" descr="Resident Evil 7: Biohazard - Juegos de PS4 | PlayStation (Argentina)">
+            <a:extLst>
+              <a:ext uri="{FF2B5EF4-FFF2-40B4-BE49-F238E27FC236}">
+                <a16:creationId xmlns:a16="http://schemas.microsoft.com/office/drawing/2014/main" id="{ACEBECE5-7FAB-EDFE-873A-4CB3BA69AD60}"/>
+              </a:ext>
+            </a:extLst>
+          </p:cNvPr>
+          <p:cNvPicPr>
+            <a:picLocks noChangeAspect="1" noChangeArrowheads="1"/>
+          </p:cNvPicPr>
+          <p:nvPr/>
+        </p:nvPicPr>
+        <p:blipFill>
+          <a:blip r:embed="rId6">
+            <a:extLst>
+              <a:ext uri="{28A0092B-C50C-407E-A947-70E740481C1C}">
+                <a14:useLocalDpi xmlns:a14="http://schemas.microsoft.com/office/drawing/2010/main" val="0"/>
+              </a:ext>
+            </a:extLst>
+          </a:blip>
+          <a:srcRect/>
+          <a:stretch>
+            <a:fillRect/>
+          </a:stretch>
+        </p:blipFill>
+        <p:spPr bwMode="auto">
+          <a:xfrm>
+            <a:off x="3515352" y="1087775"/>
+            <a:ext cx="2143125" cy="2143125"/>
+          </a:xfrm>
+          <a:prstGeom prst="rect">
+            <a:avLst/>
+          </a:prstGeom>
+          <a:noFill/>
+          <a:extLst>
+            <a:ext uri="{909E8E84-426E-40DD-AFC4-6F175D3DCCD1}">
+              <a14:hiddenFill xmlns:a14="http://schemas.microsoft.com/office/drawing/2010/main">
+                <a:solidFill>
+                  <a:srgbClr val="FFFFFF"/>
+                </a:solidFill>
+              </a14:hiddenFill>
+            </a:ext>
+          </a:extLst>
+        </p:spPr>
+      </p:pic>
+      <p:pic>
+        <p:nvPicPr>
+          <p:cNvPr id="1030" name="Picture 6" descr="MADiSON: cómo abrir todos los cerrojos y cajas fuertes | Hobby Consolas">
+            <a:extLst>
+              <a:ext uri="{FF2B5EF4-FFF2-40B4-BE49-F238E27FC236}">
+                <a16:creationId xmlns:a16="http://schemas.microsoft.com/office/drawing/2014/main" id="{CB6F4A13-D5FC-0610-ED78-E5D2EDD6BC38}"/>
+              </a:ext>
+            </a:extLst>
+          </p:cNvPr>
+          <p:cNvPicPr>
+            <a:picLocks noChangeAspect="1" noChangeArrowheads="1"/>
+          </p:cNvPicPr>
+          <p:nvPr/>
+        </p:nvPicPr>
+        <p:blipFill>
+          <a:blip r:embed="rId7">
+            <a:extLst>
+              <a:ext uri="{28A0092B-C50C-407E-A947-70E740481C1C}">
+                <a14:useLocalDpi xmlns:a14="http://schemas.microsoft.com/office/drawing/2010/main" val="0"/>
+              </a:ext>
+            </a:extLst>
+          </a:blip>
+          <a:srcRect/>
+          <a:stretch>
+            <a:fillRect/>
+          </a:stretch>
+        </p:blipFill>
+        <p:spPr bwMode="auto">
+          <a:xfrm>
+            <a:off x="6115760" y="1553950"/>
+            <a:ext cx="2857500" cy="1600200"/>
+          </a:xfrm>
+          <a:prstGeom prst="rect">
+            <a:avLst/>
+          </a:prstGeom>
+          <a:noFill/>
+          <a:extLst>
+            <a:ext uri="{909E8E84-426E-40DD-AFC4-6F175D3DCCD1}">
+              <a14:hiddenFill xmlns:a14="http://schemas.microsoft.com/office/drawing/2010/main">
+                <a:solidFill>
+                  <a:srgbClr val="FFFFFF"/>
+                </a:solidFill>
+              </a14:hiddenFill>
+            </a:ext>
+          </a:extLst>
+        </p:spPr>
+      </p:pic>
     </p:spTree>
   </p:cSld>
   <p:clrMapOvr>
@@ -9549,7 +9094,7 @@
 </p:sld>
 </file>
 
-<file path=ppt/slides/slide14.xml><?xml version="1.0" encoding="utf-8"?>
+<file path=ppt/slides/slide13.xml><?xml version="1.0" encoding="utf-8"?>
 <p:sld xmlns:a="http://schemas.openxmlformats.org/drawingml/2006/main" xmlns:r="http://schemas.openxmlformats.org/officeDocument/2006/relationships" xmlns:p="http://schemas.openxmlformats.org/presentationml/2006/main">
   <p:cSld>
     <p:spTree>
@@ -10393,7 +9938,7 @@
 </p:sld>
 </file>
 
-<file path=ppt/slides/slide15.xml><?xml version="1.0" encoding="utf-8"?>
+<file path=ppt/slides/slide14.xml><?xml version="1.0" encoding="utf-8"?>
 <p:sld xmlns:a="http://schemas.openxmlformats.org/drawingml/2006/main" xmlns:r="http://schemas.openxmlformats.org/officeDocument/2006/relationships" xmlns:p="http://schemas.openxmlformats.org/presentationml/2006/main">
   <p:cSld>
     <p:spTree>
@@ -10471,7 +10016,7 @@
         </p:nvSpPr>
         <p:spPr>
           <a:xfrm>
-            <a:off x="4577500" y="0"/>
+            <a:off x="4530437" y="0"/>
             <a:ext cx="4572000" cy="5143500"/>
           </a:xfrm>
           <a:prstGeom prst="rect">
@@ -10497,15 +10042,7 @@
               </a:spcAft>
               <a:buNone/>
             </a:pPr>
-            <a:r>
-              <a:rPr lang="es" sz="5000">
-                <a:solidFill>
-                  <a:schemeClr val="dk2"/>
-                </a:solidFill>
-              </a:rPr>
-              <a:t>Equipo</a:t>
-            </a:r>
-            <a:endParaRPr sz="5000">
+            <a:endParaRPr sz="5000" dirty="0">
               <a:solidFill>
                 <a:schemeClr val="dk2"/>
               </a:solidFill>
@@ -10542,163 +10079,291 @@
           </a:prstGeom>
         </p:spPr>
       </p:pic>
-    </p:spTree>
-  </p:cSld>
-  <p:clrMapOvr>
-    <a:masterClrMapping/>
-  </p:clrMapOvr>
-</p:sld>
-</file>
-
-<file path=ppt/slides/slide16.xml><?xml version="1.0" encoding="utf-8"?>
-<p:sld xmlns:a="http://schemas.openxmlformats.org/drawingml/2006/main" xmlns:r="http://schemas.openxmlformats.org/officeDocument/2006/relationships" xmlns:p="http://schemas.openxmlformats.org/presentationml/2006/main">
-  <p:cSld>
-    <p:spTree>
-      <p:nvGrpSpPr>
-        <p:cNvPr id="1" name="Shape 178"/>
-        <p:cNvGrpSpPr/>
-        <p:nvPr/>
-      </p:nvGrpSpPr>
-      <p:grpSpPr>
-        <a:xfrm>
-          <a:off x="0" y="0"/>
-          <a:ext cx="0" cy="0"/>
-          <a:chOff x="0" y="0"/>
-          <a:chExt cx="0" cy="0"/>
-        </a:xfrm>
-      </p:grpSpPr>
       <p:sp>
         <p:nvSpPr>
-          <p:cNvPr id="179" name="Google Shape;179;p28"/>
+          <p:cNvPr id="3" name="CuadroTexto 2">
+            <a:extLst>
+              <a:ext uri="{FF2B5EF4-FFF2-40B4-BE49-F238E27FC236}">
+                <a16:creationId xmlns:a16="http://schemas.microsoft.com/office/drawing/2014/main" id="{E5A0F418-A86C-3545-B2E5-9B05497BCECD}"/>
+              </a:ext>
+            </a:extLst>
+          </p:cNvPr>
           <p:cNvSpPr txBox="1"/>
           <p:nvPr/>
         </p:nvSpPr>
         <p:spPr>
           <a:xfrm>
-            <a:off x="268850" y="672125"/>
-            <a:ext cx="8730600" cy="615600"/>
+            <a:off x="3871356" y="850385"/>
+            <a:ext cx="5189517" cy="738664"/>
           </a:xfrm>
           <a:prstGeom prst="rect">
             <a:avLst/>
           </a:prstGeom>
           <a:noFill/>
-          <a:ln>
-            <a:noFill/>
-          </a:ln>
         </p:spPr>
         <p:txBody>
-          <a:bodyPr spcFirstLastPara="1" wrap="square" lIns="91425" tIns="91425" rIns="91425" bIns="91425" anchor="t" anchorCtr="0">
+          <a:bodyPr wrap="square" rtlCol="0">
             <a:spAutoFit/>
           </a:bodyPr>
           <a:lstStyle/>
           <a:p>
-            <a:pPr marL="0" lvl="0" indent="0" algn="l" rtl="0">
-              <a:spcBef>
-                <a:spcPts val="0"/>
-              </a:spcBef>
-              <a:spcAft>
-                <a:spcPts val="0"/>
-              </a:spcAft>
-              <a:buNone/>
-            </a:pPr>
-            <a:r>
-              <a:rPr lang="es" i="1">
-                <a:solidFill>
-                  <a:srgbClr val="666666"/>
-                </a:solidFill>
-              </a:rPr>
-              <a:t>Miembros clave del equipo de desarrollo y rol de cada uno de ellos.</a:t>
-            </a:r>
-            <a:endParaRPr i="1">
-              <a:solidFill>
-                <a:srgbClr val="666666"/>
-              </a:solidFill>
-            </a:endParaRPr>
-          </a:p>
-          <a:p>
-            <a:pPr marL="0" lvl="0" indent="0" algn="l" rtl="0">
-              <a:spcBef>
-                <a:spcPts val="0"/>
-              </a:spcBef>
-              <a:spcAft>
-                <a:spcPts val="0"/>
-              </a:spcAft>
-              <a:buNone/>
-            </a:pPr>
-            <a:r>
-              <a:rPr lang="es" i="1">
-                <a:solidFill>
-                  <a:srgbClr val="666666"/>
-                </a:solidFill>
-              </a:rPr>
-              <a:t>Puede colocarse una breve descripción o referencias a su pasado laboral. Incluso vínculos a Linkedin </a:t>
-            </a:r>
-            <a:endParaRPr i="1">
-              <a:solidFill>
-                <a:srgbClr val="666666"/>
-              </a:solidFill>
-            </a:endParaRPr>
+            <a:r>
+              <a:rPr lang="es-AR" dirty="0">
+                <a:effectLst/>
+                <a:latin typeface="Arial" panose="020B0604020202020204" pitchFamily="34" charset="0"/>
+                <a:ea typeface="Arial" panose="020B0604020202020204" pitchFamily="34" charset="0"/>
+                <a:cs typeface="Times New Roman" panose="02020603050405020304" pitchFamily="18" charset="0"/>
+              </a:rPr>
+              <a:t>Camila María </a:t>
+            </a:r>
+            <a:r>
+              <a:rPr lang="es-AR" dirty="0" err="1">
+                <a:effectLst/>
+                <a:latin typeface="Arial" panose="020B0604020202020204" pitchFamily="34" charset="0"/>
+                <a:ea typeface="Arial" panose="020B0604020202020204" pitchFamily="34" charset="0"/>
+                <a:cs typeface="Times New Roman" panose="02020603050405020304" pitchFamily="18" charset="0"/>
+              </a:rPr>
+              <a:t>Gonella</a:t>
+            </a:r>
+            <a:r>
+              <a:rPr lang="es-AR" dirty="0">
+                <a:effectLst/>
+                <a:latin typeface="Arial" panose="020B0604020202020204" pitchFamily="34" charset="0"/>
+                <a:ea typeface="Arial" panose="020B0604020202020204" pitchFamily="34" charset="0"/>
+                <a:cs typeface="Times New Roman" panose="02020603050405020304" pitchFamily="18" charset="0"/>
+              </a:rPr>
+              <a:t> del carril</a:t>
+            </a:r>
+            <a:r>
+              <a:rPr lang="es-AR" dirty="0">
+                <a:latin typeface="Calibri" panose="020F0502020204030204" pitchFamily="34" charset="0"/>
+                <a:ea typeface="Arial" panose="020B0604020202020204" pitchFamily="34" charset="0"/>
+                <a:cs typeface="Times New Roman" panose="02020603050405020304" pitchFamily="18" charset="0"/>
+              </a:rPr>
+              <a:t> </a:t>
+            </a:r>
+            <a:r>
+              <a:rPr lang="es-AR" dirty="0"/>
+              <a:t>: Programación/Diseño de nivel./arte 3d</a:t>
+            </a:r>
+          </a:p>
+          <a:p>
+            <a:endParaRPr lang="es-AR" dirty="0"/>
           </a:p>
         </p:txBody>
       </p:sp>
       <p:sp>
         <p:nvSpPr>
-          <p:cNvPr id="180" name="Google Shape;180;p28"/>
-          <p:cNvSpPr/>
+          <p:cNvPr id="4" name="CuadroTexto 3">
+            <a:extLst>
+              <a:ext uri="{FF2B5EF4-FFF2-40B4-BE49-F238E27FC236}">
+                <a16:creationId xmlns:a16="http://schemas.microsoft.com/office/drawing/2014/main" id="{87DC3E13-76D9-FE51-121F-8D5E871A051A}"/>
+              </a:ext>
+            </a:extLst>
+          </p:cNvPr>
+          <p:cNvSpPr txBox="1"/>
           <p:nvPr/>
         </p:nvSpPr>
         <p:spPr>
           <a:xfrm>
-            <a:off x="0" y="0"/>
-            <a:ext cx="9144000" cy="5143500"/>
+            <a:off x="3871356" y="1896825"/>
+            <a:ext cx="5272644" cy="523220"/>
           </a:xfrm>
           <a:prstGeom prst="rect">
             <a:avLst/>
           </a:prstGeom>
-          <a:ln/>
-        </p:spPr>
-        <p:style>
-          <a:lnRef idx="1">
-            <a:schemeClr val="accent1"/>
-          </a:lnRef>
-          <a:fillRef idx="2">
-            <a:schemeClr val="accent1"/>
-          </a:fillRef>
-          <a:effectRef idx="1">
-            <a:schemeClr val="accent1"/>
-          </a:effectRef>
-          <a:fontRef idx="minor">
-            <a:schemeClr val="dk1"/>
-          </a:fontRef>
-        </p:style>
+          <a:noFill/>
+        </p:spPr>
         <p:txBody>
-          <a:bodyPr spcFirstLastPara="1" wrap="square" lIns="91425" tIns="91425" rIns="91425" bIns="91425" anchor="t" anchorCtr="0">
-            <a:noAutofit/>
+          <a:bodyPr wrap="square" rtlCol="0">
+            <a:spAutoFit/>
           </a:bodyPr>
           <a:lstStyle/>
           <a:p>
-            <a:pPr marL="0" lvl="0" indent="0" algn="l" rtl="0">
-              <a:spcBef>
-                <a:spcPts val="0"/>
-              </a:spcBef>
-              <a:spcAft>
-                <a:spcPts val="0"/>
-              </a:spcAft>
-              <a:buNone/>
-            </a:pPr>
-            <a:r>
-              <a:rPr lang="es" sz="2200" b="1">
-                <a:solidFill>
-                  <a:srgbClr val="666666"/>
-                </a:solidFill>
-              </a:rPr>
-              <a:t>EQUIPO</a:t>
-            </a:r>
-            <a:endParaRPr sz="2200" b="1">
-              <a:solidFill>
-                <a:srgbClr val="666666"/>
-              </a:solidFill>
-            </a:endParaRPr>
+            <a:r>
+              <a:rPr lang="es-AR" dirty="0">
+                <a:effectLst/>
+                <a:latin typeface="Arial" panose="020B0604020202020204" pitchFamily="34" charset="0"/>
+                <a:ea typeface="Arial" panose="020B0604020202020204" pitchFamily="34" charset="0"/>
+                <a:cs typeface="Times New Roman" panose="02020603050405020304" pitchFamily="18" charset="0"/>
+              </a:rPr>
+              <a:t>Ariel Hernán Moyano Fontana</a:t>
+            </a:r>
+            <a:r>
+              <a:rPr lang="es-AR" dirty="0"/>
+              <a:t>: Arte 3d /Texturas/</a:t>
+            </a:r>
+            <a:r>
+              <a:rPr lang="es-AR" dirty="0" err="1"/>
+              <a:t>Game</a:t>
+            </a:r>
+            <a:r>
+              <a:rPr lang="es-AR" dirty="0"/>
+              <a:t> </a:t>
+            </a:r>
+            <a:r>
+              <a:rPr lang="es-AR" dirty="0" err="1"/>
+              <a:t>Testing</a:t>
+            </a:r>
+            <a:r>
+              <a:rPr lang="es-AR" dirty="0"/>
+              <a:t>.</a:t>
+            </a:r>
+          </a:p>
+          <a:p>
+            <a:endParaRPr lang="es-AR" dirty="0"/>
+          </a:p>
+        </p:txBody>
+      </p:sp>
+      <p:sp>
+        <p:nvSpPr>
+          <p:cNvPr id="5" name="CuadroTexto 4">
+            <a:extLst>
+              <a:ext uri="{FF2B5EF4-FFF2-40B4-BE49-F238E27FC236}">
+                <a16:creationId xmlns:a16="http://schemas.microsoft.com/office/drawing/2014/main" id="{C79A6A5C-F279-2B2F-38C2-C0C93935F158}"/>
+              </a:ext>
+            </a:extLst>
+          </p:cNvPr>
+          <p:cNvSpPr txBox="1"/>
+          <p:nvPr/>
+        </p:nvSpPr>
+        <p:spPr>
+          <a:xfrm>
+            <a:off x="3871356" y="1373605"/>
+            <a:ext cx="4500748" cy="523220"/>
+          </a:xfrm>
+          <a:prstGeom prst="rect">
+            <a:avLst/>
+          </a:prstGeom>
+          <a:noFill/>
+        </p:spPr>
+        <p:txBody>
+          <a:bodyPr wrap="square" rtlCol="0">
+            <a:spAutoFit/>
+          </a:bodyPr>
+          <a:lstStyle/>
+          <a:p>
+            <a:r>
+              <a:rPr lang="es-AR" dirty="0"/>
+              <a:t>Emi </a:t>
+            </a:r>
+            <a:r>
+              <a:rPr lang="es-AR" dirty="0" err="1"/>
+              <a:t>Casarino</a:t>
+            </a:r>
+            <a:r>
+              <a:rPr lang="es-AR" dirty="0"/>
+              <a:t>: Programación/Diseño de nivel/Arte 3d.</a:t>
+            </a:r>
+          </a:p>
+          <a:p>
+            <a:endParaRPr lang="es-AR" dirty="0"/>
+          </a:p>
+        </p:txBody>
+      </p:sp>
+      <p:sp>
+        <p:nvSpPr>
+          <p:cNvPr id="6" name="CuadroTexto 5">
+            <a:extLst>
+              <a:ext uri="{FF2B5EF4-FFF2-40B4-BE49-F238E27FC236}">
+                <a16:creationId xmlns:a16="http://schemas.microsoft.com/office/drawing/2014/main" id="{3AE243B2-E580-54A3-673B-C6B6A1B22718}"/>
+              </a:ext>
+            </a:extLst>
+          </p:cNvPr>
+          <p:cNvSpPr txBox="1"/>
+          <p:nvPr/>
+        </p:nvSpPr>
+        <p:spPr>
+          <a:xfrm>
+            <a:off x="3871356" y="2473722"/>
+            <a:ext cx="5272644" cy="523220"/>
+          </a:xfrm>
+          <a:prstGeom prst="rect">
+            <a:avLst/>
+          </a:prstGeom>
+          <a:noFill/>
+        </p:spPr>
+        <p:txBody>
+          <a:bodyPr wrap="square" rtlCol="0">
+            <a:spAutoFit/>
+          </a:bodyPr>
+          <a:lstStyle/>
+          <a:p>
+            <a:r>
+              <a:rPr lang="es-AR" dirty="0">
+                <a:latin typeface="Arial" panose="020B0604020202020204" pitchFamily="34" charset="0"/>
+                <a:cs typeface="Times New Roman" panose="02020603050405020304" pitchFamily="18" charset="0"/>
+              </a:rPr>
+              <a:t>Tobías Calderón</a:t>
+            </a:r>
+            <a:r>
+              <a:rPr lang="es-AR" dirty="0"/>
+              <a:t>: Arte 3d /Texturas/</a:t>
+            </a:r>
+            <a:r>
+              <a:rPr lang="es-AR" dirty="0" err="1"/>
+              <a:t>Game</a:t>
+            </a:r>
+            <a:r>
+              <a:rPr lang="es-AR" dirty="0"/>
+              <a:t> </a:t>
+            </a:r>
+            <a:r>
+              <a:rPr lang="es-AR" dirty="0" err="1"/>
+              <a:t>Testing</a:t>
+            </a:r>
+            <a:r>
+              <a:rPr lang="es-AR" dirty="0"/>
+              <a:t>/UI/Arte 2d.</a:t>
+            </a:r>
+          </a:p>
+          <a:p>
+            <a:endParaRPr lang="es-AR" dirty="0"/>
+          </a:p>
+        </p:txBody>
+      </p:sp>
+      <p:sp>
+        <p:nvSpPr>
+          <p:cNvPr id="7" name="CuadroTexto 6">
+            <a:extLst>
+              <a:ext uri="{FF2B5EF4-FFF2-40B4-BE49-F238E27FC236}">
+                <a16:creationId xmlns:a16="http://schemas.microsoft.com/office/drawing/2014/main" id="{0D2EBEFB-5A53-A0C7-AA55-5DC0866DC8A2}"/>
+              </a:ext>
+            </a:extLst>
+          </p:cNvPr>
+          <p:cNvSpPr txBox="1"/>
+          <p:nvPr/>
+        </p:nvSpPr>
+        <p:spPr>
+          <a:xfrm>
+            <a:off x="3928658" y="3008820"/>
+            <a:ext cx="5272644" cy="523220"/>
+          </a:xfrm>
+          <a:prstGeom prst="rect">
+            <a:avLst/>
+          </a:prstGeom>
+          <a:noFill/>
+        </p:spPr>
+        <p:txBody>
+          <a:bodyPr wrap="square" rtlCol="0">
+            <a:spAutoFit/>
+          </a:bodyPr>
+          <a:lstStyle/>
+          <a:p>
+            <a:r>
+              <a:rPr lang="es-AR" dirty="0">
+                <a:latin typeface="Arial" panose="020B0604020202020204" pitchFamily="34" charset="0"/>
+                <a:cs typeface="Times New Roman" panose="02020603050405020304" pitchFamily="18" charset="0"/>
+              </a:rPr>
+              <a:t>Mariano j A Zulueta</a:t>
+            </a:r>
+            <a:r>
+              <a:rPr lang="es-AR" dirty="0"/>
+              <a:t>: Arte 3d /Texturas/Arte 2d/Animaciones.</a:t>
+            </a:r>
+          </a:p>
+          <a:p>
+            <a:endParaRPr lang="es-AR" dirty="0"/>
           </a:p>
         </p:txBody>
       </p:sp>
@@ -10710,7 +10375,7 @@
 </p:sld>
 </file>
 
-<file path=ppt/slides/slide17.xml><?xml version="1.0" encoding="utf-8"?>
+<file path=ppt/slides/slide15.xml><?xml version="1.0" encoding="utf-8"?>
 <p:sld xmlns:a="http://schemas.openxmlformats.org/drawingml/2006/main" xmlns:r="http://schemas.openxmlformats.org/officeDocument/2006/relationships" xmlns:p="http://schemas.openxmlformats.org/presentationml/2006/main">
   <p:cSld>
     <p:spTree>
@@ -10838,6 +10503,142 @@
           </a:p>
         </p:txBody>
       </p:sp>
+      <p:pic>
+        <p:nvPicPr>
+          <p:cNvPr id="2" name="Imagen 1">
+            <a:extLst>
+              <a:ext uri="{FF2B5EF4-FFF2-40B4-BE49-F238E27FC236}">
+                <a16:creationId xmlns:a16="http://schemas.microsoft.com/office/drawing/2014/main" id="{86A2E63B-720F-202A-9AC1-404D042FCEC4}"/>
+              </a:ext>
+            </a:extLst>
+          </p:cNvPr>
+          <p:cNvPicPr>
+            <a:picLocks noChangeAspect="1"/>
+          </p:cNvPicPr>
+          <p:nvPr/>
+        </p:nvPicPr>
+        <p:blipFill>
+          <a:blip r:embed="rId3"/>
+          <a:stretch>
+            <a:fillRect/>
+          </a:stretch>
+        </p:blipFill>
+        <p:spPr>
+          <a:xfrm>
+            <a:off x="268850" y="861704"/>
+            <a:ext cx="2569877" cy="2325560"/>
+          </a:xfrm>
+          <a:prstGeom prst="rect">
+            <a:avLst/>
+          </a:prstGeom>
+          <a:effectLst>
+            <a:glow rad="228600">
+              <a:schemeClr val="accent5">
+                <a:satMod val="175000"/>
+                <a:alpha val="40000"/>
+              </a:schemeClr>
+            </a:glow>
+          </a:effectLst>
+        </p:spPr>
+      </p:pic>
+      <p:sp>
+        <p:nvSpPr>
+          <p:cNvPr id="3" name="CuadroTexto 2">
+            <a:extLst>
+              <a:ext uri="{FF2B5EF4-FFF2-40B4-BE49-F238E27FC236}">
+                <a16:creationId xmlns:a16="http://schemas.microsoft.com/office/drawing/2014/main" id="{5A8123A2-1998-9F70-EB7C-B76BC7C0D0B6}"/>
+              </a:ext>
+            </a:extLst>
+          </p:cNvPr>
+          <p:cNvSpPr txBox="1"/>
+          <p:nvPr/>
+        </p:nvSpPr>
+        <p:spPr>
+          <a:xfrm>
+            <a:off x="3375596" y="746976"/>
+            <a:ext cx="5499554" cy="2893100"/>
+          </a:xfrm>
+          <a:prstGeom prst="rect">
+            <a:avLst/>
+          </a:prstGeom>
+          <a:noFill/>
+        </p:spPr>
+        <p:txBody>
+          <a:bodyPr wrap="square" rtlCol="0">
+            <a:spAutoFit/>
+          </a:bodyPr>
+          <a:lstStyle/>
+          <a:p>
+            <a:pPr algn="just"/>
+            <a:r>
+              <a:rPr lang="es-AR" i="1" dirty="0">
+                <a:latin typeface="Arial Rounded MT Bold" panose="020F0704030504030204" pitchFamily="34" charset="0"/>
+              </a:rPr>
+              <a:t>Somos una empresa dedicada a la construcción de experiencias virtuales Construcción de metaversos y diseño de juegos.</a:t>
+            </a:r>
+          </a:p>
+          <a:p>
+            <a:pPr algn="just"/>
+            <a:endParaRPr lang="es-AR" i="1" dirty="0">
+              <a:latin typeface="Arial Rounded MT Bold" panose="020F0704030504030204" pitchFamily="34" charset="0"/>
+            </a:endParaRPr>
+          </a:p>
+          <a:p>
+            <a:pPr algn="just"/>
+            <a:r>
+              <a:rPr lang="es-AR" i="1" dirty="0">
+                <a:latin typeface="Arial Rounded MT Bold" panose="020F0704030504030204" pitchFamily="34" charset="0"/>
+              </a:rPr>
+              <a:t>Somos jóvenes, pero pujantes, y entendemos el nivel de compromiso a la hora de generar entretenimiento 3,0</a:t>
+            </a:r>
+          </a:p>
+          <a:p>
+            <a:pPr algn="just"/>
+            <a:endParaRPr lang="es-AR" i="1" dirty="0">
+              <a:latin typeface="Arial Rounded MT Bold" panose="020F0704030504030204" pitchFamily="34" charset="0"/>
+            </a:endParaRPr>
+          </a:p>
+          <a:p>
+            <a:pPr algn="just"/>
+            <a:r>
+              <a:rPr lang="es-AR" i="1" dirty="0">
+                <a:latin typeface="Arial Rounded MT Bold" panose="020F0704030504030204" pitchFamily="34" charset="0"/>
+              </a:rPr>
+              <a:t>Nuestros proyectos son escalables a nivel empresarial también aportando asesoramiento sobre marketing y </a:t>
+            </a:r>
+            <a:r>
+              <a:rPr lang="es-AR" i="1" dirty="0" err="1">
+                <a:latin typeface="Arial Rounded MT Bold" panose="020F0704030504030204" pitchFamily="34" charset="0"/>
+              </a:rPr>
+              <a:t>merchandansing</a:t>
+            </a:r>
+            <a:r>
+              <a:rPr lang="es-AR" i="1" dirty="0">
+                <a:latin typeface="Arial Rounded MT Bold" panose="020F0704030504030204" pitchFamily="34" charset="0"/>
+              </a:rPr>
+              <a:t>.</a:t>
+            </a:r>
+          </a:p>
+          <a:p>
+            <a:pPr algn="just"/>
+            <a:endParaRPr lang="es-AR" i="1" dirty="0">
+              <a:latin typeface="Arial Rounded MT Bold" panose="020F0704030504030204" pitchFamily="34" charset="0"/>
+            </a:endParaRPr>
+          </a:p>
+          <a:p>
+            <a:pPr algn="just"/>
+            <a:r>
+              <a:rPr lang="es-AR" i="1" dirty="0">
+                <a:latin typeface="Arial Rounded MT Bold" panose="020F0704030504030204" pitchFamily="34" charset="0"/>
+              </a:rPr>
+              <a:t>Visítanos en www.fiveHeads.com.ar</a:t>
+            </a:r>
+          </a:p>
+          <a:p>
+            <a:endParaRPr lang="es-AR" dirty="0"/>
+          </a:p>
+        </p:txBody>
+      </p:sp>
     </p:spTree>
   </p:cSld>
   <p:clrMapOvr>
@@ -10846,7 +10647,7 @@
 </p:sld>
 </file>
 
-<file path=ppt/slides/slide18.xml><?xml version="1.0" encoding="utf-8"?>
+<file path=ppt/slides/slide16.xml><?xml version="1.0" encoding="utf-8"?>
 <p:sld xmlns:a="http://schemas.openxmlformats.org/drawingml/2006/main" xmlns:r="http://schemas.openxmlformats.org/officeDocument/2006/relationships" xmlns:p="http://schemas.openxmlformats.org/presentationml/2006/main">
   <p:cSld>
     <p:spTree>

--- a/Pitch (Venta) [Template] PHOBIA.pptx
+++ b/Pitch (Venta) [Template] PHOBIA.pptx
@@ -5,7 +5,7 @@
     <p:sldMasterId id="2147483659" r:id="rId1"/>
   </p:sldMasterIdLst>
   <p:notesMasterIdLst>
-    <p:notesMasterId r:id="rId18"/>
+    <p:notesMasterId r:id="rId19"/>
   </p:notesMasterIdLst>
   <p:sldIdLst>
     <p:sldId id="256" r:id="rId2"/>
@@ -18,12 +18,13 @@
     <p:sldId id="263" r:id="rId9"/>
     <p:sldId id="275" r:id="rId10"/>
     <p:sldId id="264" r:id="rId11"/>
-    <p:sldId id="266" r:id="rId12"/>
-    <p:sldId id="267" r:id="rId13"/>
-    <p:sldId id="268" r:id="rId14"/>
-    <p:sldId id="270" r:id="rId15"/>
-    <p:sldId id="272" r:id="rId16"/>
-    <p:sldId id="274" r:id="rId17"/>
+    <p:sldId id="276" r:id="rId12"/>
+    <p:sldId id="266" r:id="rId13"/>
+    <p:sldId id="267" r:id="rId14"/>
+    <p:sldId id="268" r:id="rId15"/>
+    <p:sldId id="270" r:id="rId16"/>
+    <p:sldId id="272" r:id="rId17"/>
+    <p:sldId id="274" r:id="rId18"/>
   </p:sldIdLst>
   <p:sldSz cx="9144000" cy="5143500" type="screen16x9"/>
   <p:notesSz cx="6858000" cy="9144000"/>
@@ -929,6 +930,115 @@
   <p:cSld>
     <p:spTree>
       <p:nvGrpSpPr>
+        <p:cNvPr id="1" name="Shape 112"/>
+        <p:cNvGrpSpPr/>
+        <p:nvPr/>
+      </p:nvGrpSpPr>
+      <p:grpSpPr>
+        <a:xfrm>
+          <a:off x="0" y="0"/>
+          <a:ext cx="0" cy="0"/>
+          <a:chOff x="0" y="0"/>
+          <a:chExt cx="0" cy="0"/>
+        </a:xfrm>
+      </p:grpSpPr>
+      <p:sp>
+        <p:nvSpPr>
+          <p:cNvPr id="113" name="Google Shape;113;g22f937e0c82_0_54:notes"/>
+          <p:cNvSpPr>
+            <a:spLocks noGrp="1" noRot="1" noChangeAspect="1"/>
+          </p:cNvSpPr>
+          <p:nvPr>
+            <p:ph type="sldImg" idx="2"/>
+          </p:nvPr>
+        </p:nvSpPr>
+        <p:spPr>
+          <a:xfrm>
+            <a:off x="381000" y="685800"/>
+            <a:ext cx="6096000" cy="3429000"/>
+          </a:xfrm>
+          <a:custGeom>
+            <a:avLst/>
+            <a:gdLst/>
+            <a:ahLst/>
+            <a:cxnLst/>
+            <a:rect l="l" t="t" r="r" b="b"/>
+            <a:pathLst>
+              <a:path w="120000" h="120000" extrusionOk="0">
+                <a:moveTo>
+                  <a:pt x="0" y="0"/>
+                </a:moveTo>
+                <a:lnTo>
+                  <a:pt x="120000" y="0"/>
+                </a:lnTo>
+                <a:lnTo>
+                  <a:pt x="120000" y="120000"/>
+                </a:lnTo>
+                <a:lnTo>
+                  <a:pt x="0" y="120000"/>
+                </a:lnTo>
+                <a:close/>
+              </a:path>
+            </a:pathLst>
+          </a:custGeom>
+        </p:spPr>
+      </p:sp>
+      <p:sp>
+        <p:nvSpPr>
+          <p:cNvPr id="114" name="Google Shape;114;g22f937e0c82_0_54:notes"/>
+          <p:cNvSpPr txBox="1">
+            <a:spLocks noGrp="1"/>
+          </p:cNvSpPr>
+          <p:nvPr>
+            <p:ph type="body" idx="1"/>
+          </p:nvPr>
+        </p:nvSpPr>
+        <p:spPr>
+          <a:xfrm>
+            <a:off x="685800" y="4343400"/>
+            <a:ext cx="5486400" cy="4114800"/>
+          </a:xfrm>
+          <a:prstGeom prst="rect">
+            <a:avLst/>
+          </a:prstGeom>
+        </p:spPr>
+        <p:txBody>
+          <a:bodyPr spcFirstLastPara="1" wrap="square" lIns="91425" tIns="91425" rIns="91425" bIns="91425" anchor="t" anchorCtr="0">
+            <a:noAutofit/>
+          </a:bodyPr>
+          <a:lstStyle/>
+          <a:p>
+            <a:pPr marL="0" lvl="0" indent="0" algn="l" rtl="0">
+              <a:spcBef>
+                <a:spcPts val="0"/>
+              </a:spcBef>
+              <a:spcAft>
+                <a:spcPts val="0"/>
+              </a:spcAft>
+              <a:buNone/>
+            </a:pPr>
+            <a:endParaRPr/>
+          </a:p>
+        </p:txBody>
+      </p:sp>
+    </p:spTree>
+    <p:extLst>
+      <p:ext uri="{BB962C8B-B14F-4D97-AF65-F5344CB8AC3E}">
+        <p14:creationId xmlns:p14="http://schemas.microsoft.com/office/powerpoint/2010/main" val="1081117795"/>
+      </p:ext>
+    </p:extLst>
+  </p:cSld>
+  <p:clrMapOvr>
+    <a:masterClrMapping/>
+  </p:clrMapOvr>
+</p:notes>
+</file>
+
+<file path=ppt/notesSlides/notesSlide12.xml><?xml version="1.0" encoding="utf-8"?>
+<p:notes xmlns:a="http://schemas.openxmlformats.org/drawingml/2006/main" xmlns:r="http://schemas.openxmlformats.org/officeDocument/2006/relationships" xmlns:p="http://schemas.openxmlformats.org/presentationml/2006/main" showMasterSp="0" showMasterPhAnim="0">
+  <p:cSld>
+    <p:spTree>
+      <p:nvGrpSpPr>
         <p:cNvPr id="1" name="Shape 124"/>
         <p:cNvGrpSpPr/>
         <p:nvPr/>
@@ -1028,7 +1138,7 @@
 </p:notes>
 </file>
 
-<file path=ppt/notesSlides/notesSlide12.xml><?xml version="1.0" encoding="utf-8"?>
+<file path=ppt/notesSlides/notesSlide13.xml><?xml version="1.0" encoding="utf-8"?>
 <p:notes xmlns:a="http://schemas.openxmlformats.org/drawingml/2006/main" xmlns:r="http://schemas.openxmlformats.org/officeDocument/2006/relationships" xmlns:p="http://schemas.openxmlformats.org/presentationml/2006/main" showMasterSp="0" showMasterPhAnim="0">
   <p:cSld>
     <p:spTree>
@@ -1132,7 +1242,7 @@
 </p:notes>
 </file>
 
-<file path=ppt/notesSlides/notesSlide13.xml><?xml version="1.0" encoding="utf-8"?>
+<file path=ppt/notesSlides/notesSlide14.xml><?xml version="1.0" encoding="utf-8"?>
 <p:notes xmlns:a="http://schemas.openxmlformats.org/drawingml/2006/main" xmlns:r="http://schemas.openxmlformats.org/officeDocument/2006/relationships" xmlns:p="http://schemas.openxmlformats.org/presentationml/2006/main" showMasterSp="0" showMasterPhAnim="0">
   <p:cSld>
     <p:spTree>
@@ -1236,7 +1346,7 @@
 </p:notes>
 </file>
 
-<file path=ppt/notesSlides/notesSlide14.xml><?xml version="1.0" encoding="utf-8"?>
+<file path=ppt/notesSlides/notesSlide15.xml><?xml version="1.0" encoding="utf-8"?>
 <p:notes xmlns:a="http://schemas.openxmlformats.org/drawingml/2006/main" xmlns:r="http://schemas.openxmlformats.org/officeDocument/2006/relationships" xmlns:p="http://schemas.openxmlformats.org/presentationml/2006/main" showMasterSp="0" showMasterPhAnim="0">
   <p:cSld>
     <p:spTree>
@@ -1340,7 +1450,7 @@
 </p:notes>
 </file>
 
-<file path=ppt/notesSlides/notesSlide15.xml><?xml version="1.0" encoding="utf-8"?>
+<file path=ppt/notesSlides/notesSlide16.xml><?xml version="1.0" encoding="utf-8"?>
 <p:notes xmlns:a="http://schemas.openxmlformats.org/drawingml/2006/main" xmlns:r="http://schemas.openxmlformats.org/officeDocument/2006/relationships" xmlns:p="http://schemas.openxmlformats.org/presentationml/2006/main" showMasterSp="0" showMasterPhAnim="0">
   <p:cSld>
     <p:spTree>
@@ -1444,7 +1554,7 @@
 </p:notes>
 </file>
 
-<file path=ppt/notesSlides/notesSlide16.xml><?xml version="1.0" encoding="utf-8"?>
+<file path=ppt/notesSlides/notesSlide17.xml><?xml version="1.0" encoding="utf-8"?>
 <p:notes xmlns:a="http://schemas.openxmlformats.org/drawingml/2006/main" xmlns:r="http://schemas.openxmlformats.org/officeDocument/2006/relationships" xmlns:p="http://schemas.openxmlformats.org/presentationml/2006/main" showMasterSp="0" showMasterPhAnim="0">
   <p:cSld>
     <p:spTree>
@@ -7754,28 +7864,331 @@
           </a:bodyPr>
           <a:lstStyle/>
           <a:p>
-            <a:pPr marL="0" lvl="0" indent="0" algn="l" rtl="0">
-              <a:spcBef>
-                <a:spcPts val="0"/>
-              </a:spcBef>
-              <a:spcAft>
-                <a:spcPts val="0"/>
-              </a:spcAft>
-              <a:buNone/>
-            </a:pPr>
-            <a:r>
-              <a:rPr lang="es" sz="2200" b="1">
-                <a:solidFill>
-                  <a:srgbClr val="666666"/>
-                </a:solidFill>
-              </a:rPr>
-              <a:t>[IDENTIFICADOR DE FEATURE / MECÁNICA]</a:t>
-            </a:r>
-            <a:endParaRPr sz="2200" b="1">
-              <a:solidFill>
-                <a:srgbClr val="666666"/>
-              </a:solidFill>
+            <a:pPr lvl="0">
+              <a:lnSpc>
+                <a:spcPct val="150000"/>
+              </a:lnSpc>
+              <a:spcAft>
+                <a:spcPts val="800"/>
+              </a:spcAft>
+            </a:pPr>
+            <a:r>
+              <a:rPr lang="es-AR" sz="1800" dirty="0" err="1">
+                <a:effectLst/>
+                <a:latin typeface="Calibri" panose="020F0502020204030204" pitchFamily="34" charset="0"/>
+                <a:ea typeface="Times New Roman" panose="02020603050405020304" pitchFamily="18" charset="0"/>
+                <a:cs typeface="Times New Roman" panose="02020603050405020304" pitchFamily="18" charset="0"/>
+              </a:rPr>
+              <a:t>Features</a:t>
+            </a:r>
+            <a:endParaRPr lang="es-AR" sz="1800" dirty="0">
+              <a:effectLst/>
+              <a:latin typeface="Calibri" panose="020F0502020204030204" pitchFamily="34" charset="0"/>
+              <a:ea typeface="Times New Roman" panose="02020603050405020304" pitchFamily="18" charset="0"/>
+              <a:cs typeface="Times New Roman" panose="02020603050405020304" pitchFamily="18" charset="0"/>
             </a:endParaRPr>
+          </a:p>
+          <a:p>
+            <a:pPr lvl="0">
+              <a:lnSpc>
+                <a:spcPct val="150000"/>
+              </a:lnSpc>
+              <a:spcAft>
+                <a:spcPts val="800"/>
+              </a:spcAft>
+            </a:pPr>
+            <a:endParaRPr lang="es-AR" sz="1800" dirty="0">
+              <a:latin typeface="Calibri" panose="020F0502020204030204" pitchFamily="34" charset="0"/>
+              <a:ea typeface="Times New Roman" panose="02020603050405020304" pitchFamily="18" charset="0"/>
+              <a:cs typeface="Times New Roman" panose="02020603050405020304" pitchFamily="18" charset="0"/>
+            </a:endParaRPr>
+          </a:p>
+          <a:p>
+            <a:pPr lvl="0" algn="ctr">
+              <a:lnSpc>
+                <a:spcPct val="150000"/>
+              </a:lnSpc>
+              <a:spcAft>
+                <a:spcPts val="800"/>
+              </a:spcAft>
+            </a:pPr>
+            <a:r>
+              <a:rPr lang="es-AR" sz="1800" dirty="0">
+                <a:effectLst/>
+                <a:latin typeface="Arial Rounded MT Bold" panose="020F0704030504030204" pitchFamily="34" charset="0"/>
+                <a:ea typeface="Times New Roman" panose="02020603050405020304" pitchFamily="18" charset="0"/>
+                <a:cs typeface="Times New Roman" panose="02020603050405020304" pitchFamily="18" charset="0"/>
+              </a:rPr>
+              <a:t>“La luz es tu aliada no te apartes de ella”</a:t>
+            </a:r>
+          </a:p>
+          <a:p>
+            <a:pPr lvl="0">
+              <a:lnSpc>
+                <a:spcPct val="150000"/>
+              </a:lnSpc>
+              <a:spcAft>
+                <a:spcPts val="800"/>
+              </a:spcAft>
+            </a:pPr>
+            <a:endParaRPr lang="es-AR" sz="1800" dirty="0">
+              <a:latin typeface="Arial Rounded MT Bold" panose="020F0704030504030204" pitchFamily="34" charset="0"/>
+              <a:ea typeface="Times New Roman" panose="02020603050405020304" pitchFamily="18" charset="0"/>
+              <a:cs typeface="Times New Roman" panose="02020603050405020304" pitchFamily="18" charset="0"/>
+            </a:endParaRPr>
+          </a:p>
+          <a:p>
+            <a:pPr lvl="0">
+              <a:lnSpc>
+                <a:spcPct val="150000"/>
+              </a:lnSpc>
+              <a:spcAft>
+                <a:spcPts val="800"/>
+              </a:spcAft>
+            </a:pPr>
+            <a:endParaRPr lang="es-AR" sz="1800" dirty="0">
+              <a:latin typeface="Arial Rounded MT Bold" panose="020F0704030504030204" pitchFamily="34" charset="0"/>
+              <a:ea typeface="Times New Roman" panose="02020603050405020304" pitchFamily="18" charset="0"/>
+              <a:cs typeface="Times New Roman" panose="02020603050405020304" pitchFamily="18" charset="0"/>
+            </a:endParaRPr>
+          </a:p>
+          <a:p>
+            <a:pPr lvl="0">
+              <a:lnSpc>
+                <a:spcPct val="150000"/>
+              </a:lnSpc>
+              <a:spcAft>
+                <a:spcPts val="800"/>
+              </a:spcAft>
+            </a:pPr>
+            <a:r>
+              <a:rPr lang="es-AR" sz="1800" dirty="0">
+                <a:latin typeface="Arial Rounded MT Bold" panose="020F0704030504030204" pitchFamily="34" charset="0"/>
+                <a:ea typeface="Times New Roman" panose="02020603050405020304" pitchFamily="18" charset="0"/>
+                <a:cs typeface="Times New Roman" panose="02020603050405020304" pitchFamily="18" charset="0"/>
+              </a:rPr>
+              <a:t>                                       “ Concéntrate en los diferente acertijos”</a:t>
+            </a:r>
+          </a:p>
+          <a:p>
+            <a:pPr lvl="0">
+              <a:lnSpc>
+                <a:spcPct val="150000"/>
+              </a:lnSpc>
+              <a:spcAft>
+                <a:spcPts val="800"/>
+              </a:spcAft>
+            </a:pPr>
+            <a:r>
+              <a:rPr lang="es-AR" sz="1800" dirty="0">
+                <a:effectLst/>
+                <a:latin typeface="Arial Rounded MT Bold" panose="020F0704030504030204" pitchFamily="34" charset="0"/>
+                <a:ea typeface="Times New Roman" panose="02020603050405020304" pitchFamily="18" charset="0"/>
+                <a:cs typeface="Times New Roman" panose="02020603050405020304" pitchFamily="18" charset="0"/>
+              </a:rPr>
+              <a:t>  </a:t>
+            </a:r>
+          </a:p>
+          <a:p>
+            <a:pPr lvl="0">
+              <a:lnSpc>
+                <a:spcPct val="150000"/>
+              </a:lnSpc>
+              <a:spcAft>
+                <a:spcPts val="800"/>
+              </a:spcAft>
+            </a:pPr>
+            <a:endParaRPr lang="es-AR" sz="1800" dirty="0">
+              <a:effectLst/>
+              <a:latin typeface="Arial Rounded MT Bold" panose="020F0704030504030204" pitchFamily="34" charset="0"/>
+              <a:ea typeface="Times New Roman" panose="02020603050405020304" pitchFamily="18" charset="0"/>
+              <a:cs typeface="Times New Roman" panose="02020603050405020304" pitchFamily="18" charset="0"/>
+            </a:endParaRPr>
+          </a:p>
+          <a:p>
+            <a:pPr lvl="0">
+              <a:lnSpc>
+                <a:spcPct val="150000"/>
+              </a:lnSpc>
+              <a:spcAft>
+                <a:spcPts val="800"/>
+              </a:spcAft>
+            </a:pPr>
+            <a:endParaRPr lang="es-AR" sz="1800" dirty="0">
+              <a:effectLst/>
+              <a:latin typeface="Calibri" panose="020F0502020204030204" pitchFamily="34" charset="0"/>
+              <a:ea typeface="Times New Roman" panose="02020603050405020304" pitchFamily="18" charset="0"/>
+              <a:cs typeface="Times New Roman" panose="02020603050405020304" pitchFamily="18" charset="0"/>
+            </a:endParaRPr>
+          </a:p>
+        </p:txBody>
+      </p:sp>
+      <p:sp>
+        <p:nvSpPr>
+          <p:cNvPr id="2" name="Rectángulo: esquinas redondeadas 1">
+            <a:extLst>
+              <a:ext uri="{FF2B5EF4-FFF2-40B4-BE49-F238E27FC236}">
+                <a16:creationId xmlns:a16="http://schemas.microsoft.com/office/drawing/2014/main" id="{63D89174-3924-AF6F-BDDA-B3D6DEF87775}"/>
+              </a:ext>
+            </a:extLst>
+          </p:cNvPr>
+          <p:cNvSpPr/>
+          <p:nvPr/>
+        </p:nvSpPr>
+        <p:spPr>
+          <a:xfrm>
+            <a:off x="736270" y="1555305"/>
+            <a:ext cx="7956467" cy="992332"/>
+          </a:xfrm>
+          <a:prstGeom prst="roundRect">
+            <a:avLst/>
+          </a:prstGeom>
+          <a:solidFill>
+            <a:schemeClr val="accent4">
+              <a:lumMod val="75000"/>
+            </a:schemeClr>
+          </a:solidFill>
+        </p:spPr>
+        <p:style>
+          <a:lnRef idx="2">
+            <a:schemeClr val="accent1">
+              <a:shade val="50000"/>
+            </a:schemeClr>
+          </a:lnRef>
+          <a:fillRef idx="1">
+            <a:schemeClr val="accent1"/>
+          </a:fillRef>
+          <a:effectRef idx="0">
+            <a:schemeClr val="accent1"/>
+          </a:effectRef>
+          <a:fontRef idx="minor">
+            <a:schemeClr val="lt1"/>
+          </a:fontRef>
+        </p:style>
+        <p:txBody>
+          <a:bodyPr rtlCol="0" anchor="ctr"/>
+          <a:lstStyle/>
+          <a:p>
+            <a:pPr lvl="0">
+              <a:lnSpc>
+                <a:spcPct val="150000"/>
+              </a:lnSpc>
+              <a:spcAft>
+                <a:spcPts val="800"/>
+              </a:spcAft>
+            </a:pPr>
+            <a:r>
+              <a:rPr lang="es-AR" sz="1600" dirty="0">
+                <a:latin typeface="Arial Rounded MT Bold" panose="020F0704030504030204" pitchFamily="34" charset="0"/>
+                <a:ea typeface="Times New Roman" panose="02020603050405020304" pitchFamily="18" charset="0"/>
+                <a:cs typeface="Times New Roman" panose="02020603050405020304" pitchFamily="18" charset="0"/>
+              </a:rPr>
+              <a:t>El uso de la linterna como elemento de </a:t>
+            </a:r>
+            <a:r>
+              <a:rPr lang="es-AR" sz="1600" dirty="0" err="1">
+                <a:latin typeface="Arial Rounded MT Bold" panose="020F0704030504030204" pitchFamily="34" charset="0"/>
+                <a:ea typeface="Times New Roman" panose="02020603050405020304" pitchFamily="18" charset="0"/>
+                <a:cs typeface="Times New Roman" panose="02020603050405020304" pitchFamily="18" charset="0"/>
+              </a:rPr>
+              <a:t>defenza</a:t>
+            </a:r>
+            <a:r>
+              <a:rPr lang="es-AR" sz="1600" dirty="0">
+                <a:latin typeface="Arial Rounded MT Bold" panose="020F0704030504030204" pitchFamily="34" charset="0"/>
+                <a:ea typeface="Times New Roman" panose="02020603050405020304" pitchFamily="18" charset="0"/>
+                <a:cs typeface="Times New Roman" panose="02020603050405020304" pitchFamily="18" charset="0"/>
+              </a:rPr>
+              <a:t> es primordial en el </a:t>
+            </a:r>
+            <a:r>
+              <a:rPr lang="es-AR" sz="1600" dirty="0" err="1">
+                <a:latin typeface="Arial Rounded MT Bold" panose="020F0704030504030204" pitchFamily="34" charset="0"/>
+                <a:ea typeface="Times New Roman" panose="02020603050405020304" pitchFamily="18" charset="0"/>
+                <a:cs typeface="Times New Roman" panose="02020603050405020304" pitchFamily="18" charset="0"/>
+              </a:rPr>
+              <a:t>desarrolo</a:t>
+            </a:r>
+            <a:r>
+              <a:rPr lang="es-AR" sz="1600" dirty="0">
+                <a:latin typeface="Arial Rounded MT Bold" panose="020F0704030504030204" pitchFamily="34" charset="0"/>
+                <a:ea typeface="Times New Roman" panose="02020603050405020304" pitchFamily="18" charset="0"/>
+                <a:cs typeface="Times New Roman" panose="02020603050405020304" pitchFamily="18" charset="0"/>
+              </a:rPr>
+              <a:t> del juego</a:t>
+            </a:r>
+            <a:endParaRPr lang="es-AR" sz="1600" dirty="0">
+              <a:effectLst/>
+              <a:latin typeface="Arial Rounded MT Bold" panose="020F0704030504030204" pitchFamily="34" charset="0"/>
+              <a:ea typeface="Times New Roman" panose="02020603050405020304" pitchFamily="18" charset="0"/>
+              <a:cs typeface="Times New Roman" panose="02020603050405020304" pitchFamily="18" charset="0"/>
+            </a:endParaRPr>
+          </a:p>
+        </p:txBody>
+      </p:sp>
+      <p:sp>
+        <p:nvSpPr>
+          <p:cNvPr id="3" name="Rectángulo: esquinas redondeadas 2">
+            <a:extLst>
+              <a:ext uri="{FF2B5EF4-FFF2-40B4-BE49-F238E27FC236}">
+                <a16:creationId xmlns:a16="http://schemas.microsoft.com/office/drawing/2014/main" id="{271EA7DF-5691-2707-C547-8F62BE273463}"/>
+              </a:ext>
+            </a:extLst>
+          </p:cNvPr>
+          <p:cNvSpPr/>
+          <p:nvPr/>
+        </p:nvSpPr>
+        <p:spPr>
+          <a:xfrm>
+            <a:off x="736271" y="3161049"/>
+            <a:ext cx="7956467" cy="992332"/>
+          </a:xfrm>
+          <a:prstGeom prst="roundRect">
+            <a:avLst/>
+          </a:prstGeom>
+          <a:solidFill>
+            <a:schemeClr val="accent4">
+              <a:lumMod val="75000"/>
+            </a:schemeClr>
+          </a:solidFill>
+        </p:spPr>
+        <p:style>
+          <a:lnRef idx="2">
+            <a:schemeClr val="accent1">
+              <a:shade val="50000"/>
+            </a:schemeClr>
+          </a:lnRef>
+          <a:fillRef idx="1">
+            <a:schemeClr val="accent1"/>
+          </a:fillRef>
+          <a:effectRef idx="0">
+            <a:schemeClr val="accent1"/>
+          </a:effectRef>
+          <a:fontRef idx="minor">
+            <a:schemeClr val="lt1"/>
+          </a:fontRef>
+        </p:style>
+        <p:txBody>
+          <a:bodyPr rtlCol="0" anchor="ctr"/>
+          <a:lstStyle/>
+          <a:p>
+            <a:pPr lvl="0">
+              <a:lnSpc>
+                <a:spcPct val="150000"/>
+              </a:lnSpc>
+              <a:spcAft>
+                <a:spcPts val="800"/>
+              </a:spcAft>
+            </a:pPr>
+            <a:r>
+              <a:rPr lang="es-AR" sz="1600" dirty="0">
+                <a:effectLst/>
+                <a:latin typeface="Arial Rounded MT Bold" panose="020F0704030504030204" pitchFamily="34" charset="0"/>
+                <a:ea typeface="Times New Roman" panose="02020603050405020304" pitchFamily="18" charset="0"/>
+                <a:cs typeface="Times New Roman" panose="02020603050405020304" pitchFamily="18" charset="0"/>
+              </a:rPr>
+              <a:t>La resolución de acertijo es la manera de pasar de cuarto en cuarto , tomate tu tiempo y descubre cada una de las pistas.</a:t>
+            </a:r>
           </a:p>
         </p:txBody>
       </p:sp>
@@ -7788,6 +8201,609 @@
 </file>
 
 <file path=ppt/slides/slide11.xml><?xml version="1.0" encoding="utf-8"?>
+<p:sld xmlns:a="http://schemas.openxmlformats.org/drawingml/2006/main" xmlns:r="http://schemas.openxmlformats.org/officeDocument/2006/relationships" xmlns:p="http://schemas.openxmlformats.org/presentationml/2006/main">
+  <p:cSld>
+    <p:spTree>
+      <p:nvGrpSpPr>
+        <p:cNvPr id="1" name="Shape 115"/>
+        <p:cNvGrpSpPr/>
+        <p:nvPr/>
+      </p:nvGrpSpPr>
+      <p:grpSpPr>
+        <a:xfrm>
+          <a:off x="0" y="0"/>
+          <a:ext cx="0" cy="0"/>
+          <a:chOff x="0" y="0"/>
+          <a:chExt cx="0" cy="0"/>
+        </a:xfrm>
+      </p:grpSpPr>
+      <p:sp>
+        <p:nvSpPr>
+          <p:cNvPr id="116" name="Google Shape;116;p21"/>
+          <p:cNvSpPr txBox="1"/>
+          <p:nvPr/>
+        </p:nvSpPr>
+        <p:spPr>
+          <a:xfrm>
+            <a:off x="268850" y="672125"/>
+            <a:ext cx="8730600" cy="1262100"/>
+          </a:xfrm>
+          <a:prstGeom prst="rect">
+            <a:avLst/>
+          </a:prstGeom>
+          <a:noFill/>
+          <a:ln>
+            <a:noFill/>
+          </a:ln>
+        </p:spPr>
+        <p:txBody>
+          <a:bodyPr spcFirstLastPara="1" wrap="square" lIns="91425" tIns="91425" rIns="91425" bIns="91425" anchor="t" anchorCtr="0">
+            <a:spAutoFit/>
+          </a:bodyPr>
+          <a:lstStyle/>
+          <a:p>
+            <a:pPr marL="0" lvl="0" indent="0" algn="l" rtl="0">
+              <a:spcBef>
+                <a:spcPts val="0"/>
+              </a:spcBef>
+              <a:spcAft>
+                <a:spcPts val="0"/>
+              </a:spcAft>
+              <a:buNone/>
+            </a:pPr>
+            <a:r>
+              <a:rPr lang="es" i="1">
+                <a:solidFill>
+                  <a:srgbClr val="666666"/>
+                </a:solidFill>
+              </a:rPr>
+              <a:t>Espacio dedicado a explicar en detalle features y/o mecánicas que hacen ÚNICO a su juego.</a:t>
+            </a:r>
+            <a:endParaRPr i="1">
+              <a:solidFill>
+                <a:srgbClr val="666666"/>
+              </a:solidFill>
+            </a:endParaRPr>
+          </a:p>
+          <a:p>
+            <a:pPr marL="0" lvl="0" indent="0" algn="l" rtl="0">
+              <a:spcBef>
+                <a:spcPts val="0"/>
+              </a:spcBef>
+              <a:spcAft>
+                <a:spcPts val="0"/>
+              </a:spcAft>
+              <a:buNone/>
+            </a:pPr>
+            <a:r>
+              <a:rPr lang="es" i="1">
+                <a:solidFill>
+                  <a:srgbClr val="666666"/>
+                </a:solidFill>
+              </a:rPr>
+              <a:t>Dediquen un slide a cada una de ellas. Solo las importantes! Esas que lo destacan de otros juegos.</a:t>
+            </a:r>
+            <a:endParaRPr i="1">
+              <a:solidFill>
+                <a:srgbClr val="666666"/>
+              </a:solidFill>
+            </a:endParaRPr>
+          </a:p>
+          <a:p>
+            <a:pPr marL="0" lvl="0" indent="0" algn="l" rtl="0">
+              <a:spcBef>
+                <a:spcPts val="0"/>
+              </a:spcBef>
+              <a:spcAft>
+                <a:spcPts val="0"/>
+              </a:spcAft>
+              <a:buNone/>
+            </a:pPr>
+            <a:endParaRPr i="1">
+              <a:solidFill>
+                <a:srgbClr val="666666"/>
+              </a:solidFill>
+            </a:endParaRPr>
+          </a:p>
+          <a:p>
+            <a:pPr marL="0" lvl="0" indent="0" algn="l" rtl="0">
+              <a:spcBef>
+                <a:spcPts val="0"/>
+              </a:spcBef>
+              <a:spcAft>
+                <a:spcPts val="0"/>
+              </a:spcAft>
+              <a:buNone/>
+            </a:pPr>
+            <a:r>
+              <a:rPr lang="es" i="1">
+                <a:solidFill>
+                  <a:srgbClr val="666666"/>
+                </a:solidFill>
+              </a:rPr>
+              <a:t>Recuerde que no solo debe detallar de forma concisa, sino ser claro en el proceso. </a:t>
+            </a:r>
+            <a:endParaRPr i="1">
+              <a:solidFill>
+                <a:srgbClr val="666666"/>
+              </a:solidFill>
+            </a:endParaRPr>
+          </a:p>
+          <a:p>
+            <a:pPr marL="0" lvl="0" indent="0" algn="l" rtl="0">
+              <a:spcBef>
+                <a:spcPts val="0"/>
+              </a:spcBef>
+              <a:spcAft>
+                <a:spcPts val="0"/>
+              </a:spcAft>
+              <a:buNone/>
+            </a:pPr>
+            <a:r>
+              <a:rPr lang="es" i="1">
+                <a:solidFill>
+                  <a:srgbClr val="666666"/>
+                </a:solidFill>
+              </a:rPr>
+              <a:t>Acompañar con imágenes de concepto es “casi” indispensable</a:t>
+            </a:r>
+            <a:endParaRPr i="1">
+              <a:solidFill>
+                <a:srgbClr val="666666"/>
+              </a:solidFill>
+            </a:endParaRPr>
+          </a:p>
+        </p:txBody>
+      </p:sp>
+      <p:sp>
+        <p:nvSpPr>
+          <p:cNvPr id="117" name="Google Shape;117;p21"/>
+          <p:cNvSpPr/>
+          <p:nvPr/>
+        </p:nvSpPr>
+        <p:spPr>
+          <a:xfrm>
+            <a:off x="0" y="0"/>
+            <a:ext cx="9144000" cy="5143500"/>
+          </a:xfrm>
+          <a:prstGeom prst="rect">
+            <a:avLst/>
+          </a:prstGeom>
+          <a:ln/>
+        </p:spPr>
+        <p:style>
+          <a:lnRef idx="1">
+            <a:schemeClr val="accent1"/>
+          </a:lnRef>
+          <a:fillRef idx="2">
+            <a:schemeClr val="accent1"/>
+          </a:fillRef>
+          <a:effectRef idx="1">
+            <a:schemeClr val="accent1"/>
+          </a:effectRef>
+          <a:fontRef idx="minor">
+            <a:schemeClr val="dk1"/>
+          </a:fontRef>
+        </p:style>
+        <p:txBody>
+          <a:bodyPr spcFirstLastPara="1" wrap="square" lIns="91425" tIns="91425" rIns="91425" bIns="91425" anchor="t" anchorCtr="0">
+            <a:noAutofit/>
+          </a:bodyPr>
+          <a:lstStyle/>
+          <a:p>
+            <a:pPr lvl="0">
+              <a:lnSpc>
+                <a:spcPct val="150000"/>
+              </a:lnSpc>
+              <a:spcAft>
+                <a:spcPts val="800"/>
+              </a:spcAft>
+            </a:pPr>
+            <a:r>
+              <a:rPr lang="es-AR" sz="1800" dirty="0" err="1">
+                <a:effectLst/>
+                <a:latin typeface="Calibri" panose="020F0502020204030204" pitchFamily="34" charset="0"/>
+                <a:ea typeface="Times New Roman" panose="02020603050405020304" pitchFamily="18" charset="0"/>
+                <a:cs typeface="Times New Roman" panose="02020603050405020304" pitchFamily="18" charset="0"/>
+              </a:rPr>
+              <a:t>Features</a:t>
+            </a:r>
+            <a:endParaRPr lang="es-AR" sz="1800" dirty="0">
+              <a:effectLst/>
+              <a:latin typeface="Calibri" panose="020F0502020204030204" pitchFamily="34" charset="0"/>
+              <a:ea typeface="Times New Roman" panose="02020603050405020304" pitchFamily="18" charset="0"/>
+              <a:cs typeface="Times New Roman" panose="02020603050405020304" pitchFamily="18" charset="0"/>
+            </a:endParaRPr>
+          </a:p>
+          <a:p>
+            <a:pPr lvl="0">
+              <a:lnSpc>
+                <a:spcPct val="150000"/>
+              </a:lnSpc>
+              <a:spcAft>
+                <a:spcPts val="800"/>
+              </a:spcAft>
+            </a:pPr>
+            <a:endParaRPr lang="es-AR" sz="1800" dirty="0">
+              <a:latin typeface="Calibri" panose="020F0502020204030204" pitchFamily="34" charset="0"/>
+              <a:ea typeface="Times New Roman" panose="02020603050405020304" pitchFamily="18" charset="0"/>
+              <a:cs typeface="Times New Roman" panose="02020603050405020304" pitchFamily="18" charset="0"/>
+            </a:endParaRPr>
+          </a:p>
+          <a:p>
+            <a:pPr algn="ctr">
+              <a:lnSpc>
+                <a:spcPct val="150000"/>
+              </a:lnSpc>
+              <a:spcAft>
+                <a:spcPts val="800"/>
+              </a:spcAft>
+            </a:pPr>
+            <a:r>
+              <a:rPr lang="es-AR" sz="1800" dirty="0">
+                <a:effectLst/>
+                <a:latin typeface="Arial Rounded MT Bold" panose="020F0704030504030204" pitchFamily="34" charset="0"/>
+                <a:ea typeface="Times New Roman" panose="02020603050405020304" pitchFamily="18" charset="0"/>
+                <a:cs typeface="Times New Roman" panose="02020603050405020304" pitchFamily="18" charset="0"/>
+              </a:rPr>
+              <a:t>“Descubre la verdad entre realidad y locura</a:t>
+            </a:r>
+          </a:p>
+          <a:p>
+            <a:pPr lvl="0" algn="ctr">
+              <a:lnSpc>
+                <a:spcPct val="150000"/>
+              </a:lnSpc>
+              <a:spcAft>
+                <a:spcPts val="800"/>
+              </a:spcAft>
+            </a:pPr>
+            <a:r>
+              <a:rPr lang="es-AR" sz="1800" dirty="0">
+                <a:effectLst/>
+                <a:latin typeface="Arial Rounded MT Bold" panose="020F0704030504030204" pitchFamily="34" charset="0"/>
+                <a:ea typeface="Times New Roman" panose="02020603050405020304" pitchFamily="18" charset="0"/>
+                <a:cs typeface="Times New Roman" panose="02020603050405020304" pitchFamily="18" charset="0"/>
+              </a:rPr>
+              <a:t>”</a:t>
+            </a:r>
+          </a:p>
+          <a:p>
+            <a:pPr lvl="0">
+              <a:lnSpc>
+                <a:spcPct val="150000"/>
+              </a:lnSpc>
+              <a:spcAft>
+                <a:spcPts val="800"/>
+              </a:spcAft>
+            </a:pPr>
+            <a:endParaRPr lang="es-AR" sz="1800" dirty="0">
+              <a:latin typeface="Arial Rounded MT Bold" panose="020F0704030504030204" pitchFamily="34" charset="0"/>
+              <a:ea typeface="Times New Roman" panose="02020603050405020304" pitchFamily="18" charset="0"/>
+              <a:cs typeface="Times New Roman" panose="02020603050405020304" pitchFamily="18" charset="0"/>
+            </a:endParaRPr>
+          </a:p>
+          <a:p>
+            <a:pPr>
+              <a:lnSpc>
+                <a:spcPct val="150000"/>
+              </a:lnSpc>
+              <a:spcAft>
+                <a:spcPts val="800"/>
+              </a:spcAft>
+            </a:pPr>
+            <a:r>
+              <a:rPr lang="es-AR" sz="1800" dirty="0">
+                <a:latin typeface="Arial Rounded MT Bold" panose="020F0704030504030204" pitchFamily="34" charset="0"/>
+                <a:ea typeface="Times New Roman" panose="02020603050405020304" pitchFamily="18" charset="0"/>
+                <a:cs typeface="Times New Roman" panose="02020603050405020304" pitchFamily="18" charset="0"/>
+              </a:rPr>
+              <a:t>                                               “Explora, descubre y aprende”</a:t>
+            </a:r>
+            <a:endParaRPr lang="es-AR" sz="1800" dirty="0">
+              <a:effectLst/>
+              <a:latin typeface="Arial Rounded MT Bold" panose="020F0704030504030204" pitchFamily="34" charset="0"/>
+              <a:ea typeface="Times New Roman" panose="02020603050405020304" pitchFamily="18" charset="0"/>
+              <a:cs typeface="Times New Roman" panose="02020603050405020304" pitchFamily="18" charset="0"/>
+            </a:endParaRPr>
+          </a:p>
+          <a:p>
+            <a:pPr lvl="0">
+              <a:lnSpc>
+                <a:spcPct val="150000"/>
+              </a:lnSpc>
+              <a:spcAft>
+                <a:spcPts val="800"/>
+              </a:spcAft>
+            </a:pPr>
+            <a:endParaRPr lang="es-AR" sz="1800" dirty="0">
+              <a:latin typeface="Arial Rounded MT Bold" panose="020F0704030504030204" pitchFamily="34" charset="0"/>
+              <a:ea typeface="Times New Roman" panose="02020603050405020304" pitchFamily="18" charset="0"/>
+              <a:cs typeface="Times New Roman" panose="02020603050405020304" pitchFamily="18" charset="0"/>
+            </a:endParaRPr>
+          </a:p>
+          <a:p>
+            <a:pPr lvl="0">
+              <a:lnSpc>
+                <a:spcPct val="150000"/>
+              </a:lnSpc>
+              <a:spcAft>
+                <a:spcPts val="800"/>
+              </a:spcAft>
+            </a:pPr>
+            <a:r>
+              <a:rPr lang="es-AR" sz="1800" dirty="0">
+                <a:latin typeface="Arial Rounded MT Bold" panose="020F0704030504030204" pitchFamily="34" charset="0"/>
+                <a:ea typeface="Times New Roman" panose="02020603050405020304" pitchFamily="18" charset="0"/>
+                <a:cs typeface="Times New Roman" panose="02020603050405020304" pitchFamily="18" charset="0"/>
+              </a:rPr>
+              <a:t>                                       “ Concéntrate en los diferente acertijos”</a:t>
+            </a:r>
+          </a:p>
+          <a:p>
+            <a:pPr lvl="0">
+              <a:lnSpc>
+                <a:spcPct val="150000"/>
+              </a:lnSpc>
+              <a:spcAft>
+                <a:spcPts val="800"/>
+              </a:spcAft>
+            </a:pPr>
+            <a:r>
+              <a:rPr lang="es-AR" sz="1800" dirty="0">
+                <a:effectLst/>
+                <a:latin typeface="Arial Rounded MT Bold" panose="020F0704030504030204" pitchFamily="34" charset="0"/>
+                <a:ea typeface="Times New Roman" panose="02020603050405020304" pitchFamily="18" charset="0"/>
+                <a:cs typeface="Times New Roman" panose="02020603050405020304" pitchFamily="18" charset="0"/>
+              </a:rPr>
+              <a:t>  </a:t>
+            </a:r>
+          </a:p>
+          <a:p>
+            <a:pPr lvl="0">
+              <a:lnSpc>
+                <a:spcPct val="150000"/>
+              </a:lnSpc>
+              <a:spcAft>
+                <a:spcPts val="800"/>
+              </a:spcAft>
+            </a:pPr>
+            <a:endParaRPr lang="es-AR" sz="1800" dirty="0">
+              <a:latin typeface="Arial Rounded MT Bold" panose="020F0704030504030204" pitchFamily="34" charset="0"/>
+              <a:ea typeface="Times New Roman" panose="02020603050405020304" pitchFamily="18" charset="0"/>
+              <a:cs typeface="Times New Roman" panose="02020603050405020304" pitchFamily="18" charset="0"/>
+            </a:endParaRPr>
+          </a:p>
+          <a:p>
+            <a:pPr lvl="0">
+              <a:lnSpc>
+                <a:spcPct val="150000"/>
+              </a:lnSpc>
+              <a:spcAft>
+                <a:spcPts val="800"/>
+              </a:spcAft>
+            </a:pPr>
+            <a:endParaRPr lang="es-AR" sz="1800" dirty="0">
+              <a:effectLst/>
+              <a:latin typeface="Calibri" panose="020F0502020204030204" pitchFamily="34" charset="0"/>
+              <a:ea typeface="Times New Roman" panose="02020603050405020304" pitchFamily="18" charset="0"/>
+              <a:cs typeface="Times New Roman" panose="02020603050405020304" pitchFamily="18" charset="0"/>
+            </a:endParaRPr>
+          </a:p>
+        </p:txBody>
+      </p:sp>
+      <p:sp>
+        <p:nvSpPr>
+          <p:cNvPr id="2" name="Rectángulo: esquinas redondeadas 1">
+            <a:extLst>
+              <a:ext uri="{FF2B5EF4-FFF2-40B4-BE49-F238E27FC236}">
+                <a16:creationId xmlns:a16="http://schemas.microsoft.com/office/drawing/2014/main" id="{63D89174-3924-AF6F-BDDA-B3D6DEF87775}"/>
+              </a:ext>
+            </a:extLst>
+          </p:cNvPr>
+          <p:cNvSpPr/>
+          <p:nvPr/>
+        </p:nvSpPr>
+        <p:spPr>
+          <a:xfrm>
+            <a:off x="736270" y="1555305"/>
+            <a:ext cx="7956467" cy="992332"/>
+          </a:xfrm>
+          <a:prstGeom prst="roundRect">
+            <a:avLst/>
+          </a:prstGeom>
+          <a:solidFill>
+            <a:schemeClr val="accent4">
+              <a:lumMod val="75000"/>
+            </a:schemeClr>
+          </a:solidFill>
+        </p:spPr>
+        <p:style>
+          <a:lnRef idx="2">
+            <a:schemeClr val="accent1">
+              <a:shade val="50000"/>
+            </a:schemeClr>
+          </a:lnRef>
+          <a:fillRef idx="1">
+            <a:schemeClr val="accent1"/>
+          </a:fillRef>
+          <a:effectRef idx="0">
+            <a:schemeClr val="accent1"/>
+          </a:effectRef>
+          <a:fontRef idx="minor">
+            <a:schemeClr val="lt1"/>
+          </a:fontRef>
+        </p:style>
+        <p:txBody>
+          <a:bodyPr rtlCol="0" anchor="ctr"/>
+          <a:lstStyle/>
+          <a:p>
+            <a:pPr lvl="0">
+              <a:lnSpc>
+                <a:spcPct val="150000"/>
+              </a:lnSpc>
+              <a:spcAft>
+                <a:spcPts val="800"/>
+              </a:spcAft>
+            </a:pPr>
+            <a:r>
+              <a:rPr lang="es-AR" sz="1600" dirty="0">
+                <a:effectLst/>
+                <a:latin typeface="Arial Rounded MT Bold" panose="020F0704030504030204" pitchFamily="34" charset="0"/>
+                <a:ea typeface="Times New Roman" panose="02020603050405020304" pitchFamily="18" charset="0"/>
+                <a:cs typeface="Times New Roman" panose="02020603050405020304" pitchFamily="18" charset="0"/>
+              </a:rPr>
+              <a:t>PHOBIA presenta una atmosfera opresiva que  nos </a:t>
+            </a:r>
+            <a:r>
+              <a:rPr lang="es-AR" sz="1600" dirty="0" err="1">
+                <a:effectLst/>
+                <a:latin typeface="Arial Rounded MT Bold" panose="020F0704030504030204" pitchFamily="34" charset="0"/>
+                <a:ea typeface="Times New Roman" panose="02020603050405020304" pitchFamily="18" charset="0"/>
+                <a:cs typeface="Times New Roman" panose="02020603050405020304" pitchFamily="18" charset="0"/>
+              </a:rPr>
+              <a:t>dsafia</a:t>
+            </a:r>
+            <a:r>
+              <a:rPr lang="es-AR" sz="1600" dirty="0">
+                <a:effectLst/>
+                <a:latin typeface="Arial Rounded MT Bold" panose="020F0704030504030204" pitchFamily="34" charset="0"/>
+                <a:ea typeface="Times New Roman" panose="02020603050405020304" pitchFamily="18" charset="0"/>
+                <a:cs typeface="Times New Roman" panose="02020603050405020304" pitchFamily="18" charset="0"/>
+              </a:rPr>
+              <a:t> entre lo real e irreal</a:t>
+            </a:r>
+          </a:p>
+        </p:txBody>
+      </p:sp>
+      <p:sp>
+        <p:nvSpPr>
+          <p:cNvPr id="3" name="Rectángulo: esquinas redondeadas 2">
+            <a:extLst>
+              <a:ext uri="{FF2B5EF4-FFF2-40B4-BE49-F238E27FC236}">
+                <a16:creationId xmlns:a16="http://schemas.microsoft.com/office/drawing/2014/main" id="{271EA7DF-5691-2707-C547-8F62BE273463}"/>
+              </a:ext>
+            </a:extLst>
+          </p:cNvPr>
+          <p:cNvSpPr/>
+          <p:nvPr/>
+        </p:nvSpPr>
+        <p:spPr>
+          <a:xfrm>
+            <a:off x="736271" y="3161049"/>
+            <a:ext cx="7956467" cy="992332"/>
+          </a:xfrm>
+          <a:prstGeom prst="roundRect">
+            <a:avLst/>
+          </a:prstGeom>
+          <a:solidFill>
+            <a:schemeClr val="accent4">
+              <a:lumMod val="75000"/>
+            </a:schemeClr>
+          </a:solidFill>
+        </p:spPr>
+        <p:style>
+          <a:lnRef idx="2">
+            <a:schemeClr val="accent1">
+              <a:shade val="50000"/>
+            </a:schemeClr>
+          </a:lnRef>
+          <a:fillRef idx="1">
+            <a:schemeClr val="accent1"/>
+          </a:fillRef>
+          <a:effectRef idx="0">
+            <a:schemeClr val="accent1"/>
+          </a:effectRef>
+          <a:fontRef idx="minor">
+            <a:schemeClr val="lt1"/>
+          </a:fontRef>
+        </p:style>
+        <p:txBody>
+          <a:bodyPr rtlCol="0" anchor="ctr"/>
+          <a:lstStyle/>
+          <a:p>
+            <a:pPr lvl="0">
+              <a:lnSpc>
+                <a:spcPct val="150000"/>
+              </a:lnSpc>
+              <a:spcAft>
+                <a:spcPts val="800"/>
+              </a:spcAft>
+            </a:pPr>
+            <a:r>
+              <a:rPr lang="es-AR" sz="1600" dirty="0">
+                <a:latin typeface="Arial Rounded MT Bold" panose="020F0704030504030204" pitchFamily="34" charset="0"/>
+                <a:ea typeface="Times New Roman" panose="02020603050405020304" pitchFamily="18" charset="0"/>
+                <a:cs typeface="Times New Roman" panose="02020603050405020304" pitchFamily="18" charset="0"/>
+              </a:rPr>
+              <a:t>PHOBIA es un </a:t>
+            </a:r>
+            <a:r>
+              <a:rPr lang="es-AR" sz="1600" dirty="0" err="1">
+                <a:latin typeface="Arial Rounded MT Bold" panose="020F0704030504030204" pitchFamily="34" charset="0"/>
+                <a:ea typeface="Times New Roman" panose="02020603050405020304" pitchFamily="18" charset="0"/>
+                <a:cs typeface="Times New Roman" panose="02020603050405020304" pitchFamily="18" charset="0"/>
+              </a:rPr>
+              <a:t>desafio</a:t>
+            </a:r>
+            <a:r>
+              <a:rPr lang="es-AR" sz="1600" dirty="0">
+                <a:latin typeface="Arial Rounded MT Bold" panose="020F0704030504030204" pitchFamily="34" charset="0"/>
+                <a:ea typeface="Times New Roman" panose="02020603050405020304" pitchFamily="18" charset="0"/>
+                <a:cs typeface="Times New Roman" panose="02020603050405020304" pitchFamily="18" charset="0"/>
+              </a:rPr>
+              <a:t> es </a:t>
+            </a:r>
+            <a:r>
+              <a:rPr lang="es-AR" sz="1600" dirty="0" err="1">
+                <a:latin typeface="Arial Rounded MT Bold" panose="020F0704030504030204" pitchFamily="34" charset="0"/>
+                <a:ea typeface="Times New Roman" panose="02020603050405020304" pitchFamily="18" charset="0"/>
+                <a:cs typeface="Times New Roman" panose="02020603050405020304" pitchFamily="18" charset="0"/>
+              </a:rPr>
+              <a:t>simismo</a:t>
+            </a:r>
+            <a:r>
+              <a:rPr lang="es-AR" sz="1600" dirty="0">
+                <a:latin typeface="Arial Rounded MT Bold" panose="020F0704030504030204" pitchFamily="34" charset="0"/>
+                <a:ea typeface="Times New Roman" panose="02020603050405020304" pitchFamily="18" charset="0"/>
+                <a:cs typeface="Times New Roman" panose="02020603050405020304" pitchFamily="18" charset="0"/>
+              </a:rPr>
+              <a:t>, pero además oculta una verdad que requiere ser </a:t>
+            </a:r>
+            <a:r>
+              <a:rPr lang="es-AR" sz="1600" dirty="0" err="1">
+                <a:latin typeface="Arial Rounded MT Bold" panose="020F0704030504030204" pitchFamily="34" charset="0"/>
+                <a:ea typeface="Times New Roman" panose="02020603050405020304" pitchFamily="18" charset="0"/>
+                <a:cs typeface="Times New Roman" panose="02020603050405020304" pitchFamily="18" charset="0"/>
+              </a:rPr>
+              <a:t>descibierta</a:t>
+            </a:r>
+            <a:r>
+              <a:rPr lang="es-AR" sz="1600" dirty="0">
+                <a:effectLst/>
+                <a:latin typeface="Arial Rounded MT Bold" panose="020F0704030504030204" pitchFamily="34" charset="0"/>
+                <a:ea typeface="Times New Roman" panose="02020603050405020304" pitchFamily="18" charset="0"/>
+                <a:cs typeface="Times New Roman" panose="02020603050405020304" pitchFamily="18" charset="0"/>
+              </a:rPr>
+              <a:t>.</a:t>
+            </a:r>
+          </a:p>
+        </p:txBody>
+      </p:sp>
+    </p:spTree>
+    <p:extLst>
+      <p:ext uri="{BB962C8B-B14F-4D97-AF65-F5344CB8AC3E}">
+        <p14:creationId xmlns:p14="http://schemas.microsoft.com/office/powerpoint/2010/main" val="3861599590"/>
+      </p:ext>
+    </p:extLst>
+  </p:cSld>
+  <p:clrMapOvr>
+    <a:masterClrMapping/>
+  </p:clrMapOvr>
+</p:sld>
+</file>
+
+<file path=ppt/slides/slide12.xml><?xml version="1.0" encoding="utf-8"?>
 <p:sld xmlns:a="http://schemas.openxmlformats.org/drawingml/2006/main" xmlns:r="http://schemas.openxmlformats.org/officeDocument/2006/relationships" xmlns:p="http://schemas.openxmlformats.org/presentationml/2006/main">
   <p:cSld>
     <p:spTree>
@@ -7859,6 +8875,57 @@
       </p:sp>
       <p:sp>
         <p:nvSpPr>
+          <p:cNvPr id="3" name="Rectángulo: esquinas redondeadas 2">
+            <a:extLst>
+              <a:ext uri="{FF2B5EF4-FFF2-40B4-BE49-F238E27FC236}">
+                <a16:creationId xmlns:a16="http://schemas.microsoft.com/office/drawing/2014/main" id="{942F37AF-5FD0-B7FF-9135-E6E1C7908F09}"/>
+              </a:ext>
+            </a:extLst>
+          </p:cNvPr>
+          <p:cNvSpPr/>
+          <p:nvPr/>
+        </p:nvSpPr>
+        <p:spPr>
+          <a:xfrm>
+            <a:off x="4155226" y="95003"/>
+            <a:ext cx="4833257" cy="5048497"/>
+          </a:xfrm>
+          <a:prstGeom prst="roundRect">
+            <a:avLst/>
+          </a:prstGeom>
+          <a:solidFill>
+            <a:schemeClr val="accent4">
+              <a:lumMod val="75000"/>
+            </a:schemeClr>
+          </a:solidFill>
+        </p:spPr>
+        <p:style>
+          <a:lnRef idx="2">
+            <a:schemeClr val="accent1">
+              <a:shade val="50000"/>
+            </a:schemeClr>
+          </a:lnRef>
+          <a:fillRef idx="1">
+            <a:schemeClr val="accent1"/>
+          </a:fillRef>
+          <a:effectRef idx="0">
+            <a:schemeClr val="accent1"/>
+          </a:effectRef>
+          <a:fontRef idx="minor">
+            <a:schemeClr val="lt1"/>
+          </a:fontRef>
+        </p:style>
+        <p:txBody>
+          <a:bodyPr rtlCol="0" anchor="ctr"/>
+          <a:lstStyle/>
+          <a:p>
+            <a:pPr algn="ctr"/>
+            <a:endParaRPr lang="es-AR"/>
+          </a:p>
+        </p:txBody>
+      </p:sp>
+      <p:sp>
+        <p:nvSpPr>
           <p:cNvPr id="129" name="Google Shape;129;p23"/>
           <p:cNvSpPr txBox="1"/>
           <p:nvPr/>
@@ -8167,7 +9234,7 @@
 </p:sld>
 </file>
 
-<file path=ppt/slides/slide12.xml><?xml version="1.0" encoding="utf-8"?>
+<file path=ppt/slides/slide13.xml><?xml version="1.0" encoding="utf-8"?>
 <p:sld xmlns:a="http://schemas.openxmlformats.org/drawingml/2006/main" xmlns:r="http://schemas.openxmlformats.org/officeDocument/2006/relationships" xmlns:p="http://schemas.openxmlformats.org/presentationml/2006/main">
   <p:cSld>
     <p:spTree>
@@ -8184,106 +9251,6 @@
           <a:chExt cx="0" cy="0"/>
         </a:xfrm>
       </p:grpSpPr>
-      <p:sp>
-        <p:nvSpPr>
-          <p:cNvPr id="134" name="Google Shape;134;p24"/>
-          <p:cNvSpPr txBox="1"/>
-          <p:nvPr/>
-        </p:nvSpPr>
-        <p:spPr>
-          <a:xfrm>
-            <a:off x="268850" y="672125"/>
-            <a:ext cx="8730600" cy="831300"/>
-          </a:xfrm>
-          <a:prstGeom prst="rect">
-            <a:avLst/>
-          </a:prstGeom>
-          <a:noFill/>
-          <a:ln>
-            <a:noFill/>
-          </a:ln>
-        </p:spPr>
-        <p:txBody>
-          <a:bodyPr spcFirstLastPara="1" wrap="square" lIns="91425" tIns="91425" rIns="91425" bIns="91425" anchor="t" anchorCtr="0">
-            <a:spAutoFit/>
-          </a:bodyPr>
-          <a:lstStyle/>
-          <a:p>
-            <a:pPr marL="0" lvl="0" indent="0" algn="l" rtl="0">
-              <a:spcBef>
-                <a:spcPts val="0"/>
-              </a:spcBef>
-              <a:spcAft>
-                <a:spcPts val="0"/>
-              </a:spcAft>
-              <a:buNone/>
-            </a:pPr>
-            <a:r>
-              <a:rPr lang="es" i="1">
-                <a:solidFill>
-                  <a:srgbClr val="666666"/>
-                </a:solidFill>
-              </a:rPr>
-              <a:t>Colocar entre tres y cinco juegos que consideremos similares, para dar una perspectiva de cómo les fue a esos juegos a nivel de ventas y popularidad entre los usuarios. </a:t>
-            </a:r>
-            <a:r>
-              <a:rPr lang="es" b="1" i="1">
-                <a:solidFill>
-                  <a:srgbClr val="666666"/>
-                </a:solidFill>
-              </a:rPr>
-              <a:t>Queremos mostrar que nuestro juego tiene al menos este mismo potencial! </a:t>
-            </a:r>
-            <a:r>
-              <a:rPr lang="es" i="1">
-                <a:solidFill>
-                  <a:srgbClr val="666666"/>
-                </a:solidFill>
-              </a:rPr>
-              <a:t>Tomar los datos de sitios como </a:t>
-            </a:r>
-            <a:r>
-              <a:rPr lang="es" i="1" u="sng">
-                <a:solidFill>
-                  <a:schemeClr val="hlink"/>
-                </a:solidFill>
-                <a:hlinkClick r:id="rId3"/>
-              </a:rPr>
-              <a:t>SteamSpy</a:t>
-            </a:r>
-            <a:r>
-              <a:rPr lang="es" b="1" i="1">
-                <a:solidFill>
-                  <a:srgbClr val="666666"/>
-                </a:solidFill>
-              </a:rPr>
-              <a:t> </a:t>
-            </a:r>
-            <a:r>
-              <a:rPr lang="es" i="1">
-                <a:solidFill>
-                  <a:srgbClr val="666666"/>
-                </a:solidFill>
-              </a:rPr>
-              <a:t>o </a:t>
-            </a:r>
-            <a:r>
-              <a:rPr lang="es" i="1" u="sng">
-                <a:solidFill>
-                  <a:schemeClr val="hlink"/>
-                </a:solidFill>
-                <a:hlinkClick r:id="rId4"/>
-              </a:rPr>
-              <a:t>SensorTower</a:t>
-            </a:r>
-            <a:endParaRPr i="1">
-              <a:solidFill>
-                <a:srgbClr val="666666"/>
-              </a:solidFill>
-            </a:endParaRPr>
-          </a:p>
-        </p:txBody>
-      </p:sp>
       <p:sp>
         <p:nvSpPr>
           <p:cNvPr id="135" name="Google Shape;135;p24"/>
@@ -8330,18 +9297,171 @@
               <a:buNone/>
             </a:pPr>
             <a:r>
-              <a:rPr lang="es" sz="2200" b="1">
+              <a:rPr lang="es" sz="2200" b="1" dirty="0">
                 <a:solidFill>
                   <a:srgbClr val="666666"/>
                 </a:solidFill>
               </a:rPr>
-              <a:t>JUEGOS SIMILARES Y COMPETENCIA</a:t>
-            </a:r>
-            <a:endParaRPr sz="2200" b="1">
+              <a:t>                            JUEGOS SIMILARES Y COMPETENCIA</a:t>
+            </a:r>
+            <a:endParaRPr sz="2200" b="1" dirty="0">
               <a:solidFill>
                 <a:srgbClr val="666666"/>
               </a:solidFill>
             </a:endParaRPr>
+          </a:p>
+        </p:txBody>
+      </p:sp>
+      <p:sp>
+        <p:nvSpPr>
+          <p:cNvPr id="4" name="Rectángulo: esquinas redondeadas 3">
+            <a:extLst>
+              <a:ext uri="{FF2B5EF4-FFF2-40B4-BE49-F238E27FC236}">
+                <a16:creationId xmlns:a16="http://schemas.microsoft.com/office/drawing/2014/main" id="{E3FD65EA-ED5F-04D4-FA73-A4380D096AD3}"/>
+              </a:ext>
+            </a:extLst>
+          </p:cNvPr>
+          <p:cNvSpPr/>
+          <p:nvPr/>
+        </p:nvSpPr>
+        <p:spPr>
+          <a:xfrm>
+            <a:off x="6217328" y="3358681"/>
+            <a:ext cx="2847300" cy="1321025"/>
+          </a:xfrm>
+          <a:prstGeom prst="roundRect">
+            <a:avLst/>
+          </a:prstGeom>
+          <a:solidFill>
+            <a:schemeClr val="accent4">
+              <a:lumMod val="75000"/>
+            </a:schemeClr>
+          </a:solidFill>
+        </p:spPr>
+        <p:style>
+          <a:lnRef idx="2">
+            <a:schemeClr val="accent1">
+              <a:shade val="50000"/>
+            </a:schemeClr>
+          </a:lnRef>
+          <a:fillRef idx="1">
+            <a:schemeClr val="accent1"/>
+          </a:fillRef>
+          <a:effectRef idx="0">
+            <a:schemeClr val="accent1"/>
+          </a:effectRef>
+          <a:fontRef idx="minor">
+            <a:schemeClr val="lt1"/>
+          </a:fontRef>
+        </p:style>
+        <p:txBody>
+          <a:bodyPr rtlCol="0" anchor="ctr"/>
+          <a:lstStyle/>
+          <a:p>
+            <a:pPr algn="ctr"/>
+            <a:endParaRPr lang="es-AR"/>
+          </a:p>
+        </p:txBody>
+      </p:sp>
+      <p:sp>
+        <p:nvSpPr>
+          <p:cNvPr id="3" name="Rectángulo: esquinas redondeadas 2">
+            <a:extLst>
+              <a:ext uri="{FF2B5EF4-FFF2-40B4-BE49-F238E27FC236}">
+                <a16:creationId xmlns:a16="http://schemas.microsoft.com/office/drawing/2014/main" id="{AF15ACD5-A9C7-4C73-E565-7214B1135DEF}"/>
+              </a:ext>
+            </a:extLst>
+          </p:cNvPr>
+          <p:cNvSpPr/>
+          <p:nvPr/>
+        </p:nvSpPr>
+        <p:spPr>
+          <a:xfrm>
+            <a:off x="3226960" y="3387074"/>
+            <a:ext cx="2847300" cy="1321025"/>
+          </a:xfrm>
+          <a:prstGeom prst="roundRect">
+            <a:avLst/>
+          </a:prstGeom>
+          <a:solidFill>
+            <a:schemeClr val="accent4">
+              <a:lumMod val="75000"/>
+            </a:schemeClr>
+          </a:solidFill>
+        </p:spPr>
+        <p:style>
+          <a:lnRef idx="2">
+            <a:schemeClr val="accent1">
+              <a:shade val="50000"/>
+            </a:schemeClr>
+          </a:lnRef>
+          <a:fillRef idx="1">
+            <a:schemeClr val="accent1"/>
+          </a:fillRef>
+          <a:effectRef idx="0">
+            <a:schemeClr val="accent1"/>
+          </a:effectRef>
+          <a:fontRef idx="minor">
+            <a:schemeClr val="lt1"/>
+          </a:fontRef>
+        </p:style>
+        <p:txBody>
+          <a:bodyPr rtlCol="0" anchor="ctr"/>
+          <a:lstStyle/>
+          <a:p>
+            <a:pPr algn="ctr"/>
+            <a:endParaRPr lang="es-AR"/>
+          </a:p>
+        </p:txBody>
+      </p:sp>
+      <p:sp>
+        <p:nvSpPr>
+          <p:cNvPr id="2" name="Rectángulo: esquinas redondeadas 1">
+            <a:extLst>
+              <a:ext uri="{FF2B5EF4-FFF2-40B4-BE49-F238E27FC236}">
+                <a16:creationId xmlns:a16="http://schemas.microsoft.com/office/drawing/2014/main" id="{ED076AB1-E038-101D-12B5-4EAAD96A4056}"/>
+              </a:ext>
+            </a:extLst>
+          </p:cNvPr>
+          <p:cNvSpPr/>
+          <p:nvPr/>
+        </p:nvSpPr>
+        <p:spPr>
+          <a:xfrm>
+            <a:off x="170740" y="3387075"/>
+            <a:ext cx="2847300" cy="1321025"/>
+          </a:xfrm>
+          <a:prstGeom prst="roundRect">
+            <a:avLst/>
+          </a:prstGeom>
+          <a:solidFill>
+            <a:schemeClr val="accent4">
+              <a:lumMod val="75000"/>
+            </a:schemeClr>
+          </a:solidFill>
+        </p:spPr>
+        <p:style>
+          <a:lnRef idx="2">
+            <a:schemeClr val="accent1">
+              <a:shade val="50000"/>
+            </a:schemeClr>
+          </a:lnRef>
+          <a:fillRef idx="1">
+            <a:schemeClr val="accent1"/>
+          </a:fillRef>
+          <a:effectRef idx="0">
+            <a:schemeClr val="accent1"/>
+          </a:effectRef>
+          <a:fontRef idx="minor">
+            <a:schemeClr val="lt1"/>
+          </a:fontRef>
+        </p:style>
+        <p:txBody>
+          <a:bodyPr rtlCol="0" anchor="ctr"/>
+          <a:lstStyle/>
+          <a:p>
+            <a:pPr algn="ctr"/>
+            <a:endParaRPr lang="es-AR"/>
           </a:p>
         </p:txBody>
       </p:sp>
@@ -8354,7 +9474,7 @@
         <p:spPr>
           <a:xfrm>
             <a:off x="176875" y="3387075"/>
-            <a:ext cx="2847300" cy="1292631"/>
+            <a:ext cx="2847300" cy="1200298"/>
           </a:xfrm>
           <a:prstGeom prst="rect">
             <a:avLst/>
@@ -8380,25 +9500,37 @@
               <a:buNone/>
             </a:pPr>
             <a:r>
-              <a:rPr lang="es" sz="1200" b="1" i="1" dirty="0">
-                <a:solidFill>
-                  <a:srgbClr val="666666"/>
-                </a:solidFill>
+              <a:rPr lang="es" sz="1100" b="1" i="1" dirty="0">
+                <a:solidFill>
+                  <a:schemeClr val="tx1">
+                    <a:lumMod val="95000"/>
+                    <a:lumOff val="5000"/>
+                  </a:schemeClr>
+                </a:solidFill>
+                <a:latin typeface="Arial Rounded MT Bold" panose="020F0704030504030204" pitchFamily="34" charset="0"/>
               </a:rPr>
               <a:t>Fecha de Lanzamiento: </a:t>
             </a:r>
             <a:r>
-              <a:rPr lang="es-AR" sz="1200" b="1" i="1" dirty="0">
-                <a:solidFill>
-                  <a:srgbClr val="666666"/>
-                </a:solidFill>
+              <a:rPr lang="es-AR" sz="1100" b="1" i="1" dirty="0">
+                <a:solidFill>
+                  <a:schemeClr val="tx1">
+                    <a:lumMod val="95000"/>
+                    <a:lumOff val="5000"/>
+                  </a:schemeClr>
+                </a:solidFill>
+                <a:latin typeface="Arial Rounded MT Bold" panose="020F0704030504030204" pitchFamily="34" charset="0"/>
               </a:rPr>
               <a:t>30 OCT 2020</a:t>
             </a:r>
-            <a:endParaRPr lang="es" sz="1200" b="1" i="1" dirty="0">
+            <a:endParaRPr lang="es" sz="1100" b="1" i="1" dirty="0">
               <a:solidFill>
-                <a:srgbClr val="666666"/>
+                <a:schemeClr val="tx1">
+                  <a:lumMod val="95000"/>
+                  <a:lumOff val="5000"/>
+                </a:schemeClr>
               </a:solidFill>
+              <a:latin typeface="Arial Rounded MT Bold" panose="020F0704030504030204" pitchFamily="34" charset="0"/>
             </a:endParaRPr>
           </a:p>
           <a:p>
@@ -8412,25 +9544,37 @@
               <a:buNone/>
             </a:pPr>
             <a:r>
-              <a:rPr lang="es" sz="1200" b="1" i="1" dirty="0">
-                <a:solidFill>
-                  <a:srgbClr val="666666"/>
-                </a:solidFill>
+              <a:rPr lang="es" sz="1100" b="1" i="1" dirty="0">
+                <a:solidFill>
+                  <a:schemeClr val="tx1">
+                    <a:lumMod val="95000"/>
+                    <a:lumOff val="5000"/>
+                  </a:schemeClr>
+                </a:solidFill>
+                <a:latin typeface="Arial Rounded MT Bold" panose="020F0704030504030204" pitchFamily="34" charset="0"/>
               </a:rPr>
               <a:t>Precio de Lanzamiento: </a:t>
             </a:r>
             <a:r>
-              <a:rPr lang="es-AR" sz="1200" i="1" dirty="0">
-                <a:solidFill>
-                  <a:srgbClr val="666666"/>
-                </a:solidFill>
+              <a:rPr lang="es-AR" sz="1100" i="1" dirty="0">
+                <a:solidFill>
+                  <a:schemeClr val="tx1">
+                    <a:lumMod val="95000"/>
+                    <a:lumOff val="5000"/>
+                  </a:schemeClr>
+                </a:solidFill>
+                <a:latin typeface="Arial Rounded MT Bold" panose="020F0704030504030204" pitchFamily="34" charset="0"/>
               </a:rPr>
               <a:t>ARS$ 194,99</a:t>
             </a:r>
-            <a:endParaRPr sz="1200" i="1" dirty="0">
+            <a:endParaRPr sz="1100" i="1" dirty="0">
               <a:solidFill>
-                <a:srgbClr val="666666"/>
+                <a:schemeClr val="tx1">
+                  <a:lumMod val="95000"/>
+                  <a:lumOff val="5000"/>
+                </a:schemeClr>
               </a:solidFill>
+              <a:latin typeface="Arial Rounded MT Bold" panose="020F0704030504030204" pitchFamily="34" charset="0"/>
             </a:endParaRPr>
           </a:p>
           <a:p>
@@ -8444,25 +9588,37 @@
               <a:buNone/>
             </a:pPr>
             <a:r>
-              <a:rPr lang="es" sz="1200" b="1" i="1" dirty="0">
-                <a:solidFill>
-                  <a:srgbClr val="666666"/>
-                </a:solidFill>
+              <a:rPr lang="es" sz="1100" b="1" i="1" dirty="0">
+                <a:solidFill>
+                  <a:schemeClr val="tx1">
+                    <a:lumMod val="95000"/>
+                    <a:lumOff val="5000"/>
+                  </a:schemeClr>
+                </a:solidFill>
+                <a:latin typeface="Arial Rounded MT Bold" panose="020F0704030504030204" pitchFamily="34" charset="0"/>
               </a:rPr>
               <a:t>Ventas:</a:t>
             </a:r>
             <a:r>
-              <a:rPr lang="es" sz="1200" i="1" dirty="0">
-                <a:solidFill>
-                  <a:srgbClr val="666666"/>
-                </a:solidFill>
+              <a:rPr lang="es" sz="1100" i="1" dirty="0">
+                <a:solidFill>
+                  <a:schemeClr val="tx1">
+                    <a:lumMod val="95000"/>
+                    <a:lumOff val="5000"/>
+                  </a:schemeClr>
+                </a:solidFill>
+                <a:latin typeface="Arial Rounded MT Bold" panose="020F0704030504030204" pitchFamily="34" charset="0"/>
               </a:rPr>
               <a:t> 6245</a:t>
             </a:r>
-            <a:endParaRPr sz="1200" i="1" dirty="0">
+            <a:endParaRPr sz="1100" i="1" dirty="0">
               <a:solidFill>
-                <a:srgbClr val="666666"/>
+                <a:schemeClr val="tx1">
+                  <a:lumMod val="95000"/>
+                  <a:lumOff val="5000"/>
+                </a:schemeClr>
               </a:solidFill>
+              <a:latin typeface="Arial Rounded MT Bold" panose="020F0704030504030204" pitchFamily="34" charset="0"/>
             </a:endParaRPr>
           </a:p>
           <a:p>
@@ -8475,10 +9631,14 @@
               </a:spcAft>
               <a:buNone/>
             </a:pPr>
-            <a:endParaRPr sz="1200" i="1" dirty="0">
+            <a:endParaRPr sz="1100" i="1" dirty="0">
               <a:solidFill>
-                <a:srgbClr val="666666"/>
+                <a:schemeClr val="tx1">
+                  <a:lumMod val="95000"/>
+                  <a:lumOff val="5000"/>
+                </a:schemeClr>
               </a:solidFill>
+              <a:latin typeface="Arial Rounded MT Bold" panose="020F0704030504030204" pitchFamily="34" charset="0"/>
             </a:endParaRPr>
           </a:p>
           <a:p>
@@ -8492,25 +9652,37 @@
               <a:buNone/>
             </a:pPr>
             <a:r>
-              <a:rPr lang="es" sz="1200" b="1" i="1" dirty="0">
-                <a:solidFill>
-                  <a:srgbClr val="666666"/>
-                </a:solidFill>
+              <a:rPr lang="es" sz="1100" b="1" i="1" dirty="0">
+                <a:solidFill>
+                  <a:schemeClr val="tx1">
+                    <a:lumMod val="95000"/>
+                    <a:lumOff val="5000"/>
+                  </a:schemeClr>
+                </a:solidFill>
+                <a:latin typeface="Arial Rounded MT Bold" panose="020F0704030504030204" pitchFamily="34" charset="0"/>
               </a:rPr>
               <a:t>Reseñas Steam:</a:t>
             </a:r>
             <a:r>
-              <a:rPr lang="es" sz="1200" i="1" dirty="0">
-                <a:solidFill>
-                  <a:srgbClr val="666666"/>
-                </a:solidFill>
+              <a:rPr lang="es" sz="1100" i="1" dirty="0">
+                <a:solidFill>
+                  <a:schemeClr val="tx1">
+                    <a:lumMod val="95000"/>
+                    <a:lumOff val="5000"/>
+                  </a:schemeClr>
+                </a:solidFill>
+                <a:latin typeface="Arial Rounded MT Bold" panose="020F0704030504030204" pitchFamily="34" charset="0"/>
               </a:rPr>
               <a:t> 7689</a:t>
             </a:r>
-            <a:endParaRPr sz="1200" i="1" dirty="0">
+            <a:endParaRPr sz="1100" i="1" dirty="0">
               <a:solidFill>
-                <a:srgbClr val="666666"/>
+                <a:schemeClr val="tx1">
+                  <a:lumMod val="95000"/>
+                  <a:lumOff val="5000"/>
+                </a:schemeClr>
               </a:solidFill>
+              <a:latin typeface="Arial Rounded MT Bold" panose="020F0704030504030204" pitchFamily="34" charset="0"/>
             </a:endParaRPr>
           </a:p>
           <a:p>
@@ -8524,17 +9696,25 @@
               <a:buNone/>
             </a:pPr>
             <a:r>
-              <a:rPr lang="es" sz="1200" b="1" i="1" dirty="0">
-                <a:solidFill>
-                  <a:srgbClr val="666666"/>
-                </a:solidFill>
+              <a:rPr lang="es" sz="1100" b="1" i="1" dirty="0">
+                <a:solidFill>
+                  <a:schemeClr val="tx1">
+                    <a:lumMod val="95000"/>
+                    <a:lumOff val="5000"/>
+                  </a:schemeClr>
+                </a:solidFill>
+                <a:latin typeface="Arial Rounded MT Bold" panose="020F0704030504030204" pitchFamily="34" charset="0"/>
               </a:rPr>
               <a:t>Puntaje en Metacritic: 4,3 </a:t>
             </a:r>
-            <a:endParaRPr sz="1200" i="1" dirty="0">
+            <a:endParaRPr sz="1100" i="1" dirty="0">
               <a:solidFill>
-                <a:srgbClr val="666666"/>
+                <a:schemeClr val="tx1">
+                  <a:lumMod val="95000"/>
+                  <a:lumOff val="5000"/>
+                </a:schemeClr>
               </a:solidFill>
+              <a:latin typeface="Arial Rounded MT Bold" panose="020F0704030504030204" pitchFamily="34" charset="0"/>
             </a:endParaRPr>
           </a:p>
         </p:txBody>
@@ -8548,7 +9728,7 @@
         <p:spPr>
           <a:xfrm>
             <a:off x="3163265" y="3387075"/>
-            <a:ext cx="2847300" cy="1292631"/>
+            <a:ext cx="2847300" cy="1200298"/>
           </a:xfrm>
           <a:prstGeom prst="rect">
             <a:avLst/>
@@ -8574,67 +9754,38 @@
               <a:buNone/>
             </a:pPr>
             <a:r>
-              <a:rPr lang="es" sz="1200" b="1" i="1" dirty="0">
-                <a:solidFill>
-                  <a:srgbClr val="666666"/>
-                </a:solidFill>
-              </a:rPr>
-              <a:t>Fecha de Lanzamiento: </a:t>
-            </a:r>
-            <a:r>
-              <a:rPr lang="es-AR" sz="1200" b="0" i="0" dirty="0">
-                <a:solidFill>
-                  <a:srgbClr val="8F98A0"/>
-                </a:solidFill>
-                <a:effectLst/>
-                <a:latin typeface="Arial" panose="020B0604020202020204" pitchFamily="34" charset="0"/>
-              </a:rPr>
-              <a:t>24 ENE 2017</a:t>
-            </a:r>
-            <a:endParaRPr sz="1200" i="1" dirty="0">
-              <a:solidFill>
-                <a:srgbClr val="666666"/>
-              </a:solidFill>
-            </a:endParaRPr>
-          </a:p>
-          <a:p>
-            <a:pPr marL="0" lvl="0" indent="0" algn="l" rtl="0">
-              <a:spcBef>
-                <a:spcPts val="0"/>
-              </a:spcBef>
-              <a:spcAft>
-                <a:spcPts val="0"/>
-              </a:spcAft>
-              <a:buNone/>
-            </a:pPr>
-            <a:r>
-              <a:rPr lang="es" sz="1200" b="1" i="1" dirty="0">
-                <a:solidFill>
-                  <a:srgbClr val="666666"/>
-                </a:solidFill>
-              </a:rPr>
-              <a:t>Precio de Lanzamiento: </a:t>
-            </a:r>
-            <a:r>
-              <a:rPr lang="es-AR" sz="1200" b="0" i="0" dirty="0">
+              <a:rPr lang="es" sz="1100" b="1" i="1" dirty="0">
                 <a:solidFill>
                   <a:schemeClr val="tx1">
                     <a:lumMod val="95000"/>
                     <a:lumOff val="5000"/>
                   </a:schemeClr>
                 </a:solidFill>
+                <a:latin typeface="Arial Rounded MT Bold" panose="020F0704030504030204" pitchFamily="34" charset="0"/>
+              </a:rPr>
+              <a:t>Fecha de Lanzamiento: </a:t>
+            </a:r>
+            <a:r>
+              <a:rPr lang="es-AR" sz="1100" b="0" i="0" dirty="0">
+                <a:solidFill>
+                  <a:schemeClr val="tx1">
+                    <a:lumMod val="95000"/>
+                    <a:lumOff val="5000"/>
+                  </a:schemeClr>
+                </a:solidFill>
                 <a:effectLst/>
-                <a:latin typeface="Motiva Sans"/>
-              </a:rPr>
-              <a:t>ARS$ 648,00</a:t>
-            </a:r>
-            <a:endParaRPr sz="1200" i="1" dirty="0">
+                <a:latin typeface="Arial Rounded MT Bold" panose="020F0704030504030204" pitchFamily="34" charset="0"/>
+              </a:rPr>
+              <a:t>24 ENE 2017</a:t>
+            </a:r>
+            <a:endParaRPr sz="1100" i="1" dirty="0">
               <a:solidFill>
                 <a:schemeClr val="tx1">
                   <a:lumMod val="95000"/>
                   <a:lumOff val="5000"/>
                 </a:schemeClr>
               </a:solidFill>
+              <a:latin typeface="Arial Rounded MT Bold" panose="020F0704030504030204" pitchFamily="34" charset="0"/>
             </a:endParaRPr>
           </a:p>
           <a:p>
@@ -8648,25 +9799,82 @@
               <a:buNone/>
             </a:pPr>
             <a:r>
-              <a:rPr lang="es" sz="1200" b="1" i="1" dirty="0">
-                <a:solidFill>
-                  <a:srgbClr val="666666"/>
-                </a:solidFill>
+              <a:rPr lang="es" sz="1100" b="1" i="1" dirty="0">
+                <a:solidFill>
+                  <a:schemeClr val="tx1">
+                    <a:lumMod val="95000"/>
+                    <a:lumOff val="5000"/>
+                  </a:schemeClr>
+                </a:solidFill>
+                <a:latin typeface="Arial Rounded MT Bold" panose="020F0704030504030204" pitchFamily="34" charset="0"/>
+              </a:rPr>
+              <a:t>Precio de Lanzamiento: </a:t>
+            </a:r>
+            <a:r>
+              <a:rPr lang="es-AR" sz="1100" b="0" i="0" dirty="0">
+                <a:solidFill>
+                  <a:schemeClr val="tx1">
+                    <a:lumMod val="95000"/>
+                    <a:lumOff val="5000"/>
+                  </a:schemeClr>
+                </a:solidFill>
+                <a:effectLst/>
+                <a:latin typeface="Arial Rounded MT Bold" panose="020F0704030504030204" pitchFamily="34" charset="0"/>
+              </a:rPr>
+              <a:t>ARS$ 648,00</a:t>
+            </a:r>
+            <a:endParaRPr sz="1100" i="1" dirty="0">
+              <a:solidFill>
+                <a:schemeClr val="tx1">
+                  <a:lumMod val="95000"/>
+                  <a:lumOff val="5000"/>
+                </a:schemeClr>
+              </a:solidFill>
+              <a:latin typeface="Arial Rounded MT Bold" panose="020F0704030504030204" pitchFamily="34" charset="0"/>
+            </a:endParaRPr>
+          </a:p>
+          <a:p>
+            <a:pPr marL="0" lvl="0" indent="0" algn="l" rtl="0">
+              <a:spcBef>
+                <a:spcPts val="0"/>
+              </a:spcBef>
+              <a:spcAft>
+                <a:spcPts val="0"/>
+              </a:spcAft>
+              <a:buNone/>
+            </a:pPr>
+            <a:r>
+              <a:rPr lang="es" sz="1100" b="1" i="1" dirty="0">
+                <a:solidFill>
+                  <a:schemeClr val="tx1">
+                    <a:lumMod val="95000"/>
+                    <a:lumOff val="5000"/>
+                  </a:schemeClr>
+                </a:solidFill>
+                <a:latin typeface="Arial Rounded MT Bold" panose="020F0704030504030204" pitchFamily="34" charset="0"/>
               </a:rPr>
               <a:t>Ventas:</a:t>
             </a:r>
             <a:r>
-              <a:rPr lang="es" sz="1200" i="1" dirty="0">
-                <a:solidFill>
-                  <a:srgbClr val="666666"/>
-                </a:solidFill>
+              <a:rPr lang="es" sz="1100" i="1" dirty="0">
+                <a:solidFill>
+                  <a:schemeClr val="tx1">
+                    <a:lumMod val="95000"/>
+                    <a:lumOff val="5000"/>
+                  </a:schemeClr>
+                </a:solidFill>
+                <a:latin typeface="Arial Rounded MT Bold" panose="020F0704030504030204" pitchFamily="34" charset="0"/>
               </a:rPr>
               <a:t> 48957</a:t>
             </a:r>
-            <a:endParaRPr sz="1200" i="1" dirty="0">
+            <a:endParaRPr sz="1100" i="1" dirty="0">
               <a:solidFill>
-                <a:srgbClr val="666666"/>
+                <a:schemeClr val="tx1">
+                  <a:lumMod val="95000"/>
+                  <a:lumOff val="5000"/>
+                </a:schemeClr>
               </a:solidFill>
+              <a:latin typeface="Arial Rounded MT Bold" panose="020F0704030504030204" pitchFamily="34" charset="0"/>
             </a:endParaRPr>
           </a:p>
           <a:p>
@@ -8679,10 +9887,14 @@
               </a:spcAft>
               <a:buNone/>
             </a:pPr>
-            <a:endParaRPr sz="1200" i="1" dirty="0">
+            <a:endParaRPr sz="1100" i="1" dirty="0">
               <a:solidFill>
-                <a:srgbClr val="666666"/>
+                <a:schemeClr val="tx1">
+                  <a:lumMod val="95000"/>
+                  <a:lumOff val="5000"/>
+                </a:schemeClr>
               </a:solidFill>
+              <a:latin typeface="Arial Rounded MT Bold" panose="020F0704030504030204" pitchFamily="34" charset="0"/>
             </a:endParaRPr>
           </a:p>
           <a:p>
@@ -8696,25 +9908,37 @@
               <a:buNone/>
             </a:pPr>
             <a:r>
-              <a:rPr lang="es" sz="1200" b="1" i="1" dirty="0">
-                <a:solidFill>
-                  <a:srgbClr val="666666"/>
-                </a:solidFill>
+              <a:rPr lang="es" sz="1100" b="1" i="1" dirty="0">
+                <a:solidFill>
+                  <a:schemeClr val="tx1">
+                    <a:lumMod val="95000"/>
+                    <a:lumOff val="5000"/>
+                  </a:schemeClr>
+                </a:solidFill>
+                <a:latin typeface="Arial Rounded MT Bold" panose="020F0704030504030204" pitchFamily="34" charset="0"/>
               </a:rPr>
               <a:t>Reseñas Steam:</a:t>
             </a:r>
             <a:r>
-              <a:rPr lang="es" sz="1200" i="1" dirty="0">
-                <a:solidFill>
-                  <a:srgbClr val="666666"/>
-                </a:solidFill>
+              <a:rPr lang="es" sz="1100" i="1" dirty="0">
+                <a:solidFill>
+                  <a:schemeClr val="tx1">
+                    <a:lumMod val="95000"/>
+                    <a:lumOff val="5000"/>
+                  </a:schemeClr>
+                </a:solidFill>
+                <a:latin typeface="Arial Rounded MT Bold" panose="020F0704030504030204" pitchFamily="34" charset="0"/>
               </a:rPr>
               <a:t> 70,000 res positivas</a:t>
             </a:r>
-            <a:endParaRPr sz="1200" i="1" dirty="0">
+            <a:endParaRPr sz="1100" i="1" dirty="0">
               <a:solidFill>
-                <a:srgbClr val="666666"/>
+                <a:schemeClr val="tx1">
+                  <a:lumMod val="95000"/>
+                  <a:lumOff val="5000"/>
+                </a:schemeClr>
               </a:solidFill>
+              <a:latin typeface="Arial Rounded MT Bold" panose="020F0704030504030204" pitchFamily="34" charset="0"/>
             </a:endParaRPr>
           </a:p>
           <a:p>
@@ -8728,17 +9952,25 @@
               <a:buNone/>
             </a:pPr>
             <a:r>
-              <a:rPr lang="es" sz="1200" b="1" i="1" dirty="0">
-                <a:solidFill>
-                  <a:srgbClr val="666666"/>
-                </a:solidFill>
+              <a:rPr lang="es" sz="1100" b="1" i="1" dirty="0">
+                <a:solidFill>
+                  <a:schemeClr val="tx1">
+                    <a:lumMod val="95000"/>
+                    <a:lumOff val="5000"/>
+                  </a:schemeClr>
+                </a:solidFill>
+                <a:latin typeface="Arial Rounded MT Bold" panose="020F0704030504030204" pitchFamily="34" charset="0"/>
               </a:rPr>
               <a:t>Puntaje en Metacritic: 8,1</a:t>
             </a:r>
-            <a:endParaRPr sz="1200" i="1" dirty="0">
+            <a:endParaRPr sz="1100" i="1" dirty="0">
               <a:solidFill>
-                <a:srgbClr val="666666"/>
+                <a:schemeClr val="tx1">
+                  <a:lumMod val="95000"/>
+                  <a:lumOff val="5000"/>
+                </a:schemeClr>
               </a:solidFill>
+              <a:latin typeface="Arial Rounded MT Bold" panose="020F0704030504030204" pitchFamily="34" charset="0"/>
             </a:endParaRPr>
           </a:p>
         </p:txBody>
@@ -8780,53 +10012,69 @@
             <a:r>
               <a:rPr lang="es" sz="1200" b="1" i="1" dirty="0">
                 <a:solidFill>
-                  <a:srgbClr val="666666"/>
-                </a:solidFill>
-              </a:rPr>
-              <a:t>Fecha de Lanzamiento: </a:t>
-            </a:r>
-            <a:r>
-              <a:rPr lang="es" sz="1200" i="1" dirty="0">
-                <a:solidFill>
-                  <a:srgbClr val="666666"/>
-                </a:solidFill>
-              </a:rPr>
-              <a:t>07/07/2022</a:t>
-            </a:r>
-            <a:endParaRPr sz="1200" i="1" dirty="0">
-              <a:solidFill>
-                <a:srgbClr val="666666"/>
-              </a:solidFill>
-            </a:endParaRPr>
-          </a:p>
-          <a:p>
-            <a:pPr marL="0" lvl="0" indent="0" algn="l" rtl="0">
-              <a:spcBef>
-                <a:spcPts val="0"/>
-              </a:spcBef>
-              <a:spcAft>
-                <a:spcPts val="0"/>
-              </a:spcAft>
-              <a:buNone/>
-            </a:pPr>
-            <a:r>
-              <a:rPr lang="es" sz="1200" b="1" i="1" dirty="0">
-                <a:solidFill>
-                  <a:srgbClr val="666666"/>
-                </a:solidFill>
-              </a:rPr>
-              <a:t>Precio de Lanzamiento: </a:t>
-            </a:r>
-            <a:r>
-              <a:rPr lang="es-AR" sz="1100" b="0" i="0" dirty="0">
-                <a:solidFill>
                   <a:schemeClr val="tx1">
                     <a:lumMod val="95000"/>
                     <a:lumOff val="5000"/>
                   </a:schemeClr>
                 </a:solidFill>
+                <a:latin typeface="Arial Rounded MT Bold" panose="020F0704030504030204" pitchFamily="34" charset="0"/>
+              </a:rPr>
+              <a:t>Fecha de Lanzamiento: </a:t>
+            </a:r>
+            <a:r>
+              <a:rPr lang="es" sz="1200" i="1" dirty="0">
+                <a:solidFill>
+                  <a:schemeClr val="tx1">
+                    <a:lumMod val="95000"/>
+                    <a:lumOff val="5000"/>
+                  </a:schemeClr>
+                </a:solidFill>
+                <a:latin typeface="Arial Rounded MT Bold" panose="020F0704030504030204" pitchFamily="34" charset="0"/>
+              </a:rPr>
+              <a:t>07/07/2022</a:t>
+            </a:r>
+            <a:endParaRPr sz="1200" i="1" dirty="0">
+              <a:solidFill>
+                <a:schemeClr val="tx1">
+                  <a:lumMod val="95000"/>
+                  <a:lumOff val="5000"/>
+                </a:schemeClr>
+              </a:solidFill>
+              <a:latin typeface="Arial Rounded MT Bold" panose="020F0704030504030204" pitchFamily="34" charset="0"/>
+            </a:endParaRPr>
+          </a:p>
+          <a:p>
+            <a:pPr marL="0" lvl="0" indent="0" algn="l" rtl="0">
+              <a:spcBef>
+                <a:spcPts val="0"/>
+              </a:spcBef>
+              <a:spcAft>
+                <a:spcPts val="0"/>
+              </a:spcAft>
+              <a:buNone/>
+            </a:pPr>
+            <a:r>
+              <a:rPr lang="es" sz="1200" b="1" i="1" dirty="0">
+                <a:solidFill>
+                  <a:schemeClr val="tx1">
+                    <a:lumMod val="95000"/>
+                    <a:lumOff val="5000"/>
+                  </a:schemeClr>
+                </a:solidFill>
+                <a:latin typeface="Arial Rounded MT Bold" panose="020F0704030504030204" pitchFamily="34" charset="0"/>
+              </a:rPr>
+              <a:t>Precio de Lanzamiento: </a:t>
+            </a:r>
+            <a:r>
+              <a:rPr lang="es-AR" sz="1100" b="0" i="0" dirty="0">
+                <a:solidFill>
+                  <a:schemeClr val="tx1">
+                    <a:lumMod val="95000"/>
+                    <a:lumOff val="5000"/>
+                  </a:schemeClr>
+                </a:solidFill>
                 <a:effectLst/>
-                <a:latin typeface="Motiva Sans"/>
+                <a:latin typeface="Arial Rounded MT Bold" panose="020F0704030504030204" pitchFamily="34" charset="0"/>
               </a:rPr>
               <a:t>ARS$ 899,99</a:t>
             </a:r>
@@ -8837,6 +10085,7 @@
                   <a:lumOff val="5000"/>
                 </a:schemeClr>
               </a:solidFill>
+              <a:latin typeface="Arial Rounded MT Bold" panose="020F0704030504030204" pitchFamily="34" charset="0"/>
             </a:endParaRPr>
           </a:p>
           <a:p>
@@ -8852,23 +10101,35 @@
             <a:r>
               <a:rPr lang="es" sz="1200" b="1" i="1" dirty="0">
                 <a:solidFill>
-                  <a:srgbClr val="666666"/>
-                </a:solidFill>
+                  <a:schemeClr val="tx1">
+                    <a:lumMod val="95000"/>
+                    <a:lumOff val="5000"/>
+                  </a:schemeClr>
+                </a:solidFill>
+                <a:latin typeface="Arial Rounded MT Bold" panose="020F0704030504030204" pitchFamily="34" charset="0"/>
               </a:rPr>
               <a:t>Ventas:</a:t>
             </a:r>
             <a:r>
               <a:rPr lang="es" sz="1200" i="1" dirty="0">
                 <a:solidFill>
-                  <a:srgbClr val="666666"/>
-                </a:solidFill>
+                  <a:schemeClr val="tx1">
+                    <a:lumMod val="95000"/>
+                    <a:lumOff val="5000"/>
+                  </a:schemeClr>
+                </a:solidFill>
+                <a:latin typeface="Arial Rounded MT Bold" panose="020F0704030504030204" pitchFamily="34" charset="0"/>
               </a:rPr>
               <a:t> 1692</a:t>
             </a:r>
             <a:endParaRPr sz="1200" i="1" dirty="0">
               <a:solidFill>
-                <a:srgbClr val="666666"/>
+                <a:schemeClr val="tx1">
+                  <a:lumMod val="95000"/>
+                  <a:lumOff val="5000"/>
+                </a:schemeClr>
               </a:solidFill>
+              <a:latin typeface="Arial Rounded MT Bold" panose="020F0704030504030204" pitchFamily="34" charset="0"/>
             </a:endParaRPr>
           </a:p>
           <a:p>
@@ -8883,8 +10144,12 @@
             </a:pPr>
             <a:endParaRPr sz="1200" i="1" dirty="0">
               <a:solidFill>
-                <a:srgbClr val="666666"/>
+                <a:schemeClr val="tx1">
+                  <a:lumMod val="95000"/>
+                  <a:lumOff val="5000"/>
+                </a:schemeClr>
               </a:solidFill>
+              <a:latin typeface="Arial Rounded MT Bold" panose="020F0704030504030204" pitchFamily="34" charset="0"/>
             </a:endParaRPr>
           </a:p>
           <a:p>
@@ -8900,23 +10165,35 @@
             <a:r>
               <a:rPr lang="es" sz="1200" b="1" i="1" dirty="0">
                 <a:solidFill>
-                  <a:srgbClr val="666666"/>
-                </a:solidFill>
+                  <a:schemeClr val="tx1">
+                    <a:lumMod val="95000"/>
+                    <a:lumOff val="5000"/>
+                  </a:schemeClr>
+                </a:solidFill>
+                <a:latin typeface="Arial Rounded MT Bold" panose="020F0704030504030204" pitchFamily="34" charset="0"/>
               </a:rPr>
               <a:t>Reseñas Steam:</a:t>
             </a:r>
             <a:r>
               <a:rPr lang="es" sz="1200" i="1" dirty="0">
                 <a:solidFill>
-                  <a:srgbClr val="666666"/>
-                </a:solidFill>
+                  <a:schemeClr val="tx1">
+                    <a:lumMod val="95000"/>
+                    <a:lumOff val="5000"/>
+                  </a:schemeClr>
+                </a:solidFill>
+                <a:latin typeface="Arial Rounded MT Bold" panose="020F0704030504030204" pitchFamily="34" charset="0"/>
               </a:rPr>
               <a:t> 1708 res+</a:t>
             </a:r>
             <a:endParaRPr sz="1200" i="1" dirty="0">
               <a:solidFill>
-                <a:srgbClr val="666666"/>
+                <a:schemeClr val="tx1">
+                  <a:lumMod val="95000"/>
+                  <a:lumOff val="5000"/>
+                </a:schemeClr>
               </a:solidFill>
+              <a:latin typeface="Arial Rounded MT Bold" panose="020F0704030504030204" pitchFamily="34" charset="0"/>
             </a:endParaRPr>
           </a:p>
           <a:p>
@@ -8932,15 +10209,23 @@
             <a:r>
               <a:rPr lang="es" sz="1200" b="1" i="1" dirty="0">
                 <a:solidFill>
-                  <a:srgbClr val="666666"/>
-                </a:solidFill>
+                  <a:schemeClr val="tx1">
+                    <a:lumMod val="95000"/>
+                    <a:lumOff val="5000"/>
+                  </a:schemeClr>
+                </a:solidFill>
+                <a:latin typeface="Arial Rounded MT Bold" panose="020F0704030504030204" pitchFamily="34" charset="0"/>
               </a:rPr>
               <a:t>Puntaje en Metacritic: </a:t>
             </a:r>
             <a:endParaRPr sz="1200" i="1" dirty="0">
               <a:solidFill>
-                <a:srgbClr val="666666"/>
+                <a:schemeClr val="tx1">
+                  <a:lumMod val="95000"/>
+                  <a:lumOff val="5000"/>
+                </a:schemeClr>
               </a:solidFill>
+              <a:latin typeface="Arial Rounded MT Bold" panose="020F0704030504030204" pitchFamily="34" charset="0"/>
             </a:endParaRPr>
           </a:p>
         </p:txBody>
@@ -8951,6 +10236,100 @@
             <a:extLst>
               <a:ext uri="{FF2B5EF4-FFF2-40B4-BE49-F238E27FC236}">
                 <a16:creationId xmlns:a16="http://schemas.microsoft.com/office/drawing/2014/main" id="{0C160815-9DE0-CB10-C263-85DAC96423BA}"/>
+              </a:ext>
+            </a:extLst>
+          </p:cNvPr>
+          <p:cNvPicPr>
+            <a:picLocks noChangeAspect="1" noChangeArrowheads="1"/>
+          </p:cNvPicPr>
+          <p:nvPr/>
+        </p:nvPicPr>
+        <p:blipFill>
+          <a:blip r:embed="rId3">
+            <a:extLst>
+              <a:ext uri="{28A0092B-C50C-407E-A947-70E740481C1C}">
+                <a14:useLocalDpi xmlns:a14="http://schemas.microsoft.com/office/drawing/2010/main" val="0"/>
+              </a:ext>
+            </a:extLst>
+          </a:blip>
+          <a:srcRect/>
+          <a:stretch>
+            <a:fillRect/>
+          </a:stretch>
+        </p:blipFill>
+        <p:spPr bwMode="auto">
+          <a:xfrm>
+            <a:off x="170740" y="1553950"/>
+            <a:ext cx="2847975" cy="1600200"/>
+          </a:xfrm>
+          <a:prstGeom prst="rect">
+            <a:avLst/>
+          </a:prstGeom>
+          <a:noFill/>
+          <a:extLst>
+            <a:ext uri="{909E8E84-426E-40DD-AFC4-6F175D3DCCD1}">
+              <a14:hiddenFill xmlns:a14="http://schemas.microsoft.com/office/drawing/2010/main">
+                <a:solidFill>
+                  <a:srgbClr val="FFFFFF"/>
+                </a:solidFill>
+              </a14:hiddenFill>
+            </a:ext>
+          </a:extLst>
+        </p:spPr>
+      </p:pic>
+      <p:pic>
+        <p:nvPicPr>
+          <p:cNvPr id="1028" name="Picture 4" descr="Resident Evil 7: Biohazard - Juegos de PS4 | PlayStation (Argentina)">
+            <a:extLst>
+              <a:ext uri="{FF2B5EF4-FFF2-40B4-BE49-F238E27FC236}">
+                <a16:creationId xmlns:a16="http://schemas.microsoft.com/office/drawing/2014/main" id="{ACEBECE5-7FAB-EDFE-873A-4CB3BA69AD60}"/>
+              </a:ext>
+            </a:extLst>
+          </p:cNvPr>
+          <p:cNvPicPr>
+            <a:picLocks noChangeAspect="1" noChangeArrowheads="1"/>
+          </p:cNvPicPr>
+          <p:nvPr/>
+        </p:nvPicPr>
+        <p:blipFill>
+          <a:blip r:embed="rId4">
+            <a:extLst>
+              <a:ext uri="{28A0092B-C50C-407E-A947-70E740481C1C}">
+                <a14:useLocalDpi xmlns:a14="http://schemas.microsoft.com/office/drawing/2010/main" val="0"/>
+              </a:ext>
+            </a:extLst>
+          </a:blip>
+          <a:srcRect/>
+          <a:stretch>
+            <a:fillRect/>
+          </a:stretch>
+        </p:blipFill>
+        <p:spPr bwMode="auto">
+          <a:xfrm>
+            <a:off x="3515352" y="1087775"/>
+            <a:ext cx="2143125" cy="2143125"/>
+          </a:xfrm>
+          <a:prstGeom prst="rect">
+            <a:avLst/>
+          </a:prstGeom>
+          <a:noFill/>
+          <a:extLst>
+            <a:ext uri="{909E8E84-426E-40DD-AFC4-6F175D3DCCD1}">
+              <a14:hiddenFill xmlns:a14="http://schemas.microsoft.com/office/drawing/2010/main">
+                <a:solidFill>
+                  <a:srgbClr val="FFFFFF"/>
+                </a:solidFill>
+              </a14:hiddenFill>
+            </a:ext>
+          </a:extLst>
+        </p:spPr>
+      </p:pic>
+      <p:pic>
+        <p:nvPicPr>
+          <p:cNvPr id="1030" name="Picture 6" descr="MADiSON: cómo abrir todos los cerrojos y cajas fuertes | Hobby Consolas">
+            <a:extLst>
+              <a:ext uri="{FF2B5EF4-FFF2-40B4-BE49-F238E27FC236}">
+                <a16:creationId xmlns:a16="http://schemas.microsoft.com/office/drawing/2014/main" id="{CB6F4A13-D5FC-0610-ED78-E5D2EDD6BC38}"/>
               </a:ext>
             </a:extLst>
           </p:cNvPr>
@@ -8974,100 +10353,6 @@
         </p:blipFill>
         <p:spPr bwMode="auto">
           <a:xfrm>
-            <a:off x="170740" y="1553950"/>
-            <a:ext cx="2847975" cy="1600200"/>
-          </a:xfrm>
-          <a:prstGeom prst="rect">
-            <a:avLst/>
-          </a:prstGeom>
-          <a:noFill/>
-          <a:extLst>
-            <a:ext uri="{909E8E84-426E-40DD-AFC4-6F175D3DCCD1}">
-              <a14:hiddenFill xmlns:a14="http://schemas.microsoft.com/office/drawing/2010/main">
-                <a:solidFill>
-                  <a:srgbClr val="FFFFFF"/>
-                </a:solidFill>
-              </a14:hiddenFill>
-            </a:ext>
-          </a:extLst>
-        </p:spPr>
-      </p:pic>
-      <p:pic>
-        <p:nvPicPr>
-          <p:cNvPr id="1028" name="Picture 4" descr="Resident Evil 7: Biohazard - Juegos de PS4 | PlayStation (Argentina)">
-            <a:extLst>
-              <a:ext uri="{FF2B5EF4-FFF2-40B4-BE49-F238E27FC236}">
-                <a16:creationId xmlns:a16="http://schemas.microsoft.com/office/drawing/2014/main" id="{ACEBECE5-7FAB-EDFE-873A-4CB3BA69AD60}"/>
-              </a:ext>
-            </a:extLst>
-          </p:cNvPr>
-          <p:cNvPicPr>
-            <a:picLocks noChangeAspect="1" noChangeArrowheads="1"/>
-          </p:cNvPicPr>
-          <p:nvPr/>
-        </p:nvPicPr>
-        <p:blipFill>
-          <a:blip r:embed="rId6">
-            <a:extLst>
-              <a:ext uri="{28A0092B-C50C-407E-A947-70E740481C1C}">
-                <a14:useLocalDpi xmlns:a14="http://schemas.microsoft.com/office/drawing/2010/main" val="0"/>
-              </a:ext>
-            </a:extLst>
-          </a:blip>
-          <a:srcRect/>
-          <a:stretch>
-            <a:fillRect/>
-          </a:stretch>
-        </p:blipFill>
-        <p:spPr bwMode="auto">
-          <a:xfrm>
-            <a:off x="3515352" y="1087775"/>
-            <a:ext cx="2143125" cy="2143125"/>
-          </a:xfrm>
-          <a:prstGeom prst="rect">
-            <a:avLst/>
-          </a:prstGeom>
-          <a:noFill/>
-          <a:extLst>
-            <a:ext uri="{909E8E84-426E-40DD-AFC4-6F175D3DCCD1}">
-              <a14:hiddenFill xmlns:a14="http://schemas.microsoft.com/office/drawing/2010/main">
-                <a:solidFill>
-                  <a:srgbClr val="FFFFFF"/>
-                </a:solidFill>
-              </a14:hiddenFill>
-            </a:ext>
-          </a:extLst>
-        </p:spPr>
-      </p:pic>
-      <p:pic>
-        <p:nvPicPr>
-          <p:cNvPr id="1030" name="Picture 6" descr="MADiSON: cómo abrir todos los cerrojos y cajas fuertes | Hobby Consolas">
-            <a:extLst>
-              <a:ext uri="{FF2B5EF4-FFF2-40B4-BE49-F238E27FC236}">
-                <a16:creationId xmlns:a16="http://schemas.microsoft.com/office/drawing/2014/main" id="{CB6F4A13-D5FC-0610-ED78-E5D2EDD6BC38}"/>
-              </a:ext>
-            </a:extLst>
-          </p:cNvPr>
-          <p:cNvPicPr>
-            <a:picLocks noChangeAspect="1" noChangeArrowheads="1"/>
-          </p:cNvPicPr>
-          <p:nvPr/>
-        </p:nvPicPr>
-        <p:blipFill>
-          <a:blip r:embed="rId7">
-            <a:extLst>
-              <a:ext uri="{28A0092B-C50C-407E-A947-70E740481C1C}">
-                <a14:useLocalDpi xmlns:a14="http://schemas.microsoft.com/office/drawing/2010/main" val="0"/>
-              </a:ext>
-            </a:extLst>
-          </a:blip>
-          <a:srcRect/>
-          <a:stretch>
-            <a:fillRect/>
-          </a:stretch>
-        </p:blipFill>
-        <p:spPr bwMode="auto">
-          <a:xfrm>
             <a:off x="6115760" y="1553950"/>
             <a:ext cx="2857500" cy="1600200"/>
           </a:xfrm>
@@ -9094,7 +10379,7 @@
 </p:sld>
 </file>
 
-<file path=ppt/slides/slide13.xml><?xml version="1.0" encoding="utf-8"?>
+<file path=ppt/slides/slide14.xml><?xml version="1.0" encoding="utf-8"?>
 <p:sld xmlns:a="http://schemas.openxmlformats.org/drawingml/2006/main" xmlns:r="http://schemas.openxmlformats.org/officeDocument/2006/relationships" xmlns:p="http://schemas.openxmlformats.org/presentationml/2006/main">
   <p:cSld>
     <p:spTree>
@@ -9111,56 +10396,6 @@
           <a:chExt cx="0" cy="0"/>
         </a:xfrm>
       </p:grpSpPr>
-      <p:sp>
-        <p:nvSpPr>
-          <p:cNvPr id="146" name="Google Shape;146;p25"/>
-          <p:cNvSpPr txBox="1"/>
-          <p:nvPr/>
-        </p:nvSpPr>
-        <p:spPr>
-          <a:xfrm>
-            <a:off x="268850" y="672125"/>
-            <a:ext cx="8730600" cy="615600"/>
-          </a:xfrm>
-          <a:prstGeom prst="rect">
-            <a:avLst/>
-          </a:prstGeom>
-          <a:noFill/>
-          <a:ln>
-            <a:noFill/>
-          </a:ln>
-        </p:spPr>
-        <p:txBody>
-          <a:bodyPr spcFirstLastPara="1" wrap="square" lIns="91425" tIns="91425" rIns="91425" bIns="91425" anchor="t" anchorCtr="0">
-            <a:spAutoFit/>
-          </a:bodyPr>
-          <a:lstStyle/>
-          <a:p>
-            <a:pPr marL="0" lvl="0" indent="0" algn="l" rtl="0">
-              <a:spcBef>
-                <a:spcPts val="0"/>
-              </a:spcBef>
-              <a:spcAft>
-                <a:spcPts val="0"/>
-              </a:spcAft>
-              <a:buNone/>
-            </a:pPr>
-            <a:r>
-              <a:rPr lang="es" i="1">
-                <a:solidFill>
-                  <a:srgbClr val="666666"/>
-                </a:solidFill>
-              </a:rPr>
-              <a:t>Si bien no tenemos conocimiento de tiempos de producción a esta altura de la carrera, colocar el slide con tiempos estimados, solo para que tome forma de propuesta el ejercicio.</a:t>
-            </a:r>
-            <a:endParaRPr i="1">
-              <a:solidFill>
-                <a:srgbClr val="666666"/>
-              </a:solidFill>
-            </a:endParaRPr>
-          </a:p>
-        </p:txBody>
-      </p:sp>
       <p:sp>
         <p:nvSpPr>
           <p:cNvPr id="147" name="Google Shape;147;p25"/>
@@ -9224,6 +10459,57 @@
       </p:sp>
       <p:sp>
         <p:nvSpPr>
+          <p:cNvPr id="2" name="Rectángulo: esquinas redondeadas 1">
+            <a:extLst>
+              <a:ext uri="{FF2B5EF4-FFF2-40B4-BE49-F238E27FC236}">
+                <a16:creationId xmlns:a16="http://schemas.microsoft.com/office/drawing/2014/main" id="{93FB00CA-9581-DDAD-3875-D1EB8D7ECBCE}"/>
+              </a:ext>
+            </a:extLst>
+          </p:cNvPr>
+          <p:cNvSpPr/>
+          <p:nvPr/>
+        </p:nvSpPr>
+        <p:spPr>
+          <a:xfrm>
+            <a:off x="178130" y="1045029"/>
+            <a:ext cx="8821320" cy="3930732"/>
+          </a:xfrm>
+          <a:prstGeom prst="roundRect">
+            <a:avLst/>
+          </a:prstGeom>
+          <a:solidFill>
+            <a:schemeClr val="accent4">
+              <a:lumMod val="75000"/>
+            </a:schemeClr>
+          </a:solidFill>
+        </p:spPr>
+        <p:style>
+          <a:lnRef idx="2">
+            <a:schemeClr val="accent1">
+              <a:shade val="50000"/>
+            </a:schemeClr>
+          </a:lnRef>
+          <a:fillRef idx="1">
+            <a:schemeClr val="accent1"/>
+          </a:fillRef>
+          <a:effectRef idx="0">
+            <a:schemeClr val="accent1"/>
+          </a:effectRef>
+          <a:fontRef idx="minor">
+            <a:schemeClr val="lt1"/>
+          </a:fontRef>
+        </p:style>
+        <p:txBody>
+          <a:bodyPr rtlCol="0" anchor="ctr"/>
+          <a:lstStyle/>
+          <a:p>
+            <a:pPr algn="ctr"/>
+            <a:endParaRPr lang="es-AR"/>
+          </a:p>
+        </p:txBody>
+      </p:sp>
+      <p:sp>
+        <p:nvSpPr>
           <p:cNvPr id="148" name="Google Shape;148;p25"/>
           <p:cNvSpPr/>
           <p:nvPr/>
@@ -9469,14 +10755,20 @@
             <a:r>
               <a:rPr lang="es" sz="1200" b="1" i="1" dirty="0">
                 <a:solidFill>
-                  <a:srgbClr val="666666"/>
+                  <a:schemeClr val="tx1">
+                    <a:lumMod val="95000"/>
+                    <a:lumOff val="5000"/>
+                  </a:schemeClr>
                 </a:solidFill>
               </a:rPr>
               <a:t>Prototipo</a:t>
             </a:r>
             <a:endParaRPr sz="1200" b="1" i="1" dirty="0">
               <a:solidFill>
-                <a:srgbClr val="666666"/>
+                <a:schemeClr val="tx1">
+                  <a:lumMod val="95000"/>
+                  <a:lumOff val="5000"/>
+                </a:schemeClr>
               </a:solidFill>
             </a:endParaRPr>
           </a:p>
@@ -9493,14 +10785,20 @@
             <a:r>
               <a:rPr lang="es" sz="1200" i="1" dirty="0">
                 <a:solidFill>
-                  <a:srgbClr val="666666"/>
+                  <a:schemeClr val="tx1">
+                    <a:lumMod val="95000"/>
+                    <a:lumOff val="5000"/>
+                  </a:schemeClr>
                 </a:solidFill>
               </a:rPr>
               <a:t>NOV/2023</a:t>
             </a:r>
             <a:endParaRPr sz="1200" i="1" dirty="0">
               <a:solidFill>
-                <a:srgbClr val="666666"/>
+                <a:schemeClr val="tx1">
+                  <a:lumMod val="95000"/>
+                  <a:lumOff val="5000"/>
+                </a:schemeClr>
               </a:solidFill>
             </a:endParaRPr>
           </a:p>
@@ -9543,14 +10841,20 @@
             <a:r>
               <a:rPr lang="es" sz="1200" b="1" i="1" dirty="0">
                 <a:solidFill>
-                  <a:srgbClr val="666666"/>
+                  <a:schemeClr val="tx1">
+                    <a:lumMod val="95000"/>
+                    <a:lumOff val="5000"/>
+                  </a:schemeClr>
                 </a:solidFill>
               </a:rPr>
               <a:t>Ver. Alfa</a:t>
             </a:r>
             <a:endParaRPr sz="1200" b="1" i="1" dirty="0">
               <a:solidFill>
-                <a:srgbClr val="666666"/>
+                <a:schemeClr val="tx1">
+                  <a:lumMod val="95000"/>
+                  <a:lumOff val="5000"/>
+                </a:schemeClr>
               </a:solidFill>
             </a:endParaRPr>
           </a:p>
@@ -9567,14 +10871,20 @@
             <a:r>
               <a:rPr lang="es" sz="1200" i="1" dirty="0">
                 <a:solidFill>
-                  <a:srgbClr val="666666"/>
+                  <a:schemeClr val="tx1">
+                    <a:lumMod val="95000"/>
+                    <a:lumOff val="5000"/>
+                  </a:schemeClr>
                 </a:solidFill>
               </a:rPr>
               <a:t>ENE/2023</a:t>
             </a:r>
             <a:endParaRPr sz="1200" i="1" dirty="0">
               <a:solidFill>
-                <a:srgbClr val="666666"/>
+                <a:schemeClr val="tx1">
+                  <a:lumMod val="95000"/>
+                  <a:lumOff val="5000"/>
+                </a:schemeClr>
               </a:solidFill>
             </a:endParaRPr>
           </a:p>
@@ -9617,14 +10927,20 @@
             <a:r>
               <a:rPr lang="es" sz="1200" b="1" i="1" dirty="0">
                 <a:solidFill>
-                  <a:srgbClr val="666666"/>
+                  <a:schemeClr val="tx1">
+                    <a:lumMod val="95000"/>
+                    <a:lumOff val="5000"/>
+                  </a:schemeClr>
                 </a:solidFill>
               </a:rPr>
               <a:t>Ver.Beta</a:t>
             </a:r>
             <a:endParaRPr sz="1200" b="1" i="1" dirty="0">
               <a:solidFill>
-                <a:srgbClr val="666666"/>
+                <a:schemeClr val="tx1">
+                  <a:lumMod val="95000"/>
+                  <a:lumOff val="5000"/>
+                </a:schemeClr>
               </a:solidFill>
             </a:endParaRPr>
           </a:p>
@@ -9641,14 +10957,20 @@
             <a:r>
               <a:rPr lang="es" sz="1200" i="1" dirty="0">
                 <a:solidFill>
-                  <a:srgbClr val="666666"/>
+                  <a:schemeClr val="tx1">
+                    <a:lumMod val="95000"/>
+                    <a:lumOff val="5000"/>
+                  </a:schemeClr>
                 </a:solidFill>
               </a:rPr>
               <a:t>JUNIO/2023</a:t>
             </a:r>
             <a:endParaRPr sz="1200" i="1" dirty="0">
               <a:solidFill>
-                <a:srgbClr val="666666"/>
+                <a:schemeClr val="tx1">
+                  <a:lumMod val="95000"/>
+                  <a:lumOff val="5000"/>
+                </a:schemeClr>
               </a:solidFill>
             </a:endParaRPr>
           </a:p>
@@ -9691,14 +11013,20 @@
             <a:r>
               <a:rPr lang="es" sz="1200" b="1" i="1" dirty="0">
                 <a:solidFill>
-                  <a:srgbClr val="666666"/>
+                  <a:schemeClr val="tx1">
+                    <a:lumMod val="95000"/>
+                    <a:lumOff val="5000"/>
+                  </a:schemeClr>
                 </a:solidFill>
               </a:rPr>
               <a:t>Release Consolas</a:t>
             </a:r>
             <a:endParaRPr sz="1200" b="1" i="1" dirty="0">
               <a:solidFill>
-                <a:srgbClr val="666666"/>
+                <a:schemeClr val="tx1">
+                  <a:lumMod val="95000"/>
+                  <a:lumOff val="5000"/>
+                </a:schemeClr>
               </a:solidFill>
             </a:endParaRPr>
           </a:p>
@@ -9715,14 +11043,20 @@
             <a:r>
               <a:rPr lang="es" sz="1200" i="1" dirty="0">
                 <a:solidFill>
-                  <a:srgbClr val="666666"/>
+                  <a:schemeClr val="tx1">
+                    <a:lumMod val="95000"/>
+                    <a:lumOff val="5000"/>
+                  </a:schemeClr>
                 </a:solidFill>
               </a:rPr>
               <a:t>DIC/2023</a:t>
             </a:r>
             <a:endParaRPr sz="1200" i="1" dirty="0">
               <a:solidFill>
-                <a:srgbClr val="666666"/>
+                <a:schemeClr val="tx1">
+                  <a:lumMod val="95000"/>
+                  <a:lumOff val="5000"/>
+                </a:schemeClr>
               </a:solidFill>
             </a:endParaRPr>
           </a:p>
@@ -9765,14 +11099,20 @@
             <a:r>
               <a:rPr lang="es" sz="1200" b="1" i="1" dirty="0">
                 <a:solidFill>
-                  <a:srgbClr val="666666"/>
+                  <a:schemeClr val="tx1">
+                    <a:lumMod val="95000"/>
+                    <a:lumOff val="5000"/>
+                  </a:schemeClr>
                 </a:solidFill>
               </a:rPr>
               <a:t>Vertical Slice</a:t>
             </a:r>
             <a:endParaRPr sz="1200" b="1" i="1" dirty="0">
               <a:solidFill>
-                <a:srgbClr val="666666"/>
+                <a:schemeClr val="tx1">
+                  <a:lumMod val="95000"/>
+                  <a:lumOff val="5000"/>
+                </a:schemeClr>
               </a:solidFill>
             </a:endParaRPr>
           </a:p>
@@ -9789,14 +11129,20 @@
             <a:r>
               <a:rPr lang="es" sz="1200" i="1" dirty="0">
                 <a:solidFill>
-                  <a:srgbClr val="666666"/>
+                  <a:schemeClr val="tx1">
+                    <a:lumMod val="95000"/>
+                    <a:lumOff val="5000"/>
+                  </a:schemeClr>
                 </a:solidFill>
               </a:rPr>
               <a:t>Marzo/2023</a:t>
             </a:r>
             <a:endParaRPr sz="1200" i="1" dirty="0">
               <a:solidFill>
-                <a:srgbClr val="666666"/>
+                <a:schemeClr val="tx1">
+                  <a:lumMod val="95000"/>
+                  <a:lumOff val="5000"/>
+                </a:schemeClr>
               </a:solidFill>
             </a:endParaRPr>
           </a:p>
@@ -9837,16 +11183,22 @@
               <a:buNone/>
             </a:pPr>
             <a:r>
-              <a:rPr lang="es" sz="1200" b="1" i="1">
-                <a:solidFill>
-                  <a:srgbClr val="666666"/>
+              <a:rPr lang="es" sz="1200" b="1" i="1" dirty="0">
+                <a:solidFill>
+                  <a:schemeClr val="tx1">
+                    <a:lumMod val="95000"/>
+                    <a:lumOff val="5000"/>
+                  </a:schemeClr>
                 </a:solidFill>
               </a:rPr>
               <a:t>Release Steam</a:t>
             </a:r>
-            <a:endParaRPr sz="1200" b="1" i="1">
+            <a:endParaRPr sz="1200" b="1" i="1" dirty="0">
               <a:solidFill>
-                <a:srgbClr val="666666"/>
+                <a:schemeClr val="tx1">
+                  <a:lumMod val="95000"/>
+                  <a:lumOff val="5000"/>
+                </a:schemeClr>
               </a:solidFill>
             </a:endParaRPr>
           </a:p>
@@ -9861,16 +11213,22 @@
               <a:buNone/>
             </a:pPr>
             <a:r>
-              <a:rPr lang="es" sz="1200" i="1">
-                <a:solidFill>
-                  <a:srgbClr val="666666"/>
+              <a:rPr lang="es" sz="1200" i="1" dirty="0">
+                <a:solidFill>
+                  <a:schemeClr val="tx1">
+                    <a:lumMod val="95000"/>
+                    <a:lumOff val="5000"/>
+                  </a:schemeClr>
                 </a:solidFill>
               </a:rPr>
               <a:t>AGO/2023</a:t>
             </a:r>
-            <a:endParaRPr sz="1200" i="1">
+            <a:endParaRPr sz="1200" i="1" dirty="0">
               <a:solidFill>
-                <a:srgbClr val="666666"/>
+                <a:schemeClr val="tx1">
+                  <a:lumMod val="95000"/>
+                  <a:lumOff val="5000"/>
+                </a:schemeClr>
               </a:solidFill>
             </a:endParaRPr>
           </a:p>
@@ -9938,7 +11296,7 @@
 </p:sld>
 </file>
 
-<file path=ppt/slides/slide14.xml><?xml version="1.0" encoding="utf-8"?>
+<file path=ppt/slides/slide15.xml><?xml version="1.0" encoding="utf-8"?>
 <p:sld xmlns:a="http://schemas.openxmlformats.org/drawingml/2006/main" xmlns:r="http://schemas.openxmlformats.org/officeDocument/2006/relationships" xmlns:p="http://schemas.openxmlformats.org/presentationml/2006/main">
   <p:cSld>
     <p:spTree>
@@ -9963,7 +11321,7 @@
         </p:nvSpPr>
         <p:spPr>
           <a:xfrm>
-            <a:off x="0" y="0"/>
+            <a:off x="-41563" y="0"/>
             <a:ext cx="9144000" cy="5143500"/>
           </a:xfrm>
           <a:prstGeom prst="rect">
@@ -10000,11 +11358,70 @@
               </a:spcAft>
               <a:buNone/>
             </a:pPr>
+            <a:r>
+              <a:rPr lang="es-AR" sz="2200" b="1" dirty="0">
+                <a:solidFill>
+                  <a:srgbClr val="666666"/>
+                </a:solidFill>
+              </a:rPr>
+              <a:t>z</a:t>
+            </a:r>
             <a:endParaRPr sz="2200" b="1" dirty="0">
               <a:solidFill>
                 <a:srgbClr val="666666"/>
               </a:solidFill>
             </a:endParaRPr>
+          </a:p>
+        </p:txBody>
+      </p:sp>
+      <p:sp>
+        <p:nvSpPr>
+          <p:cNvPr id="8" name="Rectángulo: esquinas redondeadas 7">
+            <a:extLst>
+              <a:ext uri="{FF2B5EF4-FFF2-40B4-BE49-F238E27FC236}">
+                <a16:creationId xmlns:a16="http://schemas.microsoft.com/office/drawing/2014/main" id="{09E77494-8549-E68E-109A-174DE4DD9C36}"/>
+              </a:ext>
+            </a:extLst>
+          </p:cNvPr>
+          <p:cNvSpPr/>
+          <p:nvPr/>
+        </p:nvSpPr>
+        <p:spPr>
+          <a:xfrm>
+            <a:off x="3871356" y="641268"/>
+            <a:ext cx="5189517" cy="3372592"/>
+          </a:xfrm>
+          <a:prstGeom prst="roundRect">
+            <a:avLst/>
+          </a:prstGeom>
+          <a:solidFill>
+            <a:schemeClr val="accent4">
+              <a:lumMod val="75000"/>
+            </a:schemeClr>
+          </a:solidFill>
+        </p:spPr>
+        <p:style>
+          <a:lnRef idx="2">
+            <a:schemeClr val="accent1">
+              <a:shade val="50000"/>
+            </a:schemeClr>
+          </a:lnRef>
+          <a:fillRef idx="1">
+            <a:schemeClr val="accent1"/>
+          </a:fillRef>
+          <a:effectRef idx="0">
+            <a:schemeClr val="accent1"/>
+          </a:effectRef>
+          <a:fontRef idx="minor">
+            <a:schemeClr val="lt1"/>
+          </a:fontRef>
+        </p:style>
+        <p:txBody>
+          <a:bodyPr rtlCol="0" anchor="ctr"/>
+          <a:lstStyle/>
+          <a:p>
+            <a:pPr algn="ctr"/>
+            <a:endParaRPr lang="es-AR"/>
           </a:p>
         </p:txBody>
       </p:sp>
@@ -10071,7 +11488,7 @@
         </p:blipFill>
         <p:spPr>
           <a:xfrm>
-            <a:off x="539827" y="1705654"/>
+            <a:off x="324890" y="769119"/>
             <a:ext cx="3216926" cy="1732192"/>
           </a:xfrm>
           <a:prstGeom prst="rect">
@@ -10109,8 +11526,14 @@
           <a:p>
             <a:r>
               <a:rPr lang="es-AR" dirty="0">
+                <a:solidFill>
+                  <a:schemeClr val="tx1">
+                    <a:lumMod val="95000"/>
+                    <a:lumOff val="5000"/>
+                  </a:schemeClr>
+                </a:solidFill>
                 <a:effectLst/>
-                <a:latin typeface="Arial" panose="020B0604020202020204" pitchFamily="34" charset="0"/>
+                <a:latin typeface="Arial Rounded MT Bold" panose="020F0704030504030204" pitchFamily="34" charset="0"/>
                 <a:ea typeface="Arial" panose="020B0604020202020204" pitchFamily="34" charset="0"/>
                 <a:cs typeface="Times New Roman" panose="02020603050405020304" pitchFamily="18" charset="0"/>
               </a:rPr>
@@ -10118,8 +11541,14 @@
             </a:r>
             <a:r>
               <a:rPr lang="es-AR" dirty="0" err="1">
+                <a:solidFill>
+                  <a:schemeClr val="tx1">
+                    <a:lumMod val="95000"/>
+                    <a:lumOff val="5000"/>
+                  </a:schemeClr>
+                </a:solidFill>
                 <a:effectLst/>
-                <a:latin typeface="Arial" panose="020B0604020202020204" pitchFamily="34" charset="0"/>
+                <a:latin typeface="Arial Rounded MT Bold" panose="020F0704030504030204" pitchFamily="34" charset="0"/>
                 <a:ea typeface="Arial" panose="020B0604020202020204" pitchFamily="34" charset="0"/>
                 <a:cs typeface="Times New Roman" panose="02020603050405020304" pitchFamily="18" charset="0"/>
               </a:rPr>
@@ -10127,8 +11556,14 @@
             </a:r>
             <a:r>
               <a:rPr lang="es-AR" dirty="0">
+                <a:solidFill>
+                  <a:schemeClr val="tx1">
+                    <a:lumMod val="95000"/>
+                    <a:lumOff val="5000"/>
+                  </a:schemeClr>
+                </a:solidFill>
                 <a:effectLst/>
-                <a:latin typeface="Arial" panose="020B0604020202020204" pitchFamily="34" charset="0"/>
+                <a:latin typeface="Arial Rounded MT Bold" panose="020F0704030504030204" pitchFamily="34" charset="0"/>
                 <a:ea typeface="Arial" panose="020B0604020202020204" pitchFamily="34" charset="0"/>
                 <a:cs typeface="Times New Roman" panose="02020603050405020304" pitchFamily="18" charset="0"/>
               </a:rPr>
@@ -10136,14 +11571,28 @@
             </a:r>
             <a:r>
               <a:rPr lang="es-AR" dirty="0">
-                <a:latin typeface="Calibri" panose="020F0502020204030204" pitchFamily="34" charset="0"/>
+                <a:solidFill>
+                  <a:schemeClr val="tx1">
+                    <a:lumMod val="95000"/>
+                    <a:lumOff val="5000"/>
+                  </a:schemeClr>
+                </a:solidFill>
+                <a:latin typeface="Arial Rounded MT Bold" panose="020F0704030504030204" pitchFamily="34" charset="0"/>
                 <a:ea typeface="Arial" panose="020B0604020202020204" pitchFamily="34" charset="0"/>
                 <a:cs typeface="Times New Roman" panose="02020603050405020304" pitchFamily="18" charset="0"/>
               </a:rPr>
               <a:t> </a:t>
             </a:r>
             <a:r>
-              <a:rPr lang="es-AR" dirty="0"/>
+              <a:rPr lang="es-AR" dirty="0">
+                <a:solidFill>
+                  <a:schemeClr val="tx1">
+                    <a:lumMod val="95000"/>
+                    <a:lumOff val="5000"/>
+                  </a:schemeClr>
+                </a:solidFill>
+                <a:latin typeface="Arial Rounded MT Bold" panose="020F0704030504030204" pitchFamily="34" charset="0"/>
+              </a:rPr>
               <a:t>: Programación/Diseño de nivel./arte 3d</a:t>
             </a:r>
           </a:p>
@@ -10167,7 +11616,7 @@
         <p:spPr>
           <a:xfrm>
             <a:off x="3871356" y="1896825"/>
-            <a:ext cx="5272644" cy="523220"/>
+            <a:ext cx="5272644" cy="738664"/>
           </a:xfrm>
           <a:prstGeom prst="rect">
             <a:avLst/>
@@ -10182,31 +11631,76 @@
           <a:p>
             <a:r>
               <a:rPr lang="es-AR" dirty="0">
+                <a:solidFill>
+                  <a:schemeClr val="tx1">
+                    <a:lumMod val="95000"/>
+                    <a:lumOff val="5000"/>
+                  </a:schemeClr>
+                </a:solidFill>
                 <a:effectLst/>
-                <a:latin typeface="Arial" panose="020B0604020202020204" pitchFamily="34" charset="0"/>
+                <a:latin typeface="Arial Rounded MT Bold" panose="020F0704030504030204" pitchFamily="34" charset="0"/>
                 <a:ea typeface="Arial" panose="020B0604020202020204" pitchFamily="34" charset="0"/>
                 <a:cs typeface="Times New Roman" panose="02020603050405020304" pitchFamily="18" charset="0"/>
               </a:rPr>
               <a:t>Ariel Hernán Moyano Fontana</a:t>
             </a:r>
             <a:r>
-              <a:rPr lang="es-AR" dirty="0"/>
+              <a:rPr lang="es-AR" dirty="0">
+                <a:solidFill>
+                  <a:schemeClr val="tx1">
+                    <a:lumMod val="95000"/>
+                    <a:lumOff val="5000"/>
+                  </a:schemeClr>
+                </a:solidFill>
+                <a:latin typeface="Arial Rounded MT Bold" panose="020F0704030504030204" pitchFamily="34" charset="0"/>
+              </a:rPr>
               <a:t>: Arte 3d /Texturas/</a:t>
             </a:r>
             <a:r>
-              <a:rPr lang="es-AR" dirty="0" err="1"/>
+              <a:rPr lang="es-AR" dirty="0" err="1">
+                <a:solidFill>
+                  <a:schemeClr val="tx1">
+                    <a:lumMod val="95000"/>
+                    <a:lumOff val="5000"/>
+                  </a:schemeClr>
+                </a:solidFill>
+                <a:latin typeface="Arial Rounded MT Bold" panose="020F0704030504030204" pitchFamily="34" charset="0"/>
+              </a:rPr>
               <a:t>Game</a:t>
             </a:r>
             <a:r>
-              <a:rPr lang="es-AR" dirty="0"/>
+              <a:rPr lang="es-AR" dirty="0">
+                <a:solidFill>
+                  <a:schemeClr val="tx1">
+                    <a:lumMod val="95000"/>
+                    <a:lumOff val="5000"/>
+                  </a:schemeClr>
+                </a:solidFill>
+                <a:latin typeface="Arial Rounded MT Bold" panose="020F0704030504030204" pitchFamily="34" charset="0"/>
+              </a:rPr>
               <a:t> </a:t>
             </a:r>
             <a:r>
-              <a:rPr lang="es-AR" dirty="0" err="1"/>
+              <a:rPr lang="es-AR" dirty="0" err="1">
+                <a:solidFill>
+                  <a:schemeClr val="tx1">
+                    <a:lumMod val="95000"/>
+                    <a:lumOff val="5000"/>
+                  </a:schemeClr>
+                </a:solidFill>
+                <a:latin typeface="Arial Rounded MT Bold" panose="020F0704030504030204" pitchFamily="34" charset="0"/>
+              </a:rPr>
               <a:t>Testing</a:t>
             </a:r>
             <a:r>
-              <a:rPr lang="es-AR" dirty="0"/>
+              <a:rPr lang="es-AR" dirty="0">
+                <a:solidFill>
+                  <a:schemeClr val="tx1">
+                    <a:lumMod val="95000"/>
+                    <a:lumOff val="5000"/>
+                  </a:schemeClr>
+                </a:solidFill>
+              </a:rPr>
               <a:t>.</a:t>
             </a:r>
           </a:p>
@@ -10230,7 +11724,7 @@
         <p:spPr>
           <a:xfrm>
             <a:off x="3871356" y="1373605"/>
-            <a:ext cx="4500748" cy="523220"/>
+            <a:ext cx="4500748" cy="738664"/>
           </a:xfrm>
           <a:prstGeom prst="rect">
             <a:avLst/>
@@ -10244,15 +11738,39 @@
           <a:lstStyle/>
           <a:p>
             <a:r>
-              <a:rPr lang="es-AR" dirty="0"/>
+              <a:rPr lang="es-AR" dirty="0">
+                <a:solidFill>
+                  <a:schemeClr val="tx1">
+                    <a:lumMod val="95000"/>
+                    <a:lumOff val="5000"/>
+                  </a:schemeClr>
+                </a:solidFill>
+                <a:latin typeface="Arial Rounded MT Bold" panose="020F0704030504030204" pitchFamily="34" charset="0"/>
+              </a:rPr>
               <a:t>Emi </a:t>
             </a:r>
             <a:r>
-              <a:rPr lang="es-AR" dirty="0" err="1"/>
+              <a:rPr lang="es-AR" dirty="0" err="1">
+                <a:solidFill>
+                  <a:schemeClr val="tx1">
+                    <a:lumMod val="95000"/>
+                    <a:lumOff val="5000"/>
+                  </a:schemeClr>
+                </a:solidFill>
+                <a:latin typeface="Arial Rounded MT Bold" panose="020F0704030504030204" pitchFamily="34" charset="0"/>
+              </a:rPr>
               <a:t>Casarino</a:t>
             </a:r>
             <a:r>
-              <a:rPr lang="es-AR" dirty="0"/>
+              <a:rPr lang="es-AR" dirty="0">
+                <a:solidFill>
+                  <a:schemeClr val="tx1">
+                    <a:lumMod val="95000"/>
+                    <a:lumOff val="5000"/>
+                  </a:schemeClr>
+                </a:solidFill>
+                <a:latin typeface="Arial Rounded MT Bold" panose="020F0704030504030204" pitchFamily="34" charset="0"/>
+              </a:rPr>
               <a:t>: Programación/Diseño de nivel/Arte 3d.</a:t>
             </a:r>
           </a:p>
@@ -10276,7 +11794,7 @@
         <p:spPr>
           <a:xfrm>
             <a:off x="3871356" y="2473722"/>
-            <a:ext cx="5272644" cy="523220"/>
+            <a:ext cx="5272644" cy="738664"/>
           </a:xfrm>
           <a:prstGeom prst="rect">
             <a:avLst/>
@@ -10291,30 +11809,87 @@
           <a:p>
             <a:r>
               <a:rPr lang="es-AR" dirty="0">
-                <a:latin typeface="Arial" panose="020B0604020202020204" pitchFamily="34" charset="0"/>
+                <a:solidFill>
+                  <a:schemeClr val="tx1">
+                    <a:lumMod val="95000"/>
+                    <a:lumOff val="5000"/>
+                  </a:schemeClr>
+                </a:solidFill>
+                <a:latin typeface="Arial Rounded MT Bold" panose="020F0704030504030204" pitchFamily="34" charset="0"/>
                 <a:cs typeface="Times New Roman" panose="02020603050405020304" pitchFamily="18" charset="0"/>
               </a:rPr>
               <a:t>Tobías Calderón</a:t>
             </a:r>
             <a:r>
-              <a:rPr lang="es-AR" dirty="0"/>
+              <a:rPr lang="es-AR" dirty="0">
+                <a:solidFill>
+                  <a:schemeClr val="tx1">
+                    <a:lumMod val="95000"/>
+                    <a:lumOff val="5000"/>
+                  </a:schemeClr>
+                </a:solidFill>
+                <a:latin typeface="Arial Rounded MT Bold" panose="020F0704030504030204" pitchFamily="34" charset="0"/>
+              </a:rPr>
               <a:t>: Arte 3d /Texturas/</a:t>
             </a:r>
             <a:r>
-              <a:rPr lang="es-AR" dirty="0" err="1"/>
+              <a:rPr lang="es-AR" dirty="0" err="1">
+                <a:solidFill>
+                  <a:schemeClr val="tx1">
+                    <a:lumMod val="95000"/>
+                    <a:lumOff val="5000"/>
+                  </a:schemeClr>
+                </a:solidFill>
+                <a:latin typeface="Arial Rounded MT Bold" panose="020F0704030504030204" pitchFamily="34" charset="0"/>
+              </a:rPr>
               <a:t>Game</a:t>
             </a:r>
             <a:r>
-              <a:rPr lang="es-AR" dirty="0"/>
+              <a:rPr lang="es-AR" dirty="0">
+                <a:solidFill>
+                  <a:schemeClr val="tx1">
+                    <a:lumMod val="95000"/>
+                    <a:lumOff val="5000"/>
+                  </a:schemeClr>
+                </a:solidFill>
+                <a:latin typeface="Arial Rounded MT Bold" panose="020F0704030504030204" pitchFamily="34" charset="0"/>
+              </a:rPr>
               <a:t> </a:t>
             </a:r>
             <a:r>
-              <a:rPr lang="es-AR" dirty="0" err="1"/>
+              <a:rPr lang="es-AR" dirty="0" err="1">
+                <a:solidFill>
+                  <a:schemeClr val="tx1">
+                    <a:lumMod val="95000"/>
+                    <a:lumOff val="5000"/>
+                  </a:schemeClr>
+                </a:solidFill>
+                <a:latin typeface="Arial Rounded MT Bold" panose="020F0704030504030204" pitchFamily="34" charset="0"/>
+              </a:rPr>
               <a:t>Testing</a:t>
             </a:r>
             <a:r>
-              <a:rPr lang="es-AR" dirty="0"/>
-              <a:t>/UI/Arte 2d.</a:t>
+              <a:rPr lang="es-AR" dirty="0">
+                <a:solidFill>
+                  <a:schemeClr val="tx1">
+                    <a:lumMod val="95000"/>
+                    <a:lumOff val="5000"/>
+                  </a:schemeClr>
+                </a:solidFill>
+                <a:latin typeface="Arial Rounded MT Bold" panose="020F0704030504030204" pitchFamily="34" charset="0"/>
+              </a:rPr>
+              <a:t>/UI/Arte </a:t>
+            </a:r>
+            <a:r>
+              <a:rPr lang="es-AR" dirty="0">
+                <a:solidFill>
+                  <a:schemeClr val="tx1">
+                    <a:lumMod val="95000"/>
+                    <a:lumOff val="5000"/>
+                  </a:schemeClr>
+                </a:solidFill>
+              </a:rPr>
+              <a:t>2d.</a:t>
             </a:r>
           </a:p>
           <a:p>
@@ -10337,7 +11912,7 @@
         <p:spPr>
           <a:xfrm>
             <a:off x="3928658" y="3008820"/>
-            <a:ext cx="5272644" cy="523220"/>
+            <a:ext cx="5272644" cy="738664"/>
           </a:xfrm>
           <a:prstGeom prst="rect">
             <a:avLst/>
@@ -10352,13 +11927,27 @@
           <a:p>
             <a:r>
               <a:rPr lang="es-AR" dirty="0">
-                <a:latin typeface="Arial" panose="020B0604020202020204" pitchFamily="34" charset="0"/>
+                <a:solidFill>
+                  <a:schemeClr val="tx1">
+                    <a:lumMod val="95000"/>
+                    <a:lumOff val="5000"/>
+                  </a:schemeClr>
+                </a:solidFill>
+                <a:latin typeface="Arial Rounded MT Bold" panose="020F0704030504030204" pitchFamily="34" charset="0"/>
                 <a:cs typeface="Times New Roman" panose="02020603050405020304" pitchFamily="18" charset="0"/>
               </a:rPr>
               <a:t>Mariano j A Zulueta</a:t>
             </a:r>
             <a:r>
-              <a:rPr lang="es-AR" dirty="0"/>
+              <a:rPr lang="es-AR" dirty="0">
+                <a:solidFill>
+                  <a:schemeClr val="tx1">
+                    <a:lumMod val="95000"/>
+                    <a:lumOff val="5000"/>
+                  </a:schemeClr>
+                </a:solidFill>
+                <a:latin typeface="Arial Rounded MT Bold" panose="020F0704030504030204" pitchFamily="34" charset="0"/>
+              </a:rPr>
               <a:t>: Arte 3d /Texturas/Arte 2d/Animaciones.</a:t>
             </a:r>
           </a:p>
@@ -10375,7 +11964,7 @@
 </p:sld>
 </file>
 
-<file path=ppt/slides/slide15.xml><?xml version="1.0" encoding="utf-8"?>
+<file path=ppt/slides/slide16.xml><?xml version="1.0" encoding="utf-8"?>
 <p:sld xmlns:a="http://schemas.openxmlformats.org/drawingml/2006/main" xmlns:r="http://schemas.openxmlformats.org/officeDocument/2006/relationships" xmlns:p="http://schemas.openxmlformats.org/presentationml/2006/main">
   <p:cSld>
     <p:spTree>
@@ -10392,56 +11981,6 @@
           <a:chExt cx="0" cy="0"/>
         </a:xfrm>
       </p:grpSpPr>
-      <p:sp>
-        <p:nvSpPr>
-          <p:cNvPr id="185" name="Google Shape;185;p29"/>
-          <p:cNvSpPr txBox="1"/>
-          <p:nvPr/>
-        </p:nvSpPr>
-        <p:spPr>
-          <a:xfrm>
-            <a:off x="268850" y="672125"/>
-            <a:ext cx="8730600" cy="831300"/>
-          </a:xfrm>
-          <a:prstGeom prst="rect">
-            <a:avLst/>
-          </a:prstGeom>
-          <a:noFill/>
-          <a:ln>
-            <a:noFill/>
-          </a:ln>
-        </p:spPr>
-        <p:txBody>
-          <a:bodyPr spcFirstLastPara="1" wrap="square" lIns="91425" tIns="91425" rIns="91425" bIns="91425" anchor="t" anchorCtr="0">
-            <a:spAutoFit/>
-          </a:bodyPr>
-          <a:lstStyle/>
-          <a:p>
-            <a:pPr marL="0" lvl="0" indent="0" algn="l" rtl="0">
-              <a:spcBef>
-                <a:spcPts val="0"/>
-              </a:spcBef>
-              <a:spcAft>
-                <a:spcPts val="0"/>
-              </a:spcAft>
-              <a:buNone/>
-            </a:pPr>
-            <a:r>
-              <a:rPr lang="es" i="1">
-                <a:solidFill>
-                  <a:srgbClr val="666666"/>
-                </a:solidFill>
-              </a:rPr>
-              <a:t>Información acerca de la empresa, lugar de origen, tiempo que llevan produciendo juegos, trabajos y/o clientes más importantes, cultura de la compañía, etc. Esta información suele figurar en los sitios web de las empresas, caso que deseen buscar referencias.</a:t>
-            </a:r>
-            <a:endParaRPr i="1">
-              <a:solidFill>
-                <a:srgbClr val="666666"/>
-              </a:solidFill>
-            </a:endParaRPr>
-          </a:p>
-        </p:txBody>
-      </p:sp>
       <p:sp>
         <p:nvSpPr>
           <p:cNvPr id="186" name="Google Shape;186;p29"/>
@@ -10500,6 +12039,57 @@
                 <a:srgbClr val="666666"/>
               </a:solidFill>
             </a:endParaRPr>
+          </a:p>
+        </p:txBody>
+      </p:sp>
+      <p:sp>
+        <p:nvSpPr>
+          <p:cNvPr id="4" name="Rectángulo: esquinas redondeadas 3">
+            <a:extLst>
+              <a:ext uri="{FF2B5EF4-FFF2-40B4-BE49-F238E27FC236}">
+                <a16:creationId xmlns:a16="http://schemas.microsoft.com/office/drawing/2014/main" id="{8EF2B1AB-4DA4-187C-531C-395C34DDE0CA}"/>
+              </a:ext>
+            </a:extLst>
+          </p:cNvPr>
+          <p:cNvSpPr/>
+          <p:nvPr/>
+        </p:nvSpPr>
+        <p:spPr>
+          <a:xfrm>
+            <a:off x="3289465" y="672125"/>
+            <a:ext cx="5709985" cy="2893100"/>
+          </a:xfrm>
+          <a:prstGeom prst="roundRect">
+            <a:avLst/>
+          </a:prstGeom>
+          <a:solidFill>
+            <a:schemeClr val="accent4">
+              <a:lumMod val="75000"/>
+            </a:schemeClr>
+          </a:solidFill>
+        </p:spPr>
+        <p:style>
+          <a:lnRef idx="2">
+            <a:schemeClr val="accent1">
+              <a:shade val="50000"/>
+            </a:schemeClr>
+          </a:lnRef>
+          <a:fillRef idx="1">
+            <a:schemeClr val="accent1"/>
+          </a:fillRef>
+          <a:effectRef idx="0">
+            <a:schemeClr val="accent1"/>
+          </a:effectRef>
+          <a:fontRef idx="minor">
+            <a:schemeClr val="lt1"/>
+          </a:fontRef>
+        </p:style>
+        <p:txBody>
+          <a:bodyPr rtlCol="0" anchor="ctr"/>
+          <a:lstStyle/>
+          <a:p>
+            <a:pPr algn="ctr"/>
+            <a:endParaRPr lang="es-AR"/>
           </a:p>
         </p:txBody>
       </p:sp>
@@ -10647,7 +12237,7 @@
 </p:sld>
 </file>
 
-<file path=ppt/slides/slide16.xml><?xml version="1.0" encoding="utf-8"?>
+<file path=ppt/slides/slide17.xml><?xml version="1.0" encoding="utf-8"?>
 <p:sld xmlns:a="http://schemas.openxmlformats.org/drawingml/2006/main" xmlns:r="http://schemas.openxmlformats.org/officeDocument/2006/relationships" xmlns:p="http://schemas.openxmlformats.org/presentationml/2006/main">
   <p:cSld>
     <p:spTree>
@@ -11169,6 +12759,57 @@
       </p:sp>
       <p:sp>
         <p:nvSpPr>
+          <p:cNvPr id="2" name="Rectángulo: esquinas redondeadas 1">
+            <a:extLst>
+              <a:ext uri="{FF2B5EF4-FFF2-40B4-BE49-F238E27FC236}">
+                <a16:creationId xmlns:a16="http://schemas.microsoft.com/office/drawing/2014/main" id="{1CD5B079-7D79-A069-AB07-4CC8E4E9187C}"/>
+              </a:ext>
+            </a:extLst>
+          </p:cNvPr>
+          <p:cNvSpPr/>
+          <p:nvPr/>
+        </p:nvSpPr>
+        <p:spPr>
+          <a:xfrm>
+            <a:off x="69111" y="1062368"/>
+            <a:ext cx="4871189" cy="1909432"/>
+          </a:xfrm>
+          <a:prstGeom prst="roundRect">
+            <a:avLst/>
+          </a:prstGeom>
+          <a:solidFill>
+            <a:schemeClr val="accent4">
+              <a:lumMod val="75000"/>
+            </a:schemeClr>
+          </a:solidFill>
+        </p:spPr>
+        <p:style>
+          <a:lnRef idx="2">
+            <a:schemeClr val="accent1">
+              <a:shade val="50000"/>
+            </a:schemeClr>
+          </a:lnRef>
+          <a:fillRef idx="1">
+            <a:schemeClr val="accent1"/>
+          </a:fillRef>
+          <a:effectRef idx="0">
+            <a:schemeClr val="accent1"/>
+          </a:effectRef>
+          <a:fontRef idx="minor">
+            <a:schemeClr val="lt1"/>
+          </a:fontRef>
+        </p:style>
+        <p:txBody>
+          <a:bodyPr rtlCol="0" anchor="ctr"/>
+          <a:lstStyle/>
+          <a:p>
+            <a:pPr algn="ctr"/>
+            <a:endParaRPr lang="es-AR"/>
+          </a:p>
+        </p:txBody>
+      </p:sp>
+      <p:sp>
+        <p:nvSpPr>
           <p:cNvPr id="67" name="Google Shape;67;p15"/>
           <p:cNvSpPr txBox="1"/>
           <p:nvPr/>
@@ -11483,8 +13124,8 @@
         </p:nvSpPr>
         <p:spPr>
           <a:xfrm>
-            <a:off x="190005" y="324678"/>
-            <a:ext cx="2078182" cy="307777"/>
+            <a:off x="6092469" y="359754"/>
+            <a:ext cx="2078182" cy="584775"/>
           </a:xfrm>
           <a:prstGeom prst="rect">
             <a:avLst/>
@@ -11498,8 +13139,8 @@
           <a:lstStyle/>
           <a:p>
             <a:r>
-              <a:rPr lang="es-AR" b="1" dirty="0">
-                <a:latin typeface="Berlin Sans FB" panose="020E0602020502020306" pitchFamily="34" charset="0"/>
+              <a:rPr lang="es-AR" sz="3200" b="1" dirty="0">
+                <a:latin typeface="Arial Rounded MT Bold" panose="020F0704030504030204" pitchFamily="34" charset="0"/>
               </a:rPr>
               <a:t>PHOBIA</a:t>
             </a:r>
@@ -11623,6 +13264,57 @@
       </p:sp>
       <p:sp>
         <p:nvSpPr>
+          <p:cNvPr id="3" name="Rectángulo: esquinas redondeadas 2">
+            <a:extLst>
+              <a:ext uri="{FF2B5EF4-FFF2-40B4-BE49-F238E27FC236}">
+                <a16:creationId xmlns:a16="http://schemas.microsoft.com/office/drawing/2014/main" id="{208AFBBC-2509-475C-F02B-E34141CFA510}"/>
+              </a:ext>
+            </a:extLst>
+          </p:cNvPr>
+          <p:cNvSpPr/>
+          <p:nvPr/>
+        </p:nvSpPr>
+        <p:spPr>
+          <a:xfrm>
+            <a:off x="231354" y="901700"/>
+            <a:ext cx="5356646" cy="3530600"/>
+          </a:xfrm>
+          <a:prstGeom prst="roundRect">
+            <a:avLst/>
+          </a:prstGeom>
+          <a:solidFill>
+            <a:schemeClr val="accent4">
+              <a:lumMod val="75000"/>
+            </a:schemeClr>
+          </a:solidFill>
+        </p:spPr>
+        <p:style>
+          <a:lnRef idx="2">
+            <a:schemeClr val="accent1">
+              <a:shade val="50000"/>
+            </a:schemeClr>
+          </a:lnRef>
+          <a:fillRef idx="1">
+            <a:schemeClr val="accent1"/>
+          </a:fillRef>
+          <a:effectRef idx="0">
+            <a:schemeClr val="accent1"/>
+          </a:effectRef>
+          <a:fontRef idx="minor">
+            <a:schemeClr val="lt1"/>
+          </a:fontRef>
+        </p:style>
+        <p:txBody>
+          <a:bodyPr rtlCol="0" anchor="ctr"/>
+          <a:lstStyle/>
+          <a:p>
+            <a:pPr algn="ctr"/>
+            <a:endParaRPr lang="es-AR"/>
+          </a:p>
+        </p:txBody>
+      </p:sp>
+      <p:sp>
+        <p:nvSpPr>
           <p:cNvPr id="2" name="CuadroTexto 1">
             <a:extLst>
               <a:ext uri="{FF2B5EF4-FFF2-40B4-BE49-F238E27FC236}">
@@ -11842,6 +13534,57 @@
       </p:sp>
       <p:sp>
         <p:nvSpPr>
+          <p:cNvPr id="2" name="Rectángulo: esquinas redondeadas 1">
+            <a:extLst>
+              <a:ext uri="{FF2B5EF4-FFF2-40B4-BE49-F238E27FC236}">
+                <a16:creationId xmlns:a16="http://schemas.microsoft.com/office/drawing/2014/main" id="{8FD44C81-EB50-72F0-3625-008D96D1923F}"/>
+              </a:ext>
+            </a:extLst>
+          </p:cNvPr>
+          <p:cNvSpPr/>
+          <p:nvPr/>
+        </p:nvSpPr>
+        <p:spPr>
+          <a:xfrm>
+            <a:off x="268850" y="672125"/>
+            <a:ext cx="8730600" cy="1072725"/>
+          </a:xfrm>
+          <a:prstGeom prst="roundRect">
+            <a:avLst/>
+          </a:prstGeom>
+          <a:solidFill>
+            <a:schemeClr val="accent4">
+              <a:lumMod val="75000"/>
+            </a:schemeClr>
+          </a:solidFill>
+        </p:spPr>
+        <p:style>
+          <a:lnRef idx="2">
+            <a:schemeClr val="accent1">
+              <a:shade val="50000"/>
+            </a:schemeClr>
+          </a:lnRef>
+          <a:fillRef idx="1">
+            <a:schemeClr val="accent1"/>
+          </a:fillRef>
+          <a:effectRef idx="0">
+            <a:schemeClr val="accent1"/>
+          </a:effectRef>
+          <a:fontRef idx="minor">
+            <a:schemeClr val="lt1"/>
+          </a:fontRef>
+        </p:style>
+        <p:txBody>
+          <a:bodyPr rtlCol="0" anchor="ctr"/>
+          <a:lstStyle/>
+          <a:p>
+            <a:pPr algn="ctr"/>
+            <a:endParaRPr lang="es-AR"/>
+          </a:p>
+        </p:txBody>
+      </p:sp>
+      <p:sp>
+        <p:nvSpPr>
           <p:cNvPr id="81" name="Google Shape;81;p17"/>
           <p:cNvSpPr txBox="1"/>
           <p:nvPr/>
@@ -11935,14 +13678,14 @@
               <a:buNone/>
             </a:pPr>
             <a:r>
-              <a:rPr lang="es" sz="2200" b="1">
+              <a:rPr lang="es" sz="2200" b="1" dirty="0">
                 <a:solidFill>
                   <a:srgbClr val="666666"/>
                 </a:solidFill>
               </a:rPr>
               <a:t>Personaje</a:t>
             </a:r>
-            <a:endParaRPr sz="2200" b="1">
+            <a:endParaRPr sz="2200" b="1" dirty="0">
               <a:solidFill>
                 <a:srgbClr val="666666"/>
               </a:solidFill>
@@ -12326,6 +14069,57 @@
       </p:sp>
       <p:sp>
         <p:nvSpPr>
+          <p:cNvPr id="2" name="Rectángulo: esquinas redondeadas 1">
+            <a:extLst>
+              <a:ext uri="{FF2B5EF4-FFF2-40B4-BE49-F238E27FC236}">
+                <a16:creationId xmlns:a16="http://schemas.microsoft.com/office/drawing/2014/main" id="{DAD832E8-77F5-C886-DF79-F066DAF9260B}"/>
+              </a:ext>
+            </a:extLst>
+          </p:cNvPr>
+          <p:cNvSpPr/>
+          <p:nvPr/>
+        </p:nvSpPr>
+        <p:spPr>
+          <a:xfrm>
+            <a:off x="304476" y="672125"/>
+            <a:ext cx="8730600" cy="686775"/>
+          </a:xfrm>
+          <a:prstGeom prst="roundRect">
+            <a:avLst/>
+          </a:prstGeom>
+          <a:solidFill>
+            <a:schemeClr val="accent4">
+              <a:lumMod val="75000"/>
+            </a:schemeClr>
+          </a:solidFill>
+        </p:spPr>
+        <p:style>
+          <a:lnRef idx="2">
+            <a:schemeClr val="accent1">
+              <a:shade val="50000"/>
+            </a:schemeClr>
+          </a:lnRef>
+          <a:fillRef idx="1">
+            <a:schemeClr val="accent1"/>
+          </a:fillRef>
+          <a:effectRef idx="0">
+            <a:schemeClr val="accent1"/>
+          </a:effectRef>
+          <a:fontRef idx="minor">
+            <a:schemeClr val="lt1"/>
+          </a:fontRef>
+        </p:style>
+        <p:txBody>
+          <a:bodyPr rtlCol="0" anchor="ctr"/>
+          <a:lstStyle/>
+          <a:p>
+            <a:pPr algn="ctr"/>
+            <a:endParaRPr lang="es-AR"/>
+          </a:p>
+        </p:txBody>
+      </p:sp>
+      <p:sp>
+        <p:nvSpPr>
           <p:cNvPr id="93" name="Google Shape;93;p18"/>
           <p:cNvSpPr txBox="1"/>
           <p:nvPr/>
@@ -13066,13 +14860,64 @@
       </p:sp>
       <p:sp>
         <p:nvSpPr>
+          <p:cNvPr id="3" name="Rectángulo: esquinas redondeadas 2">
+            <a:extLst>
+              <a:ext uri="{FF2B5EF4-FFF2-40B4-BE49-F238E27FC236}">
+                <a16:creationId xmlns:a16="http://schemas.microsoft.com/office/drawing/2014/main" id="{B4918379-A465-0952-248C-7F45C1DDE28E}"/>
+              </a:ext>
+            </a:extLst>
+          </p:cNvPr>
+          <p:cNvSpPr/>
+          <p:nvPr/>
+        </p:nvSpPr>
+        <p:spPr>
+          <a:xfrm>
+            <a:off x="4303020" y="1834308"/>
+            <a:ext cx="4572000" cy="1562035"/>
+          </a:xfrm>
+          <a:prstGeom prst="roundRect">
+            <a:avLst/>
+          </a:prstGeom>
+          <a:solidFill>
+            <a:schemeClr val="accent4">
+              <a:lumMod val="75000"/>
+            </a:schemeClr>
+          </a:solidFill>
+        </p:spPr>
+        <p:style>
+          <a:lnRef idx="2">
+            <a:schemeClr val="accent1">
+              <a:shade val="50000"/>
+            </a:schemeClr>
+          </a:lnRef>
+          <a:fillRef idx="1">
+            <a:schemeClr val="accent1"/>
+          </a:fillRef>
+          <a:effectRef idx="0">
+            <a:schemeClr val="accent1"/>
+          </a:effectRef>
+          <a:fontRef idx="minor">
+            <a:schemeClr val="lt1"/>
+          </a:fontRef>
+        </p:style>
+        <p:txBody>
+          <a:bodyPr rtlCol="0" anchor="ctr"/>
+          <a:lstStyle/>
+          <a:p>
+            <a:pPr algn="ctr"/>
+            <a:endParaRPr lang="es-AR"/>
+          </a:p>
+        </p:txBody>
+      </p:sp>
+      <p:sp>
+        <p:nvSpPr>
           <p:cNvPr id="105" name="Google Shape;105;p19"/>
           <p:cNvSpPr txBox="1"/>
           <p:nvPr/>
         </p:nvSpPr>
         <p:spPr>
           <a:xfrm>
-            <a:off x="4572000" y="583894"/>
+            <a:off x="4303020" y="0"/>
             <a:ext cx="4572000" cy="5143500"/>
           </a:xfrm>
           <a:prstGeom prst="rect">
@@ -13089,27 +14934,44 @@
           </a:bodyPr>
           <a:lstStyle/>
           <a:p>
-            <a:pPr marL="0" lvl="0" indent="0" algn="ctr" rtl="0">
-              <a:spcBef>
-                <a:spcPts val="0"/>
-              </a:spcBef>
-              <a:spcAft>
-                <a:spcPts val="0"/>
-              </a:spcAft>
-              <a:buNone/>
-            </a:pPr>
-            <a:r>
-              <a:rPr lang="es" sz="5000" dirty="0">
-                <a:solidFill>
-                  <a:schemeClr val="dk2"/>
-                </a:solidFill>
-              </a:rPr>
-              <a:t>Gameplay</a:t>
-            </a:r>
-            <a:endParaRPr sz="5000" dirty="0">
+            <a:pPr marL="0" lvl="0" indent="0" algn="just" rtl="0">
+              <a:spcBef>
+                <a:spcPts val="0"/>
+              </a:spcBef>
+              <a:spcAft>
+                <a:spcPts val="0"/>
+              </a:spcAft>
+              <a:buNone/>
+            </a:pPr>
+            <a:r>
+              <a:rPr lang="es-AR" sz="1800" i="1" dirty="0">
+                <a:effectLst/>
+                <a:latin typeface="Arial Rounded MT Bold" panose="020F0704030504030204" pitchFamily="34" charset="0"/>
+                <a:ea typeface="Arial" panose="020B0604020202020204" pitchFamily="34" charset="0"/>
+              </a:rPr>
+              <a:t>Escapa de los diversos escenarios utilizando las mecánicas, resuelve puzles, y descubre los secretos de la casa de </a:t>
+            </a:r>
+            <a:r>
+              <a:rPr lang="es-AR" sz="1800" i="1" dirty="0" err="1">
+                <a:effectLst/>
+                <a:latin typeface="Arial Rounded MT Bold" panose="020F0704030504030204" pitchFamily="34" charset="0"/>
+                <a:ea typeface="Arial" panose="020B0604020202020204" pitchFamily="34" charset="0"/>
+              </a:rPr>
+              <a:t>Phobia</a:t>
+            </a:r>
+            <a:r>
+              <a:rPr lang="es-AR" sz="1800" i="1" dirty="0">
+                <a:effectLst/>
+                <a:latin typeface="Arial Rounded MT Bold" panose="020F0704030504030204" pitchFamily="34" charset="0"/>
+                <a:ea typeface="Arial" panose="020B0604020202020204" pitchFamily="34" charset="0"/>
+              </a:rPr>
+              <a:t>.</a:t>
+            </a:r>
+            <a:endParaRPr sz="5000" i="1" dirty="0">
               <a:solidFill>
                 <a:schemeClr val="dk2"/>
               </a:solidFill>
+              <a:latin typeface="Arial Rounded MT Bold" panose="020F0704030504030204" pitchFamily="34" charset="0"/>
             </a:endParaRPr>
           </a:p>
         </p:txBody>
@@ -13135,7 +14997,7 @@
         </p:blipFill>
         <p:spPr>
           <a:xfrm>
-            <a:off x="537959" y="1834308"/>
+            <a:off x="537958" y="1674071"/>
             <a:ext cx="3496082" cy="1882507"/>
           </a:xfrm>
           <a:prstGeom prst="rect">
@@ -13170,144 +15032,6 @@
       </p:grpSpPr>
       <p:sp>
         <p:nvSpPr>
-          <p:cNvPr id="110" name="Google Shape;110;p20"/>
-          <p:cNvSpPr txBox="1"/>
-          <p:nvPr/>
-        </p:nvSpPr>
-        <p:spPr>
-          <a:xfrm>
-            <a:off x="268850" y="672125"/>
-            <a:ext cx="8730600" cy="1262100"/>
-          </a:xfrm>
-          <a:prstGeom prst="rect">
-            <a:avLst/>
-          </a:prstGeom>
-          <a:noFill/>
-          <a:ln>
-            <a:noFill/>
-          </a:ln>
-        </p:spPr>
-        <p:txBody>
-          <a:bodyPr spcFirstLastPara="1" wrap="square" lIns="91425" tIns="91425" rIns="91425" bIns="91425" anchor="t" anchorCtr="0">
-            <a:spAutoFit/>
-          </a:bodyPr>
-          <a:lstStyle/>
-          <a:p>
-            <a:pPr marL="0" lvl="0" indent="0" algn="l" rtl="0">
-              <a:spcBef>
-                <a:spcPts val="0"/>
-              </a:spcBef>
-              <a:spcAft>
-                <a:spcPts val="0"/>
-              </a:spcAft>
-              <a:buNone/>
-            </a:pPr>
-            <a:r>
-              <a:rPr lang="es" i="1">
-                <a:solidFill>
-                  <a:srgbClr val="666666"/>
-                </a:solidFill>
-              </a:rPr>
-              <a:t>Espacio dedicado a explicar en detalle features y/o mecánicas que hacen ÚNICO a su juego.</a:t>
-            </a:r>
-            <a:endParaRPr i="1">
-              <a:solidFill>
-                <a:srgbClr val="666666"/>
-              </a:solidFill>
-            </a:endParaRPr>
-          </a:p>
-          <a:p>
-            <a:pPr marL="0" lvl="0" indent="0" algn="l" rtl="0">
-              <a:spcBef>
-                <a:spcPts val="0"/>
-              </a:spcBef>
-              <a:spcAft>
-                <a:spcPts val="0"/>
-              </a:spcAft>
-              <a:buNone/>
-            </a:pPr>
-            <a:r>
-              <a:rPr lang="es" i="1">
-                <a:solidFill>
-                  <a:srgbClr val="666666"/>
-                </a:solidFill>
-              </a:rPr>
-              <a:t>Dediquen un slide a cada una de ellas. Solo las importantes! Esas que lo destacan de otros juegos.</a:t>
-            </a:r>
-            <a:endParaRPr i="1">
-              <a:solidFill>
-                <a:srgbClr val="666666"/>
-              </a:solidFill>
-            </a:endParaRPr>
-          </a:p>
-          <a:p>
-            <a:pPr marL="0" lvl="0" indent="0" algn="l" rtl="0">
-              <a:spcBef>
-                <a:spcPts val="0"/>
-              </a:spcBef>
-              <a:spcAft>
-                <a:spcPts val="0"/>
-              </a:spcAft>
-              <a:buNone/>
-            </a:pPr>
-            <a:endParaRPr i="1">
-              <a:solidFill>
-                <a:srgbClr val="666666"/>
-              </a:solidFill>
-            </a:endParaRPr>
-          </a:p>
-          <a:p>
-            <a:pPr marL="0" lvl="0" indent="0" algn="l" rtl="0">
-              <a:spcBef>
-                <a:spcPts val="0"/>
-              </a:spcBef>
-              <a:spcAft>
-                <a:spcPts val="0"/>
-              </a:spcAft>
-              <a:buNone/>
-            </a:pPr>
-            <a:r>
-              <a:rPr lang="es" i="1">
-                <a:solidFill>
-                  <a:srgbClr val="666666"/>
-                </a:solidFill>
-              </a:rPr>
-              <a:t>Recuerde que no solo debe detallar de forma concisa, sino ser claro en el proceso. </a:t>
-            </a:r>
-            <a:endParaRPr i="1">
-              <a:solidFill>
-                <a:srgbClr val="666666"/>
-              </a:solidFill>
-            </a:endParaRPr>
-          </a:p>
-          <a:p>
-            <a:pPr marL="0" lvl="0" indent="0" algn="l" rtl="0">
-              <a:spcBef>
-                <a:spcPts val="0"/>
-              </a:spcBef>
-              <a:spcAft>
-                <a:spcPts val="0"/>
-              </a:spcAft>
-              <a:buNone/>
-            </a:pPr>
-            <a:r>
-              <a:rPr lang="es" i="1">
-                <a:solidFill>
-                  <a:srgbClr val="666666"/>
-                </a:solidFill>
-              </a:rPr>
-              <a:t>Acompañar con imágenes de concepto es “casi” indispensable</a:t>
-            </a:r>
-            <a:endParaRPr i="1">
-              <a:solidFill>
-                <a:srgbClr val="666666"/>
-              </a:solidFill>
-            </a:endParaRPr>
-          </a:p>
-        </p:txBody>
-      </p:sp>
-      <p:sp>
-        <p:nvSpPr>
           <p:cNvPr id="111" name="Google Shape;111;p20"/>
           <p:cNvSpPr/>
           <p:nvPr/>
@@ -13698,6 +15422,108 @@
               <a:t>Uso de la linterna como arma</a:t>
             </a:r>
             <a:endParaRPr sz="1600" b="1" i="1" dirty="0">
+              <a:solidFill>
+                <a:schemeClr val="tx1">
+                  <a:lumMod val="95000"/>
+                  <a:lumOff val="5000"/>
+                </a:schemeClr>
+              </a:solidFill>
+              <a:latin typeface="Arial Rounded MT Bold" panose="020F0704030504030204" pitchFamily="34" charset="0"/>
+            </a:endParaRPr>
+          </a:p>
+        </p:txBody>
+      </p:sp>
+      <p:sp>
+        <p:nvSpPr>
+          <p:cNvPr id="4" name="Rectángulo: esquinas redondeadas 3">
+            <a:extLst>
+              <a:ext uri="{FF2B5EF4-FFF2-40B4-BE49-F238E27FC236}">
+                <a16:creationId xmlns:a16="http://schemas.microsoft.com/office/drawing/2014/main" id="{A7DF27BC-84D3-0EAC-E0C6-C89CFD940E1E}"/>
+              </a:ext>
+            </a:extLst>
+          </p:cNvPr>
+          <p:cNvSpPr/>
+          <p:nvPr/>
+        </p:nvSpPr>
+        <p:spPr>
+          <a:xfrm>
+            <a:off x="0" y="1127485"/>
+            <a:ext cx="9144000" cy="1538597"/>
+          </a:xfrm>
+          <a:prstGeom prst="roundRect">
+            <a:avLst/>
+          </a:prstGeom>
+          <a:solidFill>
+            <a:schemeClr val="accent4">
+              <a:lumMod val="75000"/>
+            </a:schemeClr>
+          </a:solidFill>
+        </p:spPr>
+        <p:style>
+          <a:lnRef idx="2">
+            <a:schemeClr val="accent1">
+              <a:shade val="50000"/>
+            </a:schemeClr>
+          </a:lnRef>
+          <a:fillRef idx="1">
+            <a:schemeClr val="accent1"/>
+          </a:fillRef>
+          <a:effectRef idx="0">
+            <a:schemeClr val="accent1"/>
+          </a:effectRef>
+          <a:fontRef idx="minor">
+            <a:schemeClr val="lt1"/>
+          </a:fontRef>
+        </p:style>
+        <p:txBody>
+          <a:bodyPr rtlCol="0" anchor="ctr"/>
+          <a:lstStyle/>
+          <a:p>
+            <a:pPr marL="0" lvl="0" indent="0" algn="just" rtl="0">
+              <a:spcBef>
+                <a:spcPts val="0"/>
+              </a:spcBef>
+              <a:spcAft>
+                <a:spcPts val="0"/>
+              </a:spcAft>
+              <a:buNone/>
+            </a:pPr>
+            <a:r>
+              <a:rPr lang="es" sz="1400" b="1" i="1">
+                <a:solidFill>
+                  <a:schemeClr val="tx1">
+                    <a:lumMod val="95000"/>
+                    <a:lumOff val="5000"/>
+                  </a:schemeClr>
+                </a:solidFill>
+                <a:latin typeface="Arial Rounded MT Bold" panose="020F0704030504030204" pitchFamily="34" charset="0"/>
+              </a:rPr>
+              <a:t>PHOBIA  hace gala de los principios del game disaing, desde un inicio y en la base de los scape room , aisla al jugador para que pueda entender las mecanicas basicas, pero elemetales de la experiancia, un loop que se repetira a lo largo del juego pero que incremetara con la presencia de diferentes ingredientes donde sus   apartados atomicos incremetaran la dificultad de los mismos.</a:t>
+            </a:r>
+          </a:p>
+          <a:p>
+            <a:pPr marL="0" lvl="0" indent="0" algn="just" rtl="0">
+              <a:spcBef>
+                <a:spcPts val="0"/>
+              </a:spcBef>
+              <a:spcAft>
+                <a:spcPts val="0"/>
+              </a:spcAft>
+              <a:buNone/>
+            </a:pPr>
+            <a:r>
+              <a:rPr lang="es" sz="1400" b="1" i="1">
+                <a:solidFill>
+                  <a:schemeClr val="tx1">
+                    <a:lumMod val="95000"/>
+                    <a:lumOff val="5000"/>
+                  </a:schemeClr>
+                </a:solidFill>
+                <a:latin typeface="Arial Rounded MT Bold" panose="020F0704030504030204" pitchFamily="34" charset="0"/>
+              </a:rPr>
+              <a:t>Capitulo 1 (Habitacion inicial)</a:t>
+            </a:r>
+            <a:endParaRPr lang="es" sz="1400" b="1" i="1" dirty="0">
               <a:solidFill>
                 <a:schemeClr val="tx1">
                   <a:lumMod val="95000"/>
@@ -14008,41 +15834,6 @@
               </a:spcAft>
               <a:buNone/>
             </a:pPr>
-            <a:r>
-              <a:rPr lang="es" sz="2200" b="1" dirty="0">
-                <a:solidFill>
-                  <a:srgbClr val="666666"/>
-                </a:solidFill>
-              </a:rPr>
-              <a:t>[IDENTIFICADOR DE FEATURE / MECÁNICA]</a:t>
-            </a:r>
-          </a:p>
-          <a:p>
-            <a:pPr marL="0" lvl="0" indent="0" algn="l" rtl="0">
-              <a:spcBef>
-                <a:spcPts val="0"/>
-              </a:spcBef>
-              <a:spcAft>
-                <a:spcPts val="0"/>
-              </a:spcAft>
-              <a:buNone/>
-            </a:pPr>
-            <a:endParaRPr lang="es" sz="2200" b="1" dirty="0">
-              <a:solidFill>
-                <a:srgbClr val="666666"/>
-              </a:solidFill>
-            </a:endParaRPr>
-          </a:p>
-          <a:p>
-            <a:pPr marL="0" lvl="0" indent="0" algn="l" rtl="0">
-              <a:spcBef>
-                <a:spcPts val="0"/>
-              </a:spcBef>
-              <a:spcAft>
-                <a:spcPts val="0"/>
-              </a:spcAft>
-              <a:buNone/>
-            </a:pPr>
             <a:endParaRPr lang="es" sz="2200" b="1" dirty="0">
               <a:solidFill>
                 <a:srgbClr val="666666"/>
@@ -14108,8 +15899,7 @@
           </a:prstGeom>
           <a:solidFill>
             <a:schemeClr val="accent4">
-              <a:lumMod val="40000"/>
-              <a:lumOff val="60000"/>
+              <a:lumMod val="75000"/>
             </a:schemeClr>
           </a:solidFill>
         </p:spPr>
@@ -14169,7 +15959,7 @@
             <a:r>
               <a:rPr lang="es-AR" b="1" dirty="0">
                 <a:solidFill>
-                  <a:srgbClr val="FF0000"/>
+                  <a:schemeClr val="bg1"/>
                 </a:solidFill>
               </a:rPr>
               <a:t>Core </a:t>
@@ -14177,7 +15967,7 @@
             <a:r>
               <a:rPr lang="es-AR" b="1" dirty="0" err="1">
                 <a:solidFill>
-                  <a:srgbClr val="FF0000"/>
+                  <a:schemeClr val="bg1"/>
                 </a:solidFill>
               </a:rPr>
               <a:t>loop</a:t>
@@ -14185,10 +15975,10 @@
             <a:r>
               <a:rPr lang="es-AR" b="1" dirty="0">
                 <a:solidFill>
-                  <a:srgbClr val="FF0000"/>
-                </a:solidFill>
-              </a:rPr>
-              <a:t> que s repetirá a lo largo del juego</a:t>
+                  <a:schemeClr val="bg1"/>
+                </a:solidFill>
+              </a:rPr>
+              <a:t> que se repetirá a lo largo del juego</a:t>
             </a:r>
           </a:p>
         </p:txBody>
@@ -14207,8 +15997,8 @@
         </p:nvSpPr>
         <p:spPr>
           <a:xfrm>
-            <a:off x="3180032" y="1567613"/>
-            <a:ext cx="2995136" cy="1489480"/>
+            <a:off x="3159246" y="1240617"/>
+            <a:ext cx="2995136" cy="2019670"/>
           </a:xfrm>
           <a:prstGeom prst="arc">
             <a:avLst>

--- a/Pitch (Venta) [Template] PHOBIA.pptx
+++ b/Pitch (Venta) [Template] PHOBIA.pptx
@@ -7692,144 +7692,6 @@
       </p:grpSpPr>
       <p:sp>
         <p:nvSpPr>
-          <p:cNvPr id="116" name="Google Shape;116;p21"/>
-          <p:cNvSpPr txBox="1"/>
-          <p:nvPr/>
-        </p:nvSpPr>
-        <p:spPr>
-          <a:xfrm>
-            <a:off x="268850" y="672125"/>
-            <a:ext cx="8730600" cy="1262100"/>
-          </a:xfrm>
-          <a:prstGeom prst="rect">
-            <a:avLst/>
-          </a:prstGeom>
-          <a:noFill/>
-          <a:ln>
-            <a:noFill/>
-          </a:ln>
-        </p:spPr>
-        <p:txBody>
-          <a:bodyPr spcFirstLastPara="1" wrap="square" lIns="91425" tIns="91425" rIns="91425" bIns="91425" anchor="t" anchorCtr="0">
-            <a:spAutoFit/>
-          </a:bodyPr>
-          <a:lstStyle/>
-          <a:p>
-            <a:pPr marL="0" lvl="0" indent="0" algn="l" rtl="0">
-              <a:spcBef>
-                <a:spcPts val="0"/>
-              </a:spcBef>
-              <a:spcAft>
-                <a:spcPts val="0"/>
-              </a:spcAft>
-              <a:buNone/>
-            </a:pPr>
-            <a:r>
-              <a:rPr lang="es" i="1">
-                <a:solidFill>
-                  <a:srgbClr val="666666"/>
-                </a:solidFill>
-              </a:rPr>
-              <a:t>Espacio dedicado a explicar en detalle features y/o mecánicas que hacen ÚNICO a su juego.</a:t>
-            </a:r>
-            <a:endParaRPr i="1">
-              <a:solidFill>
-                <a:srgbClr val="666666"/>
-              </a:solidFill>
-            </a:endParaRPr>
-          </a:p>
-          <a:p>
-            <a:pPr marL="0" lvl="0" indent="0" algn="l" rtl="0">
-              <a:spcBef>
-                <a:spcPts val="0"/>
-              </a:spcBef>
-              <a:spcAft>
-                <a:spcPts val="0"/>
-              </a:spcAft>
-              <a:buNone/>
-            </a:pPr>
-            <a:r>
-              <a:rPr lang="es" i="1">
-                <a:solidFill>
-                  <a:srgbClr val="666666"/>
-                </a:solidFill>
-              </a:rPr>
-              <a:t>Dediquen un slide a cada una de ellas. Solo las importantes! Esas que lo destacan de otros juegos.</a:t>
-            </a:r>
-            <a:endParaRPr i="1">
-              <a:solidFill>
-                <a:srgbClr val="666666"/>
-              </a:solidFill>
-            </a:endParaRPr>
-          </a:p>
-          <a:p>
-            <a:pPr marL="0" lvl="0" indent="0" algn="l" rtl="0">
-              <a:spcBef>
-                <a:spcPts val="0"/>
-              </a:spcBef>
-              <a:spcAft>
-                <a:spcPts val="0"/>
-              </a:spcAft>
-              <a:buNone/>
-            </a:pPr>
-            <a:endParaRPr i="1">
-              <a:solidFill>
-                <a:srgbClr val="666666"/>
-              </a:solidFill>
-            </a:endParaRPr>
-          </a:p>
-          <a:p>
-            <a:pPr marL="0" lvl="0" indent="0" algn="l" rtl="0">
-              <a:spcBef>
-                <a:spcPts val="0"/>
-              </a:spcBef>
-              <a:spcAft>
-                <a:spcPts val="0"/>
-              </a:spcAft>
-              <a:buNone/>
-            </a:pPr>
-            <a:r>
-              <a:rPr lang="es" i="1">
-                <a:solidFill>
-                  <a:srgbClr val="666666"/>
-                </a:solidFill>
-              </a:rPr>
-              <a:t>Recuerde que no solo debe detallar de forma concisa, sino ser claro en el proceso. </a:t>
-            </a:r>
-            <a:endParaRPr i="1">
-              <a:solidFill>
-                <a:srgbClr val="666666"/>
-              </a:solidFill>
-            </a:endParaRPr>
-          </a:p>
-          <a:p>
-            <a:pPr marL="0" lvl="0" indent="0" algn="l" rtl="0">
-              <a:spcBef>
-                <a:spcPts val="0"/>
-              </a:spcBef>
-              <a:spcAft>
-                <a:spcPts val="0"/>
-              </a:spcAft>
-              <a:buNone/>
-            </a:pPr>
-            <a:r>
-              <a:rPr lang="es" i="1">
-                <a:solidFill>
-                  <a:srgbClr val="666666"/>
-                </a:solidFill>
-              </a:rPr>
-              <a:t>Acompañar con imágenes de concepto es “casi” indispensable</a:t>
-            </a:r>
-            <a:endParaRPr i="1">
-              <a:solidFill>
-                <a:srgbClr val="666666"/>
-              </a:solidFill>
-            </a:endParaRPr>
-          </a:p>
-        </p:txBody>
-      </p:sp>
-      <p:sp>
-        <p:nvSpPr>
           <p:cNvPr id="117" name="Google Shape;117;p21"/>
           <p:cNvSpPr/>
           <p:nvPr/>
@@ -7904,25 +7766,6 @@
             </a:endParaRPr>
           </a:p>
           <a:p>
-            <a:pPr lvl="0" algn="ctr">
-              <a:lnSpc>
-                <a:spcPct val="150000"/>
-              </a:lnSpc>
-              <a:spcAft>
-                <a:spcPts val="800"/>
-              </a:spcAft>
-            </a:pPr>
-            <a:r>
-              <a:rPr lang="es-AR" sz="1800" dirty="0">
-                <a:effectLst/>
-                <a:latin typeface="Arial Rounded MT Bold" panose="020F0704030504030204" pitchFamily="34" charset="0"/>
-                <a:ea typeface="Times New Roman" panose="02020603050405020304" pitchFamily="18" charset="0"/>
-                <a:cs typeface="Times New Roman" panose="02020603050405020304" pitchFamily="18" charset="0"/>
-              </a:rPr>
-              <a:t>“La luz es tu aliada no te apartes de ella”</a:t>
-            </a:r>
-          </a:p>
-          <a:p>
             <a:pPr lvl="0">
               <a:lnSpc>
                 <a:spcPct val="150000"/>
@@ -8023,6 +7866,53 @@
           </a:p>
         </p:txBody>
       </p:sp>
+      <p:pic>
+        <p:nvPicPr>
+          <p:cNvPr id="4" name="Picture 4">
+            <a:extLst>
+              <a:ext uri="{FF2B5EF4-FFF2-40B4-BE49-F238E27FC236}">
+                <a16:creationId xmlns:a16="http://schemas.microsoft.com/office/drawing/2014/main" id="{7E9E2D20-EC73-20A3-DCD5-3BD0605E88F6}"/>
+              </a:ext>
+            </a:extLst>
+          </p:cNvPr>
+          <p:cNvPicPr>
+            <a:picLocks noChangeAspect="1" noChangeArrowheads="1"/>
+          </p:cNvPicPr>
+          <p:nvPr/>
+        </p:nvPicPr>
+        <p:blipFill>
+          <a:blip r:embed="rId3">
+            <a:extLst>
+              <a:ext uri="{28A0092B-C50C-407E-A947-70E740481C1C}">
+                <a14:useLocalDpi xmlns:a14="http://schemas.microsoft.com/office/drawing/2010/main" val="0"/>
+              </a:ext>
+            </a:extLst>
+          </a:blip>
+          <a:srcRect/>
+          <a:stretch>
+            <a:fillRect/>
+          </a:stretch>
+        </p:blipFill>
+        <p:spPr bwMode="auto">
+          <a:xfrm>
+            <a:off x="0" y="0"/>
+            <a:ext cx="9144001" cy="5332164"/>
+          </a:xfrm>
+          <a:prstGeom prst="rect">
+            <a:avLst/>
+          </a:prstGeom>
+          <a:noFill/>
+          <a:extLst>
+            <a:ext uri="{909E8E84-426E-40DD-AFC4-6F175D3DCCD1}">
+              <a14:hiddenFill xmlns:a14="http://schemas.microsoft.com/office/drawing/2010/main">
+                <a:solidFill>
+                  <a:srgbClr val="FFFFFF"/>
+                </a:solidFill>
+              </a14:hiddenFill>
+            </a:ext>
+          </a:extLst>
+        </p:spPr>
+      </p:pic>
       <p:sp>
         <p:nvSpPr>
           <p:cNvPr id="2" name="Rectángulo: esquinas redondeadas 1">
@@ -8188,6 +8078,115 @@
                 <a:cs typeface="Times New Roman" panose="02020603050405020304" pitchFamily="18" charset="0"/>
               </a:rPr>
               <a:t>La resolución de acertijo es la manera de pasar de cuarto en cuarto , tomate tu tiempo y descubre cada una de las pistas.</a:t>
+            </a:r>
+          </a:p>
+        </p:txBody>
+      </p:sp>
+      <p:sp>
+        <p:nvSpPr>
+          <p:cNvPr id="6" name="CuadroTexto 5">
+            <a:extLst>
+              <a:ext uri="{FF2B5EF4-FFF2-40B4-BE49-F238E27FC236}">
+                <a16:creationId xmlns:a16="http://schemas.microsoft.com/office/drawing/2014/main" id="{4D4FB79B-1183-C67D-CCC2-EEC4A16556B2}"/>
+              </a:ext>
+            </a:extLst>
+          </p:cNvPr>
+          <p:cNvSpPr txBox="1"/>
+          <p:nvPr/>
+        </p:nvSpPr>
+        <p:spPr>
+          <a:xfrm>
+            <a:off x="1758950" y="941893"/>
+            <a:ext cx="6330950" cy="494687"/>
+          </a:xfrm>
+          <a:prstGeom prst="rect">
+            <a:avLst/>
+          </a:prstGeom>
+          <a:noFill/>
+        </p:spPr>
+        <p:txBody>
+          <a:bodyPr wrap="square">
+            <a:spAutoFit/>
+          </a:bodyPr>
+          <a:lstStyle/>
+          <a:p>
+            <a:pPr lvl="0" algn="ctr">
+              <a:lnSpc>
+                <a:spcPct val="150000"/>
+              </a:lnSpc>
+              <a:spcAft>
+                <a:spcPts val="800"/>
+              </a:spcAft>
+            </a:pPr>
+            <a:r>
+              <a:rPr lang="es-AR" sz="2000" dirty="0">
+                <a:solidFill>
+                  <a:schemeClr val="bg1"/>
+                </a:solidFill>
+                <a:effectLst/>
+                <a:latin typeface="Arial Rounded MT Bold" panose="020F0704030504030204" pitchFamily="34" charset="0"/>
+                <a:ea typeface="Times New Roman" panose="02020603050405020304" pitchFamily="18" charset="0"/>
+                <a:cs typeface="Times New Roman" panose="02020603050405020304" pitchFamily="18" charset="0"/>
+              </a:rPr>
+              <a:t>“La luz es tu aliada no te apartes de ella”</a:t>
+            </a:r>
+          </a:p>
+        </p:txBody>
+      </p:sp>
+      <p:sp>
+        <p:nvSpPr>
+          <p:cNvPr id="7" name="CuadroTexto 6">
+            <a:extLst>
+              <a:ext uri="{FF2B5EF4-FFF2-40B4-BE49-F238E27FC236}">
+                <a16:creationId xmlns:a16="http://schemas.microsoft.com/office/drawing/2014/main" id="{04E4762B-C2AE-1BC0-76D5-7A55A2239DA4}"/>
+              </a:ext>
+            </a:extLst>
+          </p:cNvPr>
+          <p:cNvSpPr txBox="1"/>
+          <p:nvPr/>
+        </p:nvSpPr>
+        <p:spPr>
+          <a:xfrm>
+            <a:off x="2555875" y="2666082"/>
+            <a:ext cx="4737100" cy="400110"/>
+          </a:xfrm>
+          <a:prstGeom prst="rect">
+            <a:avLst/>
+          </a:prstGeom>
+          <a:noFill/>
+        </p:spPr>
+        <p:txBody>
+          <a:bodyPr wrap="square" rtlCol="0">
+            <a:spAutoFit/>
+          </a:bodyPr>
+          <a:lstStyle/>
+          <a:p>
+            <a:r>
+              <a:rPr lang="es-AR" sz="2000" b="1" dirty="0">
+                <a:solidFill>
+                  <a:schemeClr val="bg1"/>
+                </a:solidFill>
+                <a:latin typeface="Arial Rounded MT Bold" panose="020F0704030504030204" pitchFamily="34" charset="0"/>
+              </a:rPr>
+              <a:t>“Los acertijos </a:t>
+            </a:r>
+            <a:r>
+              <a:rPr lang="es-AR" sz="2000" b="1" dirty="0" err="1">
+                <a:solidFill>
+                  <a:schemeClr val="bg1"/>
+                </a:solidFill>
+                <a:latin typeface="Arial Rounded MT Bold" panose="020F0704030504030204" pitchFamily="34" charset="0"/>
+              </a:rPr>
+              <a:t>abrran</a:t>
+            </a:r>
+            <a:r>
+              <a:rPr lang="es-AR" sz="2000" b="1" dirty="0">
+                <a:solidFill>
+                  <a:schemeClr val="bg1"/>
+                </a:solidFill>
+                <a:latin typeface="Arial Rounded MT Bold" panose="020F0704030504030204" pitchFamily="34" charset="0"/>
+              </a:rPr>
+              <a:t> tu camino”</a:t>
             </a:r>
           </a:p>
         </p:txBody>
@@ -8219,144 +8218,6 @@
       </p:grpSpPr>
       <p:sp>
         <p:nvSpPr>
-          <p:cNvPr id="116" name="Google Shape;116;p21"/>
-          <p:cNvSpPr txBox="1"/>
-          <p:nvPr/>
-        </p:nvSpPr>
-        <p:spPr>
-          <a:xfrm>
-            <a:off x="268850" y="672125"/>
-            <a:ext cx="8730600" cy="1262100"/>
-          </a:xfrm>
-          <a:prstGeom prst="rect">
-            <a:avLst/>
-          </a:prstGeom>
-          <a:noFill/>
-          <a:ln>
-            <a:noFill/>
-          </a:ln>
-        </p:spPr>
-        <p:txBody>
-          <a:bodyPr spcFirstLastPara="1" wrap="square" lIns="91425" tIns="91425" rIns="91425" bIns="91425" anchor="t" anchorCtr="0">
-            <a:spAutoFit/>
-          </a:bodyPr>
-          <a:lstStyle/>
-          <a:p>
-            <a:pPr marL="0" lvl="0" indent="0" algn="l" rtl="0">
-              <a:spcBef>
-                <a:spcPts val="0"/>
-              </a:spcBef>
-              <a:spcAft>
-                <a:spcPts val="0"/>
-              </a:spcAft>
-              <a:buNone/>
-            </a:pPr>
-            <a:r>
-              <a:rPr lang="es" i="1">
-                <a:solidFill>
-                  <a:srgbClr val="666666"/>
-                </a:solidFill>
-              </a:rPr>
-              <a:t>Espacio dedicado a explicar en detalle features y/o mecánicas que hacen ÚNICO a su juego.</a:t>
-            </a:r>
-            <a:endParaRPr i="1">
-              <a:solidFill>
-                <a:srgbClr val="666666"/>
-              </a:solidFill>
-            </a:endParaRPr>
-          </a:p>
-          <a:p>
-            <a:pPr marL="0" lvl="0" indent="0" algn="l" rtl="0">
-              <a:spcBef>
-                <a:spcPts val="0"/>
-              </a:spcBef>
-              <a:spcAft>
-                <a:spcPts val="0"/>
-              </a:spcAft>
-              <a:buNone/>
-            </a:pPr>
-            <a:r>
-              <a:rPr lang="es" i="1">
-                <a:solidFill>
-                  <a:srgbClr val="666666"/>
-                </a:solidFill>
-              </a:rPr>
-              <a:t>Dediquen un slide a cada una de ellas. Solo las importantes! Esas que lo destacan de otros juegos.</a:t>
-            </a:r>
-            <a:endParaRPr i="1">
-              <a:solidFill>
-                <a:srgbClr val="666666"/>
-              </a:solidFill>
-            </a:endParaRPr>
-          </a:p>
-          <a:p>
-            <a:pPr marL="0" lvl="0" indent="0" algn="l" rtl="0">
-              <a:spcBef>
-                <a:spcPts val="0"/>
-              </a:spcBef>
-              <a:spcAft>
-                <a:spcPts val="0"/>
-              </a:spcAft>
-              <a:buNone/>
-            </a:pPr>
-            <a:endParaRPr i="1">
-              <a:solidFill>
-                <a:srgbClr val="666666"/>
-              </a:solidFill>
-            </a:endParaRPr>
-          </a:p>
-          <a:p>
-            <a:pPr marL="0" lvl="0" indent="0" algn="l" rtl="0">
-              <a:spcBef>
-                <a:spcPts val="0"/>
-              </a:spcBef>
-              <a:spcAft>
-                <a:spcPts val="0"/>
-              </a:spcAft>
-              <a:buNone/>
-            </a:pPr>
-            <a:r>
-              <a:rPr lang="es" i="1">
-                <a:solidFill>
-                  <a:srgbClr val="666666"/>
-                </a:solidFill>
-              </a:rPr>
-              <a:t>Recuerde que no solo debe detallar de forma concisa, sino ser claro en el proceso. </a:t>
-            </a:r>
-            <a:endParaRPr i="1">
-              <a:solidFill>
-                <a:srgbClr val="666666"/>
-              </a:solidFill>
-            </a:endParaRPr>
-          </a:p>
-          <a:p>
-            <a:pPr marL="0" lvl="0" indent="0" algn="l" rtl="0">
-              <a:spcBef>
-                <a:spcPts val="0"/>
-              </a:spcBef>
-              <a:spcAft>
-                <a:spcPts val="0"/>
-              </a:spcAft>
-              <a:buNone/>
-            </a:pPr>
-            <a:r>
-              <a:rPr lang="es" i="1">
-                <a:solidFill>
-                  <a:srgbClr val="666666"/>
-                </a:solidFill>
-              </a:rPr>
-              <a:t>Acompañar con imágenes de concepto es “casi” indispensable</a:t>
-            </a:r>
-            <a:endParaRPr i="1">
-              <a:solidFill>
-                <a:srgbClr val="666666"/>
-              </a:solidFill>
-            </a:endParaRPr>
-          </a:p>
-        </p:txBody>
-      </p:sp>
-      <p:sp>
-        <p:nvSpPr>
           <p:cNvPr id="117" name="Google Shape;117;p21"/>
           <p:cNvSpPr/>
           <p:nvPr/>
@@ -8592,6 +8453,53 @@
           </a:p>
         </p:txBody>
       </p:sp>
+      <p:pic>
+        <p:nvPicPr>
+          <p:cNvPr id="4" name="Picture 4">
+            <a:extLst>
+              <a:ext uri="{FF2B5EF4-FFF2-40B4-BE49-F238E27FC236}">
+                <a16:creationId xmlns:a16="http://schemas.microsoft.com/office/drawing/2014/main" id="{A86023D9-1ED1-7598-45D7-429EAD563EB6}"/>
+              </a:ext>
+            </a:extLst>
+          </p:cNvPr>
+          <p:cNvPicPr>
+            <a:picLocks noChangeAspect="1" noChangeArrowheads="1"/>
+          </p:cNvPicPr>
+          <p:nvPr/>
+        </p:nvPicPr>
+        <p:blipFill>
+          <a:blip r:embed="rId3">
+            <a:extLst>
+              <a:ext uri="{28A0092B-C50C-407E-A947-70E740481C1C}">
+                <a14:useLocalDpi xmlns:a14="http://schemas.microsoft.com/office/drawing/2010/main" val="0"/>
+              </a:ext>
+            </a:extLst>
+          </a:blip>
+          <a:srcRect/>
+          <a:stretch>
+            <a:fillRect/>
+          </a:stretch>
+        </p:blipFill>
+        <p:spPr bwMode="auto">
+          <a:xfrm>
+            <a:off x="-1" y="0"/>
+            <a:ext cx="9144001" cy="5332164"/>
+          </a:xfrm>
+          <a:prstGeom prst="rect">
+            <a:avLst/>
+          </a:prstGeom>
+          <a:noFill/>
+          <a:extLst>
+            <a:ext uri="{909E8E84-426E-40DD-AFC4-6F175D3DCCD1}">
+              <a14:hiddenFill xmlns:a14="http://schemas.microsoft.com/office/drawing/2010/main">
+                <a:solidFill>
+                  <a:srgbClr val="FFFFFF"/>
+                </a:solidFill>
+              </a14:hiddenFill>
+            </a:ext>
+          </a:extLst>
+        </p:spPr>
+      </p:pic>
       <p:sp>
         <p:nvSpPr>
           <p:cNvPr id="2" name="Rectángulo: esquinas redondeadas 1">
@@ -8787,6 +8695,107 @@
               </a:rPr>
               <a:t>.</a:t>
             </a:r>
+          </a:p>
+        </p:txBody>
+      </p:sp>
+      <p:sp>
+        <p:nvSpPr>
+          <p:cNvPr id="5" name="CuadroTexto 4">
+            <a:extLst>
+              <a:ext uri="{FF2B5EF4-FFF2-40B4-BE49-F238E27FC236}">
+                <a16:creationId xmlns:a16="http://schemas.microsoft.com/office/drawing/2014/main" id="{48D52C48-B9AE-655C-C8D6-736A6BA67947}"/>
+              </a:ext>
+            </a:extLst>
+          </p:cNvPr>
+          <p:cNvSpPr txBox="1"/>
+          <p:nvPr/>
+        </p:nvSpPr>
+        <p:spPr>
+          <a:xfrm>
+            <a:off x="2610180" y="1105031"/>
+            <a:ext cx="4208645" cy="523220"/>
+          </a:xfrm>
+          <a:prstGeom prst="rect">
+            <a:avLst/>
+          </a:prstGeom>
+          <a:noFill/>
+        </p:spPr>
+        <p:txBody>
+          <a:bodyPr wrap="square" rtlCol="0">
+            <a:spAutoFit/>
+          </a:bodyPr>
+          <a:lstStyle/>
+          <a:p>
+            <a:r>
+              <a:rPr lang="es-AR" sz="1400" dirty="0">
+                <a:solidFill>
+                  <a:schemeClr val="bg1"/>
+                </a:solidFill>
+                <a:effectLst/>
+                <a:latin typeface="Arial Rounded MT Bold" panose="020F0704030504030204" pitchFamily="34" charset="0"/>
+                <a:ea typeface="Times New Roman" panose="02020603050405020304" pitchFamily="18" charset="0"/>
+                <a:cs typeface="Times New Roman" panose="02020603050405020304" pitchFamily="18" charset="0"/>
+              </a:rPr>
+              <a:t>“Descubre la verdad entre realidad y locura</a:t>
+            </a:r>
+          </a:p>
+          <a:p>
+            <a:endParaRPr lang="es-AR" dirty="0"/>
+          </a:p>
+        </p:txBody>
+      </p:sp>
+      <p:sp>
+        <p:nvSpPr>
+          <p:cNvPr id="6" name="CuadroTexto 5">
+            <a:extLst>
+              <a:ext uri="{FF2B5EF4-FFF2-40B4-BE49-F238E27FC236}">
+                <a16:creationId xmlns:a16="http://schemas.microsoft.com/office/drawing/2014/main" id="{00E9B3EB-0080-EE01-134D-CE4DC547EF91}"/>
+              </a:ext>
+            </a:extLst>
+          </p:cNvPr>
+          <p:cNvSpPr txBox="1"/>
+          <p:nvPr/>
+        </p:nvSpPr>
+        <p:spPr>
+          <a:xfrm>
+            <a:off x="3113907" y="2772928"/>
+            <a:ext cx="2916183" cy="307777"/>
+          </a:xfrm>
+          <a:prstGeom prst="rect">
+            <a:avLst/>
+          </a:prstGeom>
+          <a:noFill/>
+        </p:spPr>
+        <p:txBody>
+          <a:bodyPr wrap="none" rtlCol="0">
+            <a:spAutoFit/>
+          </a:bodyPr>
+          <a:lstStyle/>
+          <a:p>
+            <a:r>
+              <a:rPr lang="es-AR" sz="1400" dirty="0">
+                <a:latin typeface="Arial Rounded MT Bold" panose="020F0704030504030204" pitchFamily="34" charset="0"/>
+                <a:ea typeface="Times New Roman" panose="02020603050405020304" pitchFamily="18" charset="0"/>
+                <a:cs typeface="Times New Roman" panose="02020603050405020304" pitchFamily="18" charset="0"/>
+              </a:rPr>
+              <a:t> </a:t>
+            </a:r>
+            <a:r>
+              <a:rPr lang="es-AR" sz="1400" dirty="0">
+                <a:solidFill>
+                  <a:schemeClr val="bg1"/>
+                </a:solidFill>
+                <a:latin typeface="Arial Rounded MT Bold" panose="020F0704030504030204" pitchFamily="34" charset="0"/>
+                <a:ea typeface="Times New Roman" panose="02020603050405020304" pitchFamily="18" charset="0"/>
+                <a:cs typeface="Times New Roman" panose="02020603050405020304" pitchFamily="18" charset="0"/>
+              </a:rPr>
+              <a:t>“Explora, descubre y aprende”</a:t>
+            </a:r>
+            <a:endParaRPr lang="es-AR" dirty="0">
+              <a:solidFill>
+                <a:schemeClr val="bg1"/>
+              </a:solidFill>
+            </a:endParaRPr>
           </a:p>
         </p:txBody>
       </p:sp>
@@ -8873,6 +8882,53 @@
           </a:p>
         </p:txBody>
       </p:sp>
+      <p:pic>
+        <p:nvPicPr>
+          <p:cNvPr id="4" name="Picture 4">
+            <a:extLst>
+              <a:ext uri="{FF2B5EF4-FFF2-40B4-BE49-F238E27FC236}">
+                <a16:creationId xmlns:a16="http://schemas.microsoft.com/office/drawing/2014/main" id="{47132959-6BCA-10E1-31BD-231A3F18E0F4}"/>
+              </a:ext>
+            </a:extLst>
+          </p:cNvPr>
+          <p:cNvPicPr>
+            <a:picLocks noChangeAspect="1" noChangeArrowheads="1"/>
+          </p:cNvPicPr>
+          <p:nvPr/>
+        </p:nvPicPr>
+        <p:blipFill>
+          <a:blip r:embed="rId3">
+            <a:extLst>
+              <a:ext uri="{28A0092B-C50C-407E-A947-70E740481C1C}">
+                <a14:useLocalDpi xmlns:a14="http://schemas.microsoft.com/office/drawing/2010/main" val="0"/>
+              </a:ext>
+            </a:extLst>
+          </a:blip>
+          <a:srcRect/>
+          <a:stretch>
+            <a:fillRect/>
+          </a:stretch>
+        </p:blipFill>
+        <p:spPr bwMode="auto">
+          <a:xfrm>
+            <a:off x="-1" y="0"/>
+            <a:ext cx="9144001" cy="5332164"/>
+          </a:xfrm>
+          <a:prstGeom prst="rect">
+            <a:avLst/>
+          </a:prstGeom>
+          <a:noFill/>
+          <a:extLst>
+            <a:ext uri="{909E8E84-426E-40DD-AFC4-6F175D3DCCD1}">
+              <a14:hiddenFill xmlns:a14="http://schemas.microsoft.com/office/drawing/2010/main">
+                <a:solidFill>
+                  <a:srgbClr val="FFFFFF"/>
+                </a:solidFill>
+              </a14:hiddenFill>
+            </a:ext>
+          </a:extLst>
+        </p:spPr>
+      </p:pic>
       <p:sp>
         <p:nvSpPr>
           <p:cNvPr id="3" name="Rectángulo: esquinas redondeadas 2">
@@ -9212,7 +9268,7 @@
           <p:nvPr/>
         </p:nvPicPr>
         <p:blipFill rotWithShape="1">
-          <a:blip r:embed="rId3"/>
+          <a:blip r:embed="rId4"/>
           <a:srcRect l="46753" t="44110" r="7662" b="10570"/>
           <a:stretch/>
         </p:blipFill>
@@ -9312,930 +9368,12 @@
           </a:p>
         </p:txBody>
       </p:sp>
-      <p:sp>
-        <p:nvSpPr>
-          <p:cNvPr id="4" name="Rectángulo: esquinas redondeadas 3">
+      <p:pic>
+        <p:nvPicPr>
+          <p:cNvPr id="5" name="Picture 4">
             <a:extLst>
               <a:ext uri="{FF2B5EF4-FFF2-40B4-BE49-F238E27FC236}">
-                <a16:creationId xmlns:a16="http://schemas.microsoft.com/office/drawing/2014/main" id="{E3FD65EA-ED5F-04D4-FA73-A4380D096AD3}"/>
-              </a:ext>
-            </a:extLst>
-          </p:cNvPr>
-          <p:cNvSpPr/>
-          <p:nvPr/>
-        </p:nvSpPr>
-        <p:spPr>
-          <a:xfrm>
-            <a:off x="6217328" y="3358681"/>
-            <a:ext cx="2847300" cy="1321025"/>
-          </a:xfrm>
-          <a:prstGeom prst="roundRect">
-            <a:avLst/>
-          </a:prstGeom>
-          <a:solidFill>
-            <a:schemeClr val="accent4">
-              <a:lumMod val="75000"/>
-            </a:schemeClr>
-          </a:solidFill>
-        </p:spPr>
-        <p:style>
-          <a:lnRef idx="2">
-            <a:schemeClr val="accent1">
-              <a:shade val="50000"/>
-            </a:schemeClr>
-          </a:lnRef>
-          <a:fillRef idx="1">
-            <a:schemeClr val="accent1"/>
-          </a:fillRef>
-          <a:effectRef idx="0">
-            <a:schemeClr val="accent1"/>
-          </a:effectRef>
-          <a:fontRef idx="minor">
-            <a:schemeClr val="lt1"/>
-          </a:fontRef>
-        </p:style>
-        <p:txBody>
-          <a:bodyPr rtlCol="0" anchor="ctr"/>
-          <a:lstStyle/>
-          <a:p>
-            <a:pPr algn="ctr"/>
-            <a:endParaRPr lang="es-AR"/>
-          </a:p>
-        </p:txBody>
-      </p:sp>
-      <p:sp>
-        <p:nvSpPr>
-          <p:cNvPr id="3" name="Rectángulo: esquinas redondeadas 2">
-            <a:extLst>
-              <a:ext uri="{FF2B5EF4-FFF2-40B4-BE49-F238E27FC236}">
-                <a16:creationId xmlns:a16="http://schemas.microsoft.com/office/drawing/2014/main" id="{AF15ACD5-A9C7-4C73-E565-7214B1135DEF}"/>
-              </a:ext>
-            </a:extLst>
-          </p:cNvPr>
-          <p:cNvSpPr/>
-          <p:nvPr/>
-        </p:nvSpPr>
-        <p:spPr>
-          <a:xfrm>
-            <a:off x="3226960" y="3387074"/>
-            <a:ext cx="2847300" cy="1321025"/>
-          </a:xfrm>
-          <a:prstGeom prst="roundRect">
-            <a:avLst/>
-          </a:prstGeom>
-          <a:solidFill>
-            <a:schemeClr val="accent4">
-              <a:lumMod val="75000"/>
-            </a:schemeClr>
-          </a:solidFill>
-        </p:spPr>
-        <p:style>
-          <a:lnRef idx="2">
-            <a:schemeClr val="accent1">
-              <a:shade val="50000"/>
-            </a:schemeClr>
-          </a:lnRef>
-          <a:fillRef idx="1">
-            <a:schemeClr val="accent1"/>
-          </a:fillRef>
-          <a:effectRef idx="0">
-            <a:schemeClr val="accent1"/>
-          </a:effectRef>
-          <a:fontRef idx="minor">
-            <a:schemeClr val="lt1"/>
-          </a:fontRef>
-        </p:style>
-        <p:txBody>
-          <a:bodyPr rtlCol="0" anchor="ctr"/>
-          <a:lstStyle/>
-          <a:p>
-            <a:pPr algn="ctr"/>
-            <a:endParaRPr lang="es-AR"/>
-          </a:p>
-        </p:txBody>
-      </p:sp>
-      <p:sp>
-        <p:nvSpPr>
-          <p:cNvPr id="2" name="Rectángulo: esquinas redondeadas 1">
-            <a:extLst>
-              <a:ext uri="{FF2B5EF4-FFF2-40B4-BE49-F238E27FC236}">
-                <a16:creationId xmlns:a16="http://schemas.microsoft.com/office/drawing/2014/main" id="{ED076AB1-E038-101D-12B5-4EAAD96A4056}"/>
-              </a:ext>
-            </a:extLst>
-          </p:cNvPr>
-          <p:cNvSpPr/>
-          <p:nvPr/>
-        </p:nvSpPr>
-        <p:spPr>
-          <a:xfrm>
-            <a:off x="170740" y="3387075"/>
-            <a:ext cx="2847300" cy="1321025"/>
-          </a:xfrm>
-          <a:prstGeom prst="roundRect">
-            <a:avLst/>
-          </a:prstGeom>
-          <a:solidFill>
-            <a:schemeClr val="accent4">
-              <a:lumMod val="75000"/>
-            </a:schemeClr>
-          </a:solidFill>
-        </p:spPr>
-        <p:style>
-          <a:lnRef idx="2">
-            <a:schemeClr val="accent1">
-              <a:shade val="50000"/>
-            </a:schemeClr>
-          </a:lnRef>
-          <a:fillRef idx="1">
-            <a:schemeClr val="accent1"/>
-          </a:fillRef>
-          <a:effectRef idx="0">
-            <a:schemeClr val="accent1"/>
-          </a:effectRef>
-          <a:fontRef idx="minor">
-            <a:schemeClr val="lt1"/>
-          </a:fontRef>
-        </p:style>
-        <p:txBody>
-          <a:bodyPr rtlCol="0" anchor="ctr"/>
-          <a:lstStyle/>
-          <a:p>
-            <a:pPr algn="ctr"/>
-            <a:endParaRPr lang="es-AR"/>
-          </a:p>
-        </p:txBody>
-      </p:sp>
-      <p:sp>
-        <p:nvSpPr>
-          <p:cNvPr id="137" name="Google Shape;137;p24"/>
-          <p:cNvSpPr txBox="1"/>
-          <p:nvPr/>
-        </p:nvSpPr>
-        <p:spPr>
-          <a:xfrm>
-            <a:off x="176875" y="3387075"/>
-            <a:ext cx="2847300" cy="1200298"/>
-          </a:xfrm>
-          <a:prstGeom prst="rect">
-            <a:avLst/>
-          </a:prstGeom>
-          <a:noFill/>
-          <a:ln>
-            <a:noFill/>
-          </a:ln>
-        </p:spPr>
-        <p:txBody>
-          <a:bodyPr spcFirstLastPara="1" wrap="square" lIns="91425" tIns="91425" rIns="91425" bIns="91425" anchor="t" anchorCtr="0">
-            <a:spAutoFit/>
-          </a:bodyPr>
-          <a:lstStyle/>
-          <a:p>
-            <a:pPr marL="0" lvl="0" indent="0" algn="l" rtl="0">
-              <a:spcBef>
-                <a:spcPts val="0"/>
-              </a:spcBef>
-              <a:spcAft>
-                <a:spcPts val="0"/>
-              </a:spcAft>
-              <a:buNone/>
-            </a:pPr>
-            <a:r>
-              <a:rPr lang="es" sz="1100" b="1" i="1" dirty="0">
-                <a:solidFill>
-                  <a:schemeClr val="tx1">
-                    <a:lumMod val="95000"/>
-                    <a:lumOff val="5000"/>
-                  </a:schemeClr>
-                </a:solidFill>
-                <a:latin typeface="Arial Rounded MT Bold" panose="020F0704030504030204" pitchFamily="34" charset="0"/>
-              </a:rPr>
-              <a:t>Fecha de Lanzamiento: </a:t>
-            </a:r>
-            <a:r>
-              <a:rPr lang="es-AR" sz="1100" b="1" i="1" dirty="0">
-                <a:solidFill>
-                  <a:schemeClr val="tx1">
-                    <a:lumMod val="95000"/>
-                    <a:lumOff val="5000"/>
-                  </a:schemeClr>
-                </a:solidFill>
-                <a:latin typeface="Arial Rounded MT Bold" panose="020F0704030504030204" pitchFamily="34" charset="0"/>
-              </a:rPr>
-              <a:t>30 OCT 2020</a:t>
-            </a:r>
-            <a:endParaRPr lang="es" sz="1100" b="1" i="1" dirty="0">
-              <a:solidFill>
-                <a:schemeClr val="tx1">
-                  <a:lumMod val="95000"/>
-                  <a:lumOff val="5000"/>
-                </a:schemeClr>
-              </a:solidFill>
-              <a:latin typeface="Arial Rounded MT Bold" panose="020F0704030504030204" pitchFamily="34" charset="0"/>
-            </a:endParaRPr>
-          </a:p>
-          <a:p>
-            <a:pPr marL="0" lvl="0" indent="0" algn="l" rtl="0">
-              <a:spcBef>
-                <a:spcPts val="0"/>
-              </a:spcBef>
-              <a:spcAft>
-                <a:spcPts val="0"/>
-              </a:spcAft>
-              <a:buNone/>
-            </a:pPr>
-            <a:r>
-              <a:rPr lang="es" sz="1100" b="1" i="1" dirty="0">
-                <a:solidFill>
-                  <a:schemeClr val="tx1">
-                    <a:lumMod val="95000"/>
-                    <a:lumOff val="5000"/>
-                  </a:schemeClr>
-                </a:solidFill>
-                <a:latin typeface="Arial Rounded MT Bold" panose="020F0704030504030204" pitchFamily="34" charset="0"/>
-              </a:rPr>
-              <a:t>Precio de Lanzamiento: </a:t>
-            </a:r>
-            <a:r>
-              <a:rPr lang="es-AR" sz="1100" i="1" dirty="0">
-                <a:solidFill>
-                  <a:schemeClr val="tx1">
-                    <a:lumMod val="95000"/>
-                    <a:lumOff val="5000"/>
-                  </a:schemeClr>
-                </a:solidFill>
-                <a:latin typeface="Arial Rounded MT Bold" panose="020F0704030504030204" pitchFamily="34" charset="0"/>
-              </a:rPr>
-              <a:t>ARS$ 194,99</a:t>
-            </a:r>
-            <a:endParaRPr sz="1100" i="1" dirty="0">
-              <a:solidFill>
-                <a:schemeClr val="tx1">
-                  <a:lumMod val="95000"/>
-                  <a:lumOff val="5000"/>
-                </a:schemeClr>
-              </a:solidFill>
-              <a:latin typeface="Arial Rounded MT Bold" panose="020F0704030504030204" pitchFamily="34" charset="0"/>
-            </a:endParaRPr>
-          </a:p>
-          <a:p>
-            <a:pPr marL="0" lvl="0" indent="0" algn="l" rtl="0">
-              <a:spcBef>
-                <a:spcPts val="0"/>
-              </a:spcBef>
-              <a:spcAft>
-                <a:spcPts val="0"/>
-              </a:spcAft>
-              <a:buNone/>
-            </a:pPr>
-            <a:r>
-              <a:rPr lang="es" sz="1100" b="1" i="1" dirty="0">
-                <a:solidFill>
-                  <a:schemeClr val="tx1">
-                    <a:lumMod val="95000"/>
-                    <a:lumOff val="5000"/>
-                  </a:schemeClr>
-                </a:solidFill>
-                <a:latin typeface="Arial Rounded MT Bold" panose="020F0704030504030204" pitchFamily="34" charset="0"/>
-              </a:rPr>
-              <a:t>Ventas:</a:t>
-            </a:r>
-            <a:r>
-              <a:rPr lang="es" sz="1100" i="1" dirty="0">
-                <a:solidFill>
-                  <a:schemeClr val="tx1">
-                    <a:lumMod val="95000"/>
-                    <a:lumOff val="5000"/>
-                  </a:schemeClr>
-                </a:solidFill>
-                <a:latin typeface="Arial Rounded MT Bold" panose="020F0704030504030204" pitchFamily="34" charset="0"/>
-              </a:rPr>
-              <a:t> 6245</a:t>
-            </a:r>
-            <a:endParaRPr sz="1100" i="1" dirty="0">
-              <a:solidFill>
-                <a:schemeClr val="tx1">
-                  <a:lumMod val="95000"/>
-                  <a:lumOff val="5000"/>
-                </a:schemeClr>
-              </a:solidFill>
-              <a:latin typeface="Arial Rounded MT Bold" panose="020F0704030504030204" pitchFamily="34" charset="0"/>
-            </a:endParaRPr>
-          </a:p>
-          <a:p>
-            <a:pPr marL="0" lvl="0" indent="0" algn="l" rtl="0">
-              <a:spcBef>
-                <a:spcPts val="0"/>
-              </a:spcBef>
-              <a:spcAft>
-                <a:spcPts val="0"/>
-              </a:spcAft>
-              <a:buNone/>
-            </a:pPr>
-            <a:endParaRPr sz="1100" i="1" dirty="0">
-              <a:solidFill>
-                <a:schemeClr val="tx1">
-                  <a:lumMod val="95000"/>
-                  <a:lumOff val="5000"/>
-                </a:schemeClr>
-              </a:solidFill>
-              <a:latin typeface="Arial Rounded MT Bold" panose="020F0704030504030204" pitchFamily="34" charset="0"/>
-            </a:endParaRPr>
-          </a:p>
-          <a:p>
-            <a:pPr marL="0" lvl="0" indent="0" algn="l" rtl="0">
-              <a:spcBef>
-                <a:spcPts val="0"/>
-              </a:spcBef>
-              <a:spcAft>
-                <a:spcPts val="0"/>
-              </a:spcAft>
-              <a:buNone/>
-            </a:pPr>
-            <a:r>
-              <a:rPr lang="es" sz="1100" b="1" i="1" dirty="0">
-                <a:solidFill>
-                  <a:schemeClr val="tx1">
-                    <a:lumMod val="95000"/>
-                    <a:lumOff val="5000"/>
-                  </a:schemeClr>
-                </a:solidFill>
-                <a:latin typeface="Arial Rounded MT Bold" panose="020F0704030504030204" pitchFamily="34" charset="0"/>
-              </a:rPr>
-              <a:t>Reseñas Steam:</a:t>
-            </a:r>
-            <a:r>
-              <a:rPr lang="es" sz="1100" i="1" dirty="0">
-                <a:solidFill>
-                  <a:schemeClr val="tx1">
-                    <a:lumMod val="95000"/>
-                    <a:lumOff val="5000"/>
-                  </a:schemeClr>
-                </a:solidFill>
-                <a:latin typeface="Arial Rounded MT Bold" panose="020F0704030504030204" pitchFamily="34" charset="0"/>
-              </a:rPr>
-              <a:t> 7689</a:t>
-            </a:r>
-            <a:endParaRPr sz="1100" i="1" dirty="0">
-              <a:solidFill>
-                <a:schemeClr val="tx1">
-                  <a:lumMod val="95000"/>
-                  <a:lumOff val="5000"/>
-                </a:schemeClr>
-              </a:solidFill>
-              <a:latin typeface="Arial Rounded MT Bold" panose="020F0704030504030204" pitchFamily="34" charset="0"/>
-            </a:endParaRPr>
-          </a:p>
-          <a:p>
-            <a:pPr marL="0" lvl="0" indent="0" algn="l" rtl="0">
-              <a:spcBef>
-                <a:spcPts val="0"/>
-              </a:spcBef>
-              <a:spcAft>
-                <a:spcPts val="0"/>
-              </a:spcAft>
-              <a:buNone/>
-            </a:pPr>
-            <a:r>
-              <a:rPr lang="es" sz="1100" b="1" i="1" dirty="0">
-                <a:solidFill>
-                  <a:schemeClr val="tx1">
-                    <a:lumMod val="95000"/>
-                    <a:lumOff val="5000"/>
-                  </a:schemeClr>
-                </a:solidFill>
-                <a:latin typeface="Arial Rounded MT Bold" panose="020F0704030504030204" pitchFamily="34" charset="0"/>
-              </a:rPr>
-              <a:t>Puntaje en Metacritic: 4,3 </a:t>
-            </a:r>
-            <a:endParaRPr sz="1100" i="1" dirty="0">
-              <a:solidFill>
-                <a:schemeClr val="tx1">
-                  <a:lumMod val="95000"/>
-                  <a:lumOff val="5000"/>
-                </a:schemeClr>
-              </a:solidFill>
-              <a:latin typeface="Arial Rounded MT Bold" panose="020F0704030504030204" pitchFamily="34" charset="0"/>
-            </a:endParaRPr>
-          </a:p>
-        </p:txBody>
-      </p:sp>
-      <p:sp>
-        <p:nvSpPr>
-          <p:cNvPr id="139" name="Google Shape;139;p24"/>
-          <p:cNvSpPr txBox="1"/>
-          <p:nvPr/>
-        </p:nvSpPr>
-        <p:spPr>
-          <a:xfrm>
-            <a:off x="3163265" y="3387075"/>
-            <a:ext cx="2847300" cy="1200298"/>
-          </a:xfrm>
-          <a:prstGeom prst="rect">
-            <a:avLst/>
-          </a:prstGeom>
-          <a:noFill/>
-          <a:ln>
-            <a:noFill/>
-          </a:ln>
-        </p:spPr>
-        <p:txBody>
-          <a:bodyPr spcFirstLastPara="1" wrap="square" lIns="91425" tIns="91425" rIns="91425" bIns="91425" anchor="t" anchorCtr="0">
-            <a:spAutoFit/>
-          </a:bodyPr>
-          <a:lstStyle/>
-          <a:p>
-            <a:pPr marL="0" lvl="0" indent="0" algn="l" rtl="0">
-              <a:spcBef>
-                <a:spcPts val="0"/>
-              </a:spcBef>
-              <a:spcAft>
-                <a:spcPts val="0"/>
-              </a:spcAft>
-              <a:buNone/>
-            </a:pPr>
-            <a:r>
-              <a:rPr lang="es" sz="1100" b="1" i="1" dirty="0">
-                <a:solidFill>
-                  <a:schemeClr val="tx1">
-                    <a:lumMod val="95000"/>
-                    <a:lumOff val="5000"/>
-                  </a:schemeClr>
-                </a:solidFill>
-                <a:latin typeface="Arial Rounded MT Bold" panose="020F0704030504030204" pitchFamily="34" charset="0"/>
-              </a:rPr>
-              <a:t>Fecha de Lanzamiento: </a:t>
-            </a:r>
-            <a:r>
-              <a:rPr lang="es-AR" sz="1100" b="0" i="0" dirty="0">
-                <a:solidFill>
-                  <a:schemeClr val="tx1">
-                    <a:lumMod val="95000"/>
-                    <a:lumOff val="5000"/>
-                  </a:schemeClr>
-                </a:solidFill>
-                <a:effectLst/>
-                <a:latin typeface="Arial Rounded MT Bold" panose="020F0704030504030204" pitchFamily="34" charset="0"/>
-              </a:rPr>
-              <a:t>24 ENE 2017</a:t>
-            </a:r>
-            <a:endParaRPr sz="1100" i="1" dirty="0">
-              <a:solidFill>
-                <a:schemeClr val="tx1">
-                  <a:lumMod val="95000"/>
-                  <a:lumOff val="5000"/>
-                </a:schemeClr>
-              </a:solidFill>
-              <a:latin typeface="Arial Rounded MT Bold" panose="020F0704030504030204" pitchFamily="34" charset="0"/>
-            </a:endParaRPr>
-          </a:p>
-          <a:p>
-            <a:pPr marL="0" lvl="0" indent="0" algn="l" rtl="0">
-              <a:spcBef>
-                <a:spcPts val="0"/>
-              </a:spcBef>
-              <a:spcAft>
-                <a:spcPts val="0"/>
-              </a:spcAft>
-              <a:buNone/>
-            </a:pPr>
-            <a:r>
-              <a:rPr lang="es" sz="1100" b="1" i="1" dirty="0">
-                <a:solidFill>
-                  <a:schemeClr val="tx1">
-                    <a:lumMod val="95000"/>
-                    <a:lumOff val="5000"/>
-                  </a:schemeClr>
-                </a:solidFill>
-                <a:latin typeface="Arial Rounded MT Bold" panose="020F0704030504030204" pitchFamily="34" charset="0"/>
-              </a:rPr>
-              <a:t>Precio de Lanzamiento: </a:t>
-            </a:r>
-            <a:r>
-              <a:rPr lang="es-AR" sz="1100" b="0" i="0" dirty="0">
-                <a:solidFill>
-                  <a:schemeClr val="tx1">
-                    <a:lumMod val="95000"/>
-                    <a:lumOff val="5000"/>
-                  </a:schemeClr>
-                </a:solidFill>
-                <a:effectLst/>
-                <a:latin typeface="Arial Rounded MT Bold" panose="020F0704030504030204" pitchFamily="34" charset="0"/>
-              </a:rPr>
-              <a:t>ARS$ 648,00</a:t>
-            </a:r>
-            <a:endParaRPr sz="1100" i="1" dirty="0">
-              <a:solidFill>
-                <a:schemeClr val="tx1">
-                  <a:lumMod val="95000"/>
-                  <a:lumOff val="5000"/>
-                </a:schemeClr>
-              </a:solidFill>
-              <a:latin typeface="Arial Rounded MT Bold" panose="020F0704030504030204" pitchFamily="34" charset="0"/>
-            </a:endParaRPr>
-          </a:p>
-          <a:p>
-            <a:pPr marL="0" lvl="0" indent="0" algn="l" rtl="0">
-              <a:spcBef>
-                <a:spcPts val="0"/>
-              </a:spcBef>
-              <a:spcAft>
-                <a:spcPts val="0"/>
-              </a:spcAft>
-              <a:buNone/>
-            </a:pPr>
-            <a:r>
-              <a:rPr lang="es" sz="1100" b="1" i="1" dirty="0">
-                <a:solidFill>
-                  <a:schemeClr val="tx1">
-                    <a:lumMod val="95000"/>
-                    <a:lumOff val="5000"/>
-                  </a:schemeClr>
-                </a:solidFill>
-                <a:latin typeface="Arial Rounded MT Bold" panose="020F0704030504030204" pitchFamily="34" charset="0"/>
-              </a:rPr>
-              <a:t>Ventas:</a:t>
-            </a:r>
-            <a:r>
-              <a:rPr lang="es" sz="1100" i="1" dirty="0">
-                <a:solidFill>
-                  <a:schemeClr val="tx1">
-                    <a:lumMod val="95000"/>
-                    <a:lumOff val="5000"/>
-                  </a:schemeClr>
-                </a:solidFill>
-                <a:latin typeface="Arial Rounded MT Bold" panose="020F0704030504030204" pitchFamily="34" charset="0"/>
-              </a:rPr>
-              <a:t> 48957</a:t>
-            </a:r>
-            <a:endParaRPr sz="1100" i="1" dirty="0">
-              <a:solidFill>
-                <a:schemeClr val="tx1">
-                  <a:lumMod val="95000"/>
-                  <a:lumOff val="5000"/>
-                </a:schemeClr>
-              </a:solidFill>
-              <a:latin typeface="Arial Rounded MT Bold" panose="020F0704030504030204" pitchFamily="34" charset="0"/>
-            </a:endParaRPr>
-          </a:p>
-          <a:p>
-            <a:pPr marL="0" lvl="0" indent="0" algn="l" rtl="0">
-              <a:spcBef>
-                <a:spcPts val="0"/>
-              </a:spcBef>
-              <a:spcAft>
-                <a:spcPts val="0"/>
-              </a:spcAft>
-              <a:buNone/>
-            </a:pPr>
-            <a:endParaRPr sz="1100" i="1" dirty="0">
-              <a:solidFill>
-                <a:schemeClr val="tx1">
-                  <a:lumMod val="95000"/>
-                  <a:lumOff val="5000"/>
-                </a:schemeClr>
-              </a:solidFill>
-              <a:latin typeface="Arial Rounded MT Bold" panose="020F0704030504030204" pitchFamily="34" charset="0"/>
-            </a:endParaRPr>
-          </a:p>
-          <a:p>
-            <a:pPr marL="0" lvl="0" indent="0" algn="l" rtl="0">
-              <a:spcBef>
-                <a:spcPts val="0"/>
-              </a:spcBef>
-              <a:spcAft>
-                <a:spcPts val="0"/>
-              </a:spcAft>
-              <a:buNone/>
-            </a:pPr>
-            <a:r>
-              <a:rPr lang="es" sz="1100" b="1" i="1" dirty="0">
-                <a:solidFill>
-                  <a:schemeClr val="tx1">
-                    <a:lumMod val="95000"/>
-                    <a:lumOff val="5000"/>
-                  </a:schemeClr>
-                </a:solidFill>
-                <a:latin typeface="Arial Rounded MT Bold" panose="020F0704030504030204" pitchFamily="34" charset="0"/>
-              </a:rPr>
-              <a:t>Reseñas Steam:</a:t>
-            </a:r>
-            <a:r>
-              <a:rPr lang="es" sz="1100" i="1" dirty="0">
-                <a:solidFill>
-                  <a:schemeClr val="tx1">
-                    <a:lumMod val="95000"/>
-                    <a:lumOff val="5000"/>
-                  </a:schemeClr>
-                </a:solidFill>
-                <a:latin typeface="Arial Rounded MT Bold" panose="020F0704030504030204" pitchFamily="34" charset="0"/>
-              </a:rPr>
-              <a:t> 70,000 res positivas</a:t>
-            </a:r>
-            <a:endParaRPr sz="1100" i="1" dirty="0">
-              <a:solidFill>
-                <a:schemeClr val="tx1">
-                  <a:lumMod val="95000"/>
-                  <a:lumOff val="5000"/>
-                </a:schemeClr>
-              </a:solidFill>
-              <a:latin typeface="Arial Rounded MT Bold" panose="020F0704030504030204" pitchFamily="34" charset="0"/>
-            </a:endParaRPr>
-          </a:p>
-          <a:p>
-            <a:pPr marL="0" lvl="0" indent="0" algn="l" rtl="0">
-              <a:spcBef>
-                <a:spcPts val="0"/>
-              </a:spcBef>
-              <a:spcAft>
-                <a:spcPts val="0"/>
-              </a:spcAft>
-              <a:buNone/>
-            </a:pPr>
-            <a:r>
-              <a:rPr lang="es" sz="1100" b="1" i="1" dirty="0">
-                <a:solidFill>
-                  <a:schemeClr val="tx1">
-                    <a:lumMod val="95000"/>
-                    <a:lumOff val="5000"/>
-                  </a:schemeClr>
-                </a:solidFill>
-                <a:latin typeface="Arial Rounded MT Bold" panose="020F0704030504030204" pitchFamily="34" charset="0"/>
-              </a:rPr>
-              <a:t>Puntaje en Metacritic: 8,1</a:t>
-            </a:r>
-            <a:endParaRPr sz="1100" i="1" dirty="0">
-              <a:solidFill>
-                <a:schemeClr val="tx1">
-                  <a:lumMod val="95000"/>
-                  <a:lumOff val="5000"/>
-                </a:schemeClr>
-              </a:solidFill>
-              <a:latin typeface="Arial Rounded MT Bold" panose="020F0704030504030204" pitchFamily="34" charset="0"/>
-            </a:endParaRPr>
-          </a:p>
-        </p:txBody>
-      </p:sp>
-      <p:sp>
-        <p:nvSpPr>
-          <p:cNvPr id="141" name="Google Shape;141;p24"/>
-          <p:cNvSpPr txBox="1"/>
-          <p:nvPr/>
-        </p:nvSpPr>
-        <p:spPr>
-          <a:xfrm>
-            <a:off x="6137955" y="3387075"/>
-            <a:ext cx="2847300" cy="1292631"/>
-          </a:xfrm>
-          <a:prstGeom prst="rect">
-            <a:avLst/>
-          </a:prstGeom>
-          <a:noFill/>
-          <a:ln>
-            <a:noFill/>
-          </a:ln>
-        </p:spPr>
-        <p:txBody>
-          <a:bodyPr spcFirstLastPara="1" wrap="square" lIns="91425" tIns="91425" rIns="91425" bIns="91425" anchor="t" anchorCtr="0">
-            <a:spAutoFit/>
-          </a:bodyPr>
-          <a:lstStyle/>
-          <a:p>
-            <a:pPr marL="0" lvl="0" indent="0" algn="l" rtl="0">
-              <a:spcBef>
-                <a:spcPts val="0"/>
-              </a:spcBef>
-              <a:spcAft>
-                <a:spcPts val="0"/>
-              </a:spcAft>
-              <a:buNone/>
-            </a:pPr>
-            <a:r>
-              <a:rPr lang="es" sz="1200" b="1" i="1" dirty="0">
-                <a:solidFill>
-                  <a:schemeClr val="tx1">
-                    <a:lumMod val="95000"/>
-                    <a:lumOff val="5000"/>
-                  </a:schemeClr>
-                </a:solidFill>
-                <a:latin typeface="Arial Rounded MT Bold" panose="020F0704030504030204" pitchFamily="34" charset="0"/>
-              </a:rPr>
-              <a:t>Fecha de Lanzamiento: </a:t>
-            </a:r>
-            <a:r>
-              <a:rPr lang="es" sz="1200" i="1" dirty="0">
-                <a:solidFill>
-                  <a:schemeClr val="tx1">
-                    <a:lumMod val="95000"/>
-                    <a:lumOff val="5000"/>
-                  </a:schemeClr>
-                </a:solidFill>
-                <a:latin typeface="Arial Rounded MT Bold" panose="020F0704030504030204" pitchFamily="34" charset="0"/>
-              </a:rPr>
-              <a:t>07/07/2022</a:t>
-            </a:r>
-            <a:endParaRPr sz="1200" i="1" dirty="0">
-              <a:solidFill>
-                <a:schemeClr val="tx1">
-                  <a:lumMod val="95000"/>
-                  <a:lumOff val="5000"/>
-                </a:schemeClr>
-              </a:solidFill>
-              <a:latin typeface="Arial Rounded MT Bold" panose="020F0704030504030204" pitchFamily="34" charset="0"/>
-            </a:endParaRPr>
-          </a:p>
-          <a:p>
-            <a:pPr marL="0" lvl="0" indent="0" algn="l" rtl="0">
-              <a:spcBef>
-                <a:spcPts val="0"/>
-              </a:spcBef>
-              <a:spcAft>
-                <a:spcPts val="0"/>
-              </a:spcAft>
-              <a:buNone/>
-            </a:pPr>
-            <a:r>
-              <a:rPr lang="es" sz="1200" b="1" i="1" dirty="0">
-                <a:solidFill>
-                  <a:schemeClr val="tx1">
-                    <a:lumMod val="95000"/>
-                    <a:lumOff val="5000"/>
-                  </a:schemeClr>
-                </a:solidFill>
-                <a:latin typeface="Arial Rounded MT Bold" panose="020F0704030504030204" pitchFamily="34" charset="0"/>
-              </a:rPr>
-              <a:t>Precio de Lanzamiento: </a:t>
-            </a:r>
-            <a:r>
-              <a:rPr lang="es-AR" sz="1100" b="0" i="0" dirty="0">
-                <a:solidFill>
-                  <a:schemeClr val="tx1">
-                    <a:lumMod val="95000"/>
-                    <a:lumOff val="5000"/>
-                  </a:schemeClr>
-                </a:solidFill>
-                <a:effectLst/>
-                <a:latin typeface="Arial Rounded MT Bold" panose="020F0704030504030204" pitchFamily="34" charset="0"/>
-              </a:rPr>
-              <a:t>ARS$ 899,99</a:t>
-            </a:r>
-            <a:endParaRPr sz="1100" i="1" dirty="0">
-              <a:solidFill>
-                <a:schemeClr val="tx1">
-                  <a:lumMod val="95000"/>
-                  <a:lumOff val="5000"/>
-                </a:schemeClr>
-              </a:solidFill>
-              <a:latin typeface="Arial Rounded MT Bold" panose="020F0704030504030204" pitchFamily="34" charset="0"/>
-            </a:endParaRPr>
-          </a:p>
-          <a:p>
-            <a:pPr marL="0" lvl="0" indent="0" algn="l" rtl="0">
-              <a:spcBef>
-                <a:spcPts val="0"/>
-              </a:spcBef>
-              <a:spcAft>
-                <a:spcPts val="0"/>
-              </a:spcAft>
-              <a:buNone/>
-            </a:pPr>
-            <a:r>
-              <a:rPr lang="es" sz="1200" b="1" i="1" dirty="0">
-                <a:solidFill>
-                  <a:schemeClr val="tx1">
-                    <a:lumMod val="95000"/>
-                    <a:lumOff val="5000"/>
-                  </a:schemeClr>
-                </a:solidFill>
-                <a:latin typeface="Arial Rounded MT Bold" panose="020F0704030504030204" pitchFamily="34" charset="0"/>
-              </a:rPr>
-              <a:t>Ventas:</a:t>
-            </a:r>
-            <a:r>
-              <a:rPr lang="es" sz="1200" i="1" dirty="0">
-                <a:solidFill>
-                  <a:schemeClr val="tx1">
-                    <a:lumMod val="95000"/>
-                    <a:lumOff val="5000"/>
-                  </a:schemeClr>
-                </a:solidFill>
-                <a:latin typeface="Arial Rounded MT Bold" panose="020F0704030504030204" pitchFamily="34" charset="0"/>
-              </a:rPr>
-              <a:t> 1692</a:t>
-            </a:r>
-            <a:endParaRPr sz="1200" i="1" dirty="0">
-              <a:solidFill>
-                <a:schemeClr val="tx1">
-                  <a:lumMod val="95000"/>
-                  <a:lumOff val="5000"/>
-                </a:schemeClr>
-              </a:solidFill>
-              <a:latin typeface="Arial Rounded MT Bold" panose="020F0704030504030204" pitchFamily="34" charset="0"/>
-            </a:endParaRPr>
-          </a:p>
-          <a:p>
-            <a:pPr marL="0" lvl="0" indent="0" algn="l" rtl="0">
-              <a:spcBef>
-                <a:spcPts val="0"/>
-              </a:spcBef>
-              <a:spcAft>
-                <a:spcPts val="0"/>
-              </a:spcAft>
-              <a:buNone/>
-            </a:pPr>
-            <a:endParaRPr sz="1200" i="1" dirty="0">
-              <a:solidFill>
-                <a:schemeClr val="tx1">
-                  <a:lumMod val="95000"/>
-                  <a:lumOff val="5000"/>
-                </a:schemeClr>
-              </a:solidFill>
-              <a:latin typeface="Arial Rounded MT Bold" panose="020F0704030504030204" pitchFamily="34" charset="0"/>
-            </a:endParaRPr>
-          </a:p>
-          <a:p>
-            <a:pPr marL="0" lvl="0" indent="0" algn="l" rtl="0">
-              <a:spcBef>
-                <a:spcPts val="0"/>
-              </a:spcBef>
-              <a:spcAft>
-                <a:spcPts val="0"/>
-              </a:spcAft>
-              <a:buNone/>
-            </a:pPr>
-            <a:r>
-              <a:rPr lang="es" sz="1200" b="1" i="1" dirty="0">
-                <a:solidFill>
-                  <a:schemeClr val="tx1">
-                    <a:lumMod val="95000"/>
-                    <a:lumOff val="5000"/>
-                  </a:schemeClr>
-                </a:solidFill>
-                <a:latin typeface="Arial Rounded MT Bold" panose="020F0704030504030204" pitchFamily="34" charset="0"/>
-              </a:rPr>
-              <a:t>Reseñas Steam:</a:t>
-            </a:r>
-            <a:r>
-              <a:rPr lang="es" sz="1200" i="1" dirty="0">
-                <a:solidFill>
-                  <a:schemeClr val="tx1">
-                    <a:lumMod val="95000"/>
-                    <a:lumOff val="5000"/>
-                  </a:schemeClr>
-                </a:solidFill>
-                <a:latin typeface="Arial Rounded MT Bold" panose="020F0704030504030204" pitchFamily="34" charset="0"/>
-              </a:rPr>
-              <a:t> 1708 res+</a:t>
-            </a:r>
-            <a:endParaRPr sz="1200" i="1" dirty="0">
-              <a:solidFill>
-                <a:schemeClr val="tx1">
-                  <a:lumMod val="95000"/>
-                  <a:lumOff val="5000"/>
-                </a:schemeClr>
-              </a:solidFill>
-              <a:latin typeface="Arial Rounded MT Bold" panose="020F0704030504030204" pitchFamily="34" charset="0"/>
-            </a:endParaRPr>
-          </a:p>
-          <a:p>
-            <a:pPr marL="0" lvl="0" indent="0" algn="l" rtl="0">
-              <a:spcBef>
-                <a:spcPts val="0"/>
-              </a:spcBef>
-              <a:spcAft>
-                <a:spcPts val="0"/>
-              </a:spcAft>
-              <a:buNone/>
-            </a:pPr>
-            <a:r>
-              <a:rPr lang="es" sz="1200" b="1" i="1" dirty="0">
-                <a:solidFill>
-                  <a:schemeClr val="tx1">
-                    <a:lumMod val="95000"/>
-                    <a:lumOff val="5000"/>
-                  </a:schemeClr>
-                </a:solidFill>
-                <a:latin typeface="Arial Rounded MT Bold" panose="020F0704030504030204" pitchFamily="34" charset="0"/>
-              </a:rPr>
-              <a:t>Puntaje en Metacritic: </a:t>
-            </a:r>
-            <a:endParaRPr sz="1200" i="1" dirty="0">
-              <a:solidFill>
-                <a:schemeClr val="tx1">
-                  <a:lumMod val="95000"/>
-                  <a:lumOff val="5000"/>
-                </a:schemeClr>
-              </a:solidFill>
-              <a:latin typeface="Arial Rounded MT Bold" panose="020F0704030504030204" pitchFamily="34" charset="0"/>
-            </a:endParaRPr>
-          </a:p>
-        </p:txBody>
-      </p:sp>
-      <p:pic>
-        <p:nvPicPr>
-          <p:cNvPr id="1026" name="Picture 2" descr="Visage (video game) - Wikipedia">
-            <a:extLst>
-              <a:ext uri="{FF2B5EF4-FFF2-40B4-BE49-F238E27FC236}">
-                <a16:creationId xmlns:a16="http://schemas.microsoft.com/office/drawing/2014/main" id="{0C160815-9DE0-CB10-C263-85DAC96423BA}"/>
+                <a16:creationId xmlns:a16="http://schemas.microsoft.com/office/drawing/2014/main" id="{5443D99C-1988-A294-30C7-0A2CC0D544B9}"/>
               </a:ext>
             </a:extLst>
           </p:cNvPr>
@@ -10259,8 +9397,8 @@
         </p:blipFill>
         <p:spPr bwMode="auto">
           <a:xfrm>
-            <a:off x="170740" y="1553950"/>
-            <a:ext cx="2847975" cy="1600200"/>
+            <a:off x="-1" y="0"/>
+            <a:ext cx="9144001" cy="5332164"/>
           </a:xfrm>
           <a:prstGeom prst="rect">
             <a:avLst/>
@@ -10277,12 +9415,930 @@
           </a:extLst>
         </p:spPr>
       </p:pic>
+      <p:sp>
+        <p:nvSpPr>
+          <p:cNvPr id="4" name="Rectángulo: esquinas redondeadas 3">
+            <a:extLst>
+              <a:ext uri="{FF2B5EF4-FFF2-40B4-BE49-F238E27FC236}">
+                <a16:creationId xmlns:a16="http://schemas.microsoft.com/office/drawing/2014/main" id="{E3FD65EA-ED5F-04D4-FA73-A4380D096AD3}"/>
+              </a:ext>
+            </a:extLst>
+          </p:cNvPr>
+          <p:cNvSpPr/>
+          <p:nvPr/>
+        </p:nvSpPr>
+        <p:spPr>
+          <a:xfrm>
+            <a:off x="6217328" y="3358681"/>
+            <a:ext cx="2847300" cy="1321025"/>
+          </a:xfrm>
+          <a:prstGeom prst="roundRect">
+            <a:avLst/>
+          </a:prstGeom>
+          <a:solidFill>
+            <a:schemeClr val="accent4">
+              <a:lumMod val="75000"/>
+            </a:schemeClr>
+          </a:solidFill>
+        </p:spPr>
+        <p:style>
+          <a:lnRef idx="2">
+            <a:schemeClr val="accent1">
+              <a:shade val="50000"/>
+            </a:schemeClr>
+          </a:lnRef>
+          <a:fillRef idx="1">
+            <a:schemeClr val="accent1"/>
+          </a:fillRef>
+          <a:effectRef idx="0">
+            <a:schemeClr val="accent1"/>
+          </a:effectRef>
+          <a:fontRef idx="minor">
+            <a:schemeClr val="lt1"/>
+          </a:fontRef>
+        </p:style>
+        <p:txBody>
+          <a:bodyPr rtlCol="0" anchor="ctr"/>
+          <a:lstStyle/>
+          <a:p>
+            <a:pPr algn="ctr"/>
+            <a:endParaRPr lang="es-AR"/>
+          </a:p>
+        </p:txBody>
+      </p:sp>
+      <p:sp>
+        <p:nvSpPr>
+          <p:cNvPr id="3" name="Rectángulo: esquinas redondeadas 2">
+            <a:extLst>
+              <a:ext uri="{FF2B5EF4-FFF2-40B4-BE49-F238E27FC236}">
+                <a16:creationId xmlns:a16="http://schemas.microsoft.com/office/drawing/2014/main" id="{AF15ACD5-A9C7-4C73-E565-7214B1135DEF}"/>
+              </a:ext>
+            </a:extLst>
+          </p:cNvPr>
+          <p:cNvSpPr/>
+          <p:nvPr/>
+        </p:nvSpPr>
+        <p:spPr>
+          <a:xfrm>
+            <a:off x="3226960" y="3387074"/>
+            <a:ext cx="2847300" cy="1321025"/>
+          </a:xfrm>
+          <a:prstGeom prst="roundRect">
+            <a:avLst/>
+          </a:prstGeom>
+          <a:solidFill>
+            <a:schemeClr val="accent4">
+              <a:lumMod val="75000"/>
+            </a:schemeClr>
+          </a:solidFill>
+        </p:spPr>
+        <p:style>
+          <a:lnRef idx="2">
+            <a:schemeClr val="accent1">
+              <a:shade val="50000"/>
+            </a:schemeClr>
+          </a:lnRef>
+          <a:fillRef idx="1">
+            <a:schemeClr val="accent1"/>
+          </a:fillRef>
+          <a:effectRef idx="0">
+            <a:schemeClr val="accent1"/>
+          </a:effectRef>
+          <a:fontRef idx="minor">
+            <a:schemeClr val="lt1"/>
+          </a:fontRef>
+        </p:style>
+        <p:txBody>
+          <a:bodyPr rtlCol="0" anchor="ctr"/>
+          <a:lstStyle/>
+          <a:p>
+            <a:pPr algn="ctr"/>
+            <a:endParaRPr lang="es-AR"/>
+          </a:p>
+        </p:txBody>
+      </p:sp>
+      <p:sp>
+        <p:nvSpPr>
+          <p:cNvPr id="2" name="Rectángulo: esquinas redondeadas 1">
+            <a:extLst>
+              <a:ext uri="{FF2B5EF4-FFF2-40B4-BE49-F238E27FC236}">
+                <a16:creationId xmlns:a16="http://schemas.microsoft.com/office/drawing/2014/main" id="{ED076AB1-E038-101D-12B5-4EAAD96A4056}"/>
+              </a:ext>
+            </a:extLst>
+          </p:cNvPr>
+          <p:cNvSpPr/>
+          <p:nvPr/>
+        </p:nvSpPr>
+        <p:spPr>
+          <a:xfrm>
+            <a:off x="170740" y="3387075"/>
+            <a:ext cx="2847300" cy="1321025"/>
+          </a:xfrm>
+          <a:prstGeom prst="roundRect">
+            <a:avLst/>
+          </a:prstGeom>
+          <a:solidFill>
+            <a:schemeClr val="accent4">
+              <a:lumMod val="75000"/>
+            </a:schemeClr>
+          </a:solidFill>
+        </p:spPr>
+        <p:style>
+          <a:lnRef idx="2">
+            <a:schemeClr val="accent1">
+              <a:shade val="50000"/>
+            </a:schemeClr>
+          </a:lnRef>
+          <a:fillRef idx="1">
+            <a:schemeClr val="accent1"/>
+          </a:fillRef>
+          <a:effectRef idx="0">
+            <a:schemeClr val="accent1"/>
+          </a:effectRef>
+          <a:fontRef idx="minor">
+            <a:schemeClr val="lt1"/>
+          </a:fontRef>
+        </p:style>
+        <p:txBody>
+          <a:bodyPr rtlCol="0" anchor="ctr"/>
+          <a:lstStyle/>
+          <a:p>
+            <a:pPr algn="ctr"/>
+            <a:endParaRPr lang="es-AR"/>
+          </a:p>
+        </p:txBody>
+      </p:sp>
+      <p:sp>
+        <p:nvSpPr>
+          <p:cNvPr id="137" name="Google Shape;137;p24"/>
+          <p:cNvSpPr txBox="1"/>
+          <p:nvPr/>
+        </p:nvSpPr>
+        <p:spPr>
+          <a:xfrm>
+            <a:off x="176875" y="3387075"/>
+            <a:ext cx="2847300" cy="1200298"/>
+          </a:xfrm>
+          <a:prstGeom prst="rect">
+            <a:avLst/>
+          </a:prstGeom>
+          <a:noFill/>
+          <a:ln>
+            <a:noFill/>
+          </a:ln>
+        </p:spPr>
+        <p:txBody>
+          <a:bodyPr spcFirstLastPara="1" wrap="square" lIns="91425" tIns="91425" rIns="91425" bIns="91425" anchor="t" anchorCtr="0">
+            <a:spAutoFit/>
+          </a:bodyPr>
+          <a:lstStyle/>
+          <a:p>
+            <a:pPr marL="0" lvl="0" indent="0" algn="l" rtl="0">
+              <a:spcBef>
+                <a:spcPts val="0"/>
+              </a:spcBef>
+              <a:spcAft>
+                <a:spcPts val="0"/>
+              </a:spcAft>
+              <a:buNone/>
+            </a:pPr>
+            <a:r>
+              <a:rPr lang="es" sz="1100" b="1" i="1" dirty="0">
+                <a:solidFill>
+                  <a:schemeClr val="tx1">
+                    <a:lumMod val="95000"/>
+                    <a:lumOff val="5000"/>
+                  </a:schemeClr>
+                </a:solidFill>
+                <a:latin typeface="Arial Rounded MT Bold" panose="020F0704030504030204" pitchFamily="34" charset="0"/>
+              </a:rPr>
+              <a:t>Fecha de Lanzamiento: </a:t>
+            </a:r>
+            <a:r>
+              <a:rPr lang="es-AR" sz="1100" b="1" i="1" dirty="0">
+                <a:solidFill>
+                  <a:schemeClr val="tx1">
+                    <a:lumMod val="95000"/>
+                    <a:lumOff val="5000"/>
+                  </a:schemeClr>
+                </a:solidFill>
+                <a:latin typeface="Arial Rounded MT Bold" panose="020F0704030504030204" pitchFamily="34" charset="0"/>
+              </a:rPr>
+              <a:t>30 OCT 2020</a:t>
+            </a:r>
+            <a:endParaRPr lang="es" sz="1100" b="1" i="1" dirty="0">
+              <a:solidFill>
+                <a:schemeClr val="tx1">
+                  <a:lumMod val="95000"/>
+                  <a:lumOff val="5000"/>
+                </a:schemeClr>
+              </a:solidFill>
+              <a:latin typeface="Arial Rounded MT Bold" panose="020F0704030504030204" pitchFamily="34" charset="0"/>
+            </a:endParaRPr>
+          </a:p>
+          <a:p>
+            <a:pPr marL="0" lvl="0" indent="0" algn="l" rtl="0">
+              <a:spcBef>
+                <a:spcPts val="0"/>
+              </a:spcBef>
+              <a:spcAft>
+                <a:spcPts val="0"/>
+              </a:spcAft>
+              <a:buNone/>
+            </a:pPr>
+            <a:r>
+              <a:rPr lang="es" sz="1100" b="1" i="1" dirty="0">
+                <a:solidFill>
+                  <a:schemeClr val="tx1">
+                    <a:lumMod val="95000"/>
+                    <a:lumOff val="5000"/>
+                  </a:schemeClr>
+                </a:solidFill>
+                <a:latin typeface="Arial Rounded MT Bold" panose="020F0704030504030204" pitchFamily="34" charset="0"/>
+              </a:rPr>
+              <a:t>Precio de Lanzamiento: </a:t>
+            </a:r>
+            <a:r>
+              <a:rPr lang="es-AR" sz="1100" i="1" dirty="0">
+                <a:solidFill>
+                  <a:schemeClr val="tx1">
+                    <a:lumMod val="95000"/>
+                    <a:lumOff val="5000"/>
+                  </a:schemeClr>
+                </a:solidFill>
+                <a:latin typeface="Arial Rounded MT Bold" panose="020F0704030504030204" pitchFamily="34" charset="0"/>
+              </a:rPr>
+              <a:t>ARS$ 194,99</a:t>
+            </a:r>
+            <a:endParaRPr sz="1100" i="1" dirty="0">
+              <a:solidFill>
+                <a:schemeClr val="tx1">
+                  <a:lumMod val="95000"/>
+                  <a:lumOff val="5000"/>
+                </a:schemeClr>
+              </a:solidFill>
+              <a:latin typeface="Arial Rounded MT Bold" panose="020F0704030504030204" pitchFamily="34" charset="0"/>
+            </a:endParaRPr>
+          </a:p>
+          <a:p>
+            <a:pPr marL="0" lvl="0" indent="0" algn="l" rtl="0">
+              <a:spcBef>
+                <a:spcPts val="0"/>
+              </a:spcBef>
+              <a:spcAft>
+                <a:spcPts val="0"/>
+              </a:spcAft>
+              <a:buNone/>
+            </a:pPr>
+            <a:r>
+              <a:rPr lang="es" sz="1100" b="1" i="1" dirty="0">
+                <a:solidFill>
+                  <a:schemeClr val="tx1">
+                    <a:lumMod val="95000"/>
+                    <a:lumOff val="5000"/>
+                  </a:schemeClr>
+                </a:solidFill>
+                <a:latin typeface="Arial Rounded MT Bold" panose="020F0704030504030204" pitchFamily="34" charset="0"/>
+              </a:rPr>
+              <a:t>Ventas:</a:t>
+            </a:r>
+            <a:r>
+              <a:rPr lang="es" sz="1100" i="1" dirty="0">
+                <a:solidFill>
+                  <a:schemeClr val="tx1">
+                    <a:lumMod val="95000"/>
+                    <a:lumOff val="5000"/>
+                  </a:schemeClr>
+                </a:solidFill>
+                <a:latin typeface="Arial Rounded MT Bold" panose="020F0704030504030204" pitchFamily="34" charset="0"/>
+              </a:rPr>
+              <a:t> 6245</a:t>
+            </a:r>
+            <a:endParaRPr sz="1100" i="1" dirty="0">
+              <a:solidFill>
+                <a:schemeClr val="tx1">
+                  <a:lumMod val="95000"/>
+                  <a:lumOff val="5000"/>
+                </a:schemeClr>
+              </a:solidFill>
+              <a:latin typeface="Arial Rounded MT Bold" panose="020F0704030504030204" pitchFamily="34" charset="0"/>
+            </a:endParaRPr>
+          </a:p>
+          <a:p>
+            <a:pPr marL="0" lvl="0" indent="0" algn="l" rtl="0">
+              <a:spcBef>
+                <a:spcPts val="0"/>
+              </a:spcBef>
+              <a:spcAft>
+                <a:spcPts val="0"/>
+              </a:spcAft>
+              <a:buNone/>
+            </a:pPr>
+            <a:endParaRPr sz="1100" i="1" dirty="0">
+              <a:solidFill>
+                <a:schemeClr val="tx1">
+                  <a:lumMod val="95000"/>
+                  <a:lumOff val="5000"/>
+                </a:schemeClr>
+              </a:solidFill>
+              <a:latin typeface="Arial Rounded MT Bold" panose="020F0704030504030204" pitchFamily="34" charset="0"/>
+            </a:endParaRPr>
+          </a:p>
+          <a:p>
+            <a:pPr marL="0" lvl="0" indent="0" algn="l" rtl="0">
+              <a:spcBef>
+                <a:spcPts val="0"/>
+              </a:spcBef>
+              <a:spcAft>
+                <a:spcPts val="0"/>
+              </a:spcAft>
+              <a:buNone/>
+            </a:pPr>
+            <a:r>
+              <a:rPr lang="es" sz="1100" b="1" i="1" dirty="0">
+                <a:solidFill>
+                  <a:schemeClr val="tx1">
+                    <a:lumMod val="95000"/>
+                    <a:lumOff val="5000"/>
+                  </a:schemeClr>
+                </a:solidFill>
+                <a:latin typeface="Arial Rounded MT Bold" panose="020F0704030504030204" pitchFamily="34" charset="0"/>
+              </a:rPr>
+              <a:t>Reseñas Steam:</a:t>
+            </a:r>
+            <a:r>
+              <a:rPr lang="es" sz="1100" i="1" dirty="0">
+                <a:solidFill>
+                  <a:schemeClr val="tx1">
+                    <a:lumMod val="95000"/>
+                    <a:lumOff val="5000"/>
+                  </a:schemeClr>
+                </a:solidFill>
+                <a:latin typeface="Arial Rounded MT Bold" panose="020F0704030504030204" pitchFamily="34" charset="0"/>
+              </a:rPr>
+              <a:t> 7689</a:t>
+            </a:r>
+            <a:endParaRPr sz="1100" i="1" dirty="0">
+              <a:solidFill>
+                <a:schemeClr val="tx1">
+                  <a:lumMod val="95000"/>
+                  <a:lumOff val="5000"/>
+                </a:schemeClr>
+              </a:solidFill>
+              <a:latin typeface="Arial Rounded MT Bold" panose="020F0704030504030204" pitchFamily="34" charset="0"/>
+            </a:endParaRPr>
+          </a:p>
+          <a:p>
+            <a:pPr marL="0" lvl="0" indent="0" algn="l" rtl="0">
+              <a:spcBef>
+                <a:spcPts val="0"/>
+              </a:spcBef>
+              <a:spcAft>
+                <a:spcPts val="0"/>
+              </a:spcAft>
+              <a:buNone/>
+            </a:pPr>
+            <a:r>
+              <a:rPr lang="es" sz="1100" b="1" i="1" dirty="0">
+                <a:solidFill>
+                  <a:schemeClr val="tx1">
+                    <a:lumMod val="95000"/>
+                    <a:lumOff val="5000"/>
+                  </a:schemeClr>
+                </a:solidFill>
+                <a:latin typeface="Arial Rounded MT Bold" panose="020F0704030504030204" pitchFamily="34" charset="0"/>
+              </a:rPr>
+              <a:t>Puntaje en Metacritic: 4,3 </a:t>
+            </a:r>
+            <a:endParaRPr sz="1100" i="1" dirty="0">
+              <a:solidFill>
+                <a:schemeClr val="tx1">
+                  <a:lumMod val="95000"/>
+                  <a:lumOff val="5000"/>
+                </a:schemeClr>
+              </a:solidFill>
+              <a:latin typeface="Arial Rounded MT Bold" panose="020F0704030504030204" pitchFamily="34" charset="0"/>
+            </a:endParaRPr>
+          </a:p>
+        </p:txBody>
+      </p:sp>
+      <p:sp>
+        <p:nvSpPr>
+          <p:cNvPr id="139" name="Google Shape;139;p24"/>
+          <p:cNvSpPr txBox="1"/>
+          <p:nvPr/>
+        </p:nvSpPr>
+        <p:spPr>
+          <a:xfrm>
+            <a:off x="3163265" y="3387075"/>
+            <a:ext cx="2847300" cy="1200298"/>
+          </a:xfrm>
+          <a:prstGeom prst="rect">
+            <a:avLst/>
+          </a:prstGeom>
+          <a:noFill/>
+          <a:ln>
+            <a:noFill/>
+          </a:ln>
+        </p:spPr>
+        <p:txBody>
+          <a:bodyPr spcFirstLastPara="1" wrap="square" lIns="91425" tIns="91425" rIns="91425" bIns="91425" anchor="t" anchorCtr="0">
+            <a:spAutoFit/>
+          </a:bodyPr>
+          <a:lstStyle/>
+          <a:p>
+            <a:pPr marL="0" lvl="0" indent="0" algn="l" rtl="0">
+              <a:spcBef>
+                <a:spcPts val="0"/>
+              </a:spcBef>
+              <a:spcAft>
+                <a:spcPts val="0"/>
+              </a:spcAft>
+              <a:buNone/>
+            </a:pPr>
+            <a:r>
+              <a:rPr lang="es" sz="1100" b="1" i="1" dirty="0">
+                <a:solidFill>
+                  <a:schemeClr val="tx1">
+                    <a:lumMod val="95000"/>
+                    <a:lumOff val="5000"/>
+                  </a:schemeClr>
+                </a:solidFill>
+                <a:latin typeface="Arial Rounded MT Bold" panose="020F0704030504030204" pitchFamily="34" charset="0"/>
+              </a:rPr>
+              <a:t>Fecha de Lanzamiento: </a:t>
+            </a:r>
+            <a:r>
+              <a:rPr lang="es-AR" sz="1100" b="0" i="0" dirty="0">
+                <a:solidFill>
+                  <a:schemeClr val="tx1">
+                    <a:lumMod val="95000"/>
+                    <a:lumOff val="5000"/>
+                  </a:schemeClr>
+                </a:solidFill>
+                <a:effectLst/>
+                <a:latin typeface="Arial Rounded MT Bold" panose="020F0704030504030204" pitchFamily="34" charset="0"/>
+              </a:rPr>
+              <a:t>24 ENE 2017</a:t>
+            </a:r>
+            <a:endParaRPr sz="1100" i="1" dirty="0">
+              <a:solidFill>
+                <a:schemeClr val="tx1">
+                  <a:lumMod val="95000"/>
+                  <a:lumOff val="5000"/>
+                </a:schemeClr>
+              </a:solidFill>
+              <a:latin typeface="Arial Rounded MT Bold" panose="020F0704030504030204" pitchFamily="34" charset="0"/>
+            </a:endParaRPr>
+          </a:p>
+          <a:p>
+            <a:pPr marL="0" lvl="0" indent="0" algn="l" rtl="0">
+              <a:spcBef>
+                <a:spcPts val="0"/>
+              </a:spcBef>
+              <a:spcAft>
+                <a:spcPts val="0"/>
+              </a:spcAft>
+              <a:buNone/>
+            </a:pPr>
+            <a:r>
+              <a:rPr lang="es" sz="1100" b="1" i="1" dirty="0">
+                <a:solidFill>
+                  <a:schemeClr val="tx1">
+                    <a:lumMod val="95000"/>
+                    <a:lumOff val="5000"/>
+                  </a:schemeClr>
+                </a:solidFill>
+                <a:latin typeface="Arial Rounded MT Bold" panose="020F0704030504030204" pitchFamily="34" charset="0"/>
+              </a:rPr>
+              <a:t>Precio de Lanzamiento: </a:t>
+            </a:r>
+            <a:r>
+              <a:rPr lang="es-AR" sz="1100" b="0" i="0" dirty="0">
+                <a:solidFill>
+                  <a:schemeClr val="tx1">
+                    <a:lumMod val="95000"/>
+                    <a:lumOff val="5000"/>
+                  </a:schemeClr>
+                </a:solidFill>
+                <a:effectLst/>
+                <a:latin typeface="Arial Rounded MT Bold" panose="020F0704030504030204" pitchFamily="34" charset="0"/>
+              </a:rPr>
+              <a:t>ARS$ 648,00</a:t>
+            </a:r>
+            <a:endParaRPr sz="1100" i="1" dirty="0">
+              <a:solidFill>
+                <a:schemeClr val="tx1">
+                  <a:lumMod val="95000"/>
+                  <a:lumOff val="5000"/>
+                </a:schemeClr>
+              </a:solidFill>
+              <a:latin typeface="Arial Rounded MT Bold" panose="020F0704030504030204" pitchFamily="34" charset="0"/>
+            </a:endParaRPr>
+          </a:p>
+          <a:p>
+            <a:pPr marL="0" lvl="0" indent="0" algn="l" rtl="0">
+              <a:spcBef>
+                <a:spcPts val="0"/>
+              </a:spcBef>
+              <a:spcAft>
+                <a:spcPts val="0"/>
+              </a:spcAft>
+              <a:buNone/>
+            </a:pPr>
+            <a:r>
+              <a:rPr lang="es" sz="1100" b="1" i="1" dirty="0">
+                <a:solidFill>
+                  <a:schemeClr val="tx1">
+                    <a:lumMod val="95000"/>
+                    <a:lumOff val="5000"/>
+                  </a:schemeClr>
+                </a:solidFill>
+                <a:latin typeface="Arial Rounded MT Bold" panose="020F0704030504030204" pitchFamily="34" charset="0"/>
+              </a:rPr>
+              <a:t>Ventas:</a:t>
+            </a:r>
+            <a:r>
+              <a:rPr lang="es" sz="1100" i="1" dirty="0">
+                <a:solidFill>
+                  <a:schemeClr val="tx1">
+                    <a:lumMod val="95000"/>
+                    <a:lumOff val="5000"/>
+                  </a:schemeClr>
+                </a:solidFill>
+                <a:latin typeface="Arial Rounded MT Bold" panose="020F0704030504030204" pitchFamily="34" charset="0"/>
+              </a:rPr>
+              <a:t> 48957</a:t>
+            </a:r>
+            <a:endParaRPr sz="1100" i="1" dirty="0">
+              <a:solidFill>
+                <a:schemeClr val="tx1">
+                  <a:lumMod val="95000"/>
+                  <a:lumOff val="5000"/>
+                </a:schemeClr>
+              </a:solidFill>
+              <a:latin typeface="Arial Rounded MT Bold" panose="020F0704030504030204" pitchFamily="34" charset="0"/>
+            </a:endParaRPr>
+          </a:p>
+          <a:p>
+            <a:pPr marL="0" lvl="0" indent="0" algn="l" rtl="0">
+              <a:spcBef>
+                <a:spcPts val="0"/>
+              </a:spcBef>
+              <a:spcAft>
+                <a:spcPts val="0"/>
+              </a:spcAft>
+              <a:buNone/>
+            </a:pPr>
+            <a:endParaRPr sz="1100" i="1" dirty="0">
+              <a:solidFill>
+                <a:schemeClr val="tx1">
+                  <a:lumMod val="95000"/>
+                  <a:lumOff val="5000"/>
+                </a:schemeClr>
+              </a:solidFill>
+              <a:latin typeface="Arial Rounded MT Bold" panose="020F0704030504030204" pitchFamily="34" charset="0"/>
+            </a:endParaRPr>
+          </a:p>
+          <a:p>
+            <a:pPr marL="0" lvl="0" indent="0" algn="l" rtl="0">
+              <a:spcBef>
+                <a:spcPts val="0"/>
+              </a:spcBef>
+              <a:spcAft>
+                <a:spcPts val="0"/>
+              </a:spcAft>
+              <a:buNone/>
+            </a:pPr>
+            <a:r>
+              <a:rPr lang="es" sz="1100" b="1" i="1" dirty="0">
+                <a:solidFill>
+                  <a:schemeClr val="tx1">
+                    <a:lumMod val="95000"/>
+                    <a:lumOff val="5000"/>
+                  </a:schemeClr>
+                </a:solidFill>
+                <a:latin typeface="Arial Rounded MT Bold" panose="020F0704030504030204" pitchFamily="34" charset="0"/>
+              </a:rPr>
+              <a:t>Reseñas Steam:</a:t>
+            </a:r>
+            <a:r>
+              <a:rPr lang="es" sz="1100" i="1" dirty="0">
+                <a:solidFill>
+                  <a:schemeClr val="tx1">
+                    <a:lumMod val="95000"/>
+                    <a:lumOff val="5000"/>
+                  </a:schemeClr>
+                </a:solidFill>
+                <a:latin typeface="Arial Rounded MT Bold" panose="020F0704030504030204" pitchFamily="34" charset="0"/>
+              </a:rPr>
+              <a:t> 70,000 res positivas</a:t>
+            </a:r>
+            <a:endParaRPr sz="1100" i="1" dirty="0">
+              <a:solidFill>
+                <a:schemeClr val="tx1">
+                  <a:lumMod val="95000"/>
+                  <a:lumOff val="5000"/>
+                </a:schemeClr>
+              </a:solidFill>
+              <a:latin typeface="Arial Rounded MT Bold" panose="020F0704030504030204" pitchFamily="34" charset="0"/>
+            </a:endParaRPr>
+          </a:p>
+          <a:p>
+            <a:pPr marL="0" lvl="0" indent="0" algn="l" rtl="0">
+              <a:spcBef>
+                <a:spcPts val="0"/>
+              </a:spcBef>
+              <a:spcAft>
+                <a:spcPts val="0"/>
+              </a:spcAft>
+              <a:buNone/>
+            </a:pPr>
+            <a:r>
+              <a:rPr lang="es" sz="1100" b="1" i="1" dirty="0">
+                <a:solidFill>
+                  <a:schemeClr val="tx1">
+                    <a:lumMod val="95000"/>
+                    <a:lumOff val="5000"/>
+                  </a:schemeClr>
+                </a:solidFill>
+                <a:latin typeface="Arial Rounded MT Bold" panose="020F0704030504030204" pitchFamily="34" charset="0"/>
+              </a:rPr>
+              <a:t>Puntaje en Metacritic: 8,1</a:t>
+            </a:r>
+            <a:endParaRPr sz="1100" i="1" dirty="0">
+              <a:solidFill>
+                <a:schemeClr val="tx1">
+                  <a:lumMod val="95000"/>
+                  <a:lumOff val="5000"/>
+                </a:schemeClr>
+              </a:solidFill>
+              <a:latin typeface="Arial Rounded MT Bold" panose="020F0704030504030204" pitchFamily="34" charset="0"/>
+            </a:endParaRPr>
+          </a:p>
+        </p:txBody>
+      </p:sp>
+      <p:sp>
+        <p:nvSpPr>
+          <p:cNvPr id="141" name="Google Shape;141;p24"/>
+          <p:cNvSpPr txBox="1"/>
+          <p:nvPr/>
+        </p:nvSpPr>
+        <p:spPr>
+          <a:xfrm>
+            <a:off x="6137955" y="3387075"/>
+            <a:ext cx="2847300" cy="1292631"/>
+          </a:xfrm>
+          <a:prstGeom prst="rect">
+            <a:avLst/>
+          </a:prstGeom>
+          <a:noFill/>
+          <a:ln>
+            <a:noFill/>
+          </a:ln>
+        </p:spPr>
+        <p:txBody>
+          <a:bodyPr spcFirstLastPara="1" wrap="square" lIns="91425" tIns="91425" rIns="91425" bIns="91425" anchor="t" anchorCtr="0">
+            <a:spAutoFit/>
+          </a:bodyPr>
+          <a:lstStyle/>
+          <a:p>
+            <a:pPr marL="0" lvl="0" indent="0" algn="l" rtl="0">
+              <a:spcBef>
+                <a:spcPts val="0"/>
+              </a:spcBef>
+              <a:spcAft>
+                <a:spcPts val="0"/>
+              </a:spcAft>
+              <a:buNone/>
+            </a:pPr>
+            <a:r>
+              <a:rPr lang="es" sz="1200" b="1" i="1" dirty="0">
+                <a:solidFill>
+                  <a:schemeClr val="tx1">
+                    <a:lumMod val="95000"/>
+                    <a:lumOff val="5000"/>
+                  </a:schemeClr>
+                </a:solidFill>
+                <a:latin typeface="Arial Rounded MT Bold" panose="020F0704030504030204" pitchFamily="34" charset="0"/>
+              </a:rPr>
+              <a:t>Fecha de Lanzamiento: </a:t>
+            </a:r>
+            <a:r>
+              <a:rPr lang="es" sz="1200" i="1" dirty="0">
+                <a:solidFill>
+                  <a:schemeClr val="tx1">
+                    <a:lumMod val="95000"/>
+                    <a:lumOff val="5000"/>
+                  </a:schemeClr>
+                </a:solidFill>
+                <a:latin typeface="Arial Rounded MT Bold" panose="020F0704030504030204" pitchFamily="34" charset="0"/>
+              </a:rPr>
+              <a:t>07/07/2022</a:t>
+            </a:r>
+            <a:endParaRPr sz="1200" i="1" dirty="0">
+              <a:solidFill>
+                <a:schemeClr val="tx1">
+                  <a:lumMod val="95000"/>
+                  <a:lumOff val="5000"/>
+                </a:schemeClr>
+              </a:solidFill>
+              <a:latin typeface="Arial Rounded MT Bold" panose="020F0704030504030204" pitchFamily="34" charset="0"/>
+            </a:endParaRPr>
+          </a:p>
+          <a:p>
+            <a:pPr marL="0" lvl="0" indent="0" algn="l" rtl="0">
+              <a:spcBef>
+                <a:spcPts val="0"/>
+              </a:spcBef>
+              <a:spcAft>
+                <a:spcPts val="0"/>
+              </a:spcAft>
+              <a:buNone/>
+            </a:pPr>
+            <a:r>
+              <a:rPr lang="es" sz="1200" b="1" i="1" dirty="0">
+                <a:solidFill>
+                  <a:schemeClr val="tx1">
+                    <a:lumMod val="95000"/>
+                    <a:lumOff val="5000"/>
+                  </a:schemeClr>
+                </a:solidFill>
+                <a:latin typeface="Arial Rounded MT Bold" panose="020F0704030504030204" pitchFamily="34" charset="0"/>
+              </a:rPr>
+              <a:t>Precio de Lanzamiento: </a:t>
+            </a:r>
+            <a:r>
+              <a:rPr lang="es-AR" sz="1100" b="0" i="0" dirty="0">
+                <a:solidFill>
+                  <a:schemeClr val="tx1">
+                    <a:lumMod val="95000"/>
+                    <a:lumOff val="5000"/>
+                  </a:schemeClr>
+                </a:solidFill>
+                <a:effectLst/>
+                <a:latin typeface="Arial Rounded MT Bold" panose="020F0704030504030204" pitchFamily="34" charset="0"/>
+              </a:rPr>
+              <a:t>ARS$ 899,99</a:t>
+            </a:r>
+            <a:endParaRPr sz="1100" i="1" dirty="0">
+              <a:solidFill>
+                <a:schemeClr val="tx1">
+                  <a:lumMod val="95000"/>
+                  <a:lumOff val="5000"/>
+                </a:schemeClr>
+              </a:solidFill>
+              <a:latin typeface="Arial Rounded MT Bold" panose="020F0704030504030204" pitchFamily="34" charset="0"/>
+            </a:endParaRPr>
+          </a:p>
+          <a:p>
+            <a:pPr marL="0" lvl="0" indent="0" algn="l" rtl="0">
+              <a:spcBef>
+                <a:spcPts val="0"/>
+              </a:spcBef>
+              <a:spcAft>
+                <a:spcPts val="0"/>
+              </a:spcAft>
+              <a:buNone/>
+            </a:pPr>
+            <a:r>
+              <a:rPr lang="es" sz="1200" b="1" i="1" dirty="0">
+                <a:solidFill>
+                  <a:schemeClr val="tx1">
+                    <a:lumMod val="95000"/>
+                    <a:lumOff val="5000"/>
+                  </a:schemeClr>
+                </a:solidFill>
+                <a:latin typeface="Arial Rounded MT Bold" panose="020F0704030504030204" pitchFamily="34" charset="0"/>
+              </a:rPr>
+              <a:t>Ventas:</a:t>
+            </a:r>
+            <a:r>
+              <a:rPr lang="es" sz="1200" i="1" dirty="0">
+                <a:solidFill>
+                  <a:schemeClr val="tx1">
+                    <a:lumMod val="95000"/>
+                    <a:lumOff val="5000"/>
+                  </a:schemeClr>
+                </a:solidFill>
+                <a:latin typeface="Arial Rounded MT Bold" panose="020F0704030504030204" pitchFamily="34" charset="0"/>
+              </a:rPr>
+              <a:t> 1692</a:t>
+            </a:r>
+            <a:endParaRPr sz="1200" i="1" dirty="0">
+              <a:solidFill>
+                <a:schemeClr val="tx1">
+                  <a:lumMod val="95000"/>
+                  <a:lumOff val="5000"/>
+                </a:schemeClr>
+              </a:solidFill>
+              <a:latin typeface="Arial Rounded MT Bold" panose="020F0704030504030204" pitchFamily="34" charset="0"/>
+            </a:endParaRPr>
+          </a:p>
+          <a:p>
+            <a:pPr marL="0" lvl="0" indent="0" algn="l" rtl="0">
+              <a:spcBef>
+                <a:spcPts val="0"/>
+              </a:spcBef>
+              <a:spcAft>
+                <a:spcPts val="0"/>
+              </a:spcAft>
+              <a:buNone/>
+            </a:pPr>
+            <a:endParaRPr sz="1200" i="1" dirty="0">
+              <a:solidFill>
+                <a:schemeClr val="tx1">
+                  <a:lumMod val="95000"/>
+                  <a:lumOff val="5000"/>
+                </a:schemeClr>
+              </a:solidFill>
+              <a:latin typeface="Arial Rounded MT Bold" panose="020F0704030504030204" pitchFamily="34" charset="0"/>
+            </a:endParaRPr>
+          </a:p>
+          <a:p>
+            <a:pPr marL="0" lvl="0" indent="0" algn="l" rtl="0">
+              <a:spcBef>
+                <a:spcPts val="0"/>
+              </a:spcBef>
+              <a:spcAft>
+                <a:spcPts val="0"/>
+              </a:spcAft>
+              <a:buNone/>
+            </a:pPr>
+            <a:r>
+              <a:rPr lang="es" sz="1200" b="1" i="1" dirty="0">
+                <a:solidFill>
+                  <a:schemeClr val="tx1">
+                    <a:lumMod val="95000"/>
+                    <a:lumOff val="5000"/>
+                  </a:schemeClr>
+                </a:solidFill>
+                <a:latin typeface="Arial Rounded MT Bold" panose="020F0704030504030204" pitchFamily="34" charset="0"/>
+              </a:rPr>
+              <a:t>Reseñas Steam:</a:t>
+            </a:r>
+            <a:r>
+              <a:rPr lang="es" sz="1200" i="1" dirty="0">
+                <a:solidFill>
+                  <a:schemeClr val="tx1">
+                    <a:lumMod val="95000"/>
+                    <a:lumOff val="5000"/>
+                  </a:schemeClr>
+                </a:solidFill>
+                <a:latin typeface="Arial Rounded MT Bold" panose="020F0704030504030204" pitchFamily="34" charset="0"/>
+              </a:rPr>
+              <a:t> 1708 res+</a:t>
+            </a:r>
+            <a:endParaRPr sz="1200" i="1" dirty="0">
+              <a:solidFill>
+                <a:schemeClr val="tx1">
+                  <a:lumMod val="95000"/>
+                  <a:lumOff val="5000"/>
+                </a:schemeClr>
+              </a:solidFill>
+              <a:latin typeface="Arial Rounded MT Bold" panose="020F0704030504030204" pitchFamily="34" charset="0"/>
+            </a:endParaRPr>
+          </a:p>
+          <a:p>
+            <a:pPr marL="0" lvl="0" indent="0" algn="l" rtl="0">
+              <a:spcBef>
+                <a:spcPts val="0"/>
+              </a:spcBef>
+              <a:spcAft>
+                <a:spcPts val="0"/>
+              </a:spcAft>
+              <a:buNone/>
+            </a:pPr>
+            <a:r>
+              <a:rPr lang="es" sz="1200" b="1" i="1" dirty="0">
+                <a:solidFill>
+                  <a:schemeClr val="tx1">
+                    <a:lumMod val="95000"/>
+                    <a:lumOff val="5000"/>
+                  </a:schemeClr>
+                </a:solidFill>
+                <a:latin typeface="Arial Rounded MT Bold" panose="020F0704030504030204" pitchFamily="34" charset="0"/>
+              </a:rPr>
+              <a:t>Puntaje en Metacritic: </a:t>
+            </a:r>
+            <a:endParaRPr sz="1200" i="1" dirty="0">
+              <a:solidFill>
+                <a:schemeClr val="tx1">
+                  <a:lumMod val="95000"/>
+                  <a:lumOff val="5000"/>
+                </a:schemeClr>
+              </a:solidFill>
+              <a:latin typeface="Arial Rounded MT Bold" panose="020F0704030504030204" pitchFamily="34" charset="0"/>
+            </a:endParaRPr>
+          </a:p>
+        </p:txBody>
+      </p:sp>
       <p:pic>
         <p:nvPicPr>
-          <p:cNvPr id="1028" name="Picture 4" descr="Resident Evil 7: Biohazard - Juegos de PS4 | PlayStation (Argentina)">
+          <p:cNvPr id="1026" name="Picture 2" descr="Visage (video game) - Wikipedia">
             <a:extLst>
               <a:ext uri="{FF2B5EF4-FFF2-40B4-BE49-F238E27FC236}">
-                <a16:creationId xmlns:a16="http://schemas.microsoft.com/office/drawing/2014/main" id="{ACEBECE5-7FAB-EDFE-873A-4CB3BA69AD60}"/>
+                <a16:creationId xmlns:a16="http://schemas.microsoft.com/office/drawing/2014/main" id="{0C160815-9DE0-CB10-C263-85DAC96423BA}"/>
               </a:ext>
             </a:extLst>
           </p:cNvPr>
@@ -10306,6 +10362,53 @@
         </p:blipFill>
         <p:spPr bwMode="auto">
           <a:xfrm>
+            <a:off x="170740" y="1553950"/>
+            <a:ext cx="2847975" cy="1600200"/>
+          </a:xfrm>
+          <a:prstGeom prst="rect">
+            <a:avLst/>
+          </a:prstGeom>
+          <a:noFill/>
+          <a:extLst>
+            <a:ext uri="{909E8E84-426E-40DD-AFC4-6F175D3DCCD1}">
+              <a14:hiddenFill xmlns:a14="http://schemas.microsoft.com/office/drawing/2010/main">
+                <a:solidFill>
+                  <a:srgbClr val="FFFFFF"/>
+                </a:solidFill>
+              </a14:hiddenFill>
+            </a:ext>
+          </a:extLst>
+        </p:spPr>
+      </p:pic>
+      <p:pic>
+        <p:nvPicPr>
+          <p:cNvPr id="1028" name="Picture 4" descr="Resident Evil 7: Biohazard - Juegos de PS4 | PlayStation (Argentina)">
+            <a:extLst>
+              <a:ext uri="{FF2B5EF4-FFF2-40B4-BE49-F238E27FC236}">
+                <a16:creationId xmlns:a16="http://schemas.microsoft.com/office/drawing/2014/main" id="{ACEBECE5-7FAB-EDFE-873A-4CB3BA69AD60}"/>
+              </a:ext>
+            </a:extLst>
+          </p:cNvPr>
+          <p:cNvPicPr>
+            <a:picLocks noChangeAspect="1" noChangeArrowheads="1"/>
+          </p:cNvPicPr>
+          <p:nvPr/>
+        </p:nvPicPr>
+        <p:blipFill>
+          <a:blip r:embed="rId5">
+            <a:extLst>
+              <a:ext uri="{28A0092B-C50C-407E-A947-70E740481C1C}">
+                <a14:useLocalDpi xmlns:a14="http://schemas.microsoft.com/office/drawing/2010/main" val="0"/>
+              </a:ext>
+            </a:extLst>
+          </a:blip>
+          <a:srcRect/>
+          <a:stretch>
+            <a:fillRect/>
+          </a:stretch>
+        </p:blipFill>
+        <p:spPr bwMode="auto">
+          <a:xfrm>
             <a:off x="3515352" y="1087775"/>
             <a:ext cx="2143125" cy="2143125"/>
           </a:xfrm>
@@ -10339,7 +10442,7 @@
           <p:nvPr/>
         </p:nvPicPr>
         <p:blipFill>
-          <a:blip r:embed="rId5">
+          <a:blip r:embed="rId6">
             <a:extLst>
               <a:ext uri="{28A0092B-C50C-407E-A947-70E740481C1C}">
                 <a14:useLocalDpi xmlns:a14="http://schemas.microsoft.com/office/drawing/2010/main" val="0"/>
@@ -10457,6 +10560,53 @@
           </a:p>
         </p:txBody>
       </p:sp>
+      <p:pic>
+        <p:nvPicPr>
+          <p:cNvPr id="3" name="Picture 4">
+            <a:extLst>
+              <a:ext uri="{FF2B5EF4-FFF2-40B4-BE49-F238E27FC236}">
+                <a16:creationId xmlns:a16="http://schemas.microsoft.com/office/drawing/2014/main" id="{D85FBF18-65F2-CB30-C21A-A5AA7106B14F}"/>
+              </a:ext>
+            </a:extLst>
+          </p:cNvPr>
+          <p:cNvPicPr>
+            <a:picLocks noChangeAspect="1" noChangeArrowheads="1"/>
+          </p:cNvPicPr>
+          <p:nvPr/>
+        </p:nvPicPr>
+        <p:blipFill>
+          <a:blip r:embed="rId3">
+            <a:extLst>
+              <a:ext uri="{28A0092B-C50C-407E-A947-70E740481C1C}">
+                <a14:useLocalDpi xmlns:a14="http://schemas.microsoft.com/office/drawing/2010/main" val="0"/>
+              </a:ext>
+            </a:extLst>
+          </a:blip>
+          <a:srcRect/>
+          <a:stretch>
+            <a:fillRect/>
+          </a:stretch>
+        </p:blipFill>
+        <p:spPr bwMode="auto">
+          <a:xfrm>
+            <a:off x="-1" y="0"/>
+            <a:ext cx="9144001" cy="5332164"/>
+          </a:xfrm>
+          <a:prstGeom prst="rect">
+            <a:avLst/>
+          </a:prstGeom>
+          <a:noFill/>
+          <a:extLst>
+            <a:ext uri="{909E8E84-426E-40DD-AFC4-6F175D3DCCD1}">
+              <a14:hiddenFill xmlns:a14="http://schemas.microsoft.com/office/drawing/2010/main">
+                <a:solidFill>
+                  <a:srgbClr val="FFFFFF"/>
+                </a:solidFill>
+              </a14:hiddenFill>
+            </a:ext>
+          </a:extLst>
+        </p:spPr>
+      </p:pic>
       <p:sp>
         <p:nvSpPr>
           <p:cNvPr id="2" name="Rectángulo: esquinas redondeadas 1">
@@ -11374,6 +11524,53 @@
           </a:p>
         </p:txBody>
       </p:sp>
+      <p:pic>
+        <p:nvPicPr>
+          <p:cNvPr id="9" name="Picture 4">
+            <a:extLst>
+              <a:ext uri="{FF2B5EF4-FFF2-40B4-BE49-F238E27FC236}">
+                <a16:creationId xmlns:a16="http://schemas.microsoft.com/office/drawing/2014/main" id="{E9582E7C-9706-80E7-6452-A10C429F46E9}"/>
+              </a:ext>
+            </a:extLst>
+          </p:cNvPr>
+          <p:cNvPicPr>
+            <a:picLocks noChangeAspect="1" noChangeArrowheads="1"/>
+          </p:cNvPicPr>
+          <p:nvPr/>
+        </p:nvPicPr>
+        <p:blipFill>
+          <a:blip r:embed="rId3">
+            <a:extLst>
+              <a:ext uri="{28A0092B-C50C-407E-A947-70E740481C1C}">
+                <a14:useLocalDpi xmlns:a14="http://schemas.microsoft.com/office/drawing/2010/main" val="0"/>
+              </a:ext>
+            </a:extLst>
+          </a:blip>
+          <a:srcRect/>
+          <a:stretch>
+            <a:fillRect/>
+          </a:stretch>
+        </p:blipFill>
+        <p:spPr bwMode="auto">
+          <a:xfrm>
+            <a:off x="-1" y="0"/>
+            <a:ext cx="9144001" cy="5332164"/>
+          </a:xfrm>
+          <a:prstGeom prst="rect">
+            <a:avLst/>
+          </a:prstGeom>
+          <a:noFill/>
+          <a:extLst>
+            <a:ext uri="{909E8E84-426E-40DD-AFC4-6F175D3DCCD1}">
+              <a14:hiddenFill xmlns:a14="http://schemas.microsoft.com/office/drawing/2010/main">
+                <a:solidFill>
+                  <a:srgbClr val="FFFFFF"/>
+                </a:solidFill>
+              </a14:hiddenFill>
+            </a:ext>
+          </a:extLst>
+        </p:spPr>
+      </p:pic>
       <p:sp>
         <p:nvSpPr>
           <p:cNvPr id="8" name="Rectángulo: esquinas redondeadas 7">
@@ -11482,7 +11679,7 @@
           <p:nvPr/>
         </p:nvPicPr>
         <p:blipFill rotWithShape="1">
-          <a:blip r:embed="rId3"/>
+          <a:blip r:embed="rId4"/>
           <a:srcRect l="46753" t="44110" r="7662" b="10570"/>
           <a:stretch/>
         </p:blipFill>
@@ -12042,6 +12239,53 @@
           </a:p>
         </p:txBody>
       </p:sp>
+      <p:pic>
+        <p:nvPicPr>
+          <p:cNvPr id="5" name="Picture 4">
+            <a:extLst>
+              <a:ext uri="{FF2B5EF4-FFF2-40B4-BE49-F238E27FC236}">
+                <a16:creationId xmlns:a16="http://schemas.microsoft.com/office/drawing/2014/main" id="{85FDA399-F72E-2D4C-9A65-F106DFF0B73D}"/>
+              </a:ext>
+            </a:extLst>
+          </p:cNvPr>
+          <p:cNvPicPr>
+            <a:picLocks noChangeAspect="1" noChangeArrowheads="1"/>
+          </p:cNvPicPr>
+          <p:nvPr/>
+        </p:nvPicPr>
+        <p:blipFill>
+          <a:blip r:embed="rId3">
+            <a:extLst>
+              <a:ext uri="{28A0092B-C50C-407E-A947-70E740481C1C}">
+                <a14:useLocalDpi xmlns:a14="http://schemas.microsoft.com/office/drawing/2010/main" val="0"/>
+              </a:ext>
+            </a:extLst>
+          </a:blip>
+          <a:srcRect/>
+          <a:stretch>
+            <a:fillRect/>
+          </a:stretch>
+        </p:blipFill>
+        <p:spPr bwMode="auto">
+          <a:xfrm>
+            <a:off x="-1" y="0"/>
+            <a:ext cx="9144001" cy="5332164"/>
+          </a:xfrm>
+          <a:prstGeom prst="rect">
+            <a:avLst/>
+          </a:prstGeom>
+          <a:noFill/>
+          <a:extLst>
+            <a:ext uri="{909E8E84-426E-40DD-AFC4-6F175D3DCCD1}">
+              <a14:hiddenFill xmlns:a14="http://schemas.microsoft.com/office/drawing/2010/main">
+                <a:solidFill>
+                  <a:srgbClr val="FFFFFF"/>
+                </a:solidFill>
+              </a14:hiddenFill>
+            </a:ext>
+          </a:extLst>
+        </p:spPr>
+      </p:pic>
       <p:sp>
         <p:nvSpPr>
           <p:cNvPr id="4" name="Rectángulo: esquinas redondeadas 3">
@@ -12108,7 +12352,7 @@
           <p:nvPr/>
         </p:nvPicPr>
         <p:blipFill>
-          <a:blip r:embed="rId3"/>
+          <a:blip r:embed="rId4"/>
           <a:stretch>
             <a:fillRect/>
           </a:stretch>
@@ -12307,6 +12551,53 @@
           </a:p>
         </p:txBody>
       </p:sp>
+      <p:pic>
+        <p:nvPicPr>
+          <p:cNvPr id="3" name="Picture 4">
+            <a:extLst>
+              <a:ext uri="{FF2B5EF4-FFF2-40B4-BE49-F238E27FC236}">
+                <a16:creationId xmlns:a16="http://schemas.microsoft.com/office/drawing/2014/main" id="{751A8827-34FF-9B9B-FB17-EC92388089FB}"/>
+              </a:ext>
+            </a:extLst>
+          </p:cNvPr>
+          <p:cNvPicPr>
+            <a:picLocks noChangeAspect="1" noChangeArrowheads="1"/>
+          </p:cNvPicPr>
+          <p:nvPr/>
+        </p:nvPicPr>
+        <p:blipFill>
+          <a:blip r:embed="rId3">
+            <a:extLst>
+              <a:ext uri="{28A0092B-C50C-407E-A947-70E740481C1C}">
+                <a14:useLocalDpi xmlns:a14="http://schemas.microsoft.com/office/drawing/2010/main" val="0"/>
+              </a:ext>
+            </a:extLst>
+          </a:blip>
+          <a:srcRect/>
+          <a:stretch>
+            <a:fillRect/>
+          </a:stretch>
+        </p:blipFill>
+        <p:spPr bwMode="auto">
+          <a:xfrm>
+            <a:off x="-1" y="0"/>
+            <a:ext cx="9144001" cy="5332164"/>
+          </a:xfrm>
+          <a:prstGeom prst="rect">
+            <a:avLst/>
+          </a:prstGeom>
+          <a:noFill/>
+          <a:extLst>
+            <a:ext uri="{909E8E84-426E-40DD-AFC4-6F175D3DCCD1}">
+              <a14:hiddenFill xmlns:a14="http://schemas.microsoft.com/office/drawing/2010/main">
+                <a:solidFill>
+                  <a:srgbClr val="FFFFFF"/>
+                </a:solidFill>
+              </a14:hiddenFill>
+            </a:ext>
+          </a:extLst>
+        </p:spPr>
+      </p:pic>
       <p:sp>
         <p:nvSpPr>
           <p:cNvPr id="196" name="Google Shape;196;p31"/>
@@ -12342,16 +12633,16 @@
               <a:buNone/>
             </a:pPr>
             <a:r>
-              <a:rPr lang="es" sz="5000">
-                <a:solidFill>
-                  <a:schemeClr val="dk2"/>
+              <a:rPr lang="es" sz="5000" dirty="0">
+                <a:solidFill>
+                  <a:schemeClr val="bg1"/>
                 </a:solidFill>
               </a:rPr>
               <a:t>Gracias!</a:t>
             </a:r>
-            <a:endParaRPr sz="5000">
+            <a:endParaRPr sz="5000" dirty="0">
               <a:solidFill>
-                <a:schemeClr val="dk2"/>
+                <a:schemeClr val="bg1"/>
               </a:solidFill>
             </a:endParaRPr>
           </a:p>
@@ -12365,9 +12656,9 @@
               </a:spcAft>
               <a:buNone/>
             </a:pPr>
-            <a:endParaRPr sz="3000">
+            <a:endParaRPr sz="3000" dirty="0">
               <a:solidFill>
-                <a:schemeClr val="dk2"/>
+                <a:schemeClr val="bg1"/>
               </a:solidFill>
             </a:endParaRPr>
           </a:p>
@@ -12382,16 +12673,16 @@
               <a:buNone/>
             </a:pPr>
             <a:r>
-              <a:rPr lang="es" sz="1800" u="sng">
-                <a:solidFill>
-                  <a:schemeClr val="dk2"/>
+              <a:rPr lang="es" sz="1800" u="sng" dirty="0">
+                <a:solidFill>
+                  <a:schemeClr val="bg1"/>
                 </a:solidFill>
               </a:rPr>
               <a:t>Contacto</a:t>
             </a:r>
-            <a:endParaRPr sz="1800">
+            <a:endParaRPr sz="1800" dirty="0">
               <a:solidFill>
-                <a:schemeClr val="dk2"/>
+                <a:schemeClr val="bg1"/>
               </a:solidFill>
             </a:endParaRPr>
           </a:p>
@@ -12406,16 +12697,16 @@
               <a:buNone/>
             </a:pPr>
             <a:r>
-              <a:rPr lang="es" sz="1800" b="1">
-                <a:solidFill>
-                  <a:schemeClr val="dk2"/>
+              <a:rPr lang="es" sz="1800" b="1" dirty="0">
+                <a:solidFill>
+                  <a:schemeClr val="bg1"/>
                 </a:solidFill>
               </a:rPr>
               <a:t>Nombre Apellido</a:t>
             </a:r>
-            <a:endParaRPr sz="1800" b="1">
+            <a:endParaRPr sz="1800" b="1" dirty="0">
               <a:solidFill>
-                <a:schemeClr val="dk2"/>
+                <a:schemeClr val="bg1"/>
               </a:solidFill>
             </a:endParaRPr>
           </a:p>
@@ -12430,16 +12721,16 @@
               <a:buNone/>
             </a:pPr>
             <a:r>
-              <a:rPr lang="es" sz="1300">
-                <a:solidFill>
-                  <a:schemeClr val="dk2"/>
+              <a:rPr lang="es" sz="1300" dirty="0">
+                <a:solidFill>
+                  <a:schemeClr val="bg1"/>
                 </a:solidFill>
               </a:rPr>
               <a:t>Cargo/Rol</a:t>
             </a:r>
-            <a:endParaRPr sz="1300">
+            <a:endParaRPr sz="1300" dirty="0">
               <a:solidFill>
-                <a:schemeClr val="dk2"/>
+                <a:schemeClr val="bg1"/>
               </a:solidFill>
             </a:endParaRPr>
           </a:p>
@@ -12453,9 +12744,9 @@
               </a:spcAft>
               <a:buNone/>
             </a:pPr>
-            <a:endParaRPr sz="1300">
+            <a:endParaRPr sz="1300" dirty="0">
               <a:solidFill>
-                <a:schemeClr val="dk2"/>
+                <a:schemeClr val="bg1"/>
               </a:solidFill>
             </a:endParaRPr>
           </a:p>
@@ -12470,16 +12761,16 @@
               <a:buNone/>
             </a:pPr>
             <a:r>
-              <a:rPr lang="es" sz="1700">
-                <a:solidFill>
-                  <a:schemeClr val="dk2"/>
+              <a:rPr lang="es" sz="1700" dirty="0">
+                <a:solidFill>
+                  <a:schemeClr val="bg1"/>
                 </a:solidFill>
               </a:rPr>
               <a:t>cuentademail@servidor.com.ar</a:t>
             </a:r>
-            <a:endParaRPr sz="1700">
+            <a:endParaRPr sz="1700" dirty="0">
               <a:solidFill>
-                <a:schemeClr val="dk2"/>
+                <a:schemeClr val="bg1"/>
               </a:solidFill>
             </a:endParaRPr>
           </a:p>
@@ -12493,7 +12784,7 @@
               </a:spcAft>
               <a:buNone/>
             </a:pPr>
-            <a:endParaRPr sz="4200">
+            <a:endParaRPr sz="4200" dirty="0">
               <a:solidFill>
                 <a:schemeClr val="dk2"/>
               </a:solidFill>
@@ -12516,7 +12807,7 @@
           <p:nvPr/>
         </p:nvPicPr>
         <p:blipFill rotWithShape="1">
-          <a:blip r:embed="rId3"/>
+          <a:blip r:embed="rId4"/>
           <a:srcRect l="46753" t="44110" r="7662" b="10570"/>
           <a:stretch/>
         </p:blipFill>
@@ -12757,6 +13048,53 @@
           </a:p>
         </p:txBody>
       </p:sp>
+      <p:pic>
+        <p:nvPicPr>
+          <p:cNvPr id="1028" name="Picture 4">
+            <a:extLst>
+              <a:ext uri="{FF2B5EF4-FFF2-40B4-BE49-F238E27FC236}">
+                <a16:creationId xmlns:a16="http://schemas.microsoft.com/office/drawing/2014/main" id="{14A0197C-B40F-E2E6-E633-8F71D5A4761C}"/>
+              </a:ext>
+            </a:extLst>
+          </p:cNvPr>
+          <p:cNvPicPr>
+            <a:picLocks noChangeAspect="1" noChangeArrowheads="1"/>
+          </p:cNvPicPr>
+          <p:nvPr/>
+        </p:nvPicPr>
+        <p:blipFill>
+          <a:blip r:embed="rId3">
+            <a:extLst>
+              <a:ext uri="{28A0092B-C50C-407E-A947-70E740481C1C}">
+                <a14:useLocalDpi xmlns:a14="http://schemas.microsoft.com/office/drawing/2010/main" val="0"/>
+              </a:ext>
+            </a:extLst>
+          </a:blip>
+          <a:srcRect/>
+          <a:stretch>
+            <a:fillRect/>
+          </a:stretch>
+        </p:blipFill>
+        <p:spPr bwMode="auto">
+          <a:xfrm>
+            <a:off x="-1" y="0"/>
+            <a:ext cx="9144001" cy="5173188"/>
+          </a:xfrm>
+          <a:prstGeom prst="rect">
+            <a:avLst/>
+          </a:prstGeom>
+          <a:noFill/>
+          <a:extLst>
+            <a:ext uri="{909E8E84-426E-40DD-AFC4-6F175D3DCCD1}">
+              <a14:hiddenFill xmlns:a14="http://schemas.microsoft.com/office/drawing/2010/main">
+                <a:solidFill>
+                  <a:srgbClr val="FFFFFF"/>
+                </a:solidFill>
+              </a14:hiddenFill>
+            </a:ext>
+          </a:extLst>
+        </p:spPr>
+      </p:pic>
       <p:sp>
         <p:nvSpPr>
           <p:cNvPr id="2" name="Rectángulo: esquinas redondeadas 1">
@@ -13095,14 +13433,14 @@
           <p:nvPr/>
         </p:nvPicPr>
         <p:blipFill>
-          <a:blip r:embed="rId3"/>
+          <a:blip r:embed="rId4"/>
           <a:stretch>
             <a:fillRect/>
           </a:stretch>
         </p:blipFill>
         <p:spPr>
           <a:xfrm>
-            <a:off x="5188231" y="1153695"/>
+            <a:off x="5188231" y="1062368"/>
             <a:ext cx="3886658" cy="3195864"/>
           </a:xfrm>
           <a:prstGeom prst="rect">
@@ -13162,7 +13500,7 @@
           <p:nvPr/>
         </p:nvPicPr>
         <p:blipFill rotWithShape="1">
-          <a:blip r:embed="rId4"/>
+          <a:blip r:embed="rId5"/>
           <a:srcRect l="46753" t="44110" r="7662" b="10570"/>
           <a:stretch/>
         </p:blipFill>
@@ -13262,6 +13600,53 @@
           </a:p>
         </p:txBody>
       </p:sp>
+      <p:pic>
+        <p:nvPicPr>
+          <p:cNvPr id="4" name="Picture 4">
+            <a:extLst>
+              <a:ext uri="{FF2B5EF4-FFF2-40B4-BE49-F238E27FC236}">
+                <a16:creationId xmlns:a16="http://schemas.microsoft.com/office/drawing/2014/main" id="{BA44F298-0377-0AF8-10FC-DCD42C714F9C}"/>
+              </a:ext>
+            </a:extLst>
+          </p:cNvPr>
+          <p:cNvPicPr>
+            <a:picLocks noChangeAspect="1" noChangeArrowheads="1"/>
+          </p:cNvPicPr>
+          <p:nvPr/>
+        </p:nvPicPr>
+        <p:blipFill>
+          <a:blip r:embed="rId3">
+            <a:extLst>
+              <a:ext uri="{28A0092B-C50C-407E-A947-70E740481C1C}">
+                <a14:useLocalDpi xmlns:a14="http://schemas.microsoft.com/office/drawing/2010/main" val="0"/>
+              </a:ext>
+            </a:extLst>
+          </a:blip>
+          <a:srcRect/>
+          <a:stretch>
+            <a:fillRect/>
+          </a:stretch>
+        </p:blipFill>
+        <p:spPr bwMode="auto">
+          <a:xfrm>
+            <a:off x="-1" y="0"/>
+            <a:ext cx="9144001" cy="5173188"/>
+          </a:xfrm>
+          <a:prstGeom prst="rect">
+            <a:avLst/>
+          </a:prstGeom>
+          <a:noFill/>
+          <a:extLst>
+            <a:ext uri="{909E8E84-426E-40DD-AFC4-6F175D3DCCD1}">
+              <a14:hiddenFill xmlns:a14="http://schemas.microsoft.com/office/drawing/2010/main">
+                <a:solidFill>
+                  <a:srgbClr val="FFFFFF"/>
+                </a:solidFill>
+              </a14:hiddenFill>
+            </a:ext>
+          </a:extLst>
+        </p:spPr>
+      </p:pic>
       <p:sp>
         <p:nvSpPr>
           <p:cNvPr id="3" name="Rectángulo: esquinas redondeadas 2">
@@ -13402,7 +13787,7 @@
           <p:nvPr/>
         </p:nvPicPr>
         <p:blipFill>
-          <a:blip r:embed="rId3"/>
+          <a:blip r:embed="rId4"/>
           <a:stretch>
             <a:fillRect/>
           </a:stretch>
@@ -13432,7 +13817,7 @@
           <p:nvPr/>
         </p:nvPicPr>
         <p:blipFill rotWithShape="1">
-          <a:blip r:embed="rId4"/>
+          <a:blip r:embed="rId5"/>
           <a:srcRect l="46753" t="44110" r="7662" b="10570"/>
           <a:stretch/>
         </p:blipFill>
@@ -13532,6 +13917,53 @@
           </a:p>
         </p:txBody>
       </p:sp>
+      <p:pic>
+        <p:nvPicPr>
+          <p:cNvPr id="4" name="Picture 4">
+            <a:extLst>
+              <a:ext uri="{FF2B5EF4-FFF2-40B4-BE49-F238E27FC236}">
+                <a16:creationId xmlns:a16="http://schemas.microsoft.com/office/drawing/2014/main" id="{25247132-8100-9639-E247-2F61139DB793}"/>
+              </a:ext>
+            </a:extLst>
+          </p:cNvPr>
+          <p:cNvPicPr>
+            <a:picLocks noChangeAspect="1" noChangeArrowheads="1"/>
+          </p:cNvPicPr>
+          <p:nvPr/>
+        </p:nvPicPr>
+        <p:blipFill>
+          <a:blip r:embed="rId3">
+            <a:extLst>
+              <a:ext uri="{28A0092B-C50C-407E-A947-70E740481C1C}">
+                <a14:useLocalDpi xmlns:a14="http://schemas.microsoft.com/office/drawing/2010/main" val="0"/>
+              </a:ext>
+            </a:extLst>
+          </a:blip>
+          <a:srcRect/>
+          <a:stretch>
+            <a:fillRect/>
+          </a:stretch>
+        </p:blipFill>
+        <p:spPr bwMode="auto">
+          <a:xfrm>
+            <a:off x="-1" y="0"/>
+            <a:ext cx="9144001" cy="5173188"/>
+          </a:xfrm>
+          <a:prstGeom prst="rect">
+            <a:avLst/>
+          </a:prstGeom>
+          <a:noFill/>
+          <a:extLst>
+            <a:ext uri="{909E8E84-426E-40DD-AFC4-6F175D3DCCD1}">
+              <a14:hiddenFill xmlns:a14="http://schemas.microsoft.com/office/drawing/2010/main">
+                <a:solidFill>
+                  <a:srgbClr val="FFFFFF"/>
+                </a:solidFill>
+              </a14:hiddenFill>
+            </a:ext>
+          </a:extLst>
+        </p:spPr>
+      </p:pic>
       <p:sp>
         <p:nvSpPr>
           <p:cNvPr id="2" name="Rectángulo: esquinas redondeadas 1">
@@ -13966,7 +14398,7 @@
           <p:nvPr/>
         </p:nvPicPr>
         <p:blipFill>
-          <a:blip r:embed="rId3"/>
+          <a:blip r:embed="rId4"/>
           <a:stretch>
             <a:fillRect/>
           </a:stretch>
@@ -14067,584 +14499,12 @@
           </a:p>
         </p:txBody>
       </p:sp>
-      <p:sp>
-        <p:nvSpPr>
-          <p:cNvPr id="2" name="Rectángulo: esquinas redondeadas 1">
+      <p:pic>
+        <p:nvPicPr>
+          <p:cNvPr id="4" name="Picture 4">
             <a:extLst>
               <a:ext uri="{FF2B5EF4-FFF2-40B4-BE49-F238E27FC236}">
-                <a16:creationId xmlns:a16="http://schemas.microsoft.com/office/drawing/2014/main" id="{DAD832E8-77F5-C886-DF79-F066DAF9260B}"/>
-              </a:ext>
-            </a:extLst>
-          </p:cNvPr>
-          <p:cNvSpPr/>
-          <p:nvPr/>
-        </p:nvSpPr>
-        <p:spPr>
-          <a:xfrm>
-            <a:off x="304476" y="672125"/>
-            <a:ext cx="8730600" cy="686775"/>
-          </a:xfrm>
-          <a:prstGeom prst="roundRect">
-            <a:avLst/>
-          </a:prstGeom>
-          <a:solidFill>
-            <a:schemeClr val="accent4">
-              <a:lumMod val="75000"/>
-            </a:schemeClr>
-          </a:solidFill>
-        </p:spPr>
-        <p:style>
-          <a:lnRef idx="2">
-            <a:schemeClr val="accent1">
-              <a:shade val="50000"/>
-            </a:schemeClr>
-          </a:lnRef>
-          <a:fillRef idx="1">
-            <a:schemeClr val="accent1"/>
-          </a:fillRef>
-          <a:effectRef idx="0">
-            <a:schemeClr val="accent1"/>
-          </a:effectRef>
-          <a:fontRef idx="minor">
-            <a:schemeClr val="lt1"/>
-          </a:fontRef>
-        </p:style>
-        <p:txBody>
-          <a:bodyPr rtlCol="0" anchor="ctr"/>
-          <a:lstStyle/>
-          <a:p>
-            <a:pPr algn="ctr"/>
-            <a:endParaRPr lang="es-AR"/>
-          </a:p>
-        </p:txBody>
-      </p:sp>
-      <p:sp>
-        <p:nvSpPr>
-          <p:cNvPr id="93" name="Google Shape;93;p18"/>
-          <p:cNvSpPr txBox="1"/>
-          <p:nvPr/>
-        </p:nvSpPr>
-        <p:spPr>
-          <a:xfrm>
-            <a:off x="304476" y="672125"/>
-            <a:ext cx="8730600" cy="830966"/>
-          </a:xfrm>
-          <a:prstGeom prst="rect">
-            <a:avLst/>
-          </a:prstGeom>
-          <a:noFill/>
-          <a:ln>
-            <a:noFill/>
-          </a:ln>
-        </p:spPr>
-        <p:txBody>
-          <a:bodyPr spcFirstLastPara="1" wrap="square" lIns="91425" tIns="91425" rIns="91425" bIns="91425" anchor="t" anchorCtr="0">
-            <a:spAutoFit/>
-          </a:bodyPr>
-          <a:lstStyle/>
-          <a:p>
-            <a:r>
-              <a:rPr lang="es" i="1" dirty="0">
-                <a:solidFill>
-                  <a:schemeClr val="tx1">
-                    <a:lumMod val="95000"/>
-                    <a:lumOff val="5000"/>
-                  </a:schemeClr>
-                </a:solidFill>
-                <a:latin typeface="Arial Rounded MT Bold" panose="020F0704030504030204" pitchFamily="34" charset="0"/>
-              </a:rPr>
-              <a:t>PHOBIA es un jueo que tiee bases solidas simentadas en experiencias como reside evil,</a:t>
-            </a:r>
-            <a:r>
-              <a:rPr lang="en-US" b="1" i="1" dirty="0">
-                <a:solidFill>
-                  <a:schemeClr val="tx1">
-                    <a:lumMod val="95000"/>
-                    <a:lumOff val="5000"/>
-                  </a:schemeClr>
-                </a:solidFill>
-                <a:effectLst/>
-                <a:latin typeface="Arial Rounded MT Bold" panose="020F0704030504030204" pitchFamily="34" charset="0"/>
-                <a:ea typeface="Arial" panose="020B0604020202020204" pitchFamily="34" charset="0"/>
-                <a:cs typeface="Times New Roman" panose="02020603050405020304" pitchFamily="18" charset="0"/>
-              </a:rPr>
-              <a:t> : </a:t>
-            </a:r>
-            <a:r>
-              <a:rPr lang="en-US" i="1" dirty="0">
-                <a:solidFill>
-                  <a:schemeClr val="tx1">
-                    <a:lumMod val="95000"/>
-                    <a:lumOff val="5000"/>
-                  </a:schemeClr>
-                </a:solidFill>
-                <a:effectLst/>
-                <a:latin typeface="Arial Rounded MT Bold" panose="020F0704030504030204" pitchFamily="34" charset="0"/>
-                <a:ea typeface="Arial" panose="020B0604020202020204" pitchFamily="34" charset="0"/>
-                <a:cs typeface="Times New Roman" panose="02020603050405020304" pitchFamily="18" charset="0"/>
-              </a:rPr>
-              <a:t>Silent </a:t>
-            </a:r>
-            <a:r>
-              <a:rPr lang="en-US" i="1" dirty="0" err="1">
-                <a:solidFill>
-                  <a:schemeClr val="tx1">
-                    <a:lumMod val="95000"/>
-                    <a:lumOff val="5000"/>
-                  </a:schemeClr>
-                </a:solidFill>
-                <a:effectLst/>
-                <a:latin typeface="Arial Rounded MT Bold" panose="020F0704030504030204" pitchFamily="34" charset="0"/>
-                <a:ea typeface="Arial" panose="020B0604020202020204" pitchFamily="34" charset="0"/>
-                <a:cs typeface="Times New Roman" panose="02020603050405020304" pitchFamily="18" charset="0"/>
-              </a:rPr>
-              <a:t>Hil</a:t>
-            </a:r>
-            <a:r>
-              <a:rPr lang="en-US" i="1" dirty="0">
-                <a:solidFill>
-                  <a:schemeClr val="tx1">
-                    <a:lumMod val="95000"/>
-                    <a:lumOff val="5000"/>
-                  </a:schemeClr>
-                </a:solidFill>
-                <a:effectLst/>
-                <a:latin typeface="Arial Rounded MT Bold" panose="020F0704030504030204" pitchFamily="34" charset="0"/>
-                <a:ea typeface="Arial" panose="020B0604020202020204" pitchFamily="34" charset="0"/>
-                <a:cs typeface="Times New Roman" panose="02020603050405020304" pitchFamily="18" charset="0"/>
-              </a:rPr>
-              <a:t> 1 y Origins, </a:t>
-            </a:r>
-            <a:r>
-              <a:rPr lang="en-US" i="1" dirty="0" err="1">
-                <a:solidFill>
-                  <a:schemeClr val="tx1">
-                    <a:lumMod val="95000"/>
-                    <a:lumOff val="5000"/>
-                  </a:schemeClr>
-                </a:solidFill>
-                <a:effectLst/>
-                <a:latin typeface="Arial Rounded MT Bold" panose="020F0704030504030204" pitchFamily="34" charset="0"/>
-                <a:ea typeface="Arial" panose="020B0604020202020204" pitchFamily="34" charset="0"/>
-                <a:cs typeface="Times New Roman" panose="02020603050405020304" pitchFamily="18" charset="0"/>
-              </a:rPr>
-              <a:t>Superliminal</a:t>
-            </a:r>
-            <a:r>
-              <a:rPr lang="en-US" i="1" dirty="0">
-                <a:solidFill>
-                  <a:schemeClr val="tx1">
-                    <a:lumMod val="95000"/>
-                    <a:lumOff val="5000"/>
-                  </a:schemeClr>
-                </a:solidFill>
-                <a:effectLst/>
-                <a:latin typeface="Arial Rounded MT Bold" panose="020F0704030504030204" pitchFamily="34" charset="0"/>
-                <a:ea typeface="Arial" panose="020B0604020202020204" pitchFamily="34" charset="0"/>
-                <a:cs typeface="Times New Roman" panose="02020603050405020304" pitchFamily="18" charset="0"/>
-              </a:rPr>
-              <a:t>, Pacify, </a:t>
-            </a:r>
-            <a:r>
-              <a:rPr lang="en-US" i="1" dirty="0" err="1">
-                <a:solidFill>
-                  <a:schemeClr val="tx1">
-                    <a:lumMod val="95000"/>
-                    <a:lumOff val="5000"/>
-                  </a:schemeClr>
-                </a:solidFill>
-                <a:effectLst/>
-                <a:latin typeface="Arial Rounded MT Bold" panose="020F0704030504030204" pitchFamily="34" charset="0"/>
-                <a:ea typeface="Arial" panose="020B0604020202020204" pitchFamily="34" charset="0"/>
-                <a:cs typeface="Times New Roman" panose="02020603050405020304" pitchFamily="18" charset="0"/>
-              </a:rPr>
-              <a:t>Labyrimthine</a:t>
-            </a:r>
-            <a:r>
-              <a:rPr lang="en-US" i="1" dirty="0">
-                <a:solidFill>
-                  <a:schemeClr val="tx1">
-                    <a:lumMod val="95000"/>
-                    <a:lumOff val="5000"/>
-                  </a:schemeClr>
-                </a:solidFill>
-                <a:effectLst/>
-                <a:latin typeface="Arial Rounded MT Bold" panose="020F0704030504030204" pitchFamily="34" charset="0"/>
-                <a:ea typeface="Arial" panose="020B0604020202020204" pitchFamily="34" charset="0"/>
-                <a:cs typeface="Times New Roman" panose="02020603050405020304" pitchFamily="18" charset="0"/>
-              </a:rPr>
-              <a:t>, Madison, </a:t>
-            </a:r>
-            <a:r>
-              <a:rPr lang="en-US" i="1" dirty="0" err="1">
-                <a:solidFill>
-                  <a:schemeClr val="tx1">
-                    <a:lumMod val="95000"/>
-                    <a:lumOff val="5000"/>
-                  </a:schemeClr>
-                </a:solidFill>
-                <a:effectLst/>
-                <a:latin typeface="Arial Rounded MT Bold" panose="020F0704030504030204" pitchFamily="34" charset="0"/>
-                <a:ea typeface="Arial" panose="020B0604020202020204" pitchFamily="34" charset="0"/>
-                <a:cs typeface="Times New Roman" panose="02020603050405020304" pitchFamily="18" charset="0"/>
-              </a:rPr>
-              <a:t>Residen</a:t>
-            </a:r>
-            <a:r>
-              <a:rPr lang="en-US" i="1" dirty="0">
-                <a:solidFill>
-                  <a:schemeClr val="tx1">
-                    <a:lumMod val="95000"/>
-                    <a:lumOff val="5000"/>
-                  </a:schemeClr>
-                </a:solidFill>
-                <a:effectLst/>
-                <a:latin typeface="Arial Rounded MT Bold" panose="020F0704030504030204" pitchFamily="34" charset="0"/>
-                <a:ea typeface="Arial" panose="020B0604020202020204" pitchFamily="34" charset="0"/>
-                <a:cs typeface="Times New Roman" panose="02020603050405020304" pitchFamily="18" charset="0"/>
-              </a:rPr>
-              <a:t> Evil 7, Outlast</a:t>
-            </a:r>
-            <a:endParaRPr lang="es-AR" i="1" dirty="0">
-              <a:solidFill>
-                <a:schemeClr val="tx1">
-                  <a:lumMod val="95000"/>
-                  <a:lumOff val="5000"/>
-                </a:schemeClr>
-              </a:solidFill>
-              <a:effectLst/>
-              <a:latin typeface="Arial Rounded MT Bold" panose="020F0704030504030204" pitchFamily="34" charset="0"/>
-              <a:ea typeface="Times New Roman" panose="02020603050405020304" pitchFamily="18" charset="0"/>
-              <a:cs typeface="Times New Roman" panose="02020603050405020304" pitchFamily="18" charset="0"/>
-            </a:endParaRPr>
-          </a:p>
-          <a:p>
-            <a:pPr marL="0" lvl="0" indent="0" algn="l" rtl="0">
-              <a:spcBef>
-                <a:spcPts val="0"/>
-              </a:spcBef>
-              <a:spcAft>
-                <a:spcPts val="0"/>
-              </a:spcAft>
-              <a:buNone/>
-            </a:pPr>
-            <a:r>
-              <a:rPr lang="es" i="1" dirty="0">
-                <a:solidFill>
-                  <a:srgbClr val="666666"/>
-                </a:solidFill>
-              </a:rPr>
-              <a:t> </a:t>
-            </a:r>
-            <a:endParaRPr i="1" dirty="0">
-              <a:solidFill>
-                <a:srgbClr val="666666"/>
-              </a:solidFill>
-            </a:endParaRPr>
-          </a:p>
-        </p:txBody>
-      </p:sp>
-      <p:sp>
-        <p:nvSpPr>
-          <p:cNvPr id="94" name="Google Shape;94;p18"/>
-          <p:cNvSpPr/>
-          <p:nvPr/>
-        </p:nvSpPr>
-        <p:spPr>
-          <a:xfrm>
-            <a:off x="777800" y="1986725"/>
-            <a:ext cx="2160000" cy="1733400"/>
-          </a:xfrm>
-          <a:prstGeom prst="rect">
-            <a:avLst/>
-          </a:prstGeom>
-          <a:solidFill>
-            <a:schemeClr val="lt2"/>
-          </a:solidFill>
-          <a:ln>
-            <a:noFill/>
-          </a:ln>
-        </p:spPr>
-        <p:txBody>
-          <a:bodyPr spcFirstLastPara="1" wrap="square" lIns="91425" tIns="91425" rIns="91425" bIns="91425" anchor="ctr" anchorCtr="0">
-            <a:noAutofit/>
-          </a:bodyPr>
-          <a:lstStyle/>
-          <a:p>
-            <a:pPr marL="0" lvl="0" indent="0" algn="ctr" rtl="0">
-              <a:spcBef>
-                <a:spcPts val="0"/>
-              </a:spcBef>
-              <a:spcAft>
-                <a:spcPts val="0"/>
-              </a:spcAft>
-              <a:buNone/>
-            </a:pPr>
-            <a:r>
-              <a:rPr lang="es" sz="2200" b="1" dirty="0">
-                <a:solidFill>
-                  <a:srgbClr val="666666"/>
-                </a:solidFill>
-              </a:rPr>
-              <a:t>Img representativa del Juego o Referencia</a:t>
-            </a:r>
-            <a:endParaRPr sz="2200" b="1" dirty="0">
-              <a:solidFill>
-                <a:srgbClr val="666666"/>
-              </a:solidFill>
-            </a:endParaRPr>
-          </a:p>
-        </p:txBody>
-      </p:sp>
-      <p:sp>
-        <p:nvSpPr>
-          <p:cNvPr id="95" name="Google Shape;95;p18"/>
-          <p:cNvSpPr txBox="1"/>
-          <p:nvPr/>
-        </p:nvSpPr>
-        <p:spPr>
-          <a:xfrm>
-            <a:off x="117638" y="3720125"/>
-            <a:ext cx="3193013" cy="1107965"/>
-          </a:xfrm>
-          <a:prstGeom prst="rect">
-            <a:avLst/>
-          </a:prstGeom>
-          <a:noFill/>
-          <a:ln>
-            <a:noFill/>
-          </a:ln>
-        </p:spPr>
-        <p:txBody>
-          <a:bodyPr spcFirstLastPara="1" wrap="square" lIns="91425" tIns="91425" rIns="91425" bIns="91425" anchor="t" anchorCtr="0">
-            <a:spAutoFit/>
-          </a:bodyPr>
-          <a:lstStyle/>
-          <a:p>
-            <a:pPr marL="0" lvl="0" indent="0" algn="just" rtl="0">
-              <a:spcBef>
-                <a:spcPts val="0"/>
-              </a:spcBef>
-              <a:spcAft>
-                <a:spcPts val="0"/>
-              </a:spcAft>
-              <a:buNone/>
-            </a:pPr>
-            <a:r>
-              <a:rPr lang="es" sz="1000" i="1" dirty="0">
-                <a:solidFill>
-                  <a:schemeClr val="tx1">
-                    <a:lumMod val="95000"/>
-                    <a:lumOff val="5000"/>
-                  </a:schemeClr>
-                </a:solidFill>
-                <a:latin typeface="Arial Rounded MT Bold" panose="020F0704030504030204" pitchFamily="34" charset="0"/>
-              </a:rPr>
-              <a:t>Residen eveil 1</a:t>
-            </a:r>
-          </a:p>
-          <a:p>
-            <a:pPr marL="0" lvl="0" indent="0" algn="just" rtl="0">
-              <a:spcBef>
-                <a:spcPts val="0"/>
-              </a:spcBef>
-              <a:spcAft>
-                <a:spcPts val="0"/>
-              </a:spcAft>
-              <a:buNone/>
-            </a:pPr>
-            <a:r>
-              <a:rPr lang="es" sz="1000" i="1" dirty="0">
-                <a:solidFill>
-                  <a:schemeClr val="tx1">
-                    <a:lumMod val="95000"/>
-                    <a:lumOff val="5000"/>
-                  </a:schemeClr>
-                </a:solidFill>
-                <a:latin typeface="Arial Rounded MT Bold" panose="020F0704030504030204" pitchFamily="34" charset="0"/>
-              </a:rPr>
-              <a:t>Una de las particularidades de este juego es eltipo de decorados, cargados , con empapelados repetitivos, basados en colores y tonos agotadores a la persepcion visula que generan hambientes lugubres</a:t>
-            </a:r>
-            <a:endParaRPr sz="1000" i="1" dirty="0">
-              <a:solidFill>
-                <a:schemeClr val="tx1">
-                  <a:lumMod val="95000"/>
-                  <a:lumOff val="5000"/>
-                </a:schemeClr>
-              </a:solidFill>
-              <a:latin typeface="Arial Rounded MT Bold" panose="020F0704030504030204" pitchFamily="34" charset="0"/>
-            </a:endParaRPr>
-          </a:p>
-        </p:txBody>
-      </p:sp>
-      <p:sp>
-        <p:nvSpPr>
-          <p:cNvPr id="96" name="Google Shape;96;p18"/>
-          <p:cNvSpPr txBox="1"/>
-          <p:nvPr/>
-        </p:nvSpPr>
-        <p:spPr>
-          <a:xfrm>
-            <a:off x="3442249" y="3720125"/>
-            <a:ext cx="2766975" cy="1200298"/>
-          </a:xfrm>
-          <a:prstGeom prst="rect">
-            <a:avLst/>
-          </a:prstGeom>
-          <a:noFill/>
-          <a:ln>
-            <a:noFill/>
-          </a:ln>
-        </p:spPr>
-        <p:txBody>
-          <a:bodyPr spcFirstLastPara="1" wrap="square" lIns="91425" tIns="91425" rIns="91425" bIns="91425" anchor="t" anchorCtr="0">
-            <a:spAutoFit/>
-          </a:bodyPr>
-          <a:lstStyle/>
-          <a:p>
-            <a:pPr marL="0" lvl="0" indent="0" algn="just" rtl="0">
-              <a:spcBef>
-                <a:spcPts val="0"/>
-              </a:spcBef>
-              <a:spcAft>
-                <a:spcPts val="0"/>
-              </a:spcAft>
-              <a:buNone/>
-            </a:pPr>
-            <a:r>
-              <a:rPr lang="es" sz="1100" i="1" dirty="0">
-                <a:solidFill>
-                  <a:schemeClr val="tx1">
-                    <a:lumMod val="95000"/>
-                    <a:lumOff val="5000"/>
-                  </a:schemeClr>
-                </a:solidFill>
-                <a:latin typeface="Arial Rounded MT Bold" panose="020F0704030504030204" pitchFamily="34" charset="0"/>
-              </a:rPr>
-              <a:t>MADISON</a:t>
-            </a:r>
-          </a:p>
-          <a:p>
-            <a:pPr marL="0" lvl="0" indent="0" algn="just" rtl="0">
-              <a:spcBef>
-                <a:spcPts val="0"/>
-              </a:spcBef>
-              <a:spcAft>
-                <a:spcPts val="0"/>
-              </a:spcAft>
-              <a:buNone/>
-            </a:pPr>
-            <a:r>
-              <a:rPr lang="es" sz="1100" i="1" dirty="0">
-                <a:solidFill>
-                  <a:schemeClr val="tx1">
-                    <a:lumMod val="95000"/>
-                    <a:lumOff val="5000"/>
-                  </a:schemeClr>
-                </a:solidFill>
-                <a:latin typeface="Arial Rounded MT Bold" panose="020F0704030504030204" pitchFamily="34" charset="0"/>
-              </a:rPr>
-              <a:t>Otro ejemplo que nos propone emular sus espacion oscuros y eluso de referencias visuales como lo son los cuadros en las paredes y lo que generan a las mecanicas del juegos</a:t>
-            </a:r>
-            <a:endParaRPr sz="1100" i="1" dirty="0">
-              <a:solidFill>
-                <a:schemeClr val="tx1">
-                  <a:lumMod val="95000"/>
-                  <a:lumOff val="5000"/>
-                </a:schemeClr>
-              </a:solidFill>
-              <a:latin typeface="Arial Rounded MT Bold" panose="020F0704030504030204" pitchFamily="34" charset="0"/>
-            </a:endParaRPr>
-          </a:p>
-        </p:txBody>
-      </p:sp>
-      <p:sp>
-        <p:nvSpPr>
-          <p:cNvPr id="97" name="Google Shape;97;p18"/>
-          <p:cNvSpPr txBox="1"/>
-          <p:nvPr/>
-        </p:nvSpPr>
-        <p:spPr>
-          <a:xfrm>
-            <a:off x="6462275" y="3720125"/>
-            <a:ext cx="2610420" cy="1200298"/>
-          </a:xfrm>
-          <a:prstGeom prst="rect">
-            <a:avLst/>
-          </a:prstGeom>
-          <a:noFill/>
-          <a:ln>
-            <a:noFill/>
-          </a:ln>
-        </p:spPr>
-        <p:txBody>
-          <a:bodyPr spcFirstLastPara="1" wrap="square" lIns="91425" tIns="91425" rIns="91425" bIns="91425" anchor="t" anchorCtr="0">
-            <a:spAutoFit/>
-          </a:bodyPr>
-          <a:lstStyle/>
-          <a:p>
-            <a:pPr marL="0" lvl="0" indent="0" algn="just" rtl="0">
-              <a:spcBef>
-                <a:spcPts val="0"/>
-              </a:spcBef>
-              <a:spcAft>
-                <a:spcPts val="0"/>
-              </a:spcAft>
-              <a:buNone/>
-            </a:pPr>
-            <a:r>
-              <a:rPr lang="es" sz="1100" i="1" dirty="0">
-                <a:solidFill>
-                  <a:schemeClr val="tx1">
-                    <a:lumMod val="95000"/>
-                    <a:lumOff val="5000"/>
-                  </a:schemeClr>
-                </a:solidFill>
-                <a:latin typeface="Arial Rounded MT Bold" panose="020F0704030504030204" pitchFamily="34" charset="0"/>
-              </a:rPr>
-              <a:t>Resident evil 7</a:t>
-            </a:r>
-          </a:p>
-          <a:p>
-            <a:pPr marL="0" lvl="0" indent="0" algn="just" rtl="0">
-              <a:spcBef>
-                <a:spcPts val="0"/>
-              </a:spcBef>
-              <a:spcAft>
-                <a:spcPts val="0"/>
-              </a:spcAft>
-              <a:buNone/>
-            </a:pPr>
-            <a:r>
-              <a:rPr lang="es" sz="1100" i="1" dirty="0">
-                <a:solidFill>
-                  <a:schemeClr val="tx1">
-                    <a:lumMod val="95000"/>
-                    <a:lumOff val="5000"/>
-                  </a:schemeClr>
-                </a:solidFill>
-                <a:latin typeface="Arial Rounded MT Bold" panose="020F0704030504030204" pitchFamily="34" charset="0"/>
-              </a:rPr>
-              <a:t>Otra joya donde referenciamos el uso de Puzzles como elemento para alcanzar los objetivos de la narrativa y entender las tramas del juegos</a:t>
-            </a:r>
-            <a:endParaRPr sz="1100" i="1" dirty="0">
-              <a:solidFill>
-                <a:schemeClr val="tx1">
-                  <a:lumMod val="95000"/>
-                  <a:lumOff val="5000"/>
-                </a:schemeClr>
-              </a:solidFill>
-              <a:latin typeface="Arial Rounded MT Bold" panose="020F0704030504030204" pitchFamily="34" charset="0"/>
-            </a:endParaRPr>
-          </a:p>
-        </p:txBody>
-      </p:sp>
-      <p:pic>
-        <p:nvPicPr>
-          <p:cNvPr id="1026" name="Picture 2" descr="Birdcage corridor | Resident Evil Wiki | Fandom">
-            <a:extLst>
-              <a:ext uri="{FF2B5EF4-FFF2-40B4-BE49-F238E27FC236}">
-                <a16:creationId xmlns:a16="http://schemas.microsoft.com/office/drawing/2014/main" id="{30D38FE8-AA4C-41B9-706B-B22A5810F183}"/>
+                <a16:creationId xmlns:a16="http://schemas.microsoft.com/office/drawing/2014/main" id="{77603DE4-2DE7-F75F-C456-49BA650E249D}"/>
               </a:ext>
             </a:extLst>
           </p:cNvPr>
@@ -14668,8 +14528,8 @@
         </p:blipFill>
         <p:spPr bwMode="auto">
           <a:xfrm>
-            <a:off x="570012" y="1872275"/>
-            <a:ext cx="2466975" cy="1847850"/>
+            <a:off x="-1" y="0"/>
+            <a:ext cx="9144001" cy="5173188"/>
           </a:xfrm>
           <a:prstGeom prst="rect">
             <a:avLst/>
@@ -14686,12 +14546,584 @@
           </a:extLst>
         </p:spPr>
       </p:pic>
+      <p:sp>
+        <p:nvSpPr>
+          <p:cNvPr id="2" name="Rectángulo: esquinas redondeadas 1">
+            <a:extLst>
+              <a:ext uri="{FF2B5EF4-FFF2-40B4-BE49-F238E27FC236}">
+                <a16:creationId xmlns:a16="http://schemas.microsoft.com/office/drawing/2014/main" id="{DAD832E8-77F5-C886-DF79-F066DAF9260B}"/>
+              </a:ext>
+            </a:extLst>
+          </p:cNvPr>
+          <p:cNvSpPr/>
+          <p:nvPr/>
+        </p:nvSpPr>
+        <p:spPr>
+          <a:xfrm>
+            <a:off x="304476" y="672125"/>
+            <a:ext cx="8730600" cy="686775"/>
+          </a:xfrm>
+          <a:prstGeom prst="roundRect">
+            <a:avLst/>
+          </a:prstGeom>
+          <a:solidFill>
+            <a:schemeClr val="accent4">
+              <a:lumMod val="75000"/>
+            </a:schemeClr>
+          </a:solidFill>
+        </p:spPr>
+        <p:style>
+          <a:lnRef idx="2">
+            <a:schemeClr val="accent1">
+              <a:shade val="50000"/>
+            </a:schemeClr>
+          </a:lnRef>
+          <a:fillRef idx="1">
+            <a:schemeClr val="accent1"/>
+          </a:fillRef>
+          <a:effectRef idx="0">
+            <a:schemeClr val="accent1"/>
+          </a:effectRef>
+          <a:fontRef idx="minor">
+            <a:schemeClr val="lt1"/>
+          </a:fontRef>
+        </p:style>
+        <p:txBody>
+          <a:bodyPr rtlCol="0" anchor="ctr"/>
+          <a:lstStyle/>
+          <a:p>
+            <a:pPr algn="ctr"/>
+            <a:endParaRPr lang="es-AR"/>
+          </a:p>
+        </p:txBody>
+      </p:sp>
+      <p:sp>
+        <p:nvSpPr>
+          <p:cNvPr id="93" name="Google Shape;93;p18"/>
+          <p:cNvSpPr txBox="1"/>
+          <p:nvPr/>
+        </p:nvSpPr>
+        <p:spPr>
+          <a:xfrm>
+            <a:off x="304476" y="672125"/>
+            <a:ext cx="8730600" cy="830966"/>
+          </a:xfrm>
+          <a:prstGeom prst="rect">
+            <a:avLst/>
+          </a:prstGeom>
+          <a:noFill/>
+          <a:ln>
+            <a:noFill/>
+          </a:ln>
+        </p:spPr>
+        <p:txBody>
+          <a:bodyPr spcFirstLastPara="1" wrap="square" lIns="91425" tIns="91425" rIns="91425" bIns="91425" anchor="t" anchorCtr="0">
+            <a:spAutoFit/>
+          </a:bodyPr>
+          <a:lstStyle/>
+          <a:p>
+            <a:r>
+              <a:rPr lang="es" i="1" dirty="0">
+                <a:solidFill>
+                  <a:schemeClr val="tx1">
+                    <a:lumMod val="95000"/>
+                    <a:lumOff val="5000"/>
+                  </a:schemeClr>
+                </a:solidFill>
+                <a:latin typeface="Arial Rounded MT Bold" panose="020F0704030504030204" pitchFamily="34" charset="0"/>
+              </a:rPr>
+              <a:t>PHOBIA es un jueo que tiee bases solidas simentadas en experiencias como reside evil,</a:t>
+            </a:r>
+            <a:r>
+              <a:rPr lang="en-US" b="1" i="1" dirty="0">
+                <a:solidFill>
+                  <a:schemeClr val="tx1">
+                    <a:lumMod val="95000"/>
+                    <a:lumOff val="5000"/>
+                  </a:schemeClr>
+                </a:solidFill>
+                <a:effectLst/>
+                <a:latin typeface="Arial Rounded MT Bold" panose="020F0704030504030204" pitchFamily="34" charset="0"/>
+                <a:ea typeface="Arial" panose="020B0604020202020204" pitchFamily="34" charset="0"/>
+                <a:cs typeface="Times New Roman" panose="02020603050405020304" pitchFamily="18" charset="0"/>
+              </a:rPr>
+              <a:t> : </a:t>
+            </a:r>
+            <a:r>
+              <a:rPr lang="en-US" i="1" dirty="0">
+                <a:solidFill>
+                  <a:schemeClr val="tx1">
+                    <a:lumMod val="95000"/>
+                    <a:lumOff val="5000"/>
+                  </a:schemeClr>
+                </a:solidFill>
+                <a:effectLst/>
+                <a:latin typeface="Arial Rounded MT Bold" panose="020F0704030504030204" pitchFamily="34" charset="0"/>
+                <a:ea typeface="Arial" panose="020B0604020202020204" pitchFamily="34" charset="0"/>
+                <a:cs typeface="Times New Roman" panose="02020603050405020304" pitchFamily="18" charset="0"/>
+              </a:rPr>
+              <a:t>Silent </a:t>
+            </a:r>
+            <a:r>
+              <a:rPr lang="en-US" i="1" dirty="0" err="1">
+                <a:solidFill>
+                  <a:schemeClr val="tx1">
+                    <a:lumMod val="95000"/>
+                    <a:lumOff val="5000"/>
+                  </a:schemeClr>
+                </a:solidFill>
+                <a:effectLst/>
+                <a:latin typeface="Arial Rounded MT Bold" panose="020F0704030504030204" pitchFamily="34" charset="0"/>
+                <a:ea typeface="Arial" panose="020B0604020202020204" pitchFamily="34" charset="0"/>
+                <a:cs typeface="Times New Roman" panose="02020603050405020304" pitchFamily="18" charset="0"/>
+              </a:rPr>
+              <a:t>Hil</a:t>
+            </a:r>
+            <a:r>
+              <a:rPr lang="en-US" i="1" dirty="0">
+                <a:solidFill>
+                  <a:schemeClr val="tx1">
+                    <a:lumMod val="95000"/>
+                    <a:lumOff val="5000"/>
+                  </a:schemeClr>
+                </a:solidFill>
+                <a:effectLst/>
+                <a:latin typeface="Arial Rounded MT Bold" panose="020F0704030504030204" pitchFamily="34" charset="0"/>
+                <a:ea typeface="Arial" panose="020B0604020202020204" pitchFamily="34" charset="0"/>
+                <a:cs typeface="Times New Roman" panose="02020603050405020304" pitchFamily="18" charset="0"/>
+              </a:rPr>
+              <a:t> 1 y Origins, </a:t>
+            </a:r>
+            <a:r>
+              <a:rPr lang="en-US" i="1" dirty="0" err="1">
+                <a:solidFill>
+                  <a:schemeClr val="tx1">
+                    <a:lumMod val="95000"/>
+                    <a:lumOff val="5000"/>
+                  </a:schemeClr>
+                </a:solidFill>
+                <a:effectLst/>
+                <a:latin typeface="Arial Rounded MT Bold" panose="020F0704030504030204" pitchFamily="34" charset="0"/>
+                <a:ea typeface="Arial" panose="020B0604020202020204" pitchFamily="34" charset="0"/>
+                <a:cs typeface="Times New Roman" panose="02020603050405020304" pitchFamily="18" charset="0"/>
+              </a:rPr>
+              <a:t>Superliminal</a:t>
+            </a:r>
+            <a:r>
+              <a:rPr lang="en-US" i="1" dirty="0">
+                <a:solidFill>
+                  <a:schemeClr val="tx1">
+                    <a:lumMod val="95000"/>
+                    <a:lumOff val="5000"/>
+                  </a:schemeClr>
+                </a:solidFill>
+                <a:effectLst/>
+                <a:latin typeface="Arial Rounded MT Bold" panose="020F0704030504030204" pitchFamily="34" charset="0"/>
+                <a:ea typeface="Arial" panose="020B0604020202020204" pitchFamily="34" charset="0"/>
+                <a:cs typeface="Times New Roman" panose="02020603050405020304" pitchFamily="18" charset="0"/>
+              </a:rPr>
+              <a:t>, Pacify, </a:t>
+            </a:r>
+            <a:r>
+              <a:rPr lang="en-US" i="1" dirty="0" err="1">
+                <a:solidFill>
+                  <a:schemeClr val="tx1">
+                    <a:lumMod val="95000"/>
+                    <a:lumOff val="5000"/>
+                  </a:schemeClr>
+                </a:solidFill>
+                <a:effectLst/>
+                <a:latin typeface="Arial Rounded MT Bold" panose="020F0704030504030204" pitchFamily="34" charset="0"/>
+                <a:ea typeface="Arial" panose="020B0604020202020204" pitchFamily="34" charset="0"/>
+                <a:cs typeface="Times New Roman" panose="02020603050405020304" pitchFamily="18" charset="0"/>
+              </a:rPr>
+              <a:t>Labyrimthine</a:t>
+            </a:r>
+            <a:r>
+              <a:rPr lang="en-US" i="1" dirty="0">
+                <a:solidFill>
+                  <a:schemeClr val="tx1">
+                    <a:lumMod val="95000"/>
+                    <a:lumOff val="5000"/>
+                  </a:schemeClr>
+                </a:solidFill>
+                <a:effectLst/>
+                <a:latin typeface="Arial Rounded MT Bold" panose="020F0704030504030204" pitchFamily="34" charset="0"/>
+                <a:ea typeface="Arial" panose="020B0604020202020204" pitchFamily="34" charset="0"/>
+                <a:cs typeface="Times New Roman" panose="02020603050405020304" pitchFamily="18" charset="0"/>
+              </a:rPr>
+              <a:t>, Madison, </a:t>
+            </a:r>
+            <a:r>
+              <a:rPr lang="en-US" i="1" dirty="0" err="1">
+                <a:solidFill>
+                  <a:schemeClr val="tx1">
+                    <a:lumMod val="95000"/>
+                    <a:lumOff val="5000"/>
+                  </a:schemeClr>
+                </a:solidFill>
+                <a:effectLst/>
+                <a:latin typeface="Arial Rounded MT Bold" panose="020F0704030504030204" pitchFamily="34" charset="0"/>
+                <a:ea typeface="Arial" panose="020B0604020202020204" pitchFamily="34" charset="0"/>
+                <a:cs typeface="Times New Roman" panose="02020603050405020304" pitchFamily="18" charset="0"/>
+              </a:rPr>
+              <a:t>Residen</a:t>
+            </a:r>
+            <a:r>
+              <a:rPr lang="en-US" i="1" dirty="0">
+                <a:solidFill>
+                  <a:schemeClr val="tx1">
+                    <a:lumMod val="95000"/>
+                    <a:lumOff val="5000"/>
+                  </a:schemeClr>
+                </a:solidFill>
+                <a:effectLst/>
+                <a:latin typeface="Arial Rounded MT Bold" panose="020F0704030504030204" pitchFamily="34" charset="0"/>
+                <a:ea typeface="Arial" panose="020B0604020202020204" pitchFamily="34" charset="0"/>
+                <a:cs typeface="Times New Roman" panose="02020603050405020304" pitchFamily="18" charset="0"/>
+              </a:rPr>
+              <a:t> Evil 7, Outlast</a:t>
+            </a:r>
+            <a:endParaRPr lang="es-AR" i="1" dirty="0">
+              <a:solidFill>
+                <a:schemeClr val="tx1">
+                  <a:lumMod val="95000"/>
+                  <a:lumOff val="5000"/>
+                </a:schemeClr>
+              </a:solidFill>
+              <a:effectLst/>
+              <a:latin typeface="Arial Rounded MT Bold" panose="020F0704030504030204" pitchFamily="34" charset="0"/>
+              <a:ea typeface="Times New Roman" panose="02020603050405020304" pitchFamily="18" charset="0"/>
+              <a:cs typeface="Times New Roman" panose="02020603050405020304" pitchFamily="18" charset="0"/>
+            </a:endParaRPr>
+          </a:p>
+          <a:p>
+            <a:pPr marL="0" lvl="0" indent="0" algn="l" rtl="0">
+              <a:spcBef>
+                <a:spcPts val="0"/>
+              </a:spcBef>
+              <a:spcAft>
+                <a:spcPts val="0"/>
+              </a:spcAft>
+              <a:buNone/>
+            </a:pPr>
+            <a:r>
+              <a:rPr lang="es" i="1" dirty="0">
+                <a:solidFill>
+                  <a:srgbClr val="666666"/>
+                </a:solidFill>
+              </a:rPr>
+              <a:t> </a:t>
+            </a:r>
+            <a:endParaRPr i="1" dirty="0">
+              <a:solidFill>
+                <a:srgbClr val="666666"/>
+              </a:solidFill>
+            </a:endParaRPr>
+          </a:p>
+        </p:txBody>
+      </p:sp>
+      <p:sp>
+        <p:nvSpPr>
+          <p:cNvPr id="94" name="Google Shape;94;p18"/>
+          <p:cNvSpPr/>
+          <p:nvPr/>
+        </p:nvSpPr>
+        <p:spPr>
+          <a:xfrm>
+            <a:off x="777800" y="1986725"/>
+            <a:ext cx="2160000" cy="1733400"/>
+          </a:xfrm>
+          <a:prstGeom prst="rect">
+            <a:avLst/>
+          </a:prstGeom>
+          <a:solidFill>
+            <a:schemeClr val="lt2"/>
+          </a:solidFill>
+          <a:ln>
+            <a:noFill/>
+          </a:ln>
+        </p:spPr>
+        <p:txBody>
+          <a:bodyPr spcFirstLastPara="1" wrap="square" lIns="91425" tIns="91425" rIns="91425" bIns="91425" anchor="ctr" anchorCtr="0">
+            <a:noAutofit/>
+          </a:bodyPr>
+          <a:lstStyle/>
+          <a:p>
+            <a:pPr marL="0" lvl="0" indent="0" algn="ctr" rtl="0">
+              <a:spcBef>
+                <a:spcPts val="0"/>
+              </a:spcBef>
+              <a:spcAft>
+                <a:spcPts val="0"/>
+              </a:spcAft>
+              <a:buNone/>
+            </a:pPr>
+            <a:r>
+              <a:rPr lang="es" sz="2200" b="1" dirty="0">
+                <a:solidFill>
+                  <a:srgbClr val="666666"/>
+                </a:solidFill>
+              </a:rPr>
+              <a:t>Img representativa del Juego o Referencia</a:t>
+            </a:r>
+            <a:endParaRPr sz="2200" b="1" dirty="0">
+              <a:solidFill>
+                <a:srgbClr val="666666"/>
+              </a:solidFill>
+            </a:endParaRPr>
+          </a:p>
+        </p:txBody>
+      </p:sp>
+      <p:sp>
+        <p:nvSpPr>
+          <p:cNvPr id="95" name="Google Shape;95;p18"/>
+          <p:cNvSpPr txBox="1"/>
+          <p:nvPr/>
+        </p:nvSpPr>
+        <p:spPr>
+          <a:xfrm>
+            <a:off x="117638" y="3720125"/>
+            <a:ext cx="3193013" cy="1107965"/>
+          </a:xfrm>
+          <a:prstGeom prst="rect">
+            <a:avLst/>
+          </a:prstGeom>
+          <a:noFill/>
+          <a:ln>
+            <a:noFill/>
+          </a:ln>
+        </p:spPr>
+        <p:txBody>
+          <a:bodyPr spcFirstLastPara="1" wrap="square" lIns="91425" tIns="91425" rIns="91425" bIns="91425" anchor="t" anchorCtr="0">
+            <a:spAutoFit/>
+          </a:bodyPr>
+          <a:lstStyle/>
+          <a:p>
+            <a:pPr marL="0" lvl="0" indent="0" algn="just" rtl="0">
+              <a:spcBef>
+                <a:spcPts val="0"/>
+              </a:spcBef>
+              <a:spcAft>
+                <a:spcPts val="0"/>
+              </a:spcAft>
+              <a:buNone/>
+            </a:pPr>
+            <a:r>
+              <a:rPr lang="es" sz="1000" i="1" dirty="0">
+                <a:solidFill>
+                  <a:schemeClr val="tx1">
+                    <a:lumMod val="95000"/>
+                    <a:lumOff val="5000"/>
+                  </a:schemeClr>
+                </a:solidFill>
+                <a:latin typeface="Arial Rounded MT Bold" panose="020F0704030504030204" pitchFamily="34" charset="0"/>
+              </a:rPr>
+              <a:t>Residen eveil 1</a:t>
+            </a:r>
+          </a:p>
+          <a:p>
+            <a:pPr marL="0" lvl="0" indent="0" algn="just" rtl="0">
+              <a:spcBef>
+                <a:spcPts val="0"/>
+              </a:spcBef>
+              <a:spcAft>
+                <a:spcPts val="0"/>
+              </a:spcAft>
+              <a:buNone/>
+            </a:pPr>
+            <a:r>
+              <a:rPr lang="es" sz="1000" i="1" dirty="0">
+                <a:solidFill>
+                  <a:schemeClr val="tx1">
+                    <a:lumMod val="95000"/>
+                    <a:lumOff val="5000"/>
+                  </a:schemeClr>
+                </a:solidFill>
+                <a:latin typeface="Arial Rounded MT Bold" panose="020F0704030504030204" pitchFamily="34" charset="0"/>
+              </a:rPr>
+              <a:t>Una de las particularidades de este juego es eltipo de decorados, cargados , con empapelados repetitivos, basados en colores y tonos agotadores a la persepcion visula que generan hambientes lugubres</a:t>
+            </a:r>
+            <a:endParaRPr sz="1000" i="1" dirty="0">
+              <a:solidFill>
+                <a:schemeClr val="tx1">
+                  <a:lumMod val="95000"/>
+                  <a:lumOff val="5000"/>
+                </a:schemeClr>
+              </a:solidFill>
+              <a:latin typeface="Arial Rounded MT Bold" panose="020F0704030504030204" pitchFamily="34" charset="0"/>
+            </a:endParaRPr>
+          </a:p>
+        </p:txBody>
+      </p:sp>
+      <p:sp>
+        <p:nvSpPr>
+          <p:cNvPr id="96" name="Google Shape;96;p18"/>
+          <p:cNvSpPr txBox="1"/>
+          <p:nvPr/>
+        </p:nvSpPr>
+        <p:spPr>
+          <a:xfrm>
+            <a:off x="3442249" y="3720125"/>
+            <a:ext cx="2766975" cy="1200298"/>
+          </a:xfrm>
+          <a:prstGeom prst="rect">
+            <a:avLst/>
+          </a:prstGeom>
+          <a:noFill/>
+          <a:ln>
+            <a:noFill/>
+          </a:ln>
+        </p:spPr>
+        <p:txBody>
+          <a:bodyPr spcFirstLastPara="1" wrap="square" lIns="91425" tIns="91425" rIns="91425" bIns="91425" anchor="t" anchorCtr="0">
+            <a:spAutoFit/>
+          </a:bodyPr>
+          <a:lstStyle/>
+          <a:p>
+            <a:pPr marL="0" lvl="0" indent="0" algn="just" rtl="0">
+              <a:spcBef>
+                <a:spcPts val="0"/>
+              </a:spcBef>
+              <a:spcAft>
+                <a:spcPts val="0"/>
+              </a:spcAft>
+              <a:buNone/>
+            </a:pPr>
+            <a:r>
+              <a:rPr lang="es" sz="1100" i="1" dirty="0">
+                <a:solidFill>
+                  <a:schemeClr val="tx1">
+                    <a:lumMod val="95000"/>
+                    <a:lumOff val="5000"/>
+                  </a:schemeClr>
+                </a:solidFill>
+                <a:latin typeface="Arial Rounded MT Bold" panose="020F0704030504030204" pitchFamily="34" charset="0"/>
+              </a:rPr>
+              <a:t>MADISON</a:t>
+            </a:r>
+          </a:p>
+          <a:p>
+            <a:pPr marL="0" lvl="0" indent="0" algn="just" rtl="0">
+              <a:spcBef>
+                <a:spcPts val="0"/>
+              </a:spcBef>
+              <a:spcAft>
+                <a:spcPts val="0"/>
+              </a:spcAft>
+              <a:buNone/>
+            </a:pPr>
+            <a:r>
+              <a:rPr lang="es" sz="1100" i="1" dirty="0">
+                <a:solidFill>
+                  <a:schemeClr val="tx1">
+                    <a:lumMod val="95000"/>
+                    <a:lumOff val="5000"/>
+                  </a:schemeClr>
+                </a:solidFill>
+                <a:latin typeface="Arial Rounded MT Bold" panose="020F0704030504030204" pitchFamily="34" charset="0"/>
+              </a:rPr>
+              <a:t>Otro ejemplo que nos propone emular sus espacion oscuros y eluso de referencias visuales como lo son los cuadros en las paredes y lo que generan a las mecanicas del juegos</a:t>
+            </a:r>
+            <a:endParaRPr sz="1100" i="1" dirty="0">
+              <a:solidFill>
+                <a:schemeClr val="tx1">
+                  <a:lumMod val="95000"/>
+                  <a:lumOff val="5000"/>
+                </a:schemeClr>
+              </a:solidFill>
+              <a:latin typeface="Arial Rounded MT Bold" panose="020F0704030504030204" pitchFamily="34" charset="0"/>
+            </a:endParaRPr>
+          </a:p>
+        </p:txBody>
+      </p:sp>
+      <p:sp>
+        <p:nvSpPr>
+          <p:cNvPr id="97" name="Google Shape;97;p18"/>
+          <p:cNvSpPr txBox="1"/>
+          <p:nvPr/>
+        </p:nvSpPr>
+        <p:spPr>
+          <a:xfrm>
+            <a:off x="6462275" y="3720125"/>
+            <a:ext cx="2610420" cy="1200298"/>
+          </a:xfrm>
+          <a:prstGeom prst="rect">
+            <a:avLst/>
+          </a:prstGeom>
+          <a:noFill/>
+          <a:ln>
+            <a:noFill/>
+          </a:ln>
+        </p:spPr>
+        <p:txBody>
+          <a:bodyPr spcFirstLastPara="1" wrap="square" lIns="91425" tIns="91425" rIns="91425" bIns="91425" anchor="t" anchorCtr="0">
+            <a:spAutoFit/>
+          </a:bodyPr>
+          <a:lstStyle/>
+          <a:p>
+            <a:pPr marL="0" lvl="0" indent="0" algn="just" rtl="0">
+              <a:spcBef>
+                <a:spcPts val="0"/>
+              </a:spcBef>
+              <a:spcAft>
+                <a:spcPts val="0"/>
+              </a:spcAft>
+              <a:buNone/>
+            </a:pPr>
+            <a:r>
+              <a:rPr lang="es" sz="1100" i="1" dirty="0">
+                <a:solidFill>
+                  <a:schemeClr val="tx1">
+                    <a:lumMod val="95000"/>
+                    <a:lumOff val="5000"/>
+                  </a:schemeClr>
+                </a:solidFill>
+                <a:latin typeface="Arial Rounded MT Bold" panose="020F0704030504030204" pitchFamily="34" charset="0"/>
+              </a:rPr>
+              <a:t>Resident evil 7</a:t>
+            </a:r>
+          </a:p>
+          <a:p>
+            <a:pPr marL="0" lvl="0" indent="0" algn="just" rtl="0">
+              <a:spcBef>
+                <a:spcPts val="0"/>
+              </a:spcBef>
+              <a:spcAft>
+                <a:spcPts val="0"/>
+              </a:spcAft>
+              <a:buNone/>
+            </a:pPr>
+            <a:r>
+              <a:rPr lang="es" sz="1100" i="1" dirty="0">
+                <a:solidFill>
+                  <a:schemeClr val="tx1">
+                    <a:lumMod val="95000"/>
+                    <a:lumOff val="5000"/>
+                  </a:schemeClr>
+                </a:solidFill>
+                <a:latin typeface="Arial Rounded MT Bold" panose="020F0704030504030204" pitchFamily="34" charset="0"/>
+              </a:rPr>
+              <a:t>Otra joya donde referenciamos el uso de Puzzles como elemento para alcanzar los objetivos de la narrativa y entender las tramas del juegos</a:t>
+            </a:r>
+            <a:endParaRPr sz="1100" i="1" dirty="0">
+              <a:solidFill>
+                <a:schemeClr val="tx1">
+                  <a:lumMod val="95000"/>
+                  <a:lumOff val="5000"/>
+                </a:schemeClr>
+              </a:solidFill>
+              <a:latin typeface="Arial Rounded MT Bold" panose="020F0704030504030204" pitchFamily="34" charset="0"/>
+            </a:endParaRPr>
+          </a:p>
+        </p:txBody>
+      </p:sp>
       <p:pic>
         <p:nvPicPr>
-          <p:cNvPr id="3" name="Picture 4" descr="Análisis de Madison, la aventura de miedo tipo P.T. que es el juego más  terrorífico de 2022, por ahora | Hobby Consolas">
+          <p:cNvPr id="1026" name="Picture 2" descr="Birdcage corridor | Resident Evil Wiki | Fandom">
             <a:extLst>
               <a:ext uri="{FF2B5EF4-FFF2-40B4-BE49-F238E27FC236}">
-                <a16:creationId xmlns:a16="http://schemas.microsoft.com/office/drawing/2014/main" id="{C8D29A57-C2E9-29D1-65E5-A060A35F65AE}"/>
+                <a16:creationId xmlns:a16="http://schemas.microsoft.com/office/drawing/2014/main" id="{30D38FE8-AA4C-41B9-706B-B22A5810F183}"/>
               </a:ext>
             </a:extLst>
           </p:cNvPr>
@@ -14715,6 +15147,53 @@
         </p:blipFill>
         <p:spPr bwMode="auto">
           <a:xfrm>
+            <a:off x="570012" y="1872275"/>
+            <a:ext cx="2466975" cy="1847850"/>
+          </a:xfrm>
+          <a:prstGeom prst="rect">
+            <a:avLst/>
+          </a:prstGeom>
+          <a:noFill/>
+          <a:extLst>
+            <a:ext uri="{909E8E84-426E-40DD-AFC4-6F175D3DCCD1}">
+              <a14:hiddenFill xmlns:a14="http://schemas.microsoft.com/office/drawing/2010/main">
+                <a:solidFill>
+                  <a:srgbClr val="FFFFFF"/>
+                </a:solidFill>
+              </a14:hiddenFill>
+            </a:ext>
+          </a:extLst>
+        </p:spPr>
+      </p:pic>
+      <p:pic>
+        <p:nvPicPr>
+          <p:cNvPr id="3" name="Picture 4" descr="Análisis de Madison, la aventura de miedo tipo P.T. que es el juego más  terrorífico de 2022, por ahora | Hobby Consolas">
+            <a:extLst>
+              <a:ext uri="{FF2B5EF4-FFF2-40B4-BE49-F238E27FC236}">
+                <a16:creationId xmlns:a16="http://schemas.microsoft.com/office/drawing/2014/main" id="{C8D29A57-C2E9-29D1-65E5-A060A35F65AE}"/>
+              </a:ext>
+            </a:extLst>
+          </p:cNvPr>
+          <p:cNvPicPr>
+            <a:picLocks noChangeAspect="1" noChangeArrowheads="1"/>
+          </p:cNvPicPr>
+          <p:nvPr/>
+        </p:nvPicPr>
+        <p:blipFill>
+          <a:blip r:embed="rId5">
+            <a:extLst>
+              <a:ext uri="{28A0092B-C50C-407E-A947-70E740481C1C}">
+                <a14:useLocalDpi xmlns:a14="http://schemas.microsoft.com/office/drawing/2010/main" val="0"/>
+              </a:ext>
+            </a:extLst>
+          </a:blip>
+          <a:srcRect/>
+          <a:stretch>
+            <a:fillRect/>
+          </a:stretch>
+        </p:blipFill>
+        <p:spPr bwMode="auto">
+          <a:xfrm>
             <a:off x="3354517" y="1878235"/>
             <a:ext cx="2702496" cy="1847850"/>
           </a:xfrm>
@@ -14748,7 +15227,7 @@
           <p:nvPr/>
         </p:nvPicPr>
         <p:blipFill>
-          <a:blip r:embed="rId5">
+          <a:blip r:embed="rId6">
             <a:extLst>
               <a:ext uri="{28A0092B-C50C-407E-A947-70E740481C1C}">
                 <a14:useLocalDpi xmlns:a14="http://schemas.microsoft.com/office/drawing/2010/main" val="0"/>
@@ -14858,6 +15337,53 @@
           </a:p>
         </p:txBody>
       </p:sp>
+      <p:pic>
+        <p:nvPicPr>
+          <p:cNvPr id="4" name="Picture 4">
+            <a:extLst>
+              <a:ext uri="{FF2B5EF4-FFF2-40B4-BE49-F238E27FC236}">
+                <a16:creationId xmlns:a16="http://schemas.microsoft.com/office/drawing/2014/main" id="{DB500747-0B43-1F33-35EE-60AA1E36FD9E}"/>
+              </a:ext>
+            </a:extLst>
+          </p:cNvPr>
+          <p:cNvPicPr>
+            <a:picLocks noChangeAspect="1" noChangeArrowheads="1"/>
+          </p:cNvPicPr>
+          <p:nvPr/>
+        </p:nvPicPr>
+        <p:blipFill>
+          <a:blip r:embed="rId3">
+            <a:extLst>
+              <a:ext uri="{28A0092B-C50C-407E-A947-70E740481C1C}">
+                <a14:useLocalDpi xmlns:a14="http://schemas.microsoft.com/office/drawing/2010/main" val="0"/>
+              </a:ext>
+            </a:extLst>
+          </a:blip>
+          <a:srcRect/>
+          <a:stretch>
+            <a:fillRect/>
+          </a:stretch>
+        </p:blipFill>
+        <p:spPr bwMode="auto">
+          <a:xfrm>
+            <a:off x="0" y="0"/>
+            <a:ext cx="9144001" cy="5551124"/>
+          </a:xfrm>
+          <a:prstGeom prst="rect">
+            <a:avLst/>
+          </a:prstGeom>
+          <a:noFill/>
+          <a:extLst>
+            <a:ext uri="{909E8E84-426E-40DD-AFC4-6F175D3DCCD1}">
+              <a14:hiddenFill xmlns:a14="http://schemas.microsoft.com/office/drawing/2010/main">
+                <a:solidFill>
+                  <a:srgbClr val="FFFFFF"/>
+                </a:solidFill>
+              </a14:hiddenFill>
+            </a:ext>
+          </a:extLst>
+        </p:spPr>
+      </p:pic>
       <p:sp>
         <p:nvSpPr>
           <p:cNvPr id="3" name="Rectángulo: esquinas redondeadas 2">
@@ -14991,7 +15517,7 @@
           <p:nvPr/>
         </p:nvPicPr>
         <p:blipFill rotWithShape="1">
-          <a:blip r:embed="rId3"/>
+          <a:blip r:embed="rId4"/>
           <a:srcRect l="46753" t="44110" r="7662" b="10570"/>
           <a:stretch/>
         </p:blipFill>
@@ -15433,6 +15959,53 @@
           </a:p>
         </p:txBody>
       </p:sp>
+      <p:pic>
+        <p:nvPicPr>
+          <p:cNvPr id="5" name="Picture 4">
+            <a:extLst>
+              <a:ext uri="{FF2B5EF4-FFF2-40B4-BE49-F238E27FC236}">
+                <a16:creationId xmlns:a16="http://schemas.microsoft.com/office/drawing/2014/main" id="{BA70E287-A6BD-F521-95E7-045ADECF8805}"/>
+              </a:ext>
+            </a:extLst>
+          </p:cNvPr>
+          <p:cNvPicPr>
+            <a:picLocks noChangeAspect="1" noChangeArrowheads="1"/>
+          </p:cNvPicPr>
+          <p:nvPr/>
+        </p:nvPicPr>
+        <p:blipFill>
+          <a:blip r:embed="rId3">
+            <a:extLst>
+              <a:ext uri="{28A0092B-C50C-407E-A947-70E740481C1C}">
+                <a14:useLocalDpi xmlns:a14="http://schemas.microsoft.com/office/drawing/2010/main" val="0"/>
+              </a:ext>
+            </a:extLst>
+          </a:blip>
+          <a:srcRect/>
+          <a:stretch>
+            <a:fillRect/>
+          </a:stretch>
+        </p:blipFill>
+        <p:spPr bwMode="auto">
+          <a:xfrm>
+            <a:off x="0" y="0"/>
+            <a:ext cx="9144001" cy="5332164"/>
+          </a:xfrm>
+          <a:prstGeom prst="rect">
+            <a:avLst/>
+          </a:prstGeom>
+          <a:noFill/>
+          <a:extLst>
+            <a:ext uri="{909E8E84-426E-40DD-AFC4-6F175D3DCCD1}">
+              <a14:hiddenFill xmlns:a14="http://schemas.microsoft.com/office/drawing/2010/main">
+                <a:solidFill>
+                  <a:srgbClr val="FFFFFF"/>
+                </a:solidFill>
+              </a14:hiddenFill>
+            </a:ext>
+          </a:extLst>
+        </p:spPr>
+      </p:pic>
       <p:sp>
         <p:nvSpPr>
           <p:cNvPr id="4" name="Rectángulo: esquinas redondeadas 3">
@@ -15653,144 +16226,6 @@
       </p:grpSpPr>
       <p:sp>
         <p:nvSpPr>
-          <p:cNvPr id="110" name="Google Shape;110;p20"/>
-          <p:cNvSpPr txBox="1"/>
-          <p:nvPr/>
-        </p:nvSpPr>
-        <p:spPr>
-          <a:xfrm>
-            <a:off x="268850" y="672125"/>
-            <a:ext cx="8730600" cy="1262100"/>
-          </a:xfrm>
-          <a:prstGeom prst="rect">
-            <a:avLst/>
-          </a:prstGeom>
-          <a:noFill/>
-          <a:ln>
-            <a:noFill/>
-          </a:ln>
-        </p:spPr>
-        <p:txBody>
-          <a:bodyPr spcFirstLastPara="1" wrap="square" lIns="91425" tIns="91425" rIns="91425" bIns="91425" anchor="t" anchorCtr="0">
-            <a:spAutoFit/>
-          </a:bodyPr>
-          <a:lstStyle/>
-          <a:p>
-            <a:pPr marL="0" lvl="0" indent="0" algn="l" rtl="0">
-              <a:spcBef>
-                <a:spcPts val="0"/>
-              </a:spcBef>
-              <a:spcAft>
-                <a:spcPts val="0"/>
-              </a:spcAft>
-              <a:buNone/>
-            </a:pPr>
-            <a:r>
-              <a:rPr lang="es" i="1">
-                <a:solidFill>
-                  <a:srgbClr val="666666"/>
-                </a:solidFill>
-              </a:rPr>
-              <a:t>Espacio dedicado a explicar en detalle features y/o mecánicas que hacen ÚNICO a su juego.</a:t>
-            </a:r>
-            <a:endParaRPr i="1">
-              <a:solidFill>
-                <a:srgbClr val="666666"/>
-              </a:solidFill>
-            </a:endParaRPr>
-          </a:p>
-          <a:p>
-            <a:pPr marL="0" lvl="0" indent="0" algn="l" rtl="0">
-              <a:spcBef>
-                <a:spcPts val="0"/>
-              </a:spcBef>
-              <a:spcAft>
-                <a:spcPts val="0"/>
-              </a:spcAft>
-              <a:buNone/>
-            </a:pPr>
-            <a:r>
-              <a:rPr lang="es" i="1">
-                <a:solidFill>
-                  <a:srgbClr val="666666"/>
-                </a:solidFill>
-              </a:rPr>
-              <a:t>Dediquen un slide a cada una de ellas. Solo las importantes! Esas que lo destacan de otros juegos.</a:t>
-            </a:r>
-            <a:endParaRPr i="1">
-              <a:solidFill>
-                <a:srgbClr val="666666"/>
-              </a:solidFill>
-            </a:endParaRPr>
-          </a:p>
-          <a:p>
-            <a:pPr marL="0" lvl="0" indent="0" algn="l" rtl="0">
-              <a:spcBef>
-                <a:spcPts val="0"/>
-              </a:spcBef>
-              <a:spcAft>
-                <a:spcPts val="0"/>
-              </a:spcAft>
-              <a:buNone/>
-            </a:pPr>
-            <a:endParaRPr i="1">
-              <a:solidFill>
-                <a:srgbClr val="666666"/>
-              </a:solidFill>
-            </a:endParaRPr>
-          </a:p>
-          <a:p>
-            <a:pPr marL="0" lvl="0" indent="0" algn="l" rtl="0">
-              <a:spcBef>
-                <a:spcPts val="0"/>
-              </a:spcBef>
-              <a:spcAft>
-                <a:spcPts val="0"/>
-              </a:spcAft>
-              <a:buNone/>
-            </a:pPr>
-            <a:r>
-              <a:rPr lang="es" i="1">
-                <a:solidFill>
-                  <a:srgbClr val="666666"/>
-                </a:solidFill>
-              </a:rPr>
-              <a:t>Recuerde que no solo debe detallar de forma concisa, sino ser claro en el proceso. </a:t>
-            </a:r>
-            <a:endParaRPr i="1">
-              <a:solidFill>
-                <a:srgbClr val="666666"/>
-              </a:solidFill>
-            </a:endParaRPr>
-          </a:p>
-          <a:p>
-            <a:pPr marL="0" lvl="0" indent="0" algn="l" rtl="0">
-              <a:spcBef>
-                <a:spcPts val="0"/>
-              </a:spcBef>
-              <a:spcAft>
-                <a:spcPts val="0"/>
-              </a:spcAft>
-              <a:buNone/>
-            </a:pPr>
-            <a:r>
-              <a:rPr lang="es" i="1">
-                <a:solidFill>
-                  <a:srgbClr val="666666"/>
-                </a:solidFill>
-              </a:rPr>
-              <a:t>Acompañar con imágenes de concepto es “casi” indispensable</a:t>
-            </a:r>
-            <a:endParaRPr i="1">
-              <a:solidFill>
-                <a:srgbClr val="666666"/>
-              </a:solidFill>
-            </a:endParaRPr>
-          </a:p>
-        </p:txBody>
-      </p:sp>
-      <p:sp>
-        <p:nvSpPr>
           <p:cNvPr id="111" name="Google Shape;111;p20"/>
           <p:cNvSpPr/>
           <p:nvPr/>
@@ -15877,6 +16312,53 @@
           </a:p>
         </p:txBody>
       </p:sp>
+      <p:pic>
+        <p:nvPicPr>
+          <p:cNvPr id="13" name="Picture 4">
+            <a:extLst>
+              <a:ext uri="{FF2B5EF4-FFF2-40B4-BE49-F238E27FC236}">
+                <a16:creationId xmlns:a16="http://schemas.microsoft.com/office/drawing/2014/main" id="{9AF23201-7EF1-A6D4-0809-2C17FBB45C08}"/>
+              </a:ext>
+            </a:extLst>
+          </p:cNvPr>
+          <p:cNvPicPr>
+            <a:picLocks noChangeAspect="1" noChangeArrowheads="1"/>
+          </p:cNvPicPr>
+          <p:nvPr/>
+        </p:nvPicPr>
+        <p:blipFill>
+          <a:blip r:embed="rId3">
+            <a:extLst>
+              <a:ext uri="{28A0092B-C50C-407E-A947-70E740481C1C}">
+                <a14:useLocalDpi xmlns:a14="http://schemas.microsoft.com/office/drawing/2010/main" val="0"/>
+              </a:ext>
+            </a:extLst>
+          </a:blip>
+          <a:srcRect/>
+          <a:stretch>
+            <a:fillRect/>
+          </a:stretch>
+        </p:blipFill>
+        <p:spPr bwMode="auto">
+          <a:xfrm>
+            <a:off x="-1" y="0"/>
+            <a:ext cx="9144001" cy="5332164"/>
+          </a:xfrm>
+          <a:prstGeom prst="rect">
+            <a:avLst/>
+          </a:prstGeom>
+          <a:noFill/>
+          <a:extLst>
+            <a:ext uri="{909E8E84-426E-40DD-AFC4-6F175D3DCCD1}">
+              <a14:hiddenFill xmlns:a14="http://schemas.microsoft.com/office/drawing/2010/main">
+                <a:solidFill>
+                  <a:srgbClr val="FFFFFF"/>
+                </a:solidFill>
+              </a14:hiddenFill>
+            </a:ext>
+          </a:extLst>
+        </p:spPr>
+      </p:pic>
       <p:sp>
         <p:nvSpPr>
           <p:cNvPr id="3" name="Rectángulo: esquinas redondeadas 2">

--- a/Pitch (Venta) [Template] PHOBIA.pptx
+++ b/Pitch (Venta) [Template] PHOBIA.pptx
@@ -16488,6 +16488,11 @@
               <a:gd name="adj2" fmla="val 21463850"/>
             </a:avLst>
           </a:prstGeom>
+          <a:ln>
+            <a:solidFill>
+              <a:schemeClr val="bg1"/>
+            </a:solidFill>
+          </a:ln>
         </p:spPr>
         <p:style>
           <a:lnRef idx="2">
@@ -16535,6 +16540,11 @@
               <a:gd name="adj2" fmla="val 21567982"/>
             </a:avLst>
           </a:prstGeom>
+          <a:ln>
+            <a:solidFill>
+              <a:schemeClr val="bg1"/>
+            </a:solidFill>
+          </a:ln>
         </p:spPr>
         <p:style>
           <a:lnRef idx="2">
@@ -16582,6 +16592,11 @@
               <a:gd name="adj2" fmla="val 21567982"/>
             </a:avLst>
           </a:prstGeom>
+          <a:ln>
+            <a:solidFill>
+              <a:schemeClr val="bg1"/>
+            </a:solidFill>
+          </a:ln>
         </p:spPr>
         <p:style>
           <a:lnRef idx="2">
@@ -16788,7 +16803,11 @@
           <a:lstStyle/>
           <a:p>
             <a:r>
-              <a:rPr lang="es-AR" b="1" dirty="0"/>
+              <a:rPr lang="es-AR" b="1" dirty="0">
+                <a:solidFill>
+                  <a:schemeClr val="bg1"/>
+                </a:solidFill>
+              </a:rPr>
               <a:t>Investigar</a:t>
             </a:r>
           </a:p>
@@ -16808,7 +16827,7 @@
         </p:nvSpPr>
         <p:spPr>
           <a:xfrm>
-            <a:off x="5601597" y="2319033"/>
+            <a:off x="5177469" y="2303673"/>
             <a:ext cx="1648208" cy="307777"/>
           </a:xfrm>
           <a:prstGeom prst="rect">
@@ -16823,14 +16842,26 @@
           <a:lstStyle/>
           <a:p>
             <a:r>
-              <a:rPr lang="es-AR" b="1" dirty="0"/>
+              <a:rPr lang="es-AR" b="1" dirty="0">
+                <a:solidFill>
+                  <a:schemeClr val="bg1"/>
+                </a:solidFill>
+              </a:rPr>
               <a:t>Resolver </a:t>
             </a:r>
             <a:r>
-              <a:rPr lang="es-AR" b="1" dirty="0" err="1"/>
+              <a:rPr lang="es-AR" b="1" dirty="0" err="1">
+                <a:solidFill>
+                  <a:schemeClr val="bg1"/>
+                </a:solidFill>
+              </a:rPr>
               <a:t>Puzzles</a:t>
             </a:r>
-            <a:endParaRPr lang="es-AR" b="1" dirty="0"/>
+            <a:endParaRPr lang="es-AR" b="1" dirty="0">
+              <a:solidFill>
+                <a:schemeClr val="bg1"/>
+              </a:solidFill>
+            </a:endParaRPr>
           </a:p>
         </p:txBody>
       </p:sp>
@@ -16863,10 +16894,53 @@
           <a:lstStyle/>
           <a:p>
             <a:r>
-              <a:rPr lang="es-AR" b="1" dirty="0" err="1"/>
-              <a:t>Abanzar</a:t>
-            </a:r>
-            <a:endParaRPr lang="es-AR" b="1" dirty="0"/>
+              <a:rPr lang="es-AR" b="1" dirty="0">
+                <a:solidFill>
+                  <a:schemeClr val="bg1"/>
+                </a:solidFill>
+              </a:rPr>
+              <a:t>Avanzar</a:t>
+            </a:r>
+          </a:p>
+        </p:txBody>
+      </p:sp>
+      <p:sp>
+        <p:nvSpPr>
+          <p:cNvPr id="14" name="CuadroTexto 13">
+            <a:extLst>
+              <a:ext uri="{FF2B5EF4-FFF2-40B4-BE49-F238E27FC236}">
+                <a16:creationId xmlns:a16="http://schemas.microsoft.com/office/drawing/2014/main" id="{EFAB6B7F-3BFD-9FFA-F1A4-622A7E9EC35A}"/>
+              </a:ext>
+            </a:extLst>
+          </p:cNvPr>
+          <p:cNvSpPr txBox="1"/>
+          <p:nvPr/>
+        </p:nvSpPr>
+        <p:spPr>
+          <a:xfrm>
+            <a:off x="3847605" y="558800"/>
+            <a:ext cx="2037737" cy="461665"/>
+          </a:xfrm>
+          <a:prstGeom prst="rect">
+            <a:avLst/>
+          </a:prstGeom>
+          <a:noFill/>
+        </p:spPr>
+        <p:txBody>
+          <a:bodyPr wrap="none" rtlCol="0">
+            <a:spAutoFit/>
+          </a:bodyPr>
+          <a:lstStyle/>
+          <a:p>
+            <a:r>
+              <a:rPr lang="es-AR" sz="2400" b="1" dirty="0">
+                <a:solidFill>
+                  <a:schemeClr val="bg1"/>
+                </a:solidFill>
+                <a:latin typeface="Arial Rounded MT Bold" panose="020F0704030504030204" pitchFamily="34" charset="0"/>
+              </a:rPr>
+              <a:t>CORE LOOP</a:t>
+            </a:r>
           </a:p>
         </p:txBody>
       </p:sp>
